--- a/Презентация Microsoft PowerPoint.pptx
+++ b/Презентация Microsoft PowerPoint.pptx
@@ -8,6 +8,7 @@
     <p:sldId id="256" r:id="rId2"/>
     <p:sldId id="257" r:id="rId3"/>
     <p:sldId id="258" r:id="rId4"/>
+    <p:sldId id="259" r:id="rId5"/>
   </p:sldIdLst>
   <p:sldSz cx="12192000" cy="6858000"/>
   <p:notesSz cx="6858000" cy="9144000"/>
@@ -106,6 +107,11 @@
       </a:defRPr>
     </a:lvl9pPr>
   </p:defaultTextStyle>
+  <p:extLst>
+    <p:ext uri="{EFAFB233-063F-42B5-8137-9DF3F51BA10A}">
+      <p15:sldGuideLst xmlns:p15="http://schemas.microsoft.com/office/powerpoint/2012/main"/>
+    </p:ext>
+  </p:extLst>
 </p:presentation>
 </file>
 
@@ -294,7 +300,7 @@
           <a:p>
             <a:fld id="{6D08A19F-D333-4595-8414-ABF2D3176DF2}" type="datetimeFigureOut">
               <a:rPr lang="ru-RU" smtClean="0"/>
-              <a:t>10.12.2023</a:t>
+              <a:t>11.12.2023</a:t>
             </a:fld>
             <a:endParaRPr lang="ru-RU"/>
           </a:p>
@@ -494,7 +500,7 @@
           <a:p>
             <a:fld id="{6D08A19F-D333-4595-8414-ABF2D3176DF2}" type="datetimeFigureOut">
               <a:rPr lang="ru-RU" smtClean="0"/>
-              <a:t>10.12.2023</a:t>
+              <a:t>11.12.2023</a:t>
             </a:fld>
             <a:endParaRPr lang="ru-RU"/>
           </a:p>
@@ -704,7 +710,7 @@
           <a:p>
             <a:fld id="{6D08A19F-D333-4595-8414-ABF2D3176DF2}" type="datetimeFigureOut">
               <a:rPr lang="ru-RU" smtClean="0"/>
-              <a:t>10.12.2023</a:t>
+              <a:t>11.12.2023</a:t>
             </a:fld>
             <a:endParaRPr lang="ru-RU"/>
           </a:p>
@@ -904,7 +910,7 @@
           <a:p>
             <a:fld id="{6D08A19F-D333-4595-8414-ABF2D3176DF2}" type="datetimeFigureOut">
               <a:rPr lang="ru-RU" smtClean="0"/>
-              <a:t>10.12.2023</a:t>
+              <a:t>11.12.2023</a:t>
             </a:fld>
             <a:endParaRPr lang="ru-RU"/>
           </a:p>
@@ -1180,7 +1186,7 @@
           <a:p>
             <a:fld id="{6D08A19F-D333-4595-8414-ABF2D3176DF2}" type="datetimeFigureOut">
               <a:rPr lang="ru-RU" smtClean="0"/>
-              <a:t>10.12.2023</a:t>
+              <a:t>11.12.2023</a:t>
             </a:fld>
             <a:endParaRPr lang="ru-RU"/>
           </a:p>
@@ -1448,7 +1454,7 @@
           <a:p>
             <a:fld id="{6D08A19F-D333-4595-8414-ABF2D3176DF2}" type="datetimeFigureOut">
               <a:rPr lang="ru-RU" smtClean="0"/>
-              <a:t>10.12.2023</a:t>
+              <a:t>11.12.2023</a:t>
             </a:fld>
             <a:endParaRPr lang="ru-RU"/>
           </a:p>
@@ -1863,7 +1869,7 @@
           <a:p>
             <a:fld id="{6D08A19F-D333-4595-8414-ABF2D3176DF2}" type="datetimeFigureOut">
               <a:rPr lang="ru-RU" smtClean="0"/>
-              <a:t>10.12.2023</a:t>
+              <a:t>11.12.2023</a:t>
             </a:fld>
             <a:endParaRPr lang="ru-RU"/>
           </a:p>
@@ -2005,7 +2011,7 @@
           <a:p>
             <a:fld id="{6D08A19F-D333-4595-8414-ABF2D3176DF2}" type="datetimeFigureOut">
               <a:rPr lang="ru-RU" smtClean="0"/>
-              <a:t>10.12.2023</a:t>
+              <a:t>11.12.2023</a:t>
             </a:fld>
             <a:endParaRPr lang="ru-RU"/>
           </a:p>
@@ -2118,7 +2124,7 @@
           <a:p>
             <a:fld id="{6D08A19F-D333-4595-8414-ABF2D3176DF2}" type="datetimeFigureOut">
               <a:rPr lang="ru-RU" smtClean="0"/>
-              <a:t>10.12.2023</a:t>
+              <a:t>11.12.2023</a:t>
             </a:fld>
             <a:endParaRPr lang="ru-RU"/>
           </a:p>
@@ -2431,7 +2437,7 @@
           <a:p>
             <a:fld id="{6D08A19F-D333-4595-8414-ABF2D3176DF2}" type="datetimeFigureOut">
               <a:rPr lang="ru-RU" smtClean="0"/>
-              <a:t>10.12.2023</a:t>
+              <a:t>11.12.2023</a:t>
             </a:fld>
             <a:endParaRPr lang="ru-RU"/>
           </a:p>
@@ -2724,7 +2730,7 @@
           <a:p>
             <a:fld id="{6D08A19F-D333-4595-8414-ABF2D3176DF2}" type="datetimeFigureOut">
               <a:rPr lang="ru-RU" smtClean="0"/>
-              <a:t>10.12.2023</a:t>
+              <a:t>11.12.2023</a:t>
             </a:fld>
             <a:endParaRPr lang="ru-RU"/>
           </a:p>
@@ -3001,7 +3007,7 @@
           <a:p>
             <a:fld id="{6D08A19F-D333-4595-8414-ABF2D3176DF2}" type="datetimeFigureOut">
               <a:rPr lang="ru-RU" smtClean="0"/>
-              <a:t>10.12.2023</a:t>
+              <a:t>11.12.2023</a:t>
             </a:fld>
             <a:endParaRPr lang="ru-RU"/>
           </a:p>
@@ -3753,6 +3759,135 @@
 </p:sld>
 </file>
 
+<file path=ppt/slides/slide4.xml><?xml version="1.0" encoding="utf-8"?>
+<p:sld xmlns:a="http://schemas.openxmlformats.org/drawingml/2006/main" xmlns:r="http://schemas.openxmlformats.org/officeDocument/2006/relationships" xmlns:p="http://schemas.openxmlformats.org/presentationml/2006/main">
+  <p:cSld>
+    <p:spTree>
+      <p:nvGrpSpPr>
+        <p:cNvPr id="1" name=""/>
+        <p:cNvGrpSpPr/>
+        <p:nvPr/>
+      </p:nvGrpSpPr>
+      <p:grpSpPr>
+        <a:xfrm>
+          <a:off x="0" y="0"/>
+          <a:ext cx="0" cy="0"/>
+          <a:chOff x="0" y="0"/>
+          <a:chExt cx="0" cy="0"/>
+        </a:xfrm>
+      </p:grpSpPr>
+      <p:sp>
+        <p:nvSpPr>
+          <p:cNvPr id="2" name="Заголовок 1"/>
+          <p:cNvSpPr>
+            <a:spLocks noGrp="1"/>
+          </p:cNvSpPr>
+          <p:nvPr>
+            <p:ph type="title"/>
+          </p:nvPr>
+        </p:nvSpPr>
+        <p:spPr>
+          <a:xfrm>
+            <a:off x="1143000" y="365125"/>
+            <a:ext cx="7767320" cy="569595"/>
+          </a:xfrm>
+        </p:spPr>
+        <p:txBody>
+          <a:bodyPr>
+            <a:normAutofit fontScale="90000"/>
+          </a:bodyPr>
+          <a:lstStyle/>
+          <a:p>
+            <a:r>
+              <a:rPr lang="ru-RU" dirty="0" smtClean="0">
+                <a:latin typeface="Bahnschrift Light Condensed" panose="020B0502040204020203" pitchFamily="34" charset="0"/>
+              </a:rPr>
+              <a:t>Компиляция и выполнение кода на сервере</a:t>
+            </a:r>
+            <a:endParaRPr lang="ru-RU" dirty="0">
+              <a:latin typeface="Bahnschrift Light Condensed" panose="020B0502040204020203" pitchFamily="34" charset="0"/>
+            </a:endParaRPr>
+          </a:p>
+        </p:txBody>
+      </p:sp>
+      <p:sp>
+        <p:nvSpPr>
+          <p:cNvPr id="3" name="TextBox 2"/>
+          <p:cNvSpPr txBox="1"/>
+          <p:nvPr/>
+        </p:nvSpPr>
+        <p:spPr>
+          <a:xfrm>
+            <a:off x="609600" y="1239520"/>
+            <a:ext cx="6654800" cy="2123658"/>
+          </a:xfrm>
+          <a:prstGeom prst="rect">
+            <a:avLst/>
+          </a:prstGeom>
+          <a:noFill/>
+        </p:spPr>
+        <p:txBody>
+          <a:bodyPr wrap="square" rtlCol="0">
+            <a:spAutoFit/>
+          </a:bodyPr>
+          <a:lstStyle/>
+          <a:p>
+            <a:pPr algn="just"/>
+            <a:r>
+              <a:rPr lang="ru-RU" sz="2200" dirty="0" smtClean="0">
+                <a:latin typeface="Bahnschrift Light Condensed" panose="020B0502040204020203" pitchFamily="34" charset="0"/>
+              </a:rPr>
+              <a:t>	Для реализации этих процессов используется отдельное приложение </a:t>
+            </a:r>
+            <a:r>
+              <a:rPr lang="ru-RU" sz="2200" smtClean="0">
+                <a:latin typeface="Bahnschrift Light Condensed" panose="020B0502040204020203" pitchFamily="34" charset="0"/>
+              </a:rPr>
+              <a:t>и используется .</a:t>
+            </a:r>
+            <a:endParaRPr lang="ru-RU" sz="2200" dirty="0" smtClean="0">
+              <a:latin typeface="Bahnschrift Light Condensed" panose="020B0502040204020203" pitchFamily="34" charset="0"/>
+            </a:endParaRPr>
+          </a:p>
+          <a:p>
+            <a:pPr algn="just"/>
+            <a:r>
+              <a:rPr lang="ru-RU" sz="2200" dirty="0" smtClean="0">
+                <a:latin typeface="Bahnschrift Light Condensed" panose="020B0502040204020203" pitchFamily="34" charset="0"/>
+              </a:rPr>
+              <a:t>	Коротко говоря, при помощи </a:t>
+            </a:r>
+            <a:r>
+              <a:rPr lang="en-US" sz="2200" dirty="0" smtClean="0">
+                <a:latin typeface="Bahnschrift Light Condensed" panose="020B0502040204020203" pitchFamily="34" charset="0"/>
+              </a:rPr>
+              <a:t>Docker</a:t>
+            </a:r>
+            <a:r>
+              <a:rPr lang="ru-RU" sz="2200" dirty="0" smtClean="0">
+                <a:latin typeface="Bahnschrift Light Condensed" panose="020B0502040204020203" pitchFamily="34" charset="0"/>
+              </a:rPr>
+              <a:t> можно настроить систему, сделать «снимок» - образ, и опубликовать его в специальном хранилище. После чего можно запускать экземпляр этого образа – контейнер, и везде будет настроенное окружение.</a:t>
+            </a:r>
+            <a:endParaRPr lang="ru-RU" sz="2200" dirty="0">
+              <a:latin typeface="Bahnschrift Light Condensed" panose="020B0502040204020203" pitchFamily="34" charset="0"/>
+            </a:endParaRPr>
+          </a:p>
+        </p:txBody>
+      </p:sp>
+    </p:spTree>
+    <p:extLst>
+      <p:ext uri="{BB962C8B-B14F-4D97-AF65-F5344CB8AC3E}">
+        <p14:creationId xmlns:p14="http://schemas.microsoft.com/office/powerpoint/2010/main" val="964564857"/>
+      </p:ext>
+    </p:extLst>
+  </p:cSld>
+  <p:clrMapOvr>
+    <a:masterClrMapping/>
+  </p:clrMapOvr>
+</p:sld>
+</file>
+
 <file path=ppt/theme/theme1.xml><?xml version="1.0" encoding="utf-8"?>
 <a:theme xmlns:a="http://schemas.openxmlformats.org/drawingml/2006/main" name="Тема1">
   <a:themeElements>

--- a/Презентация Microsoft PowerPoint.pptx
+++ b/Презентация Microsoft PowerPoint.pptx
@@ -4,11 +4,15 @@
   <p:sldMasterIdLst>
     <p:sldMasterId id="2147483660" r:id="rId1"/>
   </p:sldMasterIdLst>
+  <p:notesMasterIdLst>
+    <p:notesMasterId r:id="rId7"/>
+  </p:notesMasterIdLst>
   <p:sldIdLst>
     <p:sldId id="256" r:id="rId2"/>
     <p:sldId id="257" r:id="rId3"/>
     <p:sldId id="258" r:id="rId4"/>
     <p:sldId id="259" r:id="rId5"/>
+    <p:sldId id="260" r:id="rId6"/>
   </p:sldIdLst>
   <p:sldSz cx="12192000" cy="6858000"/>
   <p:notesSz cx="6858000" cy="9144000"/>
@@ -113,6 +117,440 @@
     </p:ext>
   </p:extLst>
 </p:presentation>
+</file>
+
+<file path=ppt/notesMasters/notesMaster1.xml><?xml version="1.0" encoding="utf-8"?>
+<p:notesMaster xmlns:a="http://schemas.openxmlformats.org/drawingml/2006/main" xmlns:r="http://schemas.openxmlformats.org/officeDocument/2006/relationships" xmlns:p="http://schemas.openxmlformats.org/presentationml/2006/main">
+  <p:cSld>
+    <p:bg>
+      <p:bgRef idx="1001">
+        <a:schemeClr val="bg1"/>
+      </p:bgRef>
+    </p:bg>
+    <p:spTree>
+      <p:nvGrpSpPr>
+        <p:cNvPr id="1" name=""/>
+        <p:cNvGrpSpPr/>
+        <p:nvPr/>
+      </p:nvGrpSpPr>
+      <p:grpSpPr>
+        <a:xfrm>
+          <a:off x="0" y="0"/>
+          <a:ext cx="0" cy="0"/>
+          <a:chOff x="0" y="0"/>
+          <a:chExt cx="0" cy="0"/>
+        </a:xfrm>
+      </p:grpSpPr>
+      <p:sp>
+        <p:nvSpPr>
+          <p:cNvPr id="2" name="Верхний колонтитул 1"/>
+          <p:cNvSpPr>
+            <a:spLocks noGrp="1"/>
+          </p:cNvSpPr>
+          <p:nvPr>
+            <p:ph type="hdr" sz="quarter"/>
+          </p:nvPr>
+        </p:nvSpPr>
+        <p:spPr>
+          <a:xfrm>
+            <a:off x="0" y="0"/>
+            <a:ext cx="2971800" cy="458788"/>
+          </a:xfrm>
+          <a:prstGeom prst="rect">
+            <a:avLst/>
+          </a:prstGeom>
+        </p:spPr>
+        <p:txBody>
+          <a:bodyPr vert="horz" lIns="91440" tIns="45720" rIns="91440" bIns="45720" rtlCol="0"/>
+          <a:lstStyle>
+            <a:lvl1pPr algn="l">
+              <a:defRPr sz="1200"/>
+            </a:lvl1pPr>
+          </a:lstStyle>
+          <a:p>
+            <a:endParaRPr lang="ru-RU"/>
+          </a:p>
+        </p:txBody>
+      </p:sp>
+      <p:sp>
+        <p:nvSpPr>
+          <p:cNvPr id="3" name="Дата 2"/>
+          <p:cNvSpPr>
+            <a:spLocks noGrp="1"/>
+          </p:cNvSpPr>
+          <p:nvPr>
+            <p:ph type="dt" idx="1"/>
+          </p:nvPr>
+        </p:nvSpPr>
+        <p:spPr>
+          <a:xfrm>
+            <a:off x="3884613" y="0"/>
+            <a:ext cx="2971800" cy="458788"/>
+          </a:xfrm>
+          <a:prstGeom prst="rect">
+            <a:avLst/>
+          </a:prstGeom>
+        </p:spPr>
+        <p:txBody>
+          <a:bodyPr vert="horz" lIns="91440" tIns="45720" rIns="91440" bIns="45720" rtlCol="0"/>
+          <a:lstStyle>
+            <a:lvl1pPr algn="r">
+              <a:defRPr sz="1200"/>
+            </a:lvl1pPr>
+          </a:lstStyle>
+          <a:p>
+            <a:fld id="{06EA2F6A-6C6A-4F9A-A657-6DE485336090}" type="datetimeFigureOut">
+              <a:rPr lang="ru-RU" smtClean="0"/>
+              <a:t>11.12.2023</a:t>
+            </a:fld>
+            <a:endParaRPr lang="ru-RU"/>
+          </a:p>
+        </p:txBody>
+      </p:sp>
+      <p:sp>
+        <p:nvSpPr>
+          <p:cNvPr id="4" name="Образ слайда 3"/>
+          <p:cNvSpPr>
+            <a:spLocks noGrp="1" noRot="1" noChangeAspect="1"/>
+          </p:cNvSpPr>
+          <p:nvPr>
+            <p:ph type="sldImg" idx="2"/>
+          </p:nvPr>
+        </p:nvSpPr>
+        <p:spPr>
+          <a:xfrm>
+            <a:off x="685800" y="1143000"/>
+            <a:ext cx="5486400" cy="3086100"/>
+          </a:xfrm>
+          <a:prstGeom prst="rect">
+            <a:avLst/>
+          </a:prstGeom>
+          <a:noFill/>
+          <a:ln w="12700">
+            <a:solidFill>
+              <a:prstClr val="black"/>
+            </a:solidFill>
+          </a:ln>
+        </p:spPr>
+        <p:txBody>
+          <a:bodyPr vert="horz" lIns="91440" tIns="45720" rIns="91440" bIns="45720" rtlCol="0" anchor="ctr"/>
+          <a:lstStyle/>
+          <a:p>
+            <a:endParaRPr lang="ru-RU"/>
+          </a:p>
+        </p:txBody>
+      </p:sp>
+      <p:sp>
+        <p:nvSpPr>
+          <p:cNvPr id="5" name="Заметки 4"/>
+          <p:cNvSpPr>
+            <a:spLocks noGrp="1"/>
+          </p:cNvSpPr>
+          <p:nvPr>
+            <p:ph type="body" sz="quarter" idx="3"/>
+          </p:nvPr>
+        </p:nvSpPr>
+        <p:spPr>
+          <a:xfrm>
+            <a:off x="685800" y="4400550"/>
+            <a:ext cx="5486400" cy="3600450"/>
+          </a:xfrm>
+          <a:prstGeom prst="rect">
+            <a:avLst/>
+          </a:prstGeom>
+        </p:spPr>
+        <p:txBody>
+          <a:bodyPr vert="horz" lIns="91440" tIns="45720" rIns="91440" bIns="45720" rtlCol="0"/>
+          <a:lstStyle/>
+          <a:p>
+            <a:pPr lvl="0"/>
+            <a:r>
+              <a:rPr lang="ru-RU" smtClean="0"/>
+              <a:t>Образец текста</a:t>
+            </a:r>
+          </a:p>
+          <a:p>
+            <a:pPr lvl="1"/>
+            <a:r>
+              <a:rPr lang="ru-RU" smtClean="0"/>
+              <a:t>Второй уровень</a:t>
+            </a:r>
+          </a:p>
+          <a:p>
+            <a:pPr lvl="2"/>
+            <a:r>
+              <a:rPr lang="ru-RU" smtClean="0"/>
+              <a:t>Третий уровень</a:t>
+            </a:r>
+          </a:p>
+          <a:p>
+            <a:pPr lvl="3"/>
+            <a:r>
+              <a:rPr lang="ru-RU" smtClean="0"/>
+              <a:t>Четвертый уровень</a:t>
+            </a:r>
+          </a:p>
+          <a:p>
+            <a:pPr lvl="4"/>
+            <a:r>
+              <a:rPr lang="ru-RU" smtClean="0"/>
+              <a:t>Пятый уровень</a:t>
+            </a:r>
+            <a:endParaRPr lang="ru-RU"/>
+          </a:p>
+        </p:txBody>
+      </p:sp>
+      <p:sp>
+        <p:nvSpPr>
+          <p:cNvPr id="6" name="Нижний колонтитул 5"/>
+          <p:cNvSpPr>
+            <a:spLocks noGrp="1"/>
+          </p:cNvSpPr>
+          <p:nvPr>
+            <p:ph type="ftr" sz="quarter" idx="4"/>
+          </p:nvPr>
+        </p:nvSpPr>
+        <p:spPr>
+          <a:xfrm>
+            <a:off x="0" y="8685213"/>
+            <a:ext cx="2971800" cy="458787"/>
+          </a:xfrm>
+          <a:prstGeom prst="rect">
+            <a:avLst/>
+          </a:prstGeom>
+        </p:spPr>
+        <p:txBody>
+          <a:bodyPr vert="horz" lIns="91440" tIns="45720" rIns="91440" bIns="45720" rtlCol="0" anchor="b"/>
+          <a:lstStyle>
+            <a:lvl1pPr algn="l">
+              <a:defRPr sz="1200"/>
+            </a:lvl1pPr>
+          </a:lstStyle>
+          <a:p>
+            <a:endParaRPr lang="ru-RU"/>
+          </a:p>
+        </p:txBody>
+      </p:sp>
+      <p:sp>
+        <p:nvSpPr>
+          <p:cNvPr id="7" name="Номер слайда 6"/>
+          <p:cNvSpPr>
+            <a:spLocks noGrp="1"/>
+          </p:cNvSpPr>
+          <p:nvPr>
+            <p:ph type="sldNum" sz="quarter" idx="5"/>
+          </p:nvPr>
+        </p:nvSpPr>
+        <p:spPr>
+          <a:xfrm>
+            <a:off x="3884613" y="8685213"/>
+            <a:ext cx="2971800" cy="458787"/>
+          </a:xfrm>
+          <a:prstGeom prst="rect">
+            <a:avLst/>
+          </a:prstGeom>
+        </p:spPr>
+        <p:txBody>
+          <a:bodyPr vert="horz" lIns="91440" tIns="45720" rIns="91440" bIns="45720" rtlCol="0" anchor="b"/>
+          <a:lstStyle>
+            <a:lvl1pPr algn="r">
+              <a:defRPr sz="1200"/>
+            </a:lvl1pPr>
+          </a:lstStyle>
+          <a:p>
+            <a:fld id="{B2796907-CA03-4721-9DD0-B4E87A3A23F9}" type="slidenum">
+              <a:rPr lang="ru-RU" smtClean="0"/>
+              <a:t>‹#›</a:t>
+            </a:fld>
+            <a:endParaRPr lang="ru-RU"/>
+          </a:p>
+        </p:txBody>
+      </p:sp>
+    </p:spTree>
+    <p:extLst>
+      <p:ext uri="{BB962C8B-B14F-4D97-AF65-F5344CB8AC3E}">
+        <p14:creationId xmlns:p14="http://schemas.microsoft.com/office/powerpoint/2010/main" val="3122031019"/>
+      </p:ext>
+    </p:extLst>
+  </p:cSld>
+  <p:clrMap bg1="lt1" tx1="dk1" bg2="lt2" tx2="dk2" accent1="accent1" accent2="accent2" accent3="accent3" accent4="accent4" accent5="accent5" accent6="accent6" hlink="hlink" folHlink="folHlink"/>
+  <p:notesStyle>
+    <a:lvl1pPr marL="0" algn="l" defTabSz="914400" rtl="0" eaLnBrk="1" latinLnBrk="0" hangingPunct="1">
+      <a:defRPr sz="1200" kern="1200">
+        <a:solidFill>
+          <a:schemeClr val="tx1"/>
+        </a:solidFill>
+        <a:latin typeface="+mn-lt"/>
+        <a:ea typeface="+mn-ea"/>
+        <a:cs typeface="+mn-cs"/>
+      </a:defRPr>
+    </a:lvl1pPr>
+    <a:lvl2pPr marL="457200" algn="l" defTabSz="914400" rtl="0" eaLnBrk="1" latinLnBrk="0" hangingPunct="1">
+      <a:defRPr sz="1200" kern="1200">
+        <a:solidFill>
+          <a:schemeClr val="tx1"/>
+        </a:solidFill>
+        <a:latin typeface="+mn-lt"/>
+        <a:ea typeface="+mn-ea"/>
+        <a:cs typeface="+mn-cs"/>
+      </a:defRPr>
+    </a:lvl2pPr>
+    <a:lvl3pPr marL="914400" algn="l" defTabSz="914400" rtl="0" eaLnBrk="1" latinLnBrk="0" hangingPunct="1">
+      <a:defRPr sz="1200" kern="1200">
+        <a:solidFill>
+          <a:schemeClr val="tx1"/>
+        </a:solidFill>
+        <a:latin typeface="+mn-lt"/>
+        <a:ea typeface="+mn-ea"/>
+        <a:cs typeface="+mn-cs"/>
+      </a:defRPr>
+    </a:lvl3pPr>
+    <a:lvl4pPr marL="1371600" algn="l" defTabSz="914400" rtl="0" eaLnBrk="1" latinLnBrk="0" hangingPunct="1">
+      <a:defRPr sz="1200" kern="1200">
+        <a:solidFill>
+          <a:schemeClr val="tx1"/>
+        </a:solidFill>
+        <a:latin typeface="+mn-lt"/>
+        <a:ea typeface="+mn-ea"/>
+        <a:cs typeface="+mn-cs"/>
+      </a:defRPr>
+    </a:lvl4pPr>
+    <a:lvl5pPr marL="1828800" algn="l" defTabSz="914400" rtl="0" eaLnBrk="1" latinLnBrk="0" hangingPunct="1">
+      <a:defRPr sz="1200" kern="1200">
+        <a:solidFill>
+          <a:schemeClr val="tx1"/>
+        </a:solidFill>
+        <a:latin typeface="+mn-lt"/>
+        <a:ea typeface="+mn-ea"/>
+        <a:cs typeface="+mn-cs"/>
+      </a:defRPr>
+    </a:lvl5pPr>
+    <a:lvl6pPr marL="2286000" algn="l" defTabSz="914400" rtl="0" eaLnBrk="1" latinLnBrk="0" hangingPunct="1">
+      <a:defRPr sz="1200" kern="1200">
+        <a:solidFill>
+          <a:schemeClr val="tx1"/>
+        </a:solidFill>
+        <a:latin typeface="+mn-lt"/>
+        <a:ea typeface="+mn-ea"/>
+        <a:cs typeface="+mn-cs"/>
+      </a:defRPr>
+    </a:lvl6pPr>
+    <a:lvl7pPr marL="2743200" algn="l" defTabSz="914400" rtl="0" eaLnBrk="1" latinLnBrk="0" hangingPunct="1">
+      <a:defRPr sz="1200" kern="1200">
+        <a:solidFill>
+          <a:schemeClr val="tx1"/>
+        </a:solidFill>
+        <a:latin typeface="+mn-lt"/>
+        <a:ea typeface="+mn-ea"/>
+        <a:cs typeface="+mn-cs"/>
+      </a:defRPr>
+    </a:lvl7pPr>
+    <a:lvl8pPr marL="3200400" algn="l" defTabSz="914400" rtl="0" eaLnBrk="1" latinLnBrk="0" hangingPunct="1">
+      <a:defRPr sz="1200" kern="1200">
+        <a:solidFill>
+          <a:schemeClr val="tx1"/>
+        </a:solidFill>
+        <a:latin typeface="+mn-lt"/>
+        <a:ea typeface="+mn-ea"/>
+        <a:cs typeface="+mn-cs"/>
+      </a:defRPr>
+    </a:lvl8pPr>
+    <a:lvl9pPr marL="3657600" algn="l" defTabSz="914400" rtl="0" eaLnBrk="1" latinLnBrk="0" hangingPunct="1">
+      <a:defRPr sz="1200" kern="1200">
+        <a:solidFill>
+          <a:schemeClr val="tx1"/>
+        </a:solidFill>
+        <a:latin typeface="+mn-lt"/>
+        <a:ea typeface="+mn-ea"/>
+        <a:cs typeface="+mn-cs"/>
+      </a:defRPr>
+    </a:lvl9pPr>
+  </p:notesStyle>
+</p:notesMaster>
+</file>
+
+<file path=ppt/notesSlides/notesSlide1.xml><?xml version="1.0" encoding="utf-8"?>
+<p:notes xmlns:a="http://schemas.openxmlformats.org/drawingml/2006/main" xmlns:r="http://schemas.openxmlformats.org/officeDocument/2006/relationships" xmlns:p="http://schemas.openxmlformats.org/presentationml/2006/main">
+  <p:cSld>
+    <p:spTree>
+      <p:nvGrpSpPr>
+        <p:cNvPr id="1" name=""/>
+        <p:cNvGrpSpPr/>
+        <p:nvPr/>
+      </p:nvGrpSpPr>
+      <p:grpSpPr>
+        <a:xfrm>
+          <a:off x="0" y="0"/>
+          <a:ext cx="0" cy="0"/>
+          <a:chOff x="0" y="0"/>
+          <a:chExt cx="0" cy="0"/>
+        </a:xfrm>
+      </p:grpSpPr>
+      <p:sp>
+        <p:nvSpPr>
+          <p:cNvPr id="2" name="Образ слайда 1"/>
+          <p:cNvSpPr>
+            <a:spLocks noGrp="1" noRot="1" noChangeAspect="1"/>
+          </p:cNvSpPr>
+          <p:nvPr>
+            <p:ph type="sldImg"/>
+          </p:nvPr>
+        </p:nvSpPr>
+        <p:spPr/>
+      </p:sp>
+      <p:sp>
+        <p:nvSpPr>
+          <p:cNvPr id="3" name="Заметки 2"/>
+          <p:cNvSpPr>
+            <a:spLocks noGrp="1"/>
+          </p:cNvSpPr>
+          <p:nvPr>
+            <p:ph type="body" idx="1"/>
+          </p:nvPr>
+        </p:nvSpPr>
+        <p:spPr/>
+        <p:txBody>
+          <a:bodyPr/>
+          <a:lstStyle/>
+          <a:p>
+            <a:endParaRPr lang="ru-RU" dirty="0"/>
+          </a:p>
+        </p:txBody>
+      </p:sp>
+      <p:sp>
+        <p:nvSpPr>
+          <p:cNvPr id="4" name="Номер слайда 3"/>
+          <p:cNvSpPr>
+            <a:spLocks noGrp="1"/>
+          </p:cNvSpPr>
+          <p:nvPr>
+            <p:ph type="sldNum" sz="quarter" idx="10"/>
+          </p:nvPr>
+        </p:nvSpPr>
+        <p:spPr/>
+        <p:txBody>
+          <a:bodyPr/>
+          <a:lstStyle/>
+          <a:p>
+            <a:fld id="{B2796907-CA03-4721-9DD0-B4E87A3A23F9}" type="slidenum">
+              <a:rPr lang="ru-RU" smtClean="0"/>
+              <a:t>5</a:t>
+            </a:fld>
+            <a:endParaRPr lang="ru-RU"/>
+          </a:p>
+        </p:txBody>
+      </p:sp>
+    </p:spTree>
+    <p:extLst>
+      <p:ext uri="{BB962C8B-B14F-4D97-AF65-F5344CB8AC3E}">
+        <p14:creationId xmlns:p14="http://schemas.microsoft.com/office/powerpoint/2010/main" val="3779168911"/>
+      </p:ext>
+    </p:extLst>
+  </p:cSld>
+  <p:clrMapOvr>
+    <a:masterClrMapping/>
+  </p:clrMapOvr>
+</p:notes>
 </file>
 
 <file path=ppt/slideLayouts/slideLayout1.xml><?xml version="1.0" encoding="utf-8"?>
@@ -3818,8 +4256,8 @@
         </p:nvSpPr>
         <p:spPr>
           <a:xfrm>
-            <a:off x="609600" y="1239520"/>
-            <a:ext cx="6654800" cy="2123658"/>
+            <a:off x="226845" y="915879"/>
+            <a:ext cx="10636578" cy="430887"/>
           </a:xfrm>
           <a:prstGeom prst="rect">
             <a:avLst/>
@@ -3837,25 +4275,43 @@
               <a:rPr lang="ru-RU" sz="2200" dirty="0" smtClean="0">
                 <a:latin typeface="Bahnschrift Light Condensed" panose="020B0502040204020203" pitchFamily="34" charset="0"/>
               </a:rPr>
-              <a:t>	Для реализации этих процессов используется отдельное приложение </a:t>
-            </a:r>
-            <a:r>
-              <a:rPr lang="ru-RU" sz="2200" smtClean="0">
-                <a:latin typeface="Bahnschrift Light Condensed" panose="020B0502040204020203" pitchFamily="34" charset="0"/>
-              </a:rPr>
-              <a:t>и используется .</a:t>
-            </a:r>
-            <a:endParaRPr lang="ru-RU" sz="2200" dirty="0" smtClean="0">
-              <a:latin typeface="Bahnschrift Light Condensed" panose="020B0502040204020203" pitchFamily="34" charset="0"/>
-            </a:endParaRPr>
-          </a:p>
-          <a:p>
-            <a:pPr algn="just"/>
+              <a:t>	Для </a:t>
+            </a:r>
             <a:r>
               <a:rPr lang="ru-RU" sz="2200" dirty="0" smtClean="0">
                 <a:latin typeface="Bahnschrift Light Condensed" panose="020B0502040204020203" pitchFamily="34" charset="0"/>
               </a:rPr>
-              <a:t>	Коротко говоря, при помощи </a:t>
+              <a:t>автоматизации</a:t>
+            </a:r>
+            <a:r>
+              <a:rPr lang="ru-RU" sz="2200" dirty="0" smtClean="0">
+                <a:latin typeface="Bahnschrift Light Condensed" panose="020B0502040204020203" pitchFamily="34" charset="0"/>
+              </a:rPr>
+              <a:t> </a:t>
+            </a:r>
+            <a:r>
+              <a:rPr lang="ru-RU" sz="2200" dirty="0" smtClean="0">
+                <a:latin typeface="Bahnschrift Light Condensed" panose="020B0502040204020203" pitchFamily="34" charset="0"/>
+              </a:rPr>
+              <a:t>этих процессов используется отдельное </a:t>
+            </a:r>
+            <a:r>
+              <a:rPr lang="ru-RU" sz="2200" dirty="0" smtClean="0">
+                <a:latin typeface="Bahnschrift Light Condensed" panose="020B0502040204020203" pitchFamily="34" charset="0"/>
+              </a:rPr>
+              <a:t>приложение</a:t>
+            </a:r>
+            <a:r>
+              <a:rPr lang="en-US" sz="2200" dirty="0" smtClean="0">
+                <a:latin typeface="Bahnschrift Light Condensed" panose="020B0502040204020203" pitchFamily="34" charset="0"/>
+              </a:rPr>
+              <a:t> </a:t>
+            </a:r>
+            <a:r>
+              <a:rPr lang="ru-RU" sz="2200" dirty="0" smtClean="0">
+                <a:latin typeface="Bahnschrift Light Condensed" panose="020B0502040204020203" pitchFamily="34" charset="0"/>
+              </a:rPr>
+              <a:t>и </a:t>
             </a:r>
             <a:r>
               <a:rPr lang="en-US" sz="2200" dirty="0" smtClean="0">
@@ -3863,13 +4319,171 @@
               </a:rPr>
               <a:t>Docker</a:t>
             </a:r>
-            <a:r>
-              <a:rPr lang="ru-RU" sz="2200" dirty="0" smtClean="0">
+            <a:endParaRPr lang="ru-RU" sz="2200" dirty="0" smtClean="0">
+              <a:latin typeface="Bahnschrift Light Condensed" panose="020B0502040204020203" pitchFamily="34" charset="0"/>
+            </a:endParaRPr>
+          </a:p>
+        </p:txBody>
+      </p:sp>
+      <p:pic>
+        <p:nvPicPr>
+          <p:cNvPr id="4" name="Рисунок 3"/>
+          <p:cNvPicPr>
+            <a:picLocks noChangeAspect="1"/>
+          </p:cNvPicPr>
+          <p:nvPr/>
+        </p:nvPicPr>
+        <p:blipFill>
+          <a:blip r:embed="rId2">
+            <a:extLst>
+              <a:ext uri="{28A0092B-C50C-407E-A947-70E740481C1C}">
+                <a14:useLocalDpi xmlns:a14="http://schemas.microsoft.com/office/drawing/2010/main" val="0"/>
+              </a:ext>
+            </a:extLst>
+          </a:blip>
+          <a:stretch>
+            <a:fillRect/>
+          </a:stretch>
+        </p:blipFill>
+        <p:spPr>
+          <a:xfrm>
+            <a:off x="989816" y="1640207"/>
+            <a:ext cx="5578734" cy="4467665"/>
+          </a:xfrm>
+          <a:prstGeom prst="rect">
+            <a:avLst/>
+          </a:prstGeom>
+        </p:spPr>
+      </p:pic>
+      <p:pic>
+        <p:nvPicPr>
+          <p:cNvPr id="6" name="Рисунок 5"/>
+          <p:cNvPicPr>
+            <a:picLocks noChangeAspect="1"/>
+          </p:cNvPicPr>
+          <p:nvPr/>
+        </p:nvPicPr>
+        <p:blipFill>
+          <a:blip r:embed="rId3"/>
+          <a:stretch>
+            <a:fillRect/>
+          </a:stretch>
+        </p:blipFill>
+        <p:spPr>
+          <a:xfrm>
+            <a:off x="7373481" y="5048600"/>
+            <a:ext cx="3779848" cy="1059272"/>
+          </a:xfrm>
+          <a:prstGeom prst="rect">
+            <a:avLst/>
+          </a:prstGeom>
+        </p:spPr>
+      </p:pic>
+      <p:pic>
+        <p:nvPicPr>
+          <p:cNvPr id="7" name="Рисунок 6"/>
+          <p:cNvPicPr>
+            <a:picLocks noChangeAspect="1"/>
+          </p:cNvPicPr>
+          <p:nvPr/>
+        </p:nvPicPr>
+        <p:blipFill>
+          <a:blip r:embed="rId4">
+            <a:extLst>
+              <a:ext uri="{28A0092B-C50C-407E-A947-70E740481C1C}">
+                <a14:useLocalDpi xmlns:a14="http://schemas.microsoft.com/office/drawing/2010/main" val="0"/>
+              </a:ext>
+            </a:extLst>
+          </a:blip>
+          <a:stretch>
+            <a:fillRect/>
+          </a:stretch>
+        </p:blipFill>
+        <p:spPr>
+          <a:xfrm>
+            <a:off x="8910320" y="2189699"/>
+            <a:ext cx="1819374" cy="1819374"/>
+          </a:xfrm>
+          <a:prstGeom prst="rect">
+            <a:avLst/>
+          </a:prstGeom>
+        </p:spPr>
+      </p:pic>
+      <p:sp>
+        <p:nvSpPr>
+          <p:cNvPr id="8" name="TextBox 7"/>
+          <p:cNvSpPr txBox="1"/>
+          <p:nvPr/>
+        </p:nvSpPr>
+        <p:spPr>
+          <a:xfrm>
+            <a:off x="1901375" y="6096354"/>
+            <a:ext cx="4811418" cy="369332"/>
+          </a:xfrm>
+          <a:prstGeom prst="rect">
+            <a:avLst/>
+          </a:prstGeom>
+          <a:noFill/>
+        </p:spPr>
+        <p:txBody>
+          <a:bodyPr wrap="square" rtlCol="0">
+            <a:spAutoFit/>
+          </a:bodyPr>
+          <a:lstStyle/>
+          <a:p>
+            <a:r>
+              <a:rPr lang="ru-RU" dirty="0" smtClean="0">
                 <a:latin typeface="Bahnschrift Light Condensed" panose="020B0502040204020203" pitchFamily="34" charset="0"/>
               </a:rPr>
-              <a:t> можно настроить систему, сделать «снимок» - образ, и опубликовать его в специальном хранилище. После чего можно запускать экземпляр этого образа – контейнер, и везде будет настроенное окружение.</a:t>
-            </a:r>
-            <a:endParaRPr lang="ru-RU" sz="2200" dirty="0">
+              <a:t>Рисунок 1 – Архитектура сервиса выполнения</a:t>
+            </a:r>
+            <a:endParaRPr lang="ru-RU" dirty="0">
+              <a:latin typeface="Bahnschrift Light Condensed" panose="020B0502040204020203" pitchFamily="34" charset="0"/>
+            </a:endParaRPr>
+          </a:p>
+        </p:txBody>
+      </p:sp>
+      <p:sp>
+        <p:nvSpPr>
+          <p:cNvPr id="9" name="TextBox 8"/>
+          <p:cNvSpPr txBox="1"/>
+          <p:nvPr/>
+        </p:nvSpPr>
+        <p:spPr>
+          <a:xfrm>
+            <a:off x="7593231" y="6107175"/>
+            <a:ext cx="4811418" cy="369332"/>
+          </a:xfrm>
+          <a:prstGeom prst="rect">
+            <a:avLst/>
+          </a:prstGeom>
+          <a:noFill/>
+        </p:spPr>
+        <p:txBody>
+          <a:bodyPr wrap="square" rtlCol="0">
+            <a:spAutoFit/>
+          </a:bodyPr>
+          <a:lstStyle/>
+          <a:p>
+            <a:r>
+              <a:rPr lang="ru-RU" dirty="0" smtClean="0">
+                <a:latin typeface="Bahnschrift Light Condensed" panose="020B0502040204020203" pitchFamily="34" charset="0"/>
+              </a:rPr>
+              <a:t>Рисунок 2 – Часть </a:t>
+            </a:r>
+            <a:r>
+              <a:rPr lang="en-US" dirty="0" err="1" smtClean="0">
+                <a:latin typeface="Bahnschrift Light Condensed" panose="020B0502040204020203" pitchFamily="34" charset="0"/>
+              </a:rPr>
+              <a:t>Dockerfile</a:t>
+            </a:r>
+            <a:r>
+              <a:rPr lang="ru-RU" dirty="0" smtClean="0">
+                <a:latin typeface="Bahnschrift Light Condensed" panose="020B0502040204020203" pitchFamily="34" charset="0"/>
+              </a:rPr>
+              <a:t> для образа</a:t>
+            </a:r>
+            <a:endParaRPr lang="ru-RU" dirty="0">
               <a:latin typeface="Bahnschrift Light Condensed" panose="020B0502040204020203" pitchFamily="34" charset="0"/>
             </a:endParaRPr>
           </a:p>
@@ -3879,6 +4493,277 @@
     <p:extLst>
       <p:ext uri="{BB962C8B-B14F-4D97-AF65-F5344CB8AC3E}">
         <p14:creationId xmlns:p14="http://schemas.microsoft.com/office/powerpoint/2010/main" val="964564857"/>
+      </p:ext>
+    </p:extLst>
+  </p:cSld>
+  <p:clrMapOvr>
+    <a:masterClrMapping/>
+  </p:clrMapOvr>
+</p:sld>
+</file>
+
+<file path=ppt/slides/slide5.xml><?xml version="1.0" encoding="utf-8"?>
+<p:sld xmlns:a="http://schemas.openxmlformats.org/drawingml/2006/main" xmlns:r="http://schemas.openxmlformats.org/officeDocument/2006/relationships" xmlns:p="http://schemas.openxmlformats.org/presentationml/2006/main">
+  <p:cSld>
+    <p:spTree>
+      <p:nvGrpSpPr>
+        <p:cNvPr id="1" name=""/>
+        <p:cNvGrpSpPr/>
+        <p:nvPr/>
+      </p:nvGrpSpPr>
+      <p:grpSpPr>
+        <a:xfrm>
+          <a:off x="0" y="0"/>
+          <a:ext cx="0" cy="0"/>
+          <a:chOff x="0" y="0"/>
+          <a:chExt cx="0" cy="0"/>
+        </a:xfrm>
+      </p:grpSpPr>
+      <p:sp>
+        <p:nvSpPr>
+          <p:cNvPr id="3" name="Заголовок 1"/>
+          <p:cNvSpPr>
+            <a:spLocks noGrp="1"/>
+          </p:cNvSpPr>
+          <p:nvPr>
+            <p:ph type="title"/>
+          </p:nvPr>
+        </p:nvSpPr>
+        <p:spPr>
+          <a:xfrm>
+            <a:off x="916757" y="823925"/>
+            <a:ext cx="7767320" cy="569595"/>
+          </a:xfrm>
+        </p:spPr>
+        <p:txBody>
+          <a:bodyPr>
+            <a:normAutofit fontScale="90000"/>
+          </a:bodyPr>
+          <a:lstStyle/>
+          <a:p>
+            <a:r>
+              <a:rPr lang="ru-RU" dirty="0" smtClean="0">
+                <a:latin typeface="Bahnschrift Light Condensed" panose="020B0502040204020203" pitchFamily="34" charset="0"/>
+              </a:rPr>
+              <a:t>Структура задачи</a:t>
+            </a:r>
+            <a:endParaRPr lang="ru-RU" dirty="0">
+              <a:latin typeface="Bahnschrift Light Condensed" panose="020B0502040204020203" pitchFamily="34" charset="0"/>
+            </a:endParaRPr>
+          </a:p>
+        </p:txBody>
+      </p:sp>
+      <p:sp>
+        <p:nvSpPr>
+          <p:cNvPr id="4" name="TextBox 3"/>
+          <p:cNvSpPr txBox="1"/>
+          <p:nvPr/>
+        </p:nvSpPr>
+        <p:spPr>
+          <a:xfrm>
+            <a:off x="735291" y="1602084"/>
+            <a:ext cx="6975835" cy="2246769"/>
+          </a:xfrm>
+          <a:prstGeom prst="rect">
+            <a:avLst/>
+          </a:prstGeom>
+          <a:noFill/>
+        </p:spPr>
+        <p:txBody>
+          <a:bodyPr wrap="square" rtlCol="0">
+            <a:spAutoFit/>
+          </a:bodyPr>
+          <a:lstStyle/>
+          <a:p>
+            <a:pPr marL="285750" indent="-285750">
+              <a:buFont typeface="Arial" panose="020B0604020202020204" pitchFamily="34" charset="0"/>
+              <a:buChar char="•"/>
+            </a:pPr>
+            <a:r>
+              <a:rPr lang="ru-RU" sz="2800" dirty="0" smtClean="0">
+                <a:latin typeface="Bahnschrift Light Condensed" panose="020B0502040204020203" pitchFamily="34" charset="0"/>
+              </a:rPr>
+              <a:t>Типы данных для входных параметров и результата</a:t>
+            </a:r>
+          </a:p>
+          <a:p>
+            <a:pPr marL="285750" indent="-285750">
+              <a:buFont typeface="Arial" panose="020B0604020202020204" pitchFamily="34" charset="0"/>
+              <a:buChar char="•"/>
+            </a:pPr>
+            <a:r>
+              <a:rPr lang="ru-RU" sz="2800" dirty="0" smtClean="0">
+                <a:latin typeface="Bahnschrift Light Condensed" panose="020B0502040204020203" pitchFamily="34" charset="0"/>
+              </a:rPr>
+              <a:t>Тестовые данные, проверяющие правильность решения. </a:t>
+            </a:r>
+          </a:p>
+          <a:p>
+            <a:pPr marL="285750" indent="-285750">
+              <a:buFont typeface="Arial" panose="020B0604020202020204" pitchFamily="34" charset="0"/>
+              <a:buChar char="•"/>
+            </a:pPr>
+            <a:r>
+              <a:rPr lang="ru-RU" sz="2800" dirty="0" smtClean="0">
+                <a:latin typeface="Bahnschrift Light Condensed" panose="020B0502040204020203" pitchFamily="34" charset="0"/>
+              </a:rPr>
+              <a:t>Шаблон решения (рисунок 3 - 4) для каждого возможного языка</a:t>
+            </a:r>
+            <a:endParaRPr lang="ru-RU" sz="2800" dirty="0">
+              <a:latin typeface="Bahnschrift Light Condensed" panose="020B0502040204020203" pitchFamily="34" charset="0"/>
+            </a:endParaRPr>
+          </a:p>
+        </p:txBody>
+      </p:sp>
+      <p:pic>
+        <p:nvPicPr>
+          <p:cNvPr id="5" name="Рисунок 4"/>
+          <p:cNvPicPr>
+            <a:picLocks noChangeAspect="1"/>
+          </p:cNvPicPr>
+          <p:nvPr/>
+        </p:nvPicPr>
+        <p:blipFill rotWithShape="1">
+          <a:blip r:embed="rId3"/>
+          <a:srcRect r="15818"/>
+          <a:stretch/>
+        </p:blipFill>
+        <p:spPr>
+          <a:xfrm>
+            <a:off x="1941270" y="4380412"/>
+            <a:ext cx="4026344" cy="1661842"/>
+          </a:xfrm>
+          <a:prstGeom prst="rect">
+            <a:avLst/>
+          </a:prstGeom>
+        </p:spPr>
+      </p:pic>
+      <p:pic>
+        <p:nvPicPr>
+          <p:cNvPr id="6" name="Рисунок 5"/>
+          <p:cNvPicPr>
+            <a:picLocks noChangeAspect="1"/>
+          </p:cNvPicPr>
+          <p:nvPr/>
+        </p:nvPicPr>
+        <p:blipFill>
+          <a:blip r:embed="rId4"/>
+          <a:stretch>
+            <a:fillRect/>
+          </a:stretch>
+        </p:blipFill>
+        <p:spPr>
+          <a:xfrm>
+            <a:off x="6467234" y="4811617"/>
+            <a:ext cx="3998064" cy="1199542"/>
+          </a:xfrm>
+          <a:prstGeom prst="rect">
+            <a:avLst/>
+          </a:prstGeom>
+        </p:spPr>
+      </p:pic>
+      <p:pic>
+        <p:nvPicPr>
+          <p:cNvPr id="9" name="Рисунок 8"/>
+          <p:cNvPicPr>
+            <a:picLocks noChangeAspect="1"/>
+          </p:cNvPicPr>
+          <p:nvPr/>
+        </p:nvPicPr>
+        <p:blipFill>
+          <a:blip r:embed="rId5">
+            <a:extLst>
+              <a:ext uri="{28A0092B-C50C-407E-A947-70E740481C1C}">
+                <a14:useLocalDpi xmlns:a14="http://schemas.microsoft.com/office/drawing/2010/main" val="0"/>
+              </a:ext>
+            </a:extLst>
+          </a:blip>
+          <a:stretch>
+            <a:fillRect/>
+          </a:stretch>
+        </p:blipFill>
+        <p:spPr>
+          <a:xfrm>
+            <a:off x="8684077" y="1819259"/>
+            <a:ext cx="2140880" cy="2140880"/>
+          </a:xfrm>
+          <a:prstGeom prst="rect">
+            <a:avLst/>
+          </a:prstGeom>
+        </p:spPr>
+      </p:pic>
+      <p:sp>
+        <p:nvSpPr>
+          <p:cNvPr id="10" name="TextBox 9"/>
+          <p:cNvSpPr txBox="1"/>
+          <p:nvPr/>
+        </p:nvSpPr>
+        <p:spPr>
+          <a:xfrm>
+            <a:off x="2647676" y="6042254"/>
+            <a:ext cx="3151063" cy="400110"/>
+          </a:xfrm>
+          <a:prstGeom prst="rect">
+            <a:avLst/>
+          </a:prstGeom>
+          <a:noFill/>
+        </p:spPr>
+        <p:txBody>
+          <a:bodyPr wrap="square" rtlCol="0">
+            <a:spAutoFit/>
+          </a:bodyPr>
+          <a:lstStyle/>
+          <a:p>
+            <a:r>
+              <a:rPr lang="ru-RU" sz="2000" dirty="0" smtClean="0">
+                <a:latin typeface="Bahnschrift Light Condensed" panose="020B0502040204020203" pitchFamily="34" charset="0"/>
+              </a:rPr>
+              <a:t>Рисунок 3 - Пример шаблона</a:t>
+            </a:r>
+            <a:endParaRPr lang="ru-RU" sz="2000" dirty="0">
+              <a:latin typeface="Bahnschrift Light Condensed" panose="020B0502040204020203" pitchFamily="34" charset="0"/>
+            </a:endParaRPr>
+          </a:p>
+        </p:txBody>
+      </p:sp>
+      <p:sp>
+        <p:nvSpPr>
+          <p:cNvPr id="11" name="TextBox 10"/>
+          <p:cNvSpPr txBox="1"/>
+          <p:nvPr/>
+        </p:nvSpPr>
+        <p:spPr>
+          <a:xfrm>
+            <a:off x="6985577" y="6011159"/>
+            <a:ext cx="3151063" cy="400110"/>
+          </a:xfrm>
+          <a:prstGeom prst="rect">
+            <a:avLst/>
+          </a:prstGeom>
+          <a:noFill/>
+        </p:spPr>
+        <p:txBody>
+          <a:bodyPr wrap="square" rtlCol="0">
+            <a:spAutoFit/>
+          </a:bodyPr>
+          <a:lstStyle/>
+          <a:p>
+            <a:r>
+              <a:rPr lang="ru-RU" sz="2000" dirty="0" smtClean="0">
+                <a:latin typeface="Bahnschrift Light Condensed" panose="020B0502040204020203" pitchFamily="34" charset="0"/>
+              </a:rPr>
+              <a:t>Рисунок 4 - Пример шаблона</a:t>
+            </a:r>
+            <a:endParaRPr lang="ru-RU" sz="2000" dirty="0">
+              <a:latin typeface="Bahnschrift Light Condensed" panose="020B0502040204020203" pitchFamily="34" charset="0"/>
+            </a:endParaRPr>
+          </a:p>
+        </p:txBody>
+      </p:sp>
+    </p:spTree>
+    <p:extLst>
+      <p:ext uri="{BB962C8B-B14F-4D97-AF65-F5344CB8AC3E}">
+        <p14:creationId xmlns:p14="http://schemas.microsoft.com/office/powerpoint/2010/main" val="1140152401"/>
       </p:ext>
     </p:extLst>
   </p:cSld>
@@ -4181,4 +5066,265 @@
     </a:ext>
   </a:extLst>
 </a:theme>
+</file>
+
+<file path=ppt/theme/theme2.xml><?xml version="1.0" encoding="utf-8"?>
+<a:theme xmlns:a="http://schemas.openxmlformats.org/drawingml/2006/main" name="Тема Office">
+  <a:themeElements>
+    <a:clrScheme name="Стандартная">
+      <a:dk1>
+        <a:sysClr val="windowText" lastClr="000000"/>
+      </a:dk1>
+      <a:lt1>
+        <a:sysClr val="window" lastClr="FFFFFF"/>
+      </a:lt1>
+      <a:dk2>
+        <a:srgbClr val="44546A"/>
+      </a:dk2>
+      <a:lt2>
+        <a:srgbClr val="E7E6E6"/>
+      </a:lt2>
+      <a:accent1>
+        <a:srgbClr val="5B9BD5"/>
+      </a:accent1>
+      <a:accent2>
+        <a:srgbClr val="ED7D31"/>
+      </a:accent2>
+      <a:accent3>
+        <a:srgbClr val="A5A5A5"/>
+      </a:accent3>
+      <a:accent4>
+        <a:srgbClr val="FFC000"/>
+      </a:accent4>
+      <a:accent5>
+        <a:srgbClr val="4472C4"/>
+      </a:accent5>
+      <a:accent6>
+        <a:srgbClr val="70AD47"/>
+      </a:accent6>
+      <a:hlink>
+        <a:srgbClr val="0563C1"/>
+      </a:hlink>
+      <a:folHlink>
+        <a:srgbClr val="954F72"/>
+      </a:folHlink>
+    </a:clrScheme>
+    <a:fontScheme name="Стандартная">
+      <a:majorFont>
+        <a:latin typeface="Calibri Light" panose="020F0302020204030204"/>
+        <a:ea typeface=""/>
+        <a:cs typeface=""/>
+        <a:font script="Jpan" typeface="游ゴシック Light"/>
+        <a:font script="Hang" typeface="맑은 고딕"/>
+        <a:font script="Hans" typeface="等线 Light"/>
+        <a:font script="Hant" typeface="新細明體"/>
+        <a:font script="Arab" typeface="Times New Roman"/>
+        <a:font script="Hebr" typeface="Times New Roman"/>
+        <a:font script="Thai" typeface="Angsana New"/>
+        <a:font script="Ethi" typeface="Nyala"/>
+        <a:font script="Beng" typeface="Vrinda"/>
+        <a:font script="Gujr" typeface="Shruti"/>
+        <a:font script="Khmr" typeface="MoolBoran"/>
+        <a:font script="Knda" typeface="Tunga"/>
+        <a:font script="Guru" typeface="Raavi"/>
+        <a:font script="Cans" typeface="Euphemia"/>
+        <a:font script="Cher" typeface="Plantagenet Cherokee"/>
+        <a:font script="Yiii" typeface="Microsoft Yi Baiti"/>
+        <a:font script="Tibt" typeface="Microsoft Himalaya"/>
+        <a:font script="Thaa" typeface="MV Boli"/>
+        <a:font script="Deva" typeface="Mangal"/>
+        <a:font script="Telu" typeface="Gautami"/>
+        <a:font script="Taml" typeface="Latha"/>
+        <a:font script="Syrc" typeface="Estrangelo Edessa"/>
+        <a:font script="Orya" typeface="Kalinga"/>
+        <a:font script="Mlym" typeface="Kartika"/>
+        <a:font script="Laoo" typeface="DokChampa"/>
+        <a:font script="Sinh" typeface="Iskoola Pota"/>
+        <a:font script="Mong" typeface="Mongolian Baiti"/>
+        <a:font script="Viet" typeface="Times New Roman"/>
+        <a:font script="Uigh" typeface="Microsoft Uighur"/>
+        <a:font script="Geor" typeface="Sylfaen"/>
+      </a:majorFont>
+      <a:minorFont>
+        <a:latin typeface="Calibri" panose="020F0502020204030204"/>
+        <a:ea typeface=""/>
+        <a:cs typeface=""/>
+        <a:font script="Jpan" typeface="游ゴシック"/>
+        <a:font script="Hang" typeface="맑은 고딕"/>
+        <a:font script="Hans" typeface="等线"/>
+        <a:font script="Hant" typeface="新細明體"/>
+        <a:font script="Arab" typeface="Arial"/>
+        <a:font script="Hebr" typeface="Arial"/>
+        <a:font script="Thai" typeface="Cordia New"/>
+        <a:font script="Ethi" typeface="Nyala"/>
+        <a:font script="Beng" typeface="Vrinda"/>
+        <a:font script="Gujr" typeface="Shruti"/>
+        <a:font script="Khmr" typeface="DaunPenh"/>
+        <a:font script="Knda" typeface="Tunga"/>
+        <a:font script="Guru" typeface="Raavi"/>
+        <a:font script="Cans" typeface="Euphemia"/>
+        <a:font script="Cher" typeface="Plantagenet Cherokee"/>
+        <a:font script="Yiii" typeface="Microsoft Yi Baiti"/>
+        <a:font script="Tibt" typeface="Microsoft Himalaya"/>
+        <a:font script="Thaa" typeface="MV Boli"/>
+        <a:font script="Deva" typeface="Mangal"/>
+        <a:font script="Telu" typeface="Gautami"/>
+        <a:font script="Taml" typeface="Latha"/>
+        <a:font script="Syrc" typeface="Estrangelo Edessa"/>
+        <a:font script="Orya" typeface="Kalinga"/>
+        <a:font script="Mlym" typeface="Kartika"/>
+        <a:font script="Laoo" typeface="DokChampa"/>
+        <a:font script="Sinh" typeface="Iskoola Pota"/>
+        <a:font script="Mong" typeface="Mongolian Baiti"/>
+        <a:font script="Viet" typeface="Arial"/>
+        <a:font script="Uigh" typeface="Microsoft Uighur"/>
+        <a:font script="Geor" typeface="Sylfaen"/>
+      </a:minorFont>
+    </a:fontScheme>
+    <a:fmtScheme name="Стандартная">
+      <a:fillStyleLst>
+        <a:solidFill>
+          <a:schemeClr val="phClr"/>
+        </a:solidFill>
+        <a:gradFill rotWithShape="1">
+          <a:gsLst>
+            <a:gs pos="0">
+              <a:schemeClr val="phClr">
+                <a:lumMod val="110000"/>
+                <a:satMod val="105000"/>
+                <a:tint val="67000"/>
+              </a:schemeClr>
+            </a:gs>
+            <a:gs pos="50000">
+              <a:schemeClr val="phClr">
+                <a:lumMod val="105000"/>
+                <a:satMod val="103000"/>
+                <a:tint val="73000"/>
+              </a:schemeClr>
+            </a:gs>
+            <a:gs pos="100000">
+              <a:schemeClr val="phClr">
+                <a:lumMod val="105000"/>
+                <a:satMod val="109000"/>
+                <a:tint val="81000"/>
+              </a:schemeClr>
+            </a:gs>
+          </a:gsLst>
+          <a:lin ang="5400000" scaled="0"/>
+        </a:gradFill>
+        <a:gradFill rotWithShape="1">
+          <a:gsLst>
+            <a:gs pos="0">
+              <a:schemeClr val="phClr">
+                <a:satMod val="103000"/>
+                <a:lumMod val="102000"/>
+                <a:tint val="94000"/>
+              </a:schemeClr>
+            </a:gs>
+            <a:gs pos="50000">
+              <a:schemeClr val="phClr">
+                <a:satMod val="110000"/>
+                <a:lumMod val="100000"/>
+                <a:shade val="100000"/>
+              </a:schemeClr>
+            </a:gs>
+            <a:gs pos="100000">
+              <a:schemeClr val="phClr">
+                <a:lumMod val="99000"/>
+                <a:satMod val="120000"/>
+                <a:shade val="78000"/>
+              </a:schemeClr>
+            </a:gs>
+          </a:gsLst>
+          <a:lin ang="5400000" scaled="0"/>
+        </a:gradFill>
+      </a:fillStyleLst>
+      <a:lnStyleLst>
+        <a:ln w="6350" cap="flat" cmpd="sng" algn="ctr">
+          <a:solidFill>
+            <a:schemeClr val="phClr"/>
+          </a:solidFill>
+          <a:prstDash val="solid"/>
+          <a:miter lim="800000"/>
+        </a:ln>
+        <a:ln w="12700" cap="flat" cmpd="sng" algn="ctr">
+          <a:solidFill>
+            <a:schemeClr val="phClr"/>
+          </a:solidFill>
+          <a:prstDash val="solid"/>
+          <a:miter lim="800000"/>
+        </a:ln>
+        <a:ln w="19050" cap="flat" cmpd="sng" algn="ctr">
+          <a:solidFill>
+            <a:schemeClr val="phClr"/>
+          </a:solidFill>
+          <a:prstDash val="solid"/>
+          <a:miter lim="800000"/>
+        </a:ln>
+      </a:lnStyleLst>
+      <a:effectStyleLst>
+        <a:effectStyle>
+          <a:effectLst/>
+        </a:effectStyle>
+        <a:effectStyle>
+          <a:effectLst/>
+        </a:effectStyle>
+        <a:effectStyle>
+          <a:effectLst>
+            <a:outerShdw blurRad="57150" dist="19050" dir="5400000" algn="ctr" rotWithShape="0">
+              <a:srgbClr val="000000">
+                <a:alpha val="63000"/>
+              </a:srgbClr>
+            </a:outerShdw>
+          </a:effectLst>
+        </a:effectStyle>
+      </a:effectStyleLst>
+      <a:bgFillStyleLst>
+        <a:solidFill>
+          <a:schemeClr val="phClr"/>
+        </a:solidFill>
+        <a:solidFill>
+          <a:schemeClr val="phClr">
+            <a:tint val="95000"/>
+            <a:satMod val="170000"/>
+          </a:schemeClr>
+        </a:solidFill>
+        <a:gradFill rotWithShape="1">
+          <a:gsLst>
+            <a:gs pos="0">
+              <a:schemeClr val="phClr">
+                <a:tint val="93000"/>
+                <a:satMod val="150000"/>
+                <a:shade val="98000"/>
+                <a:lumMod val="102000"/>
+              </a:schemeClr>
+            </a:gs>
+            <a:gs pos="50000">
+              <a:schemeClr val="phClr">
+                <a:tint val="98000"/>
+                <a:satMod val="130000"/>
+                <a:shade val="90000"/>
+                <a:lumMod val="103000"/>
+              </a:schemeClr>
+            </a:gs>
+            <a:gs pos="100000">
+              <a:schemeClr val="phClr">
+                <a:shade val="63000"/>
+                <a:satMod val="120000"/>
+              </a:schemeClr>
+            </a:gs>
+          </a:gsLst>
+          <a:lin ang="5400000" scaled="0"/>
+        </a:gradFill>
+      </a:bgFillStyleLst>
+    </a:fmtScheme>
+  </a:themeElements>
+  <a:objectDefaults/>
+  <a:extraClrSchemeLst/>
+  <a:extLst>
+    <a:ext uri="{05A4C25C-085E-4340-85A3-A5531E510DB2}">
+      <thm15:themeFamily xmlns:thm15="http://schemas.microsoft.com/office/thememl/2012/main" name="Office Theme" id="{62F939B6-93AF-4DB8-9C6B-D6C7DFDC589F}" vid="{4A3C46E8-61CC-4603-A589-7422A47A8E4A}"/>
+    </a:ext>
+  </a:extLst>
+</a:theme>
 </file>
--- a/Презентация Microsoft PowerPoint.pptx
+++ b/Презентация Microsoft PowerPoint.pptx
@@ -5,7 +5,7 @@
     <p:sldMasterId id="2147483660" r:id="rId1"/>
   </p:sldMasterIdLst>
   <p:notesMasterIdLst>
-    <p:notesMasterId r:id="rId7"/>
+    <p:notesMasterId r:id="rId9"/>
   </p:notesMasterIdLst>
   <p:sldIdLst>
     <p:sldId id="256" r:id="rId2"/>
@@ -13,6 +13,8 @@
     <p:sldId id="258" r:id="rId4"/>
     <p:sldId id="259" r:id="rId5"/>
     <p:sldId id="260" r:id="rId6"/>
+    <p:sldId id="261" r:id="rId7"/>
+    <p:sldId id="262" r:id="rId8"/>
   </p:sldIdLst>
   <p:sldSz cx="12192000" cy="6858000"/>
   <p:notesSz cx="6858000" cy="9144000"/>
@@ -201,7 +203,7 @@
           <a:p>
             <a:fld id="{06EA2F6A-6C6A-4F9A-A657-6DE485336090}" type="datetimeFigureOut">
               <a:rPr lang="ru-RU" smtClean="0"/>
-              <a:t>11.12.2023</a:t>
+              <a:t>12.12.2023</a:t>
             </a:fld>
             <a:endParaRPr lang="ru-RU"/>
           </a:p>
@@ -265,38 +267,37 @@
           <a:p>
             <a:pPr lvl="0"/>
             <a:r>
-              <a:rPr lang="ru-RU" smtClean="0"/>
+              <a:rPr lang="ru-RU"/>
               <a:t>Образец текста</a:t>
             </a:r>
           </a:p>
           <a:p>
             <a:pPr lvl="1"/>
             <a:r>
-              <a:rPr lang="ru-RU" smtClean="0"/>
+              <a:rPr lang="ru-RU"/>
               <a:t>Второй уровень</a:t>
             </a:r>
           </a:p>
           <a:p>
             <a:pPr lvl="2"/>
             <a:r>
-              <a:rPr lang="ru-RU" smtClean="0"/>
+              <a:rPr lang="ru-RU"/>
               <a:t>Третий уровень</a:t>
             </a:r>
           </a:p>
           <a:p>
             <a:pPr lvl="3"/>
             <a:r>
-              <a:rPr lang="ru-RU" smtClean="0"/>
+              <a:rPr lang="ru-RU"/>
               <a:t>Четвертый уровень</a:t>
             </a:r>
           </a:p>
           <a:p>
             <a:pPr lvl="4"/>
             <a:r>
-              <a:rPr lang="ru-RU" smtClean="0"/>
+              <a:rPr lang="ru-RU"/>
               <a:t>Пятый уровень</a:t>
             </a:r>
-            <a:endParaRPr lang="ru-RU"/>
           </a:p>
         </p:txBody>
       </p:sp>
@@ -637,10 +638,9 @@
           </a:lstStyle>
           <a:p>
             <a:r>
-              <a:rPr lang="ru-RU" smtClean="0"/>
+              <a:rPr lang="ru-RU"/>
               <a:t>Образец заголовка</a:t>
             </a:r>
-            <a:endParaRPr lang="ru-RU"/>
           </a:p>
         </p:txBody>
       </p:sp>
@@ -708,10 +708,9 @@
           </a:lstStyle>
           <a:p>
             <a:r>
-              <a:rPr lang="ru-RU" smtClean="0"/>
+              <a:rPr lang="ru-RU"/>
               <a:t>Образец подзаголовка</a:t>
             </a:r>
-            <a:endParaRPr lang="ru-RU"/>
           </a:p>
         </p:txBody>
       </p:sp>
@@ -738,7 +737,7 @@
           <a:p>
             <a:fld id="{6D08A19F-D333-4595-8414-ABF2D3176DF2}" type="datetimeFigureOut">
               <a:rPr lang="ru-RU" smtClean="0"/>
-              <a:t>11.12.2023</a:t>
+              <a:t>12.12.2023</a:t>
             </a:fld>
             <a:endParaRPr lang="ru-RU"/>
           </a:p>
@@ -850,10 +849,9 @@
           <a:lstStyle/>
           <a:p>
             <a:r>
-              <a:rPr lang="ru-RU" smtClean="0"/>
+              <a:rPr lang="ru-RU"/>
               <a:t>Образец заголовка</a:t>
             </a:r>
-            <a:endParaRPr lang="ru-RU"/>
           </a:p>
         </p:txBody>
       </p:sp>
@@ -880,38 +878,37 @@
           <a:p>
             <a:pPr lvl="0"/>
             <a:r>
-              <a:rPr lang="ru-RU" smtClean="0"/>
+              <a:rPr lang="ru-RU"/>
               <a:t>Образец текста</a:t>
             </a:r>
           </a:p>
           <a:p>
             <a:pPr lvl="1"/>
             <a:r>
-              <a:rPr lang="ru-RU" smtClean="0"/>
+              <a:rPr lang="ru-RU"/>
               <a:t>Второй уровень</a:t>
             </a:r>
           </a:p>
           <a:p>
             <a:pPr lvl="2"/>
             <a:r>
-              <a:rPr lang="ru-RU" smtClean="0"/>
+              <a:rPr lang="ru-RU"/>
               <a:t>Третий уровень</a:t>
             </a:r>
           </a:p>
           <a:p>
             <a:pPr lvl="3"/>
             <a:r>
-              <a:rPr lang="ru-RU" smtClean="0"/>
+              <a:rPr lang="ru-RU"/>
               <a:t>Четвертый уровень</a:t>
             </a:r>
           </a:p>
           <a:p>
             <a:pPr lvl="4"/>
             <a:r>
-              <a:rPr lang="ru-RU" smtClean="0"/>
+              <a:rPr lang="ru-RU"/>
               <a:t>Пятый уровень</a:t>
             </a:r>
-            <a:endParaRPr lang="ru-RU"/>
           </a:p>
         </p:txBody>
       </p:sp>
@@ -938,7 +935,7 @@
           <a:p>
             <a:fld id="{6D08A19F-D333-4595-8414-ABF2D3176DF2}" type="datetimeFigureOut">
               <a:rPr lang="ru-RU" smtClean="0"/>
-              <a:t>11.12.2023</a:t>
+              <a:t>12.12.2023</a:t>
             </a:fld>
             <a:endParaRPr lang="ru-RU"/>
           </a:p>
@@ -1055,10 +1052,9 @@
           <a:lstStyle/>
           <a:p>
             <a:r>
-              <a:rPr lang="ru-RU" smtClean="0"/>
+              <a:rPr lang="ru-RU"/>
               <a:t>Образец заголовка</a:t>
             </a:r>
-            <a:endParaRPr lang="ru-RU"/>
           </a:p>
         </p:txBody>
       </p:sp>
@@ -1090,38 +1086,37 @@
           <a:p>
             <a:pPr lvl="0"/>
             <a:r>
-              <a:rPr lang="ru-RU" smtClean="0"/>
+              <a:rPr lang="ru-RU"/>
               <a:t>Образец текста</a:t>
             </a:r>
           </a:p>
           <a:p>
             <a:pPr lvl="1"/>
             <a:r>
-              <a:rPr lang="ru-RU" smtClean="0"/>
+              <a:rPr lang="ru-RU"/>
               <a:t>Второй уровень</a:t>
             </a:r>
           </a:p>
           <a:p>
             <a:pPr lvl="2"/>
             <a:r>
-              <a:rPr lang="ru-RU" smtClean="0"/>
+              <a:rPr lang="ru-RU"/>
               <a:t>Третий уровень</a:t>
             </a:r>
           </a:p>
           <a:p>
             <a:pPr lvl="3"/>
             <a:r>
-              <a:rPr lang="ru-RU" smtClean="0"/>
+              <a:rPr lang="ru-RU"/>
               <a:t>Четвертый уровень</a:t>
             </a:r>
           </a:p>
           <a:p>
             <a:pPr lvl="4"/>
             <a:r>
-              <a:rPr lang="ru-RU" smtClean="0"/>
+              <a:rPr lang="ru-RU"/>
               <a:t>Пятый уровень</a:t>
             </a:r>
-            <a:endParaRPr lang="ru-RU"/>
           </a:p>
         </p:txBody>
       </p:sp>
@@ -1148,7 +1143,7 @@
           <a:p>
             <a:fld id="{6D08A19F-D333-4595-8414-ABF2D3176DF2}" type="datetimeFigureOut">
               <a:rPr lang="ru-RU" smtClean="0"/>
-              <a:t>11.12.2023</a:t>
+              <a:t>12.12.2023</a:t>
             </a:fld>
             <a:endParaRPr lang="ru-RU"/>
           </a:p>
@@ -1260,10 +1255,9 @@
           <a:lstStyle/>
           <a:p>
             <a:r>
-              <a:rPr lang="ru-RU" smtClean="0"/>
+              <a:rPr lang="ru-RU"/>
               <a:t>Образец заголовка</a:t>
             </a:r>
-            <a:endParaRPr lang="ru-RU"/>
           </a:p>
         </p:txBody>
       </p:sp>
@@ -1290,38 +1284,37 @@
           <a:p>
             <a:pPr lvl="0"/>
             <a:r>
-              <a:rPr lang="ru-RU" smtClean="0"/>
+              <a:rPr lang="ru-RU"/>
               <a:t>Образец текста</a:t>
             </a:r>
           </a:p>
           <a:p>
             <a:pPr lvl="1"/>
             <a:r>
-              <a:rPr lang="ru-RU" smtClean="0"/>
+              <a:rPr lang="ru-RU"/>
               <a:t>Второй уровень</a:t>
             </a:r>
           </a:p>
           <a:p>
             <a:pPr lvl="2"/>
             <a:r>
-              <a:rPr lang="ru-RU" smtClean="0"/>
+              <a:rPr lang="ru-RU"/>
               <a:t>Третий уровень</a:t>
             </a:r>
           </a:p>
           <a:p>
             <a:pPr lvl="3"/>
             <a:r>
-              <a:rPr lang="ru-RU" smtClean="0"/>
+              <a:rPr lang="ru-RU"/>
               <a:t>Четвертый уровень</a:t>
             </a:r>
           </a:p>
           <a:p>
             <a:pPr lvl="4"/>
             <a:r>
-              <a:rPr lang="ru-RU" smtClean="0"/>
+              <a:rPr lang="ru-RU"/>
               <a:t>Пятый уровень</a:t>
             </a:r>
-            <a:endParaRPr lang="ru-RU"/>
           </a:p>
         </p:txBody>
       </p:sp>
@@ -1348,7 +1341,7 @@
           <a:p>
             <a:fld id="{6D08A19F-D333-4595-8414-ABF2D3176DF2}" type="datetimeFigureOut">
               <a:rPr lang="ru-RU" smtClean="0"/>
-              <a:t>11.12.2023</a:t>
+              <a:t>12.12.2023</a:t>
             </a:fld>
             <a:endParaRPr lang="ru-RU"/>
           </a:p>
@@ -1469,10 +1462,9 @@
           </a:lstStyle>
           <a:p>
             <a:r>
-              <a:rPr lang="ru-RU" smtClean="0"/>
+              <a:rPr lang="ru-RU"/>
               <a:t>Образец заголовка</a:t>
             </a:r>
-            <a:endParaRPr lang="ru-RU"/>
           </a:p>
         </p:txBody>
       </p:sp>
@@ -1595,7 +1587,7 @@
           <a:p>
             <a:pPr lvl="0"/>
             <a:r>
-              <a:rPr lang="ru-RU" smtClean="0"/>
+              <a:rPr lang="ru-RU"/>
               <a:t>Образец текста</a:t>
             </a:r>
           </a:p>
@@ -1624,7 +1616,7 @@
           <a:p>
             <a:fld id="{6D08A19F-D333-4595-8414-ABF2D3176DF2}" type="datetimeFigureOut">
               <a:rPr lang="ru-RU" smtClean="0"/>
-              <a:t>11.12.2023</a:t>
+              <a:t>12.12.2023</a:t>
             </a:fld>
             <a:endParaRPr lang="ru-RU"/>
           </a:p>
@@ -1736,10 +1728,9 @@
           <a:lstStyle/>
           <a:p>
             <a:r>
-              <a:rPr lang="ru-RU" smtClean="0"/>
+              <a:rPr lang="ru-RU"/>
               <a:t>Образец заголовка</a:t>
             </a:r>
-            <a:endParaRPr lang="ru-RU"/>
           </a:p>
         </p:txBody>
       </p:sp>
@@ -1771,38 +1762,37 @@
           <a:p>
             <a:pPr lvl="0"/>
             <a:r>
-              <a:rPr lang="ru-RU" smtClean="0"/>
+              <a:rPr lang="ru-RU"/>
               <a:t>Образец текста</a:t>
             </a:r>
           </a:p>
           <a:p>
             <a:pPr lvl="1"/>
             <a:r>
-              <a:rPr lang="ru-RU" smtClean="0"/>
+              <a:rPr lang="ru-RU"/>
               <a:t>Второй уровень</a:t>
             </a:r>
           </a:p>
           <a:p>
             <a:pPr lvl="2"/>
             <a:r>
-              <a:rPr lang="ru-RU" smtClean="0"/>
+              <a:rPr lang="ru-RU"/>
               <a:t>Третий уровень</a:t>
             </a:r>
           </a:p>
           <a:p>
             <a:pPr lvl="3"/>
             <a:r>
-              <a:rPr lang="ru-RU" smtClean="0"/>
+              <a:rPr lang="ru-RU"/>
               <a:t>Четвертый уровень</a:t>
             </a:r>
           </a:p>
           <a:p>
             <a:pPr lvl="4"/>
             <a:r>
-              <a:rPr lang="ru-RU" smtClean="0"/>
+              <a:rPr lang="ru-RU"/>
               <a:t>Пятый уровень</a:t>
             </a:r>
-            <a:endParaRPr lang="ru-RU"/>
           </a:p>
         </p:txBody>
       </p:sp>
@@ -1834,38 +1824,37 @@
           <a:p>
             <a:pPr lvl="0"/>
             <a:r>
-              <a:rPr lang="ru-RU" smtClean="0"/>
+              <a:rPr lang="ru-RU"/>
               <a:t>Образец текста</a:t>
             </a:r>
           </a:p>
           <a:p>
             <a:pPr lvl="1"/>
             <a:r>
-              <a:rPr lang="ru-RU" smtClean="0"/>
+              <a:rPr lang="ru-RU"/>
               <a:t>Второй уровень</a:t>
             </a:r>
           </a:p>
           <a:p>
             <a:pPr lvl="2"/>
             <a:r>
-              <a:rPr lang="ru-RU" smtClean="0"/>
+              <a:rPr lang="ru-RU"/>
               <a:t>Третий уровень</a:t>
             </a:r>
           </a:p>
           <a:p>
             <a:pPr lvl="3"/>
             <a:r>
-              <a:rPr lang="ru-RU" smtClean="0"/>
+              <a:rPr lang="ru-RU"/>
               <a:t>Четвертый уровень</a:t>
             </a:r>
           </a:p>
           <a:p>
             <a:pPr lvl="4"/>
             <a:r>
-              <a:rPr lang="ru-RU" smtClean="0"/>
+              <a:rPr lang="ru-RU"/>
               <a:t>Пятый уровень</a:t>
             </a:r>
-            <a:endParaRPr lang="ru-RU"/>
           </a:p>
         </p:txBody>
       </p:sp>
@@ -1892,7 +1881,7 @@
           <a:p>
             <a:fld id="{6D08A19F-D333-4595-8414-ABF2D3176DF2}" type="datetimeFigureOut">
               <a:rPr lang="ru-RU" smtClean="0"/>
-              <a:t>11.12.2023</a:t>
+              <a:t>12.12.2023</a:t>
             </a:fld>
             <a:endParaRPr lang="ru-RU"/>
           </a:p>
@@ -2009,10 +1998,9 @@
           <a:lstStyle/>
           <a:p>
             <a:r>
-              <a:rPr lang="ru-RU" smtClean="0"/>
+              <a:rPr lang="ru-RU"/>
               <a:t>Образец заголовка</a:t>
             </a:r>
-            <a:endParaRPr lang="ru-RU"/>
           </a:p>
         </p:txBody>
       </p:sp>
@@ -2081,7 +2069,7 @@
           <a:p>
             <a:pPr lvl="0"/>
             <a:r>
-              <a:rPr lang="ru-RU" smtClean="0"/>
+              <a:rPr lang="ru-RU"/>
               <a:t>Образец текста</a:t>
             </a:r>
           </a:p>
@@ -2115,38 +2103,37 @@
           <a:p>
             <a:pPr lvl="0"/>
             <a:r>
-              <a:rPr lang="ru-RU" smtClean="0"/>
+              <a:rPr lang="ru-RU"/>
               <a:t>Образец текста</a:t>
             </a:r>
           </a:p>
           <a:p>
             <a:pPr lvl="1"/>
             <a:r>
-              <a:rPr lang="ru-RU" smtClean="0"/>
+              <a:rPr lang="ru-RU"/>
               <a:t>Второй уровень</a:t>
             </a:r>
           </a:p>
           <a:p>
             <a:pPr lvl="2"/>
             <a:r>
-              <a:rPr lang="ru-RU" smtClean="0"/>
+              <a:rPr lang="ru-RU"/>
               <a:t>Третий уровень</a:t>
             </a:r>
           </a:p>
           <a:p>
             <a:pPr lvl="3"/>
             <a:r>
-              <a:rPr lang="ru-RU" smtClean="0"/>
+              <a:rPr lang="ru-RU"/>
               <a:t>Четвертый уровень</a:t>
             </a:r>
           </a:p>
           <a:p>
             <a:pPr lvl="4"/>
             <a:r>
-              <a:rPr lang="ru-RU" smtClean="0"/>
+              <a:rPr lang="ru-RU"/>
               <a:t>Пятый уровень</a:t>
             </a:r>
-            <a:endParaRPr lang="ru-RU"/>
           </a:p>
         </p:txBody>
       </p:sp>
@@ -2215,7 +2202,7 @@
           <a:p>
             <a:pPr lvl="0"/>
             <a:r>
-              <a:rPr lang="ru-RU" smtClean="0"/>
+              <a:rPr lang="ru-RU"/>
               <a:t>Образец текста</a:t>
             </a:r>
           </a:p>
@@ -2249,38 +2236,37 @@
           <a:p>
             <a:pPr lvl="0"/>
             <a:r>
-              <a:rPr lang="ru-RU" smtClean="0"/>
+              <a:rPr lang="ru-RU"/>
               <a:t>Образец текста</a:t>
             </a:r>
           </a:p>
           <a:p>
             <a:pPr lvl="1"/>
             <a:r>
-              <a:rPr lang="ru-RU" smtClean="0"/>
+              <a:rPr lang="ru-RU"/>
               <a:t>Второй уровень</a:t>
             </a:r>
           </a:p>
           <a:p>
             <a:pPr lvl="2"/>
             <a:r>
-              <a:rPr lang="ru-RU" smtClean="0"/>
+              <a:rPr lang="ru-RU"/>
               <a:t>Третий уровень</a:t>
             </a:r>
           </a:p>
           <a:p>
             <a:pPr lvl="3"/>
             <a:r>
-              <a:rPr lang="ru-RU" smtClean="0"/>
+              <a:rPr lang="ru-RU"/>
               <a:t>Четвертый уровень</a:t>
             </a:r>
           </a:p>
           <a:p>
             <a:pPr lvl="4"/>
             <a:r>
-              <a:rPr lang="ru-RU" smtClean="0"/>
+              <a:rPr lang="ru-RU"/>
               <a:t>Пятый уровень</a:t>
             </a:r>
-            <a:endParaRPr lang="ru-RU"/>
           </a:p>
         </p:txBody>
       </p:sp>
@@ -2307,7 +2293,7 @@
           <a:p>
             <a:fld id="{6D08A19F-D333-4595-8414-ABF2D3176DF2}" type="datetimeFigureOut">
               <a:rPr lang="ru-RU" smtClean="0"/>
-              <a:t>11.12.2023</a:t>
+              <a:t>12.12.2023</a:t>
             </a:fld>
             <a:endParaRPr lang="ru-RU"/>
           </a:p>
@@ -2419,10 +2405,9 @@
           <a:lstStyle/>
           <a:p>
             <a:r>
-              <a:rPr lang="ru-RU" smtClean="0"/>
+              <a:rPr lang="ru-RU"/>
               <a:t>Образец заголовка</a:t>
             </a:r>
-            <a:endParaRPr lang="ru-RU"/>
           </a:p>
         </p:txBody>
       </p:sp>
@@ -2449,7 +2434,7 @@
           <a:p>
             <a:fld id="{6D08A19F-D333-4595-8414-ABF2D3176DF2}" type="datetimeFigureOut">
               <a:rPr lang="ru-RU" smtClean="0"/>
-              <a:t>11.12.2023</a:t>
+              <a:t>12.12.2023</a:t>
             </a:fld>
             <a:endParaRPr lang="ru-RU"/>
           </a:p>
@@ -2562,7 +2547,7 @@
           <a:p>
             <a:fld id="{6D08A19F-D333-4595-8414-ABF2D3176DF2}" type="datetimeFigureOut">
               <a:rPr lang="ru-RU" smtClean="0"/>
-              <a:t>11.12.2023</a:t>
+              <a:t>12.12.2023</a:t>
             </a:fld>
             <a:endParaRPr lang="ru-RU"/>
           </a:p>
@@ -2683,10 +2668,9 @@
           </a:lstStyle>
           <a:p>
             <a:r>
-              <a:rPr lang="ru-RU" smtClean="0"/>
+              <a:rPr lang="ru-RU"/>
               <a:t>Образец заголовка</a:t>
             </a:r>
-            <a:endParaRPr lang="ru-RU"/>
           </a:p>
         </p:txBody>
       </p:sp>
@@ -2746,38 +2730,37 @@
           <a:p>
             <a:pPr lvl="0"/>
             <a:r>
-              <a:rPr lang="ru-RU" smtClean="0"/>
+              <a:rPr lang="ru-RU"/>
               <a:t>Образец текста</a:t>
             </a:r>
           </a:p>
           <a:p>
             <a:pPr lvl="1"/>
             <a:r>
-              <a:rPr lang="ru-RU" smtClean="0"/>
+              <a:rPr lang="ru-RU"/>
               <a:t>Второй уровень</a:t>
             </a:r>
           </a:p>
           <a:p>
             <a:pPr lvl="2"/>
             <a:r>
-              <a:rPr lang="ru-RU" smtClean="0"/>
+              <a:rPr lang="ru-RU"/>
               <a:t>Третий уровень</a:t>
             </a:r>
           </a:p>
           <a:p>
             <a:pPr lvl="3"/>
             <a:r>
-              <a:rPr lang="ru-RU" smtClean="0"/>
+              <a:rPr lang="ru-RU"/>
               <a:t>Четвертый уровень</a:t>
             </a:r>
           </a:p>
           <a:p>
             <a:pPr lvl="4"/>
             <a:r>
-              <a:rPr lang="ru-RU" smtClean="0"/>
+              <a:rPr lang="ru-RU"/>
               <a:t>Пятый уровень</a:t>
             </a:r>
-            <a:endParaRPr lang="ru-RU"/>
           </a:p>
         </p:txBody>
       </p:sp>
@@ -2846,7 +2829,7 @@
           <a:p>
             <a:pPr lvl="0"/>
             <a:r>
-              <a:rPr lang="ru-RU" smtClean="0"/>
+              <a:rPr lang="ru-RU"/>
               <a:t>Образец текста</a:t>
             </a:r>
           </a:p>
@@ -2875,7 +2858,7 @@
           <a:p>
             <a:fld id="{6D08A19F-D333-4595-8414-ABF2D3176DF2}" type="datetimeFigureOut">
               <a:rPr lang="ru-RU" smtClean="0"/>
-              <a:t>11.12.2023</a:t>
+              <a:t>12.12.2023</a:t>
             </a:fld>
             <a:endParaRPr lang="ru-RU"/>
           </a:p>
@@ -2996,10 +2979,9 @@
           </a:lstStyle>
           <a:p>
             <a:r>
-              <a:rPr lang="ru-RU" smtClean="0"/>
+              <a:rPr lang="ru-RU"/>
               <a:t>Образец заголовка</a:t>
             </a:r>
-            <a:endParaRPr lang="ru-RU"/>
           </a:p>
         </p:txBody>
       </p:sp>
@@ -3067,10 +3049,9 @@
           </a:lstStyle>
           <a:p>
             <a:r>
-              <a:rPr lang="ru-RU" smtClean="0"/>
+              <a:rPr lang="ru-RU"/>
               <a:t>Вставка рисунка</a:t>
             </a:r>
-            <a:endParaRPr lang="ru-RU"/>
           </a:p>
         </p:txBody>
       </p:sp>
@@ -3139,7 +3120,7 @@
           <a:p>
             <a:pPr lvl="0"/>
             <a:r>
-              <a:rPr lang="ru-RU" smtClean="0"/>
+              <a:rPr lang="ru-RU"/>
               <a:t>Образец текста</a:t>
             </a:r>
           </a:p>
@@ -3168,7 +3149,7 @@
           <a:p>
             <a:fld id="{6D08A19F-D333-4595-8414-ABF2D3176DF2}" type="datetimeFigureOut">
               <a:rPr lang="ru-RU" smtClean="0"/>
-              <a:t>11.12.2023</a:t>
+              <a:t>12.12.2023</a:t>
             </a:fld>
             <a:endParaRPr lang="ru-RU"/>
           </a:p>
@@ -3445,7 +3426,7 @@
           <a:p>
             <a:fld id="{6D08A19F-D333-4595-8414-ABF2D3176DF2}" type="datetimeFigureOut">
               <a:rPr lang="ru-RU" smtClean="0"/>
-              <a:t>11.12.2023</a:t>
+              <a:t>12.12.2023</a:t>
             </a:fld>
             <a:endParaRPr lang="ru-RU"/>
           </a:p>
@@ -3885,14 +3866,11 @@
           <a:lstStyle/>
           <a:p>
             <a:r>
-              <a:rPr lang="ru-RU" dirty="0" smtClean="0">
+              <a:rPr lang="ru-RU" dirty="0">
                 <a:latin typeface="Bahnschrift Light Condensed" panose="020B0502040204020203" pitchFamily="34" charset="0"/>
               </a:rPr>
               <a:t>РАЗРАБОТКА ПЛАТФОРМЫ ДЛЯ ТРЕНИРОВКИ В РЕШЕНИИ АЛОГРИТМИЧЕСКИХ ЗАДАЧ</a:t>
             </a:r>
-            <a:endParaRPr lang="ru-RU" dirty="0">
-              <a:latin typeface="Bahnschrift Light Condensed" panose="020B0502040204020203" pitchFamily="34" charset="0"/>
-            </a:endParaRPr>
           </a:p>
         </p:txBody>
       </p:sp>
@@ -3920,33 +3898,24 @@
           <a:p>
             <a:pPr algn="r"/>
             <a:r>
-              <a:rPr lang="ru-RU" dirty="0" smtClean="0"/>
+              <a:rPr lang="ru-RU" dirty="0"/>
               <a:t>Подготовил</a:t>
             </a:r>
             <a:r>
-              <a:rPr lang="en-US" dirty="0" smtClean="0"/>
+              <a:rPr lang="en-US" dirty="0"/>
               <a:t>:</a:t>
             </a:r>
-            <a:r>
-              <a:rPr lang="ru-RU" dirty="0" smtClean="0"/>
-              <a:t/>
-            </a:r>
             <a:br>
-              <a:rPr lang="ru-RU" dirty="0" smtClean="0"/>
+              <a:rPr lang="ru-RU" dirty="0"/>
             </a:br>
             <a:r>
-              <a:rPr lang="ru-RU" dirty="0" err="1" smtClean="0"/>
+              <a:rPr lang="ru-RU" dirty="0" err="1"/>
               <a:t>Вашкулатов</a:t>
             </a:r>
             <a:r>
               <a:rPr lang="ru-RU" dirty="0"/>
-              <a:t> </a:t>
-            </a:r>
-            <a:r>
-              <a:rPr lang="ru-RU" dirty="0" smtClean="0"/>
-              <a:t>Н.А. 045</a:t>
-            </a:r>
-            <a:endParaRPr lang="ru-RU" dirty="0"/>
+              <a:t> Н.А. 045</a:t>
+            </a:r>
           </a:p>
         </p:txBody>
       </p:sp>
@@ -4001,14 +3970,11 @@
           <a:lstStyle/>
           <a:p>
             <a:r>
-              <a:rPr lang="ru-RU" dirty="0" smtClean="0">
+              <a:rPr lang="ru-RU" dirty="0">
                 <a:latin typeface="Bahnschrift Light Condensed" panose="020B0502040204020203" pitchFamily="34" charset="0"/>
               </a:rPr>
               <a:t>Цель</a:t>
             </a:r>
-            <a:endParaRPr lang="ru-RU" dirty="0">
-              <a:latin typeface="Bahnschrift Light Condensed" panose="020B0502040204020203" pitchFamily="34" charset="0"/>
-            </a:endParaRPr>
           </a:p>
         </p:txBody>
       </p:sp>
@@ -4036,25 +4002,22 @@
           <a:p>
             <a:pPr algn="just"/>
             <a:r>
-              <a:rPr lang="ru-RU" dirty="0" smtClean="0">
+              <a:rPr lang="ru-RU" dirty="0">
                 <a:latin typeface="Bahnschrift Light Condensed" panose="020B0502040204020203" pitchFamily="34" charset="0"/>
               </a:rPr>
               <a:t>	</a:t>
             </a:r>
             <a:r>
-              <a:rPr lang="ru-RU" sz="2400" dirty="0" smtClean="0">
+              <a:rPr lang="ru-RU" sz="2400" dirty="0">
                 <a:latin typeface="Bahnschrift Light Condensed" panose="020B0502040204020203" pitchFamily="34" charset="0"/>
               </a:rPr>
               <a:t>Целью НИР было спроектировать и разработать основу для платформы, при помощи которой можно развивать навык решения алгоритмических задач с любого устройства и в любое время.</a:t>
             </a:r>
-            <a:endParaRPr lang="ru-RU" sz="2400" dirty="0">
-              <a:latin typeface="Bahnschrift Light Condensed" panose="020B0502040204020203" pitchFamily="34" charset="0"/>
-            </a:endParaRPr>
           </a:p>
           <a:p>
             <a:pPr algn="just"/>
             <a:r>
-              <a:rPr lang="ru-RU" sz="2400" dirty="0" smtClean="0">
+              <a:rPr lang="ru-RU" sz="2400" dirty="0">
                 <a:latin typeface="Bahnschrift Light Condensed" panose="020B0502040204020203" pitchFamily="34" charset="0"/>
               </a:rPr>
               <a:t>	Была реализована главная часть платформы – простой сайт с редактором кода, на котором можно выбрать задачу и отправить решение на выбранном языке, а так же серверная часть, на которой проверяется решение пользователя.</a:t>
@@ -4066,29 +4029,20 @@
               <a:rPr lang="ru-RU" sz="2400" dirty="0">
                 <a:latin typeface="Bahnschrift Light Condensed" panose="020B0502040204020203" pitchFamily="34" charset="0"/>
               </a:rPr>
-              <a:t>	</a:t>
-            </a:r>
-            <a:r>
-              <a:rPr lang="ru-RU" sz="2400" dirty="0" smtClean="0">
-                <a:latin typeface="Bahnschrift Light Condensed" panose="020B0502040204020203" pitchFamily="34" charset="0"/>
-              </a:rPr>
-              <a:t>Полученный результат позволит сделать платформу с сколь угодно разнообразным функционалом, построенным на основе решения алгоритмических задач. Например, курсы или </a:t>
-            </a:r>
-            <a:r>
-              <a:rPr lang="ru-RU" sz="2400" dirty="0" err="1" smtClean="0">
+              <a:t>	Полученный результат позволит сделать платформу с сколь угодно разнообразным функционалом, построенным на основе решения алгоритмических задач. Например, курсы или </a:t>
+            </a:r>
+            <a:r>
+              <a:rPr lang="ru-RU" sz="2400" dirty="0" err="1">
                 <a:latin typeface="Bahnschrift Light Condensed" panose="020B0502040204020203" pitchFamily="34" charset="0"/>
               </a:rPr>
               <a:t>контесты</a:t>
             </a:r>
             <a:r>
-              <a:rPr lang="ru-RU" sz="2400" dirty="0" smtClean="0">
+              <a:rPr lang="ru-RU" sz="2400" dirty="0">
                 <a:latin typeface="Bahnschrift Light Condensed" panose="020B0502040204020203" pitchFamily="34" charset="0"/>
               </a:rPr>
               <a:t>. Однако, полученный результат не нацелен на анализ эффективности решения, лишь на правильность.</a:t>
             </a:r>
-            <a:endParaRPr lang="ru-RU" sz="2400" dirty="0">
-              <a:latin typeface="Bahnschrift Light Condensed" panose="020B0502040204020203" pitchFamily="34" charset="0"/>
-            </a:endParaRPr>
           </a:p>
         </p:txBody>
       </p:sp>
@@ -4173,14 +4127,11 @@
           <a:lstStyle/>
           <a:p>
             <a:r>
-              <a:rPr lang="ru-RU" dirty="0" smtClean="0">
+              <a:rPr lang="ru-RU" dirty="0">
                 <a:latin typeface="Bahnschrift Light Condensed" panose="020B0502040204020203" pitchFamily="34" charset="0"/>
               </a:rPr>
               <a:t>Актуальность</a:t>
             </a:r>
-            <a:endParaRPr lang="ru-RU" dirty="0">
-              <a:latin typeface="Bahnschrift Light Condensed" panose="020B0502040204020203" pitchFamily="34" charset="0"/>
-            </a:endParaRPr>
           </a:p>
         </p:txBody>
       </p:sp>
@@ -4237,14 +4188,11 @@
           <a:lstStyle/>
           <a:p>
             <a:r>
-              <a:rPr lang="ru-RU" dirty="0" smtClean="0">
+              <a:rPr lang="ru-RU" dirty="0">
                 <a:latin typeface="Bahnschrift Light Condensed" panose="020B0502040204020203" pitchFamily="34" charset="0"/>
               </a:rPr>
               <a:t>Компиляция и выполнение кода на сервере</a:t>
             </a:r>
-            <a:endParaRPr lang="ru-RU" dirty="0">
-              <a:latin typeface="Bahnschrift Light Condensed" panose="020B0502040204020203" pitchFamily="34" charset="0"/>
-            </a:endParaRPr>
           </a:p>
         </p:txBody>
       </p:sp>
@@ -4272,54 +4220,30 @@
           <a:p>
             <a:pPr algn="just"/>
             <a:r>
-              <a:rPr lang="ru-RU" sz="2200" dirty="0" smtClean="0">
+              <a:rPr lang="ru-RU" sz="2200" dirty="0">
                 <a:latin typeface="Bahnschrift Light Condensed" panose="020B0502040204020203" pitchFamily="34" charset="0"/>
               </a:rPr>
-              <a:t>	Для </a:t>
-            </a:r>
-            <a:r>
-              <a:rPr lang="ru-RU" sz="2200" dirty="0" smtClean="0">
-                <a:latin typeface="Bahnschrift Light Condensed" panose="020B0502040204020203" pitchFamily="34" charset="0"/>
-              </a:rPr>
-              <a:t>автоматизации</a:t>
-            </a:r>
-            <a:r>
-              <a:rPr lang="ru-RU" sz="2200" dirty="0" smtClean="0">
+              <a:t>	Для автоматизации этих процессов используется отдельное приложение</a:t>
+            </a:r>
+            <a:r>
+              <a:rPr lang="en-US" sz="2200" dirty="0">
                 <a:latin typeface="Bahnschrift Light Condensed" panose="020B0502040204020203" pitchFamily="34" charset="0"/>
               </a:rPr>
               <a:t> </a:t>
             </a:r>
             <a:r>
-              <a:rPr lang="ru-RU" sz="2200" dirty="0" smtClean="0">
-                <a:latin typeface="Bahnschrift Light Condensed" panose="020B0502040204020203" pitchFamily="34" charset="0"/>
-              </a:rPr>
-              <a:t>этих процессов используется отдельное </a:t>
-            </a:r>
-            <a:r>
-              <a:rPr lang="ru-RU" sz="2200" dirty="0" smtClean="0">
-                <a:latin typeface="Bahnschrift Light Condensed" panose="020B0502040204020203" pitchFamily="34" charset="0"/>
-              </a:rPr>
-              <a:t>приложение</a:t>
-            </a:r>
-            <a:r>
-              <a:rPr lang="en-US" sz="2200" dirty="0" smtClean="0">
-                <a:latin typeface="Bahnschrift Light Condensed" panose="020B0502040204020203" pitchFamily="34" charset="0"/>
-              </a:rPr>
-              <a:t> </a:t>
-            </a:r>
-            <a:r>
-              <a:rPr lang="ru-RU" sz="2200" dirty="0" smtClean="0">
+              <a:rPr lang="ru-RU" sz="2200" dirty="0">
                 <a:latin typeface="Bahnschrift Light Condensed" panose="020B0502040204020203" pitchFamily="34" charset="0"/>
               </a:rPr>
               <a:t>и </a:t>
             </a:r>
             <a:r>
-              <a:rPr lang="en-US" sz="2200" dirty="0" smtClean="0">
+              <a:rPr lang="en-US" sz="2200" dirty="0">
                 <a:latin typeface="Bahnschrift Light Condensed" panose="020B0502040204020203" pitchFamily="34" charset="0"/>
               </a:rPr>
               <a:t>Docker</a:t>
             </a:r>
-            <a:endParaRPr lang="ru-RU" sz="2200" dirty="0" smtClean="0">
+            <a:endParaRPr lang="ru-RU" sz="2200" dirty="0">
               <a:latin typeface="Bahnschrift Light Condensed" panose="020B0502040204020203" pitchFamily="34" charset="0"/>
             </a:endParaRPr>
           </a:p>
@@ -4432,14 +4356,11 @@
           <a:lstStyle/>
           <a:p>
             <a:r>
-              <a:rPr lang="ru-RU" dirty="0" smtClean="0">
+              <a:rPr lang="ru-RU" dirty="0">
                 <a:latin typeface="Bahnschrift Light Condensed" panose="020B0502040204020203" pitchFamily="34" charset="0"/>
               </a:rPr>
               <a:t>Рисунок 1 – Архитектура сервиса выполнения</a:t>
             </a:r>
-            <a:endParaRPr lang="ru-RU" dirty="0">
-              <a:latin typeface="Bahnschrift Light Condensed" panose="020B0502040204020203" pitchFamily="34" charset="0"/>
-            </a:endParaRPr>
           </a:p>
         </p:txBody>
       </p:sp>
@@ -4466,26 +4387,23 @@
           <a:lstStyle/>
           <a:p>
             <a:r>
-              <a:rPr lang="ru-RU" dirty="0" smtClean="0">
+              <a:rPr lang="ru-RU" dirty="0">
                 <a:latin typeface="Bahnschrift Light Condensed" panose="020B0502040204020203" pitchFamily="34" charset="0"/>
               </a:rPr>
               <a:t>Рисунок 2 – Часть </a:t>
             </a:r>
             <a:r>
-              <a:rPr lang="en-US" dirty="0" err="1" smtClean="0">
+              <a:rPr lang="en-US" dirty="0" err="1">
                 <a:latin typeface="Bahnschrift Light Condensed" panose="020B0502040204020203" pitchFamily="34" charset="0"/>
               </a:rPr>
               <a:t>Dockerfile</a:t>
             </a:r>
             <a:r>
-              <a:rPr lang="ru-RU" dirty="0" smtClean="0">
+              <a:rPr lang="ru-RU" dirty="0">
                 <a:latin typeface="Bahnschrift Light Condensed" panose="020B0502040204020203" pitchFamily="34" charset="0"/>
               </a:rPr>
               <a:t> для образа</a:t>
             </a:r>
-            <a:endParaRPr lang="ru-RU" dirty="0">
-              <a:latin typeface="Bahnschrift Light Condensed" panose="020B0502040204020203" pitchFamily="34" charset="0"/>
-            </a:endParaRPr>
           </a:p>
         </p:txBody>
       </p:sp>
@@ -4531,7 +4449,7 @@
         </p:nvSpPr>
         <p:spPr>
           <a:xfrm>
-            <a:off x="916757" y="823925"/>
+            <a:off x="916757" y="606750"/>
             <a:ext cx="7767320" cy="569595"/>
           </a:xfrm>
         </p:spPr>
@@ -4542,14 +4460,11 @@
           <a:lstStyle/>
           <a:p>
             <a:r>
-              <a:rPr lang="ru-RU" dirty="0" smtClean="0">
+              <a:rPr lang="ru-RU" dirty="0">
                 <a:latin typeface="Bahnschrift Light Condensed" panose="020B0502040204020203" pitchFamily="34" charset="0"/>
               </a:rPr>
               <a:t>Структура задачи</a:t>
             </a:r>
-            <a:endParaRPr lang="ru-RU" dirty="0">
-              <a:latin typeface="Bahnschrift Light Condensed" panose="020B0502040204020203" pitchFamily="34" charset="0"/>
-            </a:endParaRPr>
           </a:p>
         </p:txBody>
       </p:sp>
@@ -4561,7 +4476,7 @@
         </p:nvSpPr>
         <p:spPr>
           <a:xfrm>
-            <a:off x="735291" y="1602084"/>
+            <a:off x="735289" y="1302722"/>
             <a:ext cx="6975835" cy="2246769"/>
           </a:xfrm>
           <a:prstGeom prst="rect">
@@ -4580,7 +4495,7 @@
               <a:buChar char="•"/>
             </a:pPr>
             <a:r>
-              <a:rPr lang="ru-RU" sz="2800" dirty="0" smtClean="0">
+              <a:rPr lang="ru-RU" sz="2800" dirty="0">
                 <a:latin typeface="Bahnschrift Light Condensed" panose="020B0502040204020203" pitchFamily="34" charset="0"/>
               </a:rPr>
               <a:t>Типы данных для входных параметров и результата</a:t>
@@ -4592,7 +4507,7 @@
               <a:buChar char="•"/>
             </a:pPr>
             <a:r>
-              <a:rPr lang="ru-RU" sz="2800" dirty="0" smtClean="0">
+              <a:rPr lang="ru-RU" sz="2800" dirty="0">
                 <a:latin typeface="Bahnschrift Light Condensed" panose="020B0502040204020203" pitchFamily="34" charset="0"/>
               </a:rPr>
               <a:t>Тестовые данные, проверяющие правильность решения. </a:t>
@@ -4604,14 +4519,11 @@
               <a:buChar char="•"/>
             </a:pPr>
             <a:r>
-              <a:rPr lang="ru-RU" sz="2800" dirty="0" smtClean="0">
+              <a:rPr lang="ru-RU" sz="2800" dirty="0">
                 <a:latin typeface="Bahnschrift Light Condensed" panose="020B0502040204020203" pitchFamily="34" charset="0"/>
               </a:rPr>
               <a:t>Шаблон решения (рисунок 3 - 4) для каждого возможного языка</a:t>
             </a:r>
-            <a:endParaRPr lang="ru-RU" sz="2800" dirty="0">
-              <a:latin typeface="Bahnschrift Light Condensed" panose="020B0502040204020203" pitchFamily="34" charset="0"/>
-            </a:endParaRPr>
           </a:p>
         </p:txBody>
       </p:sp>
@@ -4715,14 +4627,11 @@
           <a:lstStyle/>
           <a:p>
             <a:r>
-              <a:rPr lang="ru-RU" sz="2000" dirty="0" smtClean="0">
+              <a:rPr lang="ru-RU" sz="2000" dirty="0">
                 <a:latin typeface="Bahnschrift Light Condensed" panose="020B0502040204020203" pitchFamily="34" charset="0"/>
               </a:rPr>
               <a:t>Рисунок 3 - Пример шаблона</a:t>
             </a:r>
-            <a:endParaRPr lang="ru-RU" sz="2000" dirty="0">
-              <a:latin typeface="Bahnschrift Light Condensed" panose="020B0502040204020203" pitchFamily="34" charset="0"/>
-            </a:endParaRPr>
           </a:p>
         </p:txBody>
       </p:sp>
@@ -4749,14 +4658,11 @@
           <a:lstStyle/>
           <a:p>
             <a:r>
-              <a:rPr lang="ru-RU" sz="2000" dirty="0" smtClean="0">
+              <a:rPr lang="ru-RU" sz="2000" dirty="0">
                 <a:latin typeface="Bahnschrift Light Condensed" panose="020B0502040204020203" pitchFamily="34" charset="0"/>
               </a:rPr>
               <a:t>Рисунок 4 - Пример шаблона</a:t>
             </a:r>
-            <a:endParaRPr lang="ru-RU" sz="2000" dirty="0">
-              <a:latin typeface="Bahnschrift Light Condensed" panose="020B0502040204020203" pitchFamily="34" charset="0"/>
-            </a:endParaRPr>
           </a:p>
         </p:txBody>
       </p:sp>
@@ -4764,6 +4670,625 @@
     <p:extLst>
       <p:ext uri="{BB962C8B-B14F-4D97-AF65-F5344CB8AC3E}">
         <p14:creationId xmlns:p14="http://schemas.microsoft.com/office/powerpoint/2010/main" val="1140152401"/>
+      </p:ext>
+    </p:extLst>
+  </p:cSld>
+  <p:clrMapOvr>
+    <a:masterClrMapping/>
+  </p:clrMapOvr>
+</p:sld>
+</file>
+
+<file path=ppt/slides/slide6.xml><?xml version="1.0" encoding="utf-8"?>
+<p:sld xmlns:a="http://schemas.openxmlformats.org/drawingml/2006/main" xmlns:r="http://schemas.openxmlformats.org/officeDocument/2006/relationships" xmlns:p="http://schemas.openxmlformats.org/presentationml/2006/main">
+  <p:cSld>
+    <p:spTree>
+      <p:nvGrpSpPr>
+        <p:cNvPr id="1" name=""/>
+        <p:cNvGrpSpPr/>
+        <p:nvPr/>
+      </p:nvGrpSpPr>
+      <p:grpSpPr>
+        <a:xfrm>
+          <a:off x="0" y="0"/>
+          <a:ext cx="0" cy="0"/>
+          <a:chOff x="0" y="0"/>
+          <a:chExt cx="0" cy="0"/>
+        </a:xfrm>
+      </p:grpSpPr>
+      <p:sp>
+        <p:nvSpPr>
+          <p:cNvPr id="2" name="Заголовок 1">
+            <a:extLst>
+              <a:ext uri="{FF2B5EF4-FFF2-40B4-BE49-F238E27FC236}">
+                <a16:creationId xmlns:a16="http://schemas.microsoft.com/office/drawing/2014/main" id="{75E89737-4059-4527-AEA2-A3E8757ED3E5}"/>
+              </a:ext>
+            </a:extLst>
+          </p:cNvPr>
+          <p:cNvSpPr>
+            <a:spLocks noGrp="1"/>
+          </p:cNvSpPr>
+          <p:nvPr>
+            <p:ph type="title"/>
+          </p:nvPr>
+        </p:nvSpPr>
+        <p:spPr>
+          <a:xfrm>
+            <a:off x="838200" y="316999"/>
+            <a:ext cx="10515600" cy="982412"/>
+          </a:xfrm>
+        </p:spPr>
+        <p:txBody>
+          <a:bodyPr/>
+          <a:lstStyle/>
+          <a:p>
+            <a:r>
+              <a:rPr lang="ru-RU" dirty="0">
+                <a:latin typeface="Bahnschrift Light Condensed" panose="020B0502040204020203" pitchFamily="34" charset="0"/>
+              </a:rPr>
+              <a:t>Подготовка решения пользователя</a:t>
+            </a:r>
+          </a:p>
+        </p:txBody>
+      </p:sp>
+      <p:sp>
+        <p:nvSpPr>
+          <p:cNvPr id="5" name="TextBox 4">
+            <a:extLst>
+              <a:ext uri="{FF2B5EF4-FFF2-40B4-BE49-F238E27FC236}">
+                <a16:creationId xmlns:a16="http://schemas.microsoft.com/office/drawing/2014/main" id="{3B64129C-7F91-47B6-969E-5807F625627D}"/>
+              </a:ext>
+            </a:extLst>
+          </p:cNvPr>
+          <p:cNvSpPr txBox="1"/>
+          <p:nvPr/>
+        </p:nvSpPr>
+        <p:spPr>
+          <a:xfrm>
+            <a:off x="914398" y="1299411"/>
+            <a:ext cx="6144127" cy="4524315"/>
+          </a:xfrm>
+          <a:prstGeom prst="rect">
+            <a:avLst/>
+          </a:prstGeom>
+          <a:noFill/>
+        </p:spPr>
+        <p:txBody>
+          <a:bodyPr wrap="square" rtlCol="0">
+            <a:spAutoFit/>
+          </a:bodyPr>
+          <a:lstStyle/>
+          <a:p>
+            <a:pPr marL="285750" indent="-285750">
+              <a:buFont typeface="Arial" panose="020B0604020202020204" pitchFamily="34" charset="0"/>
+              <a:buChar char="•"/>
+            </a:pPr>
+            <a:r>
+              <a:rPr lang="ru-RU" sz="2400" dirty="0">
+                <a:latin typeface="Bahnschrift Light Condensed" panose="020B0502040204020203" pitchFamily="34" charset="0"/>
+              </a:rPr>
+              <a:t>Платформа берет на себя ввод и вывод данных -  мы не можем просто запустить код пользователя и отправить тестовые данные.</a:t>
+            </a:r>
+          </a:p>
+          <a:p>
+            <a:pPr marL="285750" indent="-285750">
+              <a:buFont typeface="Arial" panose="020B0604020202020204" pitchFamily="34" charset="0"/>
+              <a:buChar char="•"/>
+            </a:pPr>
+            <a:r>
+              <a:rPr lang="ru-RU" sz="2400" dirty="0">
+                <a:latin typeface="Bahnschrift Light Condensed" panose="020B0502040204020203" pitchFamily="34" charset="0"/>
+              </a:rPr>
+              <a:t>Для чтения, измерения времени, преобразования типов входных данных и вывода результатов решения в консоль используется специальный заготовленный код – драйвер задачи.</a:t>
+            </a:r>
+          </a:p>
+          <a:p>
+            <a:pPr marL="285750" indent="-285750">
+              <a:buFont typeface="Arial" panose="020B0604020202020204" pitchFamily="34" charset="0"/>
+              <a:buChar char="•"/>
+            </a:pPr>
+            <a:r>
+              <a:rPr lang="ru-RU" sz="2400" dirty="0">
+                <a:latin typeface="Bahnschrift Light Condensed" panose="020B0502040204020203" pitchFamily="34" charset="0"/>
+              </a:rPr>
+              <a:t>Все эти усложнения нужны для того, чтобы стандартизировать формат входных и выходных данных, благодаря чему процесс тестирования не будет отличаться от ЯП к ЯП, а так же относительно просто добавить не стандартный тип</a:t>
+            </a:r>
+          </a:p>
+        </p:txBody>
+      </p:sp>
+      <p:sp>
+        <p:nvSpPr>
+          <p:cNvPr id="6" name="Прямоугольник 5">
+            <a:extLst>
+              <a:ext uri="{FF2B5EF4-FFF2-40B4-BE49-F238E27FC236}">
+                <a16:creationId xmlns:a16="http://schemas.microsoft.com/office/drawing/2014/main" id="{9C27D868-9BC8-4D4E-AFD8-FDDD64F94E3C}"/>
+              </a:ext>
+            </a:extLst>
+          </p:cNvPr>
+          <p:cNvSpPr/>
+          <p:nvPr/>
+        </p:nvSpPr>
+        <p:spPr>
+          <a:xfrm>
+            <a:off x="7762313" y="3212816"/>
+            <a:ext cx="2957804" cy="746449"/>
+          </a:xfrm>
+          <a:prstGeom prst="rect">
+            <a:avLst/>
+          </a:prstGeom>
+          <a:solidFill>
+            <a:schemeClr val="bg1"/>
+          </a:solidFill>
+        </p:spPr>
+        <p:style>
+          <a:lnRef idx="2">
+            <a:schemeClr val="accent1">
+              <a:shade val="50000"/>
+            </a:schemeClr>
+          </a:lnRef>
+          <a:fillRef idx="1">
+            <a:schemeClr val="accent1"/>
+          </a:fillRef>
+          <a:effectRef idx="0">
+            <a:schemeClr val="accent1"/>
+          </a:effectRef>
+          <a:fontRef idx="minor">
+            <a:schemeClr val="lt1"/>
+          </a:fontRef>
+        </p:style>
+        <p:txBody>
+          <a:bodyPr rtlCol="0" anchor="ctr"/>
+          <a:lstStyle/>
+          <a:p>
+            <a:pPr algn="ctr"/>
+            <a:r>
+              <a:rPr lang="en-US" dirty="0" err="1">
+                <a:solidFill>
+                  <a:schemeClr val="tx1"/>
+                </a:solidFill>
+                <a:latin typeface="Bahnschrift Light Condensed" panose="020B0502040204020203" pitchFamily="34" charset="0"/>
+              </a:rPr>
+              <a:t>CodePreparer</a:t>
+            </a:r>
+            <a:endParaRPr lang="ru-RU" dirty="0">
+              <a:solidFill>
+                <a:schemeClr val="tx1"/>
+              </a:solidFill>
+              <a:latin typeface="Bahnschrift Light Condensed" panose="020B0502040204020203" pitchFamily="34" charset="0"/>
+            </a:endParaRPr>
+          </a:p>
+        </p:txBody>
+      </p:sp>
+      <p:cxnSp>
+        <p:nvCxnSpPr>
+          <p:cNvPr id="8" name="Прямая со стрелкой 7">
+            <a:extLst>
+              <a:ext uri="{FF2B5EF4-FFF2-40B4-BE49-F238E27FC236}">
+                <a16:creationId xmlns:a16="http://schemas.microsoft.com/office/drawing/2014/main" id="{5E5FCF1D-3CC8-469E-98EA-C963D2348C39}"/>
+              </a:ext>
+            </a:extLst>
+          </p:cNvPr>
+          <p:cNvCxnSpPr/>
+          <p:nvPr/>
+        </p:nvCxnSpPr>
+        <p:spPr>
+          <a:xfrm>
+            <a:off x="8332237" y="1576873"/>
+            <a:ext cx="0" cy="1611471"/>
+          </a:xfrm>
+          <a:prstGeom prst="straightConnector1">
+            <a:avLst/>
+          </a:prstGeom>
+          <a:ln>
+            <a:tailEnd type="triangle"/>
+          </a:ln>
+        </p:spPr>
+        <p:style>
+          <a:lnRef idx="1">
+            <a:schemeClr val="dk1"/>
+          </a:lnRef>
+          <a:fillRef idx="0">
+            <a:schemeClr val="dk1"/>
+          </a:fillRef>
+          <a:effectRef idx="0">
+            <a:schemeClr val="dk1"/>
+          </a:effectRef>
+          <a:fontRef idx="minor">
+            <a:schemeClr val="tx1"/>
+          </a:fontRef>
+        </p:style>
+      </p:cxnSp>
+      <p:sp>
+        <p:nvSpPr>
+          <p:cNvPr id="9" name="TextBox 8">
+            <a:extLst>
+              <a:ext uri="{FF2B5EF4-FFF2-40B4-BE49-F238E27FC236}">
+                <a16:creationId xmlns:a16="http://schemas.microsoft.com/office/drawing/2014/main" id="{AA50B9C1-9222-4E5E-A150-30C23038B514}"/>
+              </a:ext>
+            </a:extLst>
+          </p:cNvPr>
+          <p:cNvSpPr txBox="1"/>
+          <p:nvPr/>
+        </p:nvSpPr>
+        <p:spPr>
+          <a:xfrm>
+            <a:off x="7423259" y="1114745"/>
+            <a:ext cx="1817956" cy="369332"/>
+          </a:xfrm>
+          <a:prstGeom prst="rect">
+            <a:avLst/>
+          </a:prstGeom>
+          <a:noFill/>
+        </p:spPr>
+        <p:txBody>
+          <a:bodyPr wrap="square" rtlCol="0">
+            <a:spAutoFit/>
+          </a:bodyPr>
+          <a:lstStyle/>
+          <a:p>
+            <a:r>
+              <a:rPr lang="ru-RU" dirty="0">
+                <a:latin typeface="Bahnschrift Light Condensed" panose="020B0502040204020203" pitchFamily="34" charset="0"/>
+              </a:rPr>
+              <a:t>Решение (код, язык)</a:t>
+            </a:r>
+          </a:p>
+        </p:txBody>
+      </p:sp>
+      <p:cxnSp>
+        <p:nvCxnSpPr>
+          <p:cNvPr id="11" name="Прямая со стрелкой 10">
+            <a:extLst>
+              <a:ext uri="{FF2B5EF4-FFF2-40B4-BE49-F238E27FC236}">
+                <a16:creationId xmlns:a16="http://schemas.microsoft.com/office/drawing/2014/main" id="{49968D7E-B999-42AE-B8E7-C92C1BA51B16}"/>
+              </a:ext>
+            </a:extLst>
+          </p:cNvPr>
+          <p:cNvCxnSpPr>
+            <a:cxnSpLocks/>
+            <a:endCxn id="6" idx="0"/>
+          </p:cNvCxnSpPr>
+          <p:nvPr/>
+        </p:nvCxnSpPr>
+        <p:spPr>
+          <a:xfrm>
+            <a:off x="9241215" y="2121629"/>
+            <a:ext cx="0" cy="1091187"/>
+          </a:xfrm>
+          <a:prstGeom prst="straightConnector1">
+            <a:avLst/>
+          </a:prstGeom>
+          <a:ln>
+            <a:tailEnd type="triangle"/>
+          </a:ln>
+        </p:spPr>
+        <p:style>
+          <a:lnRef idx="1">
+            <a:schemeClr val="dk1"/>
+          </a:lnRef>
+          <a:fillRef idx="0">
+            <a:schemeClr val="dk1"/>
+          </a:fillRef>
+          <a:effectRef idx="0">
+            <a:schemeClr val="dk1"/>
+          </a:effectRef>
+          <a:fontRef idx="minor">
+            <a:schemeClr val="tx1"/>
+          </a:fontRef>
+        </p:style>
+      </p:cxnSp>
+      <p:sp>
+        <p:nvSpPr>
+          <p:cNvPr id="14" name="TextBox 13">
+            <a:extLst>
+              <a:ext uri="{FF2B5EF4-FFF2-40B4-BE49-F238E27FC236}">
+                <a16:creationId xmlns:a16="http://schemas.microsoft.com/office/drawing/2014/main" id="{29075BD1-B103-476E-9F6A-0C376934E89D}"/>
+              </a:ext>
+            </a:extLst>
+          </p:cNvPr>
+          <p:cNvSpPr txBox="1"/>
+          <p:nvPr/>
+        </p:nvSpPr>
+        <p:spPr>
+          <a:xfrm>
+            <a:off x="8768759" y="1694346"/>
+            <a:ext cx="874805" cy="369332"/>
+          </a:xfrm>
+          <a:prstGeom prst="rect">
+            <a:avLst/>
+          </a:prstGeom>
+          <a:noFill/>
+        </p:spPr>
+        <p:txBody>
+          <a:bodyPr wrap="square" rtlCol="0">
+            <a:spAutoFit/>
+          </a:bodyPr>
+          <a:lstStyle/>
+          <a:p>
+            <a:r>
+              <a:rPr lang="ru-RU" dirty="0">
+                <a:latin typeface="Bahnschrift Light Condensed" panose="020B0502040204020203" pitchFamily="34" charset="0"/>
+              </a:rPr>
+              <a:t>Драйвер</a:t>
+            </a:r>
+          </a:p>
+        </p:txBody>
+      </p:sp>
+      <p:cxnSp>
+        <p:nvCxnSpPr>
+          <p:cNvPr id="16" name="Прямая со стрелкой 15">
+            <a:extLst>
+              <a:ext uri="{FF2B5EF4-FFF2-40B4-BE49-F238E27FC236}">
+                <a16:creationId xmlns:a16="http://schemas.microsoft.com/office/drawing/2014/main" id="{0E2E4712-ECD4-46A5-8813-177D5F7E3E4F}"/>
+              </a:ext>
+            </a:extLst>
+          </p:cNvPr>
+          <p:cNvCxnSpPr>
+            <a:cxnSpLocks/>
+          </p:cNvCxnSpPr>
+          <p:nvPr/>
+        </p:nvCxnSpPr>
+        <p:spPr>
+          <a:xfrm>
+            <a:off x="10235682" y="1484077"/>
+            <a:ext cx="0" cy="1704267"/>
+          </a:xfrm>
+          <a:prstGeom prst="straightConnector1">
+            <a:avLst/>
+          </a:prstGeom>
+          <a:ln>
+            <a:tailEnd type="triangle"/>
+          </a:ln>
+        </p:spPr>
+        <p:style>
+          <a:lnRef idx="1">
+            <a:schemeClr val="dk1"/>
+          </a:lnRef>
+          <a:fillRef idx="0">
+            <a:schemeClr val="dk1"/>
+          </a:fillRef>
+          <a:effectRef idx="0">
+            <a:schemeClr val="dk1"/>
+          </a:effectRef>
+          <a:fontRef idx="minor">
+            <a:schemeClr val="tx1"/>
+          </a:fontRef>
+        </p:style>
+      </p:cxnSp>
+      <p:sp>
+        <p:nvSpPr>
+          <p:cNvPr id="19" name="TextBox 18">
+            <a:extLst>
+              <a:ext uri="{FF2B5EF4-FFF2-40B4-BE49-F238E27FC236}">
+                <a16:creationId xmlns:a16="http://schemas.microsoft.com/office/drawing/2014/main" id="{F257F73C-F8CC-41CE-B3CF-ABE434C98140}"/>
+              </a:ext>
+            </a:extLst>
+          </p:cNvPr>
+          <p:cNvSpPr txBox="1"/>
+          <p:nvPr/>
+        </p:nvSpPr>
+        <p:spPr>
+          <a:xfrm>
+            <a:off x="9371755" y="1081266"/>
+            <a:ext cx="1825692" cy="369332"/>
+          </a:xfrm>
+          <a:prstGeom prst="rect">
+            <a:avLst/>
+          </a:prstGeom>
+          <a:noFill/>
+        </p:spPr>
+        <p:txBody>
+          <a:bodyPr wrap="square" rtlCol="0">
+            <a:spAutoFit/>
+          </a:bodyPr>
+          <a:lstStyle/>
+          <a:p>
+            <a:pPr algn="ctr"/>
+            <a:r>
+              <a:rPr lang="ru-RU" dirty="0">
+                <a:latin typeface="Bahnschrift Light Condensed" panose="020B0502040204020203" pitchFamily="34" charset="0"/>
+              </a:rPr>
+              <a:t>Структура задачи</a:t>
+            </a:r>
+          </a:p>
+        </p:txBody>
+      </p:sp>
+      <p:cxnSp>
+        <p:nvCxnSpPr>
+          <p:cNvPr id="21" name="Прямая со стрелкой 20">
+            <a:extLst>
+              <a:ext uri="{FF2B5EF4-FFF2-40B4-BE49-F238E27FC236}">
+                <a16:creationId xmlns:a16="http://schemas.microsoft.com/office/drawing/2014/main" id="{9DD28269-435A-4F7E-8652-B996D3296353}"/>
+              </a:ext>
+            </a:extLst>
+          </p:cNvPr>
+          <p:cNvCxnSpPr>
+            <a:stCxn id="6" idx="2"/>
+          </p:cNvCxnSpPr>
+          <p:nvPr/>
+        </p:nvCxnSpPr>
+        <p:spPr>
+          <a:xfrm flipH="1">
+            <a:off x="9241214" y="3959265"/>
+            <a:ext cx="1" cy="1057085"/>
+          </a:xfrm>
+          <a:prstGeom prst="straightConnector1">
+            <a:avLst/>
+          </a:prstGeom>
+          <a:ln>
+            <a:tailEnd type="triangle"/>
+          </a:ln>
+        </p:spPr>
+        <p:style>
+          <a:lnRef idx="1">
+            <a:schemeClr val="dk1"/>
+          </a:lnRef>
+          <a:fillRef idx="0">
+            <a:schemeClr val="dk1"/>
+          </a:fillRef>
+          <a:effectRef idx="0">
+            <a:schemeClr val="dk1"/>
+          </a:effectRef>
+          <a:fontRef idx="minor">
+            <a:schemeClr val="tx1"/>
+          </a:fontRef>
+        </p:style>
+      </p:cxnSp>
+      <p:sp>
+        <p:nvSpPr>
+          <p:cNvPr id="22" name="TextBox 21">
+            <a:extLst>
+              <a:ext uri="{FF2B5EF4-FFF2-40B4-BE49-F238E27FC236}">
+                <a16:creationId xmlns:a16="http://schemas.microsoft.com/office/drawing/2014/main" id="{4D503E26-7640-4EE9-B732-98F745BCB369}"/>
+              </a:ext>
+            </a:extLst>
+          </p:cNvPr>
+          <p:cNvSpPr txBox="1"/>
+          <p:nvPr/>
+        </p:nvSpPr>
+        <p:spPr>
+          <a:xfrm>
+            <a:off x="8131207" y="5004591"/>
+            <a:ext cx="2435289" cy="369332"/>
+          </a:xfrm>
+          <a:prstGeom prst="rect">
+            <a:avLst/>
+          </a:prstGeom>
+          <a:noFill/>
+        </p:spPr>
+        <p:txBody>
+          <a:bodyPr wrap="square" rtlCol="0">
+            <a:spAutoFit/>
+          </a:bodyPr>
+          <a:lstStyle/>
+          <a:p>
+            <a:r>
+              <a:rPr lang="ru-RU" dirty="0">
+                <a:latin typeface="Bahnschrift Light Condensed" panose="020B0502040204020203" pitchFamily="34" charset="0"/>
+              </a:rPr>
+              <a:t>Готовый к исполнению код</a:t>
+            </a:r>
+          </a:p>
+        </p:txBody>
+      </p:sp>
+      <p:sp>
+        <p:nvSpPr>
+          <p:cNvPr id="23" name="TextBox 22">
+            <a:extLst>
+              <a:ext uri="{FF2B5EF4-FFF2-40B4-BE49-F238E27FC236}">
+                <a16:creationId xmlns:a16="http://schemas.microsoft.com/office/drawing/2014/main" id="{F2CFDEC0-8F57-48F8-9314-DAFF256B8407}"/>
+              </a:ext>
+            </a:extLst>
+          </p:cNvPr>
+          <p:cNvSpPr txBox="1"/>
+          <p:nvPr/>
+        </p:nvSpPr>
+        <p:spPr>
+          <a:xfrm>
+            <a:off x="8003158" y="5562744"/>
+            <a:ext cx="2691385" cy="400110"/>
+          </a:xfrm>
+          <a:prstGeom prst="rect">
+            <a:avLst/>
+          </a:prstGeom>
+          <a:noFill/>
+        </p:spPr>
+        <p:txBody>
+          <a:bodyPr wrap="square" rtlCol="0">
+            <a:spAutoFit/>
+          </a:bodyPr>
+          <a:lstStyle/>
+          <a:p>
+            <a:r>
+              <a:rPr lang="ru-RU" sz="2000" dirty="0">
+                <a:latin typeface="Bahnschrift Light Condensed" panose="020B0502040204020203" pitchFamily="34" charset="0"/>
+              </a:rPr>
+              <a:t>Рисунок </a:t>
+            </a:r>
+            <a:r>
+              <a:rPr lang="en-US" sz="2000" dirty="0">
+                <a:latin typeface="Bahnschrift Light Condensed" panose="020B0502040204020203" pitchFamily="34" charset="0"/>
+              </a:rPr>
+              <a:t>5</a:t>
+            </a:r>
+            <a:r>
+              <a:rPr lang="ru-RU" sz="2000" dirty="0">
+                <a:latin typeface="Bahnschrift Light Condensed" panose="020B0502040204020203" pitchFamily="34" charset="0"/>
+              </a:rPr>
+              <a:t> – Подготовка кода</a:t>
+            </a:r>
+          </a:p>
+        </p:txBody>
+      </p:sp>
+    </p:spTree>
+    <p:extLst>
+      <p:ext uri="{BB962C8B-B14F-4D97-AF65-F5344CB8AC3E}">
+        <p14:creationId xmlns:p14="http://schemas.microsoft.com/office/powerpoint/2010/main" val="1579156004"/>
+      </p:ext>
+    </p:extLst>
+  </p:cSld>
+  <p:clrMapOvr>
+    <a:masterClrMapping/>
+  </p:clrMapOvr>
+</p:sld>
+</file>
+
+<file path=ppt/slides/slide7.xml><?xml version="1.0" encoding="utf-8"?>
+<p:sld xmlns:a="http://schemas.openxmlformats.org/drawingml/2006/main" xmlns:r="http://schemas.openxmlformats.org/officeDocument/2006/relationships" xmlns:p="http://schemas.openxmlformats.org/presentationml/2006/main">
+  <p:cSld>
+    <p:spTree>
+      <p:nvGrpSpPr>
+        <p:cNvPr id="1" name=""/>
+        <p:cNvGrpSpPr/>
+        <p:nvPr/>
+      </p:nvGrpSpPr>
+      <p:grpSpPr>
+        <a:xfrm>
+          <a:off x="0" y="0"/>
+          <a:ext cx="0" cy="0"/>
+          <a:chOff x="0" y="0"/>
+          <a:chExt cx="0" cy="0"/>
+        </a:xfrm>
+      </p:grpSpPr>
+      <p:sp>
+        <p:nvSpPr>
+          <p:cNvPr id="3" name="Заголовок 1">
+            <a:extLst>
+              <a:ext uri="{FF2B5EF4-FFF2-40B4-BE49-F238E27FC236}">
+                <a16:creationId xmlns:a16="http://schemas.microsoft.com/office/drawing/2014/main" id="{A0ACA5B3-A45B-4106-A5F4-99EEF503605D}"/>
+              </a:ext>
+            </a:extLst>
+          </p:cNvPr>
+          <p:cNvSpPr>
+            <a:spLocks noGrp="1"/>
+          </p:cNvSpPr>
+          <p:nvPr>
+            <p:ph type="title"/>
+          </p:nvPr>
+        </p:nvSpPr>
+        <p:spPr>
+          <a:xfrm>
+            <a:off x="838200" y="316999"/>
+            <a:ext cx="6579637" cy="982412"/>
+          </a:xfrm>
+        </p:spPr>
+        <p:txBody>
+          <a:bodyPr/>
+          <a:lstStyle/>
+          <a:p>
+            <a:r>
+              <a:rPr lang="ru-RU" dirty="0">
+                <a:latin typeface="Bahnschrift Light Condensed" panose="020B0502040204020203" pitchFamily="34" charset="0"/>
+              </a:rPr>
+              <a:t>Проверка правильности решения</a:t>
+            </a:r>
+          </a:p>
+        </p:txBody>
+      </p:sp>
+    </p:spTree>
+    <p:extLst>
+      <p:ext uri="{BB962C8B-B14F-4D97-AF65-F5344CB8AC3E}">
+        <p14:creationId xmlns:p14="http://schemas.microsoft.com/office/powerpoint/2010/main" val="410828396"/>
       </p:ext>
     </p:extLst>
   </p:cSld>

--- a/Презентация Microsoft PowerPoint.pptx
+++ b/Презентация Microsoft PowerPoint.pptx
@@ -5,16 +5,25 @@
     <p:sldMasterId id="2147483660" r:id="rId1"/>
   </p:sldMasterIdLst>
   <p:notesMasterIdLst>
-    <p:notesMasterId r:id="rId9"/>
+    <p:notesMasterId r:id="rId18"/>
   </p:notesMasterIdLst>
   <p:sldIdLst>
     <p:sldId id="256" r:id="rId2"/>
     <p:sldId id="257" r:id="rId3"/>
     <p:sldId id="258" r:id="rId4"/>
-    <p:sldId id="259" r:id="rId5"/>
-    <p:sldId id="260" r:id="rId6"/>
-    <p:sldId id="261" r:id="rId7"/>
-    <p:sldId id="262" r:id="rId8"/>
+    <p:sldId id="260" r:id="rId5"/>
+    <p:sldId id="261" r:id="rId6"/>
+    <p:sldId id="263" r:id="rId7"/>
+    <p:sldId id="259" r:id="rId8"/>
+    <p:sldId id="262" r:id="rId9"/>
+    <p:sldId id="264" r:id="rId10"/>
+    <p:sldId id="265" r:id="rId11"/>
+    <p:sldId id="267" r:id="rId12"/>
+    <p:sldId id="268" r:id="rId13"/>
+    <p:sldId id="269" r:id="rId14"/>
+    <p:sldId id="270" r:id="rId15"/>
+    <p:sldId id="266" r:id="rId16"/>
+    <p:sldId id="271" r:id="rId17"/>
   </p:sldIdLst>
   <p:sldSz cx="12192000" cy="6858000"/>
   <p:notesSz cx="6858000" cy="9144000"/>
@@ -203,7 +212,7 @@
           <a:p>
             <a:fld id="{06EA2F6A-6C6A-4F9A-A657-6DE485336090}" type="datetimeFigureOut">
               <a:rPr lang="ru-RU" smtClean="0"/>
-              <a:t>12.12.2023</a:t>
+              <a:t>18.12.2023</a:t>
             </a:fld>
             <a:endParaRPr lang="ru-RU"/>
           </a:p>
@@ -535,7 +544,7 @@
           <a:p>
             <a:fld id="{B2796907-CA03-4721-9DD0-B4E87A3A23F9}" type="slidenum">
               <a:rPr lang="ru-RU" smtClean="0"/>
-              <a:t>5</a:t>
+              <a:t>4</a:t>
             </a:fld>
             <a:endParaRPr lang="ru-RU"/>
           </a:p>
@@ -545,6 +554,90 @@
     <p:extLst>
       <p:ext uri="{BB962C8B-B14F-4D97-AF65-F5344CB8AC3E}">
         <p14:creationId xmlns:p14="http://schemas.microsoft.com/office/powerpoint/2010/main" val="3779168911"/>
+      </p:ext>
+    </p:extLst>
+  </p:cSld>
+  <p:clrMapOvr>
+    <a:masterClrMapping/>
+  </p:clrMapOvr>
+</p:notes>
+</file>
+
+<file path=ppt/notesSlides/notesSlide2.xml><?xml version="1.0" encoding="utf-8"?>
+<p:notes xmlns:a="http://schemas.openxmlformats.org/drawingml/2006/main" xmlns:r="http://schemas.openxmlformats.org/officeDocument/2006/relationships" xmlns:p="http://schemas.openxmlformats.org/presentationml/2006/main">
+  <p:cSld>
+    <p:spTree>
+      <p:nvGrpSpPr>
+        <p:cNvPr id="1" name=""/>
+        <p:cNvGrpSpPr/>
+        <p:nvPr/>
+      </p:nvGrpSpPr>
+      <p:grpSpPr>
+        <a:xfrm>
+          <a:off x="0" y="0"/>
+          <a:ext cx="0" cy="0"/>
+          <a:chOff x="0" y="0"/>
+          <a:chExt cx="0" cy="0"/>
+        </a:xfrm>
+      </p:grpSpPr>
+      <p:sp>
+        <p:nvSpPr>
+          <p:cNvPr id="2" name="Образ слайда 1"/>
+          <p:cNvSpPr>
+            <a:spLocks noGrp="1" noRot="1" noChangeAspect="1"/>
+          </p:cNvSpPr>
+          <p:nvPr>
+            <p:ph type="sldImg"/>
+          </p:nvPr>
+        </p:nvSpPr>
+        <p:spPr/>
+      </p:sp>
+      <p:sp>
+        <p:nvSpPr>
+          <p:cNvPr id="3" name="Заметки 2"/>
+          <p:cNvSpPr>
+            <a:spLocks noGrp="1"/>
+          </p:cNvSpPr>
+          <p:nvPr>
+            <p:ph type="body" idx="1"/>
+          </p:nvPr>
+        </p:nvSpPr>
+        <p:spPr/>
+        <p:txBody>
+          <a:bodyPr/>
+          <a:lstStyle/>
+          <a:p>
+            <a:endParaRPr lang="ru-RU" dirty="0"/>
+          </a:p>
+        </p:txBody>
+      </p:sp>
+      <p:sp>
+        <p:nvSpPr>
+          <p:cNvPr id="4" name="Номер слайда 3"/>
+          <p:cNvSpPr>
+            <a:spLocks noGrp="1"/>
+          </p:cNvSpPr>
+          <p:nvPr>
+            <p:ph type="sldNum" sz="quarter" idx="10"/>
+          </p:nvPr>
+        </p:nvSpPr>
+        <p:spPr/>
+        <p:txBody>
+          <a:bodyPr/>
+          <a:lstStyle/>
+          <a:p>
+            <a:fld id="{B2796907-CA03-4721-9DD0-B4E87A3A23F9}" type="slidenum">
+              <a:rPr lang="ru-RU" smtClean="0"/>
+              <a:t>7</a:t>
+            </a:fld>
+            <a:endParaRPr lang="ru-RU"/>
+          </a:p>
+        </p:txBody>
+      </p:sp>
+    </p:spTree>
+    <p:extLst>
+      <p:ext uri="{BB962C8B-B14F-4D97-AF65-F5344CB8AC3E}">
+        <p14:creationId xmlns:p14="http://schemas.microsoft.com/office/powerpoint/2010/main" val="1814591586"/>
       </p:ext>
     </p:extLst>
   </p:cSld>
@@ -737,7 +830,7 @@
           <a:p>
             <a:fld id="{6D08A19F-D333-4595-8414-ABF2D3176DF2}" type="datetimeFigureOut">
               <a:rPr lang="ru-RU" smtClean="0"/>
-              <a:t>12.12.2023</a:t>
+              <a:t>18.12.2023</a:t>
             </a:fld>
             <a:endParaRPr lang="ru-RU"/>
           </a:p>
@@ -935,7 +1028,7 @@
           <a:p>
             <a:fld id="{6D08A19F-D333-4595-8414-ABF2D3176DF2}" type="datetimeFigureOut">
               <a:rPr lang="ru-RU" smtClean="0"/>
-              <a:t>12.12.2023</a:t>
+              <a:t>18.12.2023</a:t>
             </a:fld>
             <a:endParaRPr lang="ru-RU"/>
           </a:p>
@@ -1143,7 +1236,7 @@
           <a:p>
             <a:fld id="{6D08A19F-D333-4595-8414-ABF2D3176DF2}" type="datetimeFigureOut">
               <a:rPr lang="ru-RU" smtClean="0"/>
-              <a:t>12.12.2023</a:t>
+              <a:t>18.12.2023</a:t>
             </a:fld>
             <a:endParaRPr lang="ru-RU"/>
           </a:p>
@@ -1341,7 +1434,7 @@
           <a:p>
             <a:fld id="{6D08A19F-D333-4595-8414-ABF2D3176DF2}" type="datetimeFigureOut">
               <a:rPr lang="ru-RU" smtClean="0"/>
-              <a:t>12.12.2023</a:t>
+              <a:t>18.12.2023</a:t>
             </a:fld>
             <a:endParaRPr lang="ru-RU"/>
           </a:p>
@@ -1616,7 +1709,7 @@
           <a:p>
             <a:fld id="{6D08A19F-D333-4595-8414-ABF2D3176DF2}" type="datetimeFigureOut">
               <a:rPr lang="ru-RU" smtClean="0"/>
-              <a:t>12.12.2023</a:t>
+              <a:t>18.12.2023</a:t>
             </a:fld>
             <a:endParaRPr lang="ru-RU"/>
           </a:p>
@@ -1881,7 +1974,7 @@
           <a:p>
             <a:fld id="{6D08A19F-D333-4595-8414-ABF2D3176DF2}" type="datetimeFigureOut">
               <a:rPr lang="ru-RU" smtClean="0"/>
-              <a:t>12.12.2023</a:t>
+              <a:t>18.12.2023</a:t>
             </a:fld>
             <a:endParaRPr lang="ru-RU"/>
           </a:p>
@@ -2293,7 +2386,7 @@
           <a:p>
             <a:fld id="{6D08A19F-D333-4595-8414-ABF2D3176DF2}" type="datetimeFigureOut">
               <a:rPr lang="ru-RU" smtClean="0"/>
-              <a:t>12.12.2023</a:t>
+              <a:t>18.12.2023</a:t>
             </a:fld>
             <a:endParaRPr lang="ru-RU"/>
           </a:p>
@@ -2434,7 +2527,7 @@
           <a:p>
             <a:fld id="{6D08A19F-D333-4595-8414-ABF2D3176DF2}" type="datetimeFigureOut">
               <a:rPr lang="ru-RU" smtClean="0"/>
-              <a:t>12.12.2023</a:t>
+              <a:t>18.12.2023</a:t>
             </a:fld>
             <a:endParaRPr lang="ru-RU"/>
           </a:p>
@@ -2547,7 +2640,7 @@
           <a:p>
             <a:fld id="{6D08A19F-D333-4595-8414-ABF2D3176DF2}" type="datetimeFigureOut">
               <a:rPr lang="ru-RU" smtClean="0"/>
-              <a:t>12.12.2023</a:t>
+              <a:t>18.12.2023</a:t>
             </a:fld>
             <a:endParaRPr lang="ru-RU"/>
           </a:p>
@@ -2858,7 +2951,7 @@
           <a:p>
             <a:fld id="{6D08A19F-D333-4595-8414-ABF2D3176DF2}" type="datetimeFigureOut">
               <a:rPr lang="ru-RU" smtClean="0"/>
-              <a:t>12.12.2023</a:t>
+              <a:t>18.12.2023</a:t>
             </a:fld>
             <a:endParaRPr lang="ru-RU"/>
           </a:p>
@@ -3149,7 +3242,7 @@
           <a:p>
             <a:fld id="{6D08A19F-D333-4595-8414-ABF2D3176DF2}" type="datetimeFigureOut">
               <a:rPr lang="ru-RU" smtClean="0"/>
-              <a:t>12.12.2023</a:t>
+              <a:t>18.12.2023</a:t>
             </a:fld>
             <a:endParaRPr lang="ru-RU"/>
           </a:p>
@@ -3426,7 +3519,7 @@
           <a:p>
             <a:fld id="{6D08A19F-D333-4595-8414-ABF2D3176DF2}" type="datetimeFigureOut">
               <a:rPr lang="ru-RU" smtClean="0"/>
-              <a:t>12.12.2023</a:t>
+              <a:t>18.12.2023</a:t>
             </a:fld>
             <a:endParaRPr lang="ru-RU"/>
           </a:p>
@@ -3905,6 +3998,10 @@
               <a:rPr lang="en-US" dirty="0"/>
               <a:t>:</a:t>
             </a:r>
+            <a:r>
+              <a:rPr lang="ru-RU" dirty="0"/>
+              <a:t/>
+            </a:r>
             <a:br>
               <a:rPr lang="ru-RU" dirty="0"/>
             </a:br>
@@ -3929,6 +4026,4238 @@
   <p:clrMapOvr>
     <a:masterClrMapping/>
   </p:clrMapOvr>
+  <mc:AlternateContent xmlns:mc="http://schemas.openxmlformats.org/markup-compatibility/2006">
+    <mc:Choice xmlns:p14="http://schemas.microsoft.com/office/powerpoint/2010/main" Requires="p14">
+      <p:transition p14:dur="400">
+        <p14:reveal/>
+      </p:transition>
+    </mc:Choice>
+    <mc:Fallback>
+      <p:transition>
+        <p:fade/>
+      </p:transition>
+    </mc:Fallback>
+  </mc:AlternateContent>
+  <p:timing>
+    <p:tnLst>
+      <p:par>
+        <p:cTn id="1" dur="indefinite" restart="never" nodeType="tmRoot"/>
+      </p:par>
+    </p:tnLst>
+  </p:timing>
+</p:sld>
+</file>
+
+<file path=ppt/slides/slide10.xml><?xml version="1.0" encoding="utf-8"?>
+<p:sld xmlns:a="http://schemas.openxmlformats.org/drawingml/2006/main" xmlns:r="http://schemas.openxmlformats.org/officeDocument/2006/relationships" xmlns:p="http://schemas.openxmlformats.org/presentationml/2006/main">
+  <p:cSld>
+    <p:spTree>
+      <p:nvGrpSpPr>
+        <p:cNvPr id="1" name=""/>
+        <p:cNvGrpSpPr/>
+        <p:nvPr/>
+      </p:nvGrpSpPr>
+      <p:grpSpPr>
+        <a:xfrm>
+          <a:off x="0" y="0"/>
+          <a:ext cx="0" cy="0"/>
+          <a:chOff x="0" y="0"/>
+          <a:chExt cx="0" cy="0"/>
+        </a:xfrm>
+      </p:grpSpPr>
+      <p:sp>
+        <p:nvSpPr>
+          <p:cNvPr id="2" name="Заголовок 1"/>
+          <p:cNvSpPr>
+            <a:spLocks noGrp="1"/>
+          </p:cNvSpPr>
+          <p:nvPr>
+            <p:ph type="title"/>
+          </p:nvPr>
+        </p:nvSpPr>
+        <p:spPr>
+          <a:xfrm>
+            <a:off x="1456944" y="218826"/>
+            <a:ext cx="10515600" cy="755337"/>
+          </a:xfrm>
+        </p:spPr>
+        <p:txBody>
+          <a:bodyPr>
+            <a:normAutofit/>
+          </a:bodyPr>
+          <a:lstStyle/>
+          <a:p>
+            <a:r>
+              <a:rPr lang="ru-RU" sz="4000" dirty="0" smtClean="0">
+                <a:latin typeface="Bahnschrift Light Condensed" panose="020B0502040204020203" pitchFamily="34" charset="0"/>
+              </a:rPr>
+              <a:t>Процесс проверки решения</a:t>
+            </a:r>
+            <a:endParaRPr lang="ru-RU" sz="4000" dirty="0">
+              <a:latin typeface="Bahnschrift Light Condensed" panose="020B0502040204020203" pitchFamily="34" charset="0"/>
+            </a:endParaRPr>
+          </a:p>
+        </p:txBody>
+      </p:sp>
+      <p:cxnSp>
+        <p:nvCxnSpPr>
+          <p:cNvPr id="24" name="Прямая соединительная линия 23"/>
+          <p:cNvCxnSpPr/>
+          <p:nvPr/>
+        </p:nvCxnSpPr>
+        <p:spPr>
+          <a:xfrm>
+            <a:off x="7977559" y="1522709"/>
+            <a:ext cx="27582" cy="4764323"/>
+          </a:xfrm>
+          <a:prstGeom prst="line">
+            <a:avLst/>
+          </a:prstGeom>
+          <a:ln w="15875">
+            <a:prstDash val="sysDash"/>
+          </a:ln>
+        </p:spPr>
+        <p:style>
+          <a:lnRef idx="1">
+            <a:schemeClr val="dk1"/>
+          </a:lnRef>
+          <a:fillRef idx="0">
+            <a:schemeClr val="dk1"/>
+          </a:fillRef>
+          <a:effectRef idx="0">
+            <a:schemeClr val="dk1"/>
+          </a:effectRef>
+          <a:fontRef idx="minor">
+            <a:schemeClr val="tx1"/>
+          </a:fontRef>
+        </p:style>
+      </p:cxnSp>
+      <p:sp>
+        <p:nvSpPr>
+          <p:cNvPr id="3" name="Прямоугольник 2"/>
+          <p:cNvSpPr/>
+          <p:nvPr/>
+        </p:nvSpPr>
+        <p:spPr>
+          <a:xfrm>
+            <a:off x="1739017" y="1091231"/>
+            <a:ext cx="1575326" cy="431477"/>
+          </a:xfrm>
+          <a:prstGeom prst="rect">
+            <a:avLst/>
+          </a:prstGeom>
+          <a:solidFill>
+            <a:schemeClr val="bg1"/>
+          </a:solidFill>
+          <a:ln>
+            <a:solidFill>
+              <a:schemeClr val="tx1"/>
+            </a:solidFill>
+          </a:ln>
+        </p:spPr>
+        <p:style>
+          <a:lnRef idx="2">
+            <a:schemeClr val="accent1">
+              <a:shade val="50000"/>
+            </a:schemeClr>
+          </a:lnRef>
+          <a:fillRef idx="1">
+            <a:schemeClr val="accent1"/>
+          </a:fillRef>
+          <a:effectRef idx="0">
+            <a:schemeClr val="accent1"/>
+          </a:effectRef>
+          <a:fontRef idx="minor">
+            <a:schemeClr val="lt1"/>
+          </a:fontRef>
+        </p:style>
+        <p:txBody>
+          <a:bodyPr rtlCol="0" anchor="ctr"/>
+          <a:lstStyle/>
+          <a:p>
+            <a:pPr algn="ctr"/>
+            <a:r>
+              <a:rPr lang="ru-RU" sz="1200" dirty="0" smtClean="0">
+                <a:solidFill>
+                  <a:sysClr val="windowText" lastClr="000000"/>
+                </a:solidFill>
+                <a:latin typeface="Bahnschrift Light Condensed" panose="020B0502040204020203" pitchFamily="34" charset="0"/>
+              </a:rPr>
+              <a:t>Пользователь</a:t>
+            </a:r>
+            <a:endParaRPr lang="ru-RU" sz="1200" dirty="0">
+              <a:solidFill>
+                <a:sysClr val="windowText" lastClr="000000"/>
+              </a:solidFill>
+              <a:latin typeface="Bahnschrift Light Condensed" panose="020B0502040204020203" pitchFamily="34" charset="0"/>
+            </a:endParaRPr>
+          </a:p>
+        </p:txBody>
+      </p:sp>
+      <p:cxnSp>
+        <p:nvCxnSpPr>
+          <p:cNvPr id="5" name="Прямая соединительная линия 4"/>
+          <p:cNvCxnSpPr>
+            <a:stCxn id="3" idx="2"/>
+          </p:cNvCxnSpPr>
+          <p:nvPr/>
+        </p:nvCxnSpPr>
+        <p:spPr>
+          <a:xfrm>
+            <a:off x="2526680" y="1522709"/>
+            <a:ext cx="1078" cy="4764323"/>
+          </a:xfrm>
+          <a:prstGeom prst="line">
+            <a:avLst/>
+          </a:prstGeom>
+          <a:ln w="15875">
+            <a:prstDash val="sysDash"/>
+          </a:ln>
+        </p:spPr>
+        <p:style>
+          <a:lnRef idx="1">
+            <a:schemeClr val="dk1"/>
+          </a:lnRef>
+          <a:fillRef idx="0">
+            <a:schemeClr val="dk1"/>
+          </a:fillRef>
+          <a:effectRef idx="0">
+            <a:schemeClr val="dk1"/>
+          </a:effectRef>
+          <a:fontRef idx="minor">
+            <a:schemeClr val="tx1"/>
+          </a:fontRef>
+        </p:style>
+      </p:cxnSp>
+      <p:sp>
+        <p:nvSpPr>
+          <p:cNvPr id="6" name="Прямоугольник 5"/>
+          <p:cNvSpPr/>
+          <p:nvPr/>
+        </p:nvSpPr>
+        <p:spPr>
+          <a:xfrm>
+            <a:off x="3568942" y="1091231"/>
+            <a:ext cx="1575326" cy="431477"/>
+          </a:xfrm>
+          <a:prstGeom prst="rect">
+            <a:avLst/>
+          </a:prstGeom>
+          <a:solidFill>
+            <a:schemeClr val="bg1"/>
+          </a:solidFill>
+          <a:ln>
+            <a:solidFill>
+              <a:schemeClr val="tx1"/>
+            </a:solidFill>
+          </a:ln>
+        </p:spPr>
+        <p:style>
+          <a:lnRef idx="2">
+            <a:schemeClr val="accent1">
+              <a:shade val="50000"/>
+            </a:schemeClr>
+          </a:lnRef>
+          <a:fillRef idx="1">
+            <a:schemeClr val="accent1"/>
+          </a:fillRef>
+          <a:effectRef idx="0">
+            <a:schemeClr val="accent1"/>
+          </a:effectRef>
+          <a:fontRef idx="minor">
+            <a:schemeClr val="lt1"/>
+          </a:fontRef>
+        </p:style>
+        <p:txBody>
+          <a:bodyPr rtlCol="0" anchor="ctr"/>
+          <a:lstStyle/>
+          <a:p>
+            <a:pPr algn="ctr"/>
+            <a:r>
+              <a:rPr lang="ru-RU" sz="1200" dirty="0" smtClean="0">
+                <a:solidFill>
+                  <a:sysClr val="windowText" lastClr="000000"/>
+                </a:solidFill>
+                <a:latin typeface="Bahnschrift Light Condensed" panose="020B0502040204020203" pitchFamily="34" charset="0"/>
+              </a:rPr>
+              <a:t>Веб-Клиент</a:t>
+            </a:r>
+            <a:endParaRPr lang="ru-RU" sz="1200" dirty="0">
+              <a:solidFill>
+                <a:sysClr val="windowText" lastClr="000000"/>
+              </a:solidFill>
+              <a:latin typeface="Bahnschrift Light Condensed" panose="020B0502040204020203" pitchFamily="34" charset="0"/>
+            </a:endParaRPr>
+          </a:p>
+        </p:txBody>
+      </p:sp>
+      <p:cxnSp>
+        <p:nvCxnSpPr>
+          <p:cNvPr id="7" name="Прямая соединительная линия 6"/>
+          <p:cNvCxnSpPr/>
+          <p:nvPr/>
+        </p:nvCxnSpPr>
+        <p:spPr>
+          <a:xfrm flipH="1">
+            <a:off x="4364926" y="1522709"/>
+            <a:ext cx="31458" cy="4764323"/>
+          </a:xfrm>
+          <a:prstGeom prst="line">
+            <a:avLst/>
+          </a:prstGeom>
+          <a:ln w="15875">
+            <a:prstDash val="sysDash"/>
+          </a:ln>
+        </p:spPr>
+        <p:style>
+          <a:lnRef idx="1">
+            <a:schemeClr val="dk1"/>
+          </a:lnRef>
+          <a:fillRef idx="0">
+            <a:schemeClr val="dk1"/>
+          </a:fillRef>
+          <a:effectRef idx="0">
+            <a:schemeClr val="dk1"/>
+          </a:effectRef>
+          <a:fontRef idx="minor">
+            <a:schemeClr val="tx1"/>
+          </a:fontRef>
+        </p:style>
+      </p:cxnSp>
+      <p:sp>
+        <p:nvSpPr>
+          <p:cNvPr id="8" name="Прямоугольник 7"/>
+          <p:cNvSpPr/>
+          <p:nvPr/>
+        </p:nvSpPr>
+        <p:spPr>
+          <a:xfrm>
+            <a:off x="2429301" y="1712243"/>
+            <a:ext cx="196916" cy="3983699"/>
+          </a:xfrm>
+          <a:prstGeom prst="rect">
+            <a:avLst/>
+          </a:prstGeom>
+          <a:solidFill>
+            <a:schemeClr val="bg1"/>
+          </a:solidFill>
+          <a:ln>
+            <a:solidFill>
+              <a:schemeClr val="tx1"/>
+            </a:solidFill>
+          </a:ln>
+        </p:spPr>
+        <p:style>
+          <a:lnRef idx="2">
+            <a:schemeClr val="accent1">
+              <a:shade val="50000"/>
+            </a:schemeClr>
+          </a:lnRef>
+          <a:fillRef idx="1">
+            <a:schemeClr val="accent1"/>
+          </a:fillRef>
+          <a:effectRef idx="0">
+            <a:schemeClr val="accent1"/>
+          </a:effectRef>
+          <a:fontRef idx="minor">
+            <a:schemeClr val="lt1"/>
+          </a:fontRef>
+        </p:style>
+        <p:txBody>
+          <a:bodyPr rtlCol="0" anchor="ctr"/>
+          <a:lstStyle/>
+          <a:p>
+            <a:pPr algn="ctr"/>
+            <a:endParaRPr lang="ru-RU"/>
+          </a:p>
+        </p:txBody>
+      </p:sp>
+      <p:sp>
+        <p:nvSpPr>
+          <p:cNvPr id="10" name="Прямоугольник 9"/>
+          <p:cNvSpPr/>
+          <p:nvPr/>
+        </p:nvSpPr>
+        <p:spPr>
+          <a:xfrm>
+            <a:off x="4330629" y="1712243"/>
+            <a:ext cx="123355" cy="1422398"/>
+          </a:xfrm>
+          <a:prstGeom prst="rect">
+            <a:avLst/>
+          </a:prstGeom>
+          <a:solidFill>
+            <a:schemeClr val="bg1"/>
+          </a:solidFill>
+          <a:ln>
+            <a:solidFill>
+              <a:schemeClr val="tx1"/>
+            </a:solidFill>
+          </a:ln>
+        </p:spPr>
+        <p:style>
+          <a:lnRef idx="2">
+            <a:schemeClr val="accent1">
+              <a:shade val="50000"/>
+            </a:schemeClr>
+          </a:lnRef>
+          <a:fillRef idx="1">
+            <a:schemeClr val="accent1"/>
+          </a:fillRef>
+          <a:effectRef idx="0">
+            <a:schemeClr val="accent1"/>
+          </a:effectRef>
+          <a:fontRef idx="minor">
+            <a:schemeClr val="lt1"/>
+          </a:fontRef>
+        </p:style>
+        <p:txBody>
+          <a:bodyPr rtlCol="0" anchor="ctr"/>
+          <a:lstStyle/>
+          <a:p>
+            <a:pPr algn="ctr"/>
+            <a:endParaRPr lang="ru-RU"/>
+          </a:p>
+        </p:txBody>
+      </p:sp>
+      <p:cxnSp>
+        <p:nvCxnSpPr>
+          <p:cNvPr id="12" name="Прямая со стрелкой 11"/>
+          <p:cNvCxnSpPr>
+            <a:stCxn id="8" idx="0"/>
+          </p:cNvCxnSpPr>
+          <p:nvPr/>
+        </p:nvCxnSpPr>
+        <p:spPr>
+          <a:xfrm>
+            <a:off x="2527758" y="1712243"/>
+            <a:ext cx="1704415" cy="0"/>
+          </a:xfrm>
+          <a:prstGeom prst="straightConnector1">
+            <a:avLst/>
+          </a:prstGeom>
+          <a:ln>
+            <a:tailEnd type="triangle"/>
+          </a:ln>
+        </p:spPr>
+        <p:style>
+          <a:lnRef idx="1">
+            <a:schemeClr val="dk1"/>
+          </a:lnRef>
+          <a:fillRef idx="0">
+            <a:schemeClr val="dk1"/>
+          </a:fillRef>
+          <a:effectRef idx="0">
+            <a:schemeClr val="dk1"/>
+          </a:effectRef>
+          <a:fontRef idx="minor">
+            <a:schemeClr val="tx1"/>
+          </a:fontRef>
+        </p:style>
+      </p:cxnSp>
+      <p:sp>
+        <p:nvSpPr>
+          <p:cNvPr id="13" name="TextBox 12"/>
+          <p:cNvSpPr txBox="1"/>
+          <p:nvPr/>
+        </p:nvSpPr>
+        <p:spPr>
+          <a:xfrm>
+            <a:off x="2996800" y="1691554"/>
+            <a:ext cx="864788" cy="314584"/>
+          </a:xfrm>
+          <a:prstGeom prst="rect">
+            <a:avLst/>
+          </a:prstGeom>
+          <a:noFill/>
+        </p:spPr>
+        <p:txBody>
+          <a:bodyPr wrap="square" rtlCol="0">
+            <a:spAutoFit/>
+          </a:bodyPr>
+          <a:lstStyle/>
+          <a:p>
+            <a:r>
+              <a:rPr lang="ru-RU" sz="1200" dirty="0" smtClean="0">
+                <a:latin typeface="Bahnschrift Light Condensed" panose="020B0502040204020203" pitchFamily="34" charset="0"/>
+              </a:rPr>
+              <a:t>Решение</a:t>
+            </a:r>
+            <a:endParaRPr lang="ru-RU" sz="1200" dirty="0">
+              <a:latin typeface="Bahnschrift Light Condensed" panose="020B0502040204020203" pitchFamily="34" charset="0"/>
+            </a:endParaRPr>
+          </a:p>
+        </p:txBody>
+      </p:sp>
+      <p:sp>
+        <p:nvSpPr>
+          <p:cNvPr id="14" name="Прямоугольник 13"/>
+          <p:cNvSpPr/>
+          <p:nvPr/>
+        </p:nvSpPr>
+        <p:spPr>
+          <a:xfrm>
+            <a:off x="5356391" y="1091231"/>
+            <a:ext cx="1575326" cy="431477"/>
+          </a:xfrm>
+          <a:prstGeom prst="rect">
+            <a:avLst/>
+          </a:prstGeom>
+          <a:solidFill>
+            <a:schemeClr val="bg1"/>
+          </a:solidFill>
+          <a:ln>
+            <a:solidFill>
+              <a:schemeClr val="tx1"/>
+            </a:solidFill>
+          </a:ln>
+        </p:spPr>
+        <p:style>
+          <a:lnRef idx="2">
+            <a:schemeClr val="accent1">
+              <a:shade val="50000"/>
+            </a:schemeClr>
+          </a:lnRef>
+          <a:fillRef idx="1">
+            <a:schemeClr val="accent1"/>
+          </a:fillRef>
+          <a:effectRef idx="0">
+            <a:schemeClr val="accent1"/>
+          </a:effectRef>
+          <a:fontRef idx="minor">
+            <a:schemeClr val="lt1"/>
+          </a:fontRef>
+        </p:style>
+        <p:txBody>
+          <a:bodyPr rtlCol="0" anchor="ctr"/>
+          <a:lstStyle/>
+          <a:p>
+            <a:pPr algn="ctr"/>
+            <a:r>
+              <a:rPr lang="ru-RU" sz="1200" dirty="0" smtClean="0">
+                <a:solidFill>
+                  <a:sysClr val="windowText" lastClr="000000"/>
+                </a:solidFill>
+                <a:latin typeface="Bahnschrift Light Condensed" panose="020B0502040204020203" pitchFamily="34" charset="0"/>
+              </a:rPr>
+              <a:t>Сервис </a:t>
+            </a:r>
+            <a:r>
+              <a:rPr lang="en-US" sz="1200" dirty="0" smtClean="0">
+                <a:solidFill>
+                  <a:sysClr val="windowText" lastClr="000000"/>
+                </a:solidFill>
+                <a:latin typeface="Bahnschrift Light Condensed" panose="020B0502040204020203" pitchFamily="34" charset="0"/>
+              </a:rPr>
+              <a:t>solution</a:t>
+            </a:r>
+            <a:endParaRPr lang="ru-RU" sz="1200" dirty="0">
+              <a:solidFill>
+                <a:sysClr val="windowText" lastClr="000000"/>
+              </a:solidFill>
+              <a:latin typeface="Bahnschrift Light Condensed" panose="020B0502040204020203" pitchFamily="34" charset="0"/>
+            </a:endParaRPr>
+          </a:p>
+        </p:txBody>
+      </p:sp>
+      <p:cxnSp>
+        <p:nvCxnSpPr>
+          <p:cNvPr id="15" name="Прямая соединительная линия 14"/>
+          <p:cNvCxnSpPr>
+            <a:stCxn id="14" idx="2"/>
+          </p:cNvCxnSpPr>
+          <p:nvPr/>
+        </p:nvCxnSpPr>
+        <p:spPr>
+          <a:xfrm flipH="1">
+            <a:off x="6126331" y="1522709"/>
+            <a:ext cx="17723" cy="4764323"/>
+          </a:xfrm>
+          <a:prstGeom prst="line">
+            <a:avLst/>
+          </a:prstGeom>
+          <a:ln w="15875">
+            <a:prstDash val="sysDash"/>
+          </a:ln>
+        </p:spPr>
+        <p:style>
+          <a:lnRef idx="1">
+            <a:schemeClr val="dk1"/>
+          </a:lnRef>
+          <a:fillRef idx="0">
+            <a:schemeClr val="dk1"/>
+          </a:fillRef>
+          <a:effectRef idx="0">
+            <a:schemeClr val="dk1"/>
+          </a:effectRef>
+          <a:fontRef idx="minor">
+            <a:schemeClr val="tx1"/>
+          </a:fontRef>
+        </p:style>
+      </p:cxnSp>
+      <p:sp>
+        <p:nvSpPr>
+          <p:cNvPr id="16" name="Прямоугольник 15"/>
+          <p:cNvSpPr/>
+          <p:nvPr/>
+        </p:nvSpPr>
+        <p:spPr>
+          <a:xfrm>
+            <a:off x="6044519" y="1712243"/>
+            <a:ext cx="196916" cy="1422398"/>
+          </a:xfrm>
+          <a:prstGeom prst="rect">
+            <a:avLst/>
+          </a:prstGeom>
+          <a:solidFill>
+            <a:schemeClr val="bg1"/>
+          </a:solidFill>
+          <a:ln>
+            <a:solidFill>
+              <a:schemeClr val="tx1"/>
+            </a:solidFill>
+          </a:ln>
+        </p:spPr>
+        <p:style>
+          <a:lnRef idx="2">
+            <a:schemeClr val="accent1">
+              <a:shade val="50000"/>
+            </a:schemeClr>
+          </a:lnRef>
+          <a:fillRef idx="1">
+            <a:schemeClr val="accent1"/>
+          </a:fillRef>
+          <a:effectRef idx="0">
+            <a:schemeClr val="accent1"/>
+          </a:effectRef>
+          <a:fontRef idx="minor">
+            <a:schemeClr val="lt1"/>
+          </a:fontRef>
+        </p:style>
+        <p:txBody>
+          <a:bodyPr rtlCol="0" anchor="ctr"/>
+          <a:lstStyle/>
+          <a:p>
+            <a:pPr algn="ctr"/>
+            <a:endParaRPr lang="ru-RU"/>
+          </a:p>
+        </p:txBody>
+      </p:sp>
+      <p:cxnSp>
+        <p:nvCxnSpPr>
+          <p:cNvPr id="17" name="Прямая со стрелкой 16"/>
+          <p:cNvCxnSpPr/>
+          <p:nvPr/>
+        </p:nvCxnSpPr>
+        <p:spPr>
+          <a:xfrm flipV="1">
+            <a:off x="4452766" y="1712243"/>
+            <a:ext cx="1556025" cy="5273"/>
+          </a:xfrm>
+          <a:prstGeom prst="straightConnector1">
+            <a:avLst/>
+          </a:prstGeom>
+          <a:ln>
+            <a:tailEnd type="triangle"/>
+          </a:ln>
+        </p:spPr>
+        <p:style>
+          <a:lnRef idx="1">
+            <a:schemeClr val="dk1"/>
+          </a:lnRef>
+          <a:fillRef idx="0">
+            <a:schemeClr val="dk1"/>
+          </a:fillRef>
+          <a:effectRef idx="0">
+            <a:schemeClr val="dk1"/>
+          </a:effectRef>
+          <a:fontRef idx="minor">
+            <a:schemeClr val="tx1"/>
+          </a:fontRef>
+        </p:style>
+      </p:cxnSp>
+      <p:sp>
+        <p:nvSpPr>
+          <p:cNvPr id="19" name="TextBox 18"/>
+          <p:cNvSpPr txBox="1"/>
+          <p:nvPr/>
+        </p:nvSpPr>
+        <p:spPr>
+          <a:xfrm>
+            <a:off x="4589248" y="1732280"/>
+            <a:ext cx="1357892" cy="524307"/>
+          </a:xfrm>
+          <a:prstGeom prst="rect">
+            <a:avLst/>
+          </a:prstGeom>
+          <a:noFill/>
+        </p:spPr>
+        <p:txBody>
+          <a:bodyPr wrap="square" rtlCol="0">
+            <a:spAutoFit/>
+          </a:bodyPr>
+          <a:lstStyle/>
+          <a:p>
+            <a:r>
+              <a:rPr lang="ru-RU" sz="1200" dirty="0" smtClean="0">
+                <a:latin typeface="Bahnschrift Light Condensed" panose="020B0502040204020203" pitchFamily="34" charset="0"/>
+              </a:rPr>
+              <a:t>Решение, язык, </a:t>
+            </a:r>
+            <a:r>
+              <a:rPr lang="en-US" sz="1200" dirty="0" smtClean="0">
+                <a:latin typeface="Bahnschrift Light Condensed" panose="020B0502040204020203" pitchFamily="34" charset="0"/>
+              </a:rPr>
+              <a:t>id</a:t>
+            </a:r>
+            <a:r>
+              <a:rPr lang="ru-RU" sz="1200" dirty="0" smtClean="0">
+                <a:latin typeface="Bahnschrift Light Condensed" panose="020B0502040204020203" pitchFamily="34" charset="0"/>
+              </a:rPr>
+              <a:t> задачи</a:t>
+            </a:r>
+            <a:endParaRPr lang="ru-RU" sz="1200" dirty="0">
+              <a:latin typeface="Bahnschrift Light Condensed" panose="020B0502040204020203" pitchFamily="34" charset="0"/>
+            </a:endParaRPr>
+          </a:p>
+        </p:txBody>
+      </p:sp>
+      <p:sp>
+        <p:nvSpPr>
+          <p:cNvPr id="20" name="Прямоугольник 19"/>
+          <p:cNvSpPr/>
+          <p:nvPr/>
+        </p:nvSpPr>
+        <p:spPr>
+          <a:xfrm>
+            <a:off x="7180786" y="1091231"/>
+            <a:ext cx="1575326" cy="431477"/>
+          </a:xfrm>
+          <a:prstGeom prst="rect">
+            <a:avLst/>
+          </a:prstGeom>
+          <a:solidFill>
+            <a:schemeClr val="bg1"/>
+          </a:solidFill>
+          <a:ln>
+            <a:solidFill>
+              <a:schemeClr val="tx1"/>
+            </a:solidFill>
+          </a:ln>
+        </p:spPr>
+        <p:style>
+          <a:lnRef idx="2">
+            <a:schemeClr val="accent1">
+              <a:shade val="50000"/>
+            </a:schemeClr>
+          </a:lnRef>
+          <a:fillRef idx="1">
+            <a:schemeClr val="accent1"/>
+          </a:fillRef>
+          <a:effectRef idx="0">
+            <a:schemeClr val="accent1"/>
+          </a:effectRef>
+          <a:fontRef idx="minor">
+            <a:schemeClr val="lt1"/>
+          </a:fontRef>
+        </p:style>
+        <p:txBody>
+          <a:bodyPr rtlCol="0" anchor="ctr"/>
+          <a:lstStyle/>
+          <a:p>
+            <a:pPr algn="ctr"/>
+            <a:r>
+              <a:rPr lang="ru-RU" sz="1200" dirty="0" smtClean="0">
+                <a:solidFill>
+                  <a:sysClr val="windowText" lastClr="000000"/>
+                </a:solidFill>
+                <a:latin typeface="Bahnschrift Light Condensed" panose="020B0502040204020203" pitchFamily="34" charset="0"/>
+              </a:rPr>
+              <a:t>Сервис </a:t>
+            </a:r>
+            <a:r>
+              <a:rPr lang="en-US" sz="1200" dirty="0" smtClean="0">
+                <a:solidFill>
+                  <a:sysClr val="windowText" lastClr="000000"/>
+                </a:solidFill>
+                <a:latin typeface="Bahnschrift Light Condensed" panose="020B0502040204020203" pitchFamily="34" charset="0"/>
+              </a:rPr>
+              <a:t>task</a:t>
+            </a:r>
+            <a:endParaRPr lang="ru-RU" sz="1200" dirty="0">
+              <a:solidFill>
+                <a:sysClr val="windowText" lastClr="000000"/>
+              </a:solidFill>
+              <a:latin typeface="Bahnschrift Light Condensed" panose="020B0502040204020203" pitchFamily="34" charset="0"/>
+            </a:endParaRPr>
+          </a:p>
+        </p:txBody>
+      </p:sp>
+      <p:sp>
+        <p:nvSpPr>
+          <p:cNvPr id="21" name="Прямоугольник 20"/>
+          <p:cNvSpPr/>
+          <p:nvPr/>
+        </p:nvSpPr>
+        <p:spPr>
+          <a:xfrm>
+            <a:off x="7868914" y="1712243"/>
+            <a:ext cx="196916" cy="668293"/>
+          </a:xfrm>
+          <a:prstGeom prst="rect">
+            <a:avLst/>
+          </a:prstGeom>
+          <a:solidFill>
+            <a:schemeClr val="bg1"/>
+          </a:solidFill>
+          <a:ln>
+            <a:solidFill>
+              <a:schemeClr val="tx1"/>
+            </a:solidFill>
+          </a:ln>
+        </p:spPr>
+        <p:style>
+          <a:lnRef idx="2">
+            <a:schemeClr val="accent1">
+              <a:shade val="50000"/>
+            </a:schemeClr>
+          </a:lnRef>
+          <a:fillRef idx="1">
+            <a:schemeClr val="accent1"/>
+          </a:fillRef>
+          <a:effectRef idx="0">
+            <a:schemeClr val="accent1"/>
+          </a:effectRef>
+          <a:fontRef idx="minor">
+            <a:schemeClr val="lt1"/>
+          </a:fontRef>
+        </p:style>
+        <p:txBody>
+          <a:bodyPr rtlCol="0" anchor="ctr"/>
+          <a:lstStyle/>
+          <a:p>
+            <a:pPr algn="ctr"/>
+            <a:endParaRPr lang="ru-RU"/>
+          </a:p>
+        </p:txBody>
+      </p:sp>
+      <p:cxnSp>
+        <p:nvCxnSpPr>
+          <p:cNvPr id="22" name="Прямая со стрелкой 21"/>
+          <p:cNvCxnSpPr/>
+          <p:nvPr/>
+        </p:nvCxnSpPr>
+        <p:spPr>
+          <a:xfrm flipV="1">
+            <a:off x="6277162" y="1712243"/>
+            <a:ext cx="1556025" cy="5273"/>
+          </a:xfrm>
+          <a:prstGeom prst="straightConnector1">
+            <a:avLst/>
+          </a:prstGeom>
+          <a:ln>
+            <a:tailEnd type="triangle"/>
+          </a:ln>
+        </p:spPr>
+        <p:style>
+          <a:lnRef idx="1">
+            <a:schemeClr val="dk1"/>
+          </a:lnRef>
+          <a:fillRef idx="0">
+            <a:schemeClr val="dk1"/>
+          </a:fillRef>
+          <a:effectRef idx="0">
+            <a:schemeClr val="dk1"/>
+          </a:effectRef>
+          <a:fontRef idx="minor">
+            <a:schemeClr val="tx1"/>
+          </a:fontRef>
+        </p:style>
+      </p:cxnSp>
+      <p:sp>
+        <p:nvSpPr>
+          <p:cNvPr id="23" name="TextBox 22"/>
+          <p:cNvSpPr txBox="1"/>
+          <p:nvPr/>
+        </p:nvSpPr>
+        <p:spPr>
+          <a:xfrm>
+            <a:off x="6631321" y="1712243"/>
+            <a:ext cx="1025040" cy="314584"/>
+          </a:xfrm>
+          <a:prstGeom prst="rect">
+            <a:avLst/>
+          </a:prstGeom>
+          <a:noFill/>
+        </p:spPr>
+        <p:txBody>
+          <a:bodyPr wrap="square" rtlCol="0">
+            <a:spAutoFit/>
+          </a:bodyPr>
+          <a:lstStyle/>
+          <a:p>
+            <a:r>
+              <a:rPr lang="en-US" sz="1200" dirty="0" smtClean="0">
+                <a:latin typeface="Bahnschrift Light Condensed" panose="020B0502040204020203" pitchFamily="34" charset="0"/>
+              </a:rPr>
+              <a:t>Id</a:t>
+            </a:r>
+            <a:r>
+              <a:rPr lang="ru-RU" sz="1200" dirty="0" smtClean="0">
+                <a:latin typeface="Bahnschrift Light Condensed" panose="020B0502040204020203" pitchFamily="34" charset="0"/>
+              </a:rPr>
+              <a:t> задачи</a:t>
+            </a:r>
+            <a:endParaRPr lang="ru-RU" sz="1200" dirty="0">
+              <a:latin typeface="Bahnschrift Light Condensed" panose="020B0502040204020203" pitchFamily="34" charset="0"/>
+            </a:endParaRPr>
+          </a:p>
+        </p:txBody>
+      </p:sp>
+      <p:cxnSp>
+        <p:nvCxnSpPr>
+          <p:cNvPr id="28" name="Прямая со стрелкой 27"/>
+          <p:cNvCxnSpPr/>
+          <p:nvPr/>
+        </p:nvCxnSpPr>
+        <p:spPr>
+          <a:xfrm flipH="1">
+            <a:off x="6277162" y="2256587"/>
+            <a:ext cx="1591752" cy="0"/>
+          </a:xfrm>
+          <a:prstGeom prst="straightConnector1">
+            <a:avLst/>
+          </a:prstGeom>
+          <a:ln w="9525">
+            <a:prstDash val="dash"/>
+            <a:tailEnd type="triangle"/>
+          </a:ln>
+        </p:spPr>
+        <p:style>
+          <a:lnRef idx="1">
+            <a:schemeClr val="dk1"/>
+          </a:lnRef>
+          <a:fillRef idx="0">
+            <a:schemeClr val="dk1"/>
+          </a:fillRef>
+          <a:effectRef idx="0">
+            <a:schemeClr val="dk1"/>
+          </a:effectRef>
+          <a:fontRef idx="minor">
+            <a:schemeClr val="tx1"/>
+          </a:fontRef>
+        </p:style>
+      </p:cxnSp>
+      <p:sp>
+        <p:nvSpPr>
+          <p:cNvPr id="32" name="TextBox 31"/>
+          <p:cNvSpPr txBox="1"/>
+          <p:nvPr/>
+        </p:nvSpPr>
+        <p:spPr>
+          <a:xfrm>
+            <a:off x="6540071" y="2247148"/>
+            <a:ext cx="1236229" cy="314584"/>
+          </a:xfrm>
+          <a:prstGeom prst="rect">
+            <a:avLst/>
+          </a:prstGeom>
+          <a:noFill/>
+        </p:spPr>
+        <p:txBody>
+          <a:bodyPr wrap="square" rtlCol="0">
+            <a:spAutoFit/>
+          </a:bodyPr>
+          <a:lstStyle/>
+          <a:p>
+            <a:r>
+              <a:rPr lang="ru-RU" sz="1200" dirty="0" smtClean="0">
+                <a:latin typeface="Bahnschrift Light Condensed" panose="020B0502040204020203" pitchFamily="34" charset="0"/>
+              </a:rPr>
+              <a:t>Задача</a:t>
+            </a:r>
+            <a:r>
+              <a:rPr lang="en-US" sz="1200" dirty="0" smtClean="0">
+                <a:latin typeface="Bahnschrift Light Condensed" panose="020B0502040204020203" pitchFamily="34" charset="0"/>
+              </a:rPr>
+              <a:t>, </a:t>
+            </a:r>
+            <a:r>
+              <a:rPr lang="ru-RU" sz="1200" dirty="0" smtClean="0">
+                <a:latin typeface="Bahnschrift Light Condensed" panose="020B0502040204020203" pitchFamily="34" charset="0"/>
+              </a:rPr>
+              <a:t>тесты</a:t>
+            </a:r>
+            <a:endParaRPr lang="ru-RU" sz="1200" dirty="0">
+              <a:latin typeface="Bahnschrift Light Condensed" panose="020B0502040204020203" pitchFamily="34" charset="0"/>
+            </a:endParaRPr>
+          </a:p>
+        </p:txBody>
+      </p:sp>
+      <p:cxnSp>
+        <p:nvCxnSpPr>
+          <p:cNvPr id="33" name="Прямая соединительная линия 32"/>
+          <p:cNvCxnSpPr/>
+          <p:nvPr/>
+        </p:nvCxnSpPr>
+        <p:spPr>
+          <a:xfrm>
+            <a:off x="9820172" y="1516127"/>
+            <a:ext cx="2023" cy="4770905"/>
+          </a:xfrm>
+          <a:prstGeom prst="line">
+            <a:avLst/>
+          </a:prstGeom>
+          <a:ln w="15875">
+            <a:prstDash val="sysDash"/>
+          </a:ln>
+        </p:spPr>
+        <p:style>
+          <a:lnRef idx="1">
+            <a:schemeClr val="dk1"/>
+          </a:lnRef>
+          <a:fillRef idx="0">
+            <a:schemeClr val="dk1"/>
+          </a:fillRef>
+          <a:effectRef idx="0">
+            <a:schemeClr val="dk1"/>
+          </a:effectRef>
+          <a:fontRef idx="minor">
+            <a:schemeClr val="tx1"/>
+          </a:fontRef>
+        </p:style>
+      </p:cxnSp>
+      <p:sp>
+        <p:nvSpPr>
+          <p:cNvPr id="34" name="Прямоугольник 33"/>
+          <p:cNvSpPr/>
+          <p:nvPr/>
+        </p:nvSpPr>
+        <p:spPr>
+          <a:xfrm>
+            <a:off x="9023400" y="1084650"/>
+            <a:ext cx="1575326" cy="431477"/>
+          </a:xfrm>
+          <a:prstGeom prst="rect">
+            <a:avLst/>
+          </a:prstGeom>
+          <a:solidFill>
+            <a:schemeClr val="bg1"/>
+          </a:solidFill>
+          <a:ln>
+            <a:solidFill>
+              <a:schemeClr val="tx1"/>
+            </a:solidFill>
+          </a:ln>
+        </p:spPr>
+        <p:style>
+          <a:lnRef idx="2">
+            <a:schemeClr val="accent1">
+              <a:shade val="50000"/>
+            </a:schemeClr>
+          </a:lnRef>
+          <a:fillRef idx="1">
+            <a:schemeClr val="accent1"/>
+          </a:fillRef>
+          <a:effectRef idx="0">
+            <a:schemeClr val="accent1"/>
+          </a:effectRef>
+          <a:fontRef idx="minor">
+            <a:schemeClr val="lt1"/>
+          </a:fontRef>
+        </p:style>
+        <p:txBody>
+          <a:bodyPr rtlCol="0" anchor="ctr"/>
+          <a:lstStyle/>
+          <a:p>
+            <a:pPr algn="ctr"/>
+            <a:r>
+              <a:rPr lang="ru-RU" sz="1200" dirty="0" smtClean="0">
+                <a:solidFill>
+                  <a:sysClr val="windowText" lastClr="000000"/>
+                </a:solidFill>
+                <a:latin typeface="Bahnschrift Light Condensed" panose="020B0502040204020203" pitchFamily="34" charset="0"/>
+              </a:rPr>
+              <a:t>Сервис</a:t>
+            </a:r>
+            <a:r>
+              <a:rPr lang="en-US" sz="1200" dirty="0" smtClean="0">
+                <a:solidFill>
+                  <a:sysClr val="windowText" lastClr="000000"/>
+                </a:solidFill>
+                <a:latin typeface="Bahnschrift Light Condensed" panose="020B0502040204020203" pitchFamily="34" charset="0"/>
+              </a:rPr>
+              <a:t> executor</a:t>
+            </a:r>
+            <a:r>
+              <a:rPr lang="ru-RU" sz="1200" dirty="0" smtClean="0">
+                <a:solidFill>
+                  <a:sysClr val="windowText" lastClr="000000"/>
+                </a:solidFill>
+                <a:latin typeface="Bahnschrift Light Condensed" panose="020B0502040204020203" pitchFamily="34" charset="0"/>
+              </a:rPr>
+              <a:t> </a:t>
+            </a:r>
+            <a:endParaRPr lang="ru-RU" sz="1200" dirty="0">
+              <a:solidFill>
+                <a:sysClr val="windowText" lastClr="000000"/>
+              </a:solidFill>
+              <a:latin typeface="Bahnschrift Light Condensed" panose="020B0502040204020203" pitchFamily="34" charset="0"/>
+            </a:endParaRPr>
+          </a:p>
+        </p:txBody>
+      </p:sp>
+      <p:sp>
+        <p:nvSpPr>
+          <p:cNvPr id="35" name="Прямоугольник 34"/>
+          <p:cNvSpPr/>
+          <p:nvPr/>
+        </p:nvSpPr>
+        <p:spPr>
+          <a:xfrm>
+            <a:off x="9732919" y="2782407"/>
+            <a:ext cx="196916" cy="2111602"/>
+          </a:xfrm>
+          <a:prstGeom prst="rect">
+            <a:avLst/>
+          </a:prstGeom>
+          <a:solidFill>
+            <a:schemeClr val="bg1"/>
+          </a:solidFill>
+          <a:ln>
+            <a:solidFill>
+              <a:schemeClr val="tx1"/>
+            </a:solidFill>
+          </a:ln>
+        </p:spPr>
+        <p:style>
+          <a:lnRef idx="2">
+            <a:schemeClr val="accent1">
+              <a:shade val="50000"/>
+            </a:schemeClr>
+          </a:lnRef>
+          <a:fillRef idx="1">
+            <a:schemeClr val="accent1"/>
+          </a:fillRef>
+          <a:effectRef idx="0">
+            <a:schemeClr val="accent1"/>
+          </a:effectRef>
+          <a:fontRef idx="minor">
+            <a:schemeClr val="lt1"/>
+          </a:fontRef>
+        </p:style>
+        <p:txBody>
+          <a:bodyPr rtlCol="0" anchor="ctr"/>
+          <a:lstStyle/>
+          <a:p>
+            <a:pPr algn="ctr"/>
+            <a:endParaRPr lang="ru-RU"/>
+          </a:p>
+        </p:txBody>
+      </p:sp>
+      <p:cxnSp>
+        <p:nvCxnSpPr>
+          <p:cNvPr id="36" name="Прямая со стрелкой 35"/>
+          <p:cNvCxnSpPr/>
+          <p:nvPr/>
+        </p:nvCxnSpPr>
+        <p:spPr>
+          <a:xfrm>
+            <a:off x="6296597" y="2750716"/>
+            <a:ext cx="3417086" cy="0"/>
+          </a:xfrm>
+          <a:prstGeom prst="straightConnector1">
+            <a:avLst/>
+          </a:prstGeom>
+          <a:ln>
+            <a:tailEnd type="triangle"/>
+          </a:ln>
+        </p:spPr>
+        <p:style>
+          <a:lnRef idx="1">
+            <a:schemeClr val="dk1"/>
+          </a:lnRef>
+          <a:fillRef idx="0">
+            <a:schemeClr val="dk1"/>
+          </a:fillRef>
+          <a:effectRef idx="0">
+            <a:schemeClr val="dk1"/>
+          </a:effectRef>
+          <a:fontRef idx="minor">
+            <a:schemeClr val="tx1"/>
+          </a:fontRef>
+        </p:style>
+      </p:cxnSp>
+      <p:sp>
+        <p:nvSpPr>
+          <p:cNvPr id="37" name="TextBox 36"/>
+          <p:cNvSpPr txBox="1"/>
+          <p:nvPr/>
+        </p:nvSpPr>
+        <p:spPr>
+          <a:xfrm>
+            <a:off x="8005140" y="2782407"/>
+            <a:ext cx="1498920" cy="314584"/>
+          </a:xfrm>
+          <a:prstGeom prst="rect">
+            <a:avLst/>
+          </a:prstGeom>
+          <a:noFill/>
+        </p:spPr>
+        <p:txBody>
+          <a:bodyPr wrap="square" rtlCol="0">
+            <a:spAutoFit/>
+          </a:bodyPr>
+          <a:lstStyle/>
+          <a:p>
+            <a:r>
+              <a:rPr lang="ru-RU" sz="1200" dirty="0" smtClean="0">
+                <a:latin typeface="Bahnschrift Light Condensed" panose="020B0502040204020203" pitchFamily="34" charset="0"/>
+              </a:rPr>
+              <a:t>Код, входные данные</a:t>
+            </a:r>
+            <a:endParaRPr lang="ru-RU" sz="1200" dirty="0">
+              <a:latin typeface="Bahnschrift Light Condensed" panose="020B0502040204020203" pitchFamily="34" charset="0"/>
+            </a:endParaRPr>
+          </a:p>
+        </p:txBody>
+      </p:sp>
+      <p:cxnSp>
+        <p:nvCxnSpPr>
+          <p:cNvPr id="40" name="Прямая со стрелкой 39"/>
+          <p:cNvCxnSpPr/>
+          <p:nvPr/>
+        </p:nvCxnSpPr>
+        <p:spPr>
+          <a:xfrm flipH="1">
+            <a:off x="4500563" y="3096992"/>
+            <a:ext cx="1508229" cy="0"/>
+          </a:xfrm>
+          <a:prstGeom prst="straightConnector1">
+            <a:avLst/>
+          </a:prstGeom>
+          <a:ln w="9525">
+            <a:prstDash val="dash"/>
+            <a:tailEnd type="triangle"/>
+          </a:ln>
+        </p:spPr>
+        <p:style>
+          <a:lnRef idx="1">
+            <a:schemeClr val="dk1"/>
+          </a:lnRef>
+          <a:fillRef idx="0">
+            <a:schemeClr val="dk1"/>
+          </a:fillRef>
+          <a:effectRef idx="0">
+            <a:schemeClr val="dk1"/>
+          </a:effectRef>
+          <a:fontRef idx="minor">
+            <a:schemeClr val="tx1"/>
+          </a:fontRef>
+        </p:style>
+      </p:cxnSp>
+      <p:sp>
+        <p:nvSpPr>
+          <p:cNvPr id="42" name="TextBox 41"/>
+          <p:cNvSpPr txBox="1"/>
+          <p:nvPr/>
+        </p:nvSpPr>
+        <p:spPr>
+          <a:xfrm>
+            <a:off x="4819653" y="3096992"/>
+            <a:ext cx="1025040" cy="314584"/>
+          </a:xfrm>
+          <a:prstGeom prst="rect">
+            <a:avLst/>
+          </a:prstGeom>
+          <a:noFill/>
+        </p:spPr>
+        <p:txBody>
+          <a:bodyPr wrap="square" rtlCol="0">
+            <a:spAutoFit/>
+          </a:bodyPr>
+          <a:lstStyle/>
+          <a:p>
+            <a:r>
+              <a:rPr lang="en-US" sz="1200" dirty="0" smtClean="0">
+                <a:latin typeface="Bahnschrift Light Condensed" panose="020B0502040204020203" pitchFamily="34" charset="0"/>
+              </a:rPr>
+              <a:t>Id</a:t>
+            </a:r>
+            <a:r>
+              <a:rPr lang="ru-RU" sz="1200" dirty="0" smtClean="0">
+                <a:latin typeface="Bahnschrift Light Condensed" panose="020B0502040204020203" pitchFamily="34" charset="0"/>
+              </a:rPr>
+              <a:t> решения</a:t>
+            </a:r>
+            <a:endParaRPr lang="ru-RU" sz="1200" dirty="0">
+              <a:latin typeface="Bahnschrift Light Condensed" panose="020B0502040204020203" pitchFamily="34" charset="0"/>
+            </a:endParaRPr>
+          </a:p>
+        </p:txBody>
+      </p:sp>
+      <p:sp>
+        <p:nvSpPr>
+          <p:cNvPr id="46" name="Прямоугольник 45"/>
+          <p:cNvSpPr/>
+          <p:nvPr/>
+        </p:nvSpPr>
+        <p:spPr>
+          <a:xfrm>
+            <a:off x="6051065" y="4691964"/>
+            <a:ext cx="196916" cy="197873"/>
+          </a:xfrm>
+          <a:prstGeom prst="rect">
+            <a:avLst/>
+          </a:prstGeom>
+          <a:solidFill>
+            <a:schemeClr val="bg1"/>
+          </a:solidFill>
+          <a:ln>
+            <a:solidFill>
+              <a:schemeClr val="tx1"/>
+            </a:solidFill>
+          </a:ln>
+        </p:spPr>
+        <p:style>
+          <a:lnRef idx="2">
+            <a:schemeClr val="accent1">
+              <a:shade val="50000"/>
+            </a:schemeClr>
+          </a:lnRef>
+          <a:fillRef idx="1">
+            <a:schemeClr val="accent1"/>
+          </a:fillRef>
+          <a:effectRef idx="0">
+            <a:schemeClr val="accent1"/>
+          </a:effectRef>
+          <a:fontRef idx="minor">
+            <a:schemeClr val="lt1"/>
+          </a:fontRef>
+        </p:style>
+        <p:txBody>
+          <a:bodyPr rtlCol="0" anchor="ctr"/>
+          <a:lstStyle/>
+          <a:p>
+            <a:pPr algn="ctr"/>
+            <a:endParaRPr lang="ru-RU"/>
+          </a:p>
+        </p:txBody>
+      </p:sp>
+      <p:cxnSp>
+        <p:nvCxnSpPr>
+          <p:cNvPr id="47" name="Прямая со стрелкой 46"/>
+          <p:cNvCxnSpPr/>
+          <p:nvPr/>
+        </p:nvCxnSpPr>
+        <p:spPr>
+          <a:xfrm flipH="1" flipV="1">
+            <a:off x="6261594" y="4790900"/>
+            <a:ext cx="3417086" cy="8772"/>
+          </a:xfrm>
+          <a:prstGeom prst="straightConnector1">
+            <a:avLst/>
+          </a:prstGeom>
+          <a:ln w="9525">
+            <a:prstDash val="dash"/>
+            <a:tailEnd type="triangle"/>
+          </a:ln>
+        </p:spPr>
+        <p:style>
+          <a:lnRef idx="1">
+            <a:schemeClr val="dk1"/>
+          </a:lnRef>
+          <a:fillRef idx="0">
+            <a:schemeClr val="dk1"/>
+          </a:fillRef>
+          <a:effectRef idx="0">
+            <a:schemeClr val="dk1"/>
+          </a:effectRef>
+          <a:fontRef idx="minor">
+            <a:schemeClr val="tx1"/>
+          </a:fontRef>
+        </p:style>
+      </p:cxnSp>
+      <p:sp>
+        <p:nvSpPr>
+          <p:cNvPr id="49" name="TextBox 48"/>
+          <p:cNvSpPr txBox="1"/>
+          <p:nvPr/>
+        </p:nvSpPr>
+        <p:spPr>
+          <a:xfrm>
+            <a:off x="6443415" y="4447661"/>
+            <a:ext cx="1698623" cy="314584"/>
+          </a:xfrm>
+          <a:prstGeom prst="rect">
+            <a:avLst/>
+          </a:prstGeom>
+          <a:noFill/>
+        </p:spPr>
+        <p:txBody>
+          <a:bodyPr wrap="square" rtlCol="0">
+            <a:spAutoFit/>
+          </a:bodyPr>
+          <a:lstStyle/>
+          <a:p>
+            <a:r>
+              <a:rPr lang="ru-RU" sz="1200" dirty="0" smtClean="0">
+                <a:latin typeface="Bahnschrift Light Condensed" panose="020B0502040204020203" pitchFamily="34" charset="0"/>
+              </a:rPr>
+              <a:t>Результат выполнения</a:t>
+            </a:r>
+            <a:endParaRPr lang="ru-RU" sz="1200" dirty="0">
+              <a:latin typeface="Bahnschrift Light Condensed" panose="020B0502040204020203" pitchFamily="34" charset="0"/>
+            </a:endParaRPr>
+          </a:p>
+        </p:txBody>
+      </p:sp>
+      <p:sp>
+        <p:nvSpPr>
+          <p:cNvPr id="50" name="Прямоугольник 49"/>
+          <p:cNvSpPr/>
+          <p:nvPr/>
+        </p:nvSpPr>
+        <p:spPr>
+          <a:xfrm>
+            <a:off x="6051065" y="3960674"/>
+            <a:ext cx="196916" cy="497685"/>
+          </a:xfrm>
+          <a:prstGeom prst="rect">
+            <a:avLst/>
+          </a:prstGeom>
+          <a:solidFill>
+            <a:schemeClr val="bg1"/>
+          </a:solidFill>
+          <a:ln>
+            <a:solidFill>
+              <a:schemeClr val="tx1"/>
+            </a:solidFill>
+          </a:ln>
+        </p:spPr>
+        <p:style>
+          <a:lnRef idx="2">
+            <a:schemeClr val="accent1">
+              <a:shade val="50000"/>
+            </a:schemeClr>
+          </a:lnRef>
+          <a:fillRef idx="1">
+            <a:schemeClr val="accent1"/>
+          </a:fillRef>
+          <a:effectRef idx="0">
+            <a:schemeClr val="accent1"/>
+          </a:effectRef>
+          <a:fontRef idx="minor">
+            <a:schemeClr val="lt1"/>
+          </a:fontRef>
+        </p:style>
+        <p:txBody>
+          <a:bodyPr rtlCol="0" anchor="ctr"/>
+          <a:lstStyle/>
+          <a:p>
+            <a:pPr algn="ctr"/>
+            <a:endParaRPr lang="ru-RU"/>
+          </a:p>
+        </p:txBody>
+      </p:sp>
+      <p:cxnSp>
+        <p:nvCxnSpPr>
+          <p:cNvPr id="51" name="Прямая со стрелкой 50"/>
+          <p:cNvCxnSpPr/>
+          <p:nvPr/>
+        </p:nvCxnSpPr>
+        <p:spPr>
+          <a:xfrm flipV="1">
+            <a:off x="4487178" y="3998352"/>
+            <a:ext cx="1556025" cy="5273"/>
+          </a:xfrm>
+          <a:prstGeom prst="straightConnector1">
+            <a:avLst/>
+          </a:prstGeom>
+          <a:ln>
+            <a:tailEnd type="triangle"/>
+          </a:ln>
+        </p:spPr>
+        <p:style>
+          <a:lnRef idx="1">
+            <a:schemeClr val="dk1"/>
+          </a:lnRef>
+          <a:fillRef idx="0">
+            <a:schemeClr val="dk1"/>
+          </a:fillRef>
+          <a:effectRef idx="0">
+            <a:schemeClr val="dk1"/>
+          </a:effectRef>
+          <a:fontRef idx="minor">
+            <a:schemeClr val="tx1"/>
+          </a:fontRef>
+        </p:style>
+      </p:cxnSp>
+      <p:sp>
+        <p:nvSpPr>
+          <p:cNvPr id="52" name="TextBox 51"/>
+          <p:cNvSpPr txBox="1"/>
+          <p:nvPr/>
+        </p:nvSpPr>
+        <p:spPr>
+          <a:xfrm>
+            <a:off x="4736732" y="3937398"/>
+            <a:ext cx="1025040" cy="314584"/>
+          </a:xfrm>
+          <a:prstGeom prst="rect">
+            <a:avLst/>
+          </a:prstGeom>
+          <a:noFill/>
+        </p:spPr>
+        <p:txBody>
+          <a:bodyPr wrap="square" rtlCol="0">
+            <a:spAutoFit/>
+          </a:bodyPr>
+          <a:lstStyle/>
+          <a:p>
+            <a:r>
+              <a:rPr lang="en-US" sz="1200" dirty="0" smtClean="0">
+                <a:latin typeface="Bahnschrift Light Condensed" panose="020B0502040204020203" pitchFamily="34" charset="0"/>
+              </a:rPr>
+              <a:t>Id</a:t>
+            </a:r>
+            <a:r>
+              <a:rPr lang="ru-RU" sz="1200" dirty="0" smtClean="0">
+                <a:latin typeface="Bahnschrift Light Condensed" panose="020B0502040204020203" pitchFamily="34" charset="0"/>
+              </a:rPr>
+              <a:t> решения</a:t>
+            </a:r>
+            <a:endParaRPr lang="ru-RU" sz="1200" dirty="0">
+              <a:latin typeface="Bahnschrift Light Condensed" panose="020B0502040204020203" pitchFamily="34" charset="0"/>
+            </a:endParaRPr>
+          </a:p>
+        </p:txBody>
+      </p:sp>
+      <p:cxnSp>
+        <p:nvCxnSpPr>
+          <p:cNvPr id="53" name="Прямая со стрелкой 52"/>
+          <p:cNvCxnSpPr/>
+          <p:nvPr/>
+        </p:nvCxnSpPr>
+        <p:spPr>
+          <a:xfrm flipH="1">
+            <a:off x="4511075" y="4400853"/>
+            <a:ext cx="1508229" cy="0"/>
+          </a:xfrm>
+          <a:prstGeom prst="straightConnector1">
+            <a:avLst/>
+          </a:prstGeom>
+          <a:ln w="9525">
+            <a:prstDash val="dash"/>
+            <a:tailEnd type="triangle"/>
+          </a:ln>
+        </p:spPr>
+        <p:style>
+          <a:lnRef idx="1">
+            <a:schemeClr val="dk1"/>
+          </a:lnRef>
+          <a:fillRef idx="0">
+            <a:schemeClr val="dk1"/>
+          </a:fillRef>
+          <a:effectRef idx="0">
+            <a:schemeClr val="dk1"/>
+          </a:effectRef>
+          <a:fontRef idx="minor">
+            <a:schemeClr val="tx1"/>
+          </a:fontRef>
+        </p:style>
+      </p:cxnSp>
+      <p:sp>
+        <p:nvSpPr>
+          <p:cNvPr id="54" name="TextBox 53"/>
+          <p:cNvSpPr txBox="1"/>
+          <p:nvPr/>
+        </p:nvSpPr>
+        <p:spPr>
+          <a:xfrm>
+            <a:off x="4903215" y="4425649"/>
+            <a:ext cx="785943" cy="314584"/>
+          </a:xfrm>
+          <a:prstGeom prst="rect">
+            <a:avLst/>
+          </a:prstGeom>
+          <a:noFill/>
+        </p:spPr>
+        <p:txBody>
+          <a:bodyPr wrap="square" rtlCol="0">
+            <a:spAutoFit/>
+          </a:bodyPr>
+          <a:lstStyle/>
+          <a:p>
+            <a:r>
+              <a:rPr lang="ru-RU" sz="1200" dirty="0" smtClean="0">
+                <a:latin typeface="Bahnschrift Light Condensed" panose="020B0502040204020203" pitchFamily="34" charset="0"/>
+              </a:rPr>
+              <a:t>Загрузка</a:t>
+            </a:r>
+            <a:endParaRPr lang="ru-RU" sz="1200" dirty="0">
+              <a:latin typeface="Bahnschrift Light Condensed" panose="020B0502040204020203" pitchFamily="34" charset="0"/>
+            </a:endParaRPr>
+          </a:p>
+        </p:txBody>
+      </p:sp>
+      <p:sp>
+        <p:nvSpPr>
+          <p:cNvPr id="57" name="Прямоугольник 56"/>
+          <p:cNvSpPr/>
+          <p:nvPr/>
+        </p:nvSpPr>
+        <p:spPr>
+          <a:xfrm>
+            <a:off x="6044519" y="5152102"/>
+            <a:ext cx="196916" cy="497685"/>
+          </a:xfrm>
+          <a:prstGeom prst="rect">
+            <a:avLst/>
+          </a:prstGeom>
+          <a:solidFill>
+            <a:schemeClr val="bg1"/>
+          </a:solidFill>
+          <a:ln>
+            <a:solidFill>
+              <a:schemeClr val="tx1"/>
+            </a:solidFill>
+          </a:ln>
+        </p:spPr>
+        <p:style>
+          <a:lnRef idx="2">
+            <a:schemeClr val="accent1">
+              <a:shade val="50000"/>
+            </a:schemeClr>
+          </a:lnRef>
+          <a:fillRef idx="1">
+            <a:schemeClr val="accent1"/>
+          </a:fillRef>
+          <a:effectRef idx="0">
+            <a:schemeClr val="accent1"/>
+          </a:effectRef>
+          <a:fontRef idx="minor">
+            <a:schemeClr val="lt1"/>
+          </a:fontRef>
+        </p:style>
+        <p:txBody>
+          <a:bodyPr rtlCol="0" anchor="ctr"/>
+          <a:lstStyle/>
+          <a:p>
+            <a:pPr algn="ctr"/>
+            <a:endParaRPr lang="ru-RU"/>
+          </a:p>
+        </p:txBody>
+      </p:sp>
+      <p:cxnSp>
+        <p:nvCxnSpPr>
+          <p:cNvPr id="58" name="Прямая со стрелкой 57"/>
+          <p:cNvCxnSpPr/>
+          <p:nvPr/>
+        </p:nvCxnSpPr>
+        <p:spPr>
+          <a:xfrm flipV="1">
+            <a:off x="4466240" y="5213057"/>
+            <a:ext cx="1556025" cy="5273"/>
+          </a:xfrm>
+          <a:prstGeom prst="straightConnector1">
+            <a:avLst/>
+          </a:prstGeom>
+          <a:ln>
+            <a:tailEnd type="triangle"/>
+          </a:ln>
+        </p:spPr>
+        <p:style>
+          <a:lnRef idx="1">
+            <a:schemeClr val="dk1"/>
+          </a:lnRef>
+          <a:fillRef idx="0">
+            <a:schemeClr val="dk1"/>
+          </a:fillRef>
+          <a:effectRef idx="0">
+            <a:schemeClr val="dk1"/>
+          </a:effectRef>
+          <a:fontRef idx="minor">
+            <a:schemeClr val="tx1"/>
+          </a:fontRef>
+        </p:style>
+      </p:cxnSp>
+      <p:sp>
+        <p:nvSpPr>
+          <p:cNvPr id="59" name="TextBox 58"/>
+          <p:cNvSpPr txBox="1"/>
+          <p:nvPr/>
+        </p:nvSpPr>
+        <p:spPr>
+          <a:xfrm>
+            <a:off x="4715794" y="5152102"/>
+            <a:ext cx="1025040" cy="314584"/>
+          </a:xfrm>
+          <a:prstGeom prst="rect">
+            <a:avLst/>
+          </a:prstGeom>
+          <a:noFill/>
+        </p:spPr>
+        <p:txBody>
+          <a:bodyPr wrap="square" rtlCol="0">
+            <a:spAutoFit/>
+          </a:bodyPr>
+          <a:lstStyle/>
+          <a:p>
+            <a:r>
+              <a:rPr lang="en-US" sz="1200" dirty="0" smtClean="0">
+                <a:latin typeface="Bahnschrift Light Condensed" panose="020B0502040204020203" pitchFamily="34" charset="0"/>
+              </a:rPr>
+              <a:t>Id</a:t>
+            </a:r>
+            <a:r>
+              <a:rPr lang="ru-RU" sz="1200" dirty="0" smtClean="0">
+                <a:latin typeface="Bahnschrift Light Condensed" panose="020B0502040204020203" pitchFamily="34" charset="0"/>
+              </a:rPr>
+              <a:t> решения</a:t>
+            </a:r>
+            <a:endParaRPr lang="ru-RU" sz="1200" dirty="0">
+              <a:latin typeface="Bahnschrift Light Condensed" panose="020B0502040204020203" pitchFamily="34" charset="0"/>
+            </a:endParaRPr>
+          </a:p>
+        </p:txBody>
+      </p:sp>
+      <p:cxnSp>
+        <p:nvCxnSpPr>
+          <p:cNvPr id="60" name="Прямая со стрелкой 59"/>
+          <p:cNvCxnSpPr/>
+          <p:nvPr/>
+        </p:nvCxnSpPr>
+        <p:spPr>
+          <a:xfrm flipH="1">
+            <a:off x="4490137" y="5615557"/>
+            <a:ext cx="1508229" cy="0"/>
+          </a:xfrm>
+          <a:prstGeom prst="straightConnector1">
+            <a:avLst/>
+          </a:prstGeom>
+          <a:ln w="9525">
+            <a:prstDash val="dash"/>
+            <a:tailEnd type="triangle"/>
+          </a:ln>
+        </p:spPr>
+        <p:style>
+          <a:lnRef idx="1">
+            <a:schemeClr val="dk1"/>
+          </a:lnRef>
+          <a:fillRef idx="0">
+            <a:schemeClr val="dk1"/>
+          </a:fillRef>
+          <a:effectRef idx="0">
+            <a:schemeClr val="dk1"/>
+          </a:effectRef>
+          <a:fontRef idx="minor">
+            <a:schemeClr val="tx1"/>
+          </a:fontRef>
+        </p:style>
+      </p:cxnSp>
+      <p:sp>
+        <p:nvSpPr>
+          <p:cNvPr id="61" name="TextBox 60"/>
+          <p:cNvSpPr txBox="1"/>
+          <p:nvPr/>
+        </p:nvSpPr>
+        <p:spPr>
+          <a:xfrm>
+            <a:off x="4615142" y="5615557"/>
+            <a:ext cx="1511189" cy="314584"/>
+          </a:xfrm>
+          <a:prstGeom prst="rect">
+            <a:avLst/>
+          </a:prstGeom>
+          <a:noFill/>
+        </p:spPr>
+        <p:txBody>
+          <a:bodyPr wrap="square" rtlCol="0">
+            <a:spAutoFit/>
+          </a:bodyPr>
+          <a:lstStyle/>
+          <a:p>
+            <a:r>
+              <a:rPr lang="ru-RU" sz="1200" dirty="0" smtClean="0">
+                <a:latin typeface="Bahnschrift Light Condensed" panose="020B0502040204020203" pitchFamily="34" charset="0"/>
+              </a:rPr>
+              <a:t>Результат решения</a:t>
+            </a:r>
+            <a:endParaRPr lang="ru-RU" sz="1200" dirty="0">
+              <a:latin typeface="Bahnschrift Light Condensed" panose="020B0502040204020203" pitchFamily="34" charset="0"/>
+            </a:endParaRPr>
+          </a:p>
+        </p:txBody>
+      </p:sp>
+      <p:cxnSp>
+        <p:nvCxnSpPr>
+          <p:cNvPr id="63" name="Прямая со стрелкой 62"/>
+          <p:cNvCxnSpPr/>
+          <p:nvPr/>
+        </p:nvCxnSpPr>
+        <p:spPr>
+          <a:xfrm flipH="1">
+            <a:off x="2675080" y="5592696"/>
+            <a:ext cx="1581990" cy="0"/>
+          </a:xfrm>
+          <a:prstGeom prst="straightConnector1">
+            <a:avLst/>
+          </a:prstGeom>
+          <a:ln w="9525">
+            <a:prstDash val="dash"/>
+            <a:tailEnd type="triangle"/>
+          </a:ln>
+        </p:spPr>
+        <p:style>
+          <a:lnRef idx="1">
+            <a:schemeClr val="dk1"/>
+          </a:lnRef>
+          <a:fillRef idx="0">
+            <a:schemeClr val="dk1"/>
+          </a:fillRef>
+          <a:effectRef idx="0">
+            <a:schemeClr val="dk1"/>
+          </a:effectRef>
+          <a:fontRef idx="minor">
+            <a:schemeClr val="tx1"/>
+          </a:fontRef>
+        </p:style>
+      </p:cxnSp>
+      <p:sp>
+        <p:nvSpPr>
+          <p:cNvPr id="64" name="TextBox 63"/>
+          <p:cNvSpPr txBox="1"/>
+          <p:nvPr/>
+        </p:nvSpPr>
+        <p:spPr>
+          <a:xfrm>
+            <a:off x="2813958" y="5581544"/>
+            <a:ext cx="1511189" cy="314584"/>
+          </a:xfrm>
+          <a:prstGeom prst="rect">
+            <a:avLst/>
+          </a:prstGeom>
+          <a:noFill/>
+        </p:spPr>
+        <p:txBody>
+          <a:bodyPr wrap="square" rtlCol="0">
+            <a:spAutoFit/>
+          </a:bodyPr>
+          <a:lstStyle/>
+          <a:p>
+            <a:r>
+              <a:rPr lang="ru-RU" sz="1200" dirty="0" smtClean="0">
+                <a:latin typeface="Bahnschrift Light Condensed" panose="020B0502040204020203" pitchFamily="34" charset="0"/>
+              </a:rPr>
+              <a:t>Результат решения</a:t>
+            </a:r>
+            <a:endParaRPr lang="ru-RU" sz="1200" dirty="0">
+              <a:latin typeface="Bahnschrift Light Condensed" panose="020B0502040204020203" pitchFamily="34" charset="0"/>
+            </a:endParaRPr>
+          </a:p>
+        </p:txBody>
+      </p:sp>
+      <p:sp>
+        <p:nvSpPr>
+          <p:cNvPr id="73" name="Прямоугольник 72"/>
+          <p:cNvSpPr/>
+          <p:nvPr/>
+        </p:nvSpPr>
+        <p:spPr>
+          <a:xfrm>
+            <a:off x="4314942" y="3960674"/>
+            <a:ext cx="127031" cy="1689112"/>
+          </a:xfrm>
+          <a:prstGeom prst="rect">
+            <a:avLst/>
+          </a:prstGeom>
+          <a:solidFill>
+            <a:schemeClr val="bg1"/>
+          </a:solidFill>
+          <a:ln>
+            <a:solidFill>
+              <a:schemeClr val="tx1"/>
+            </a:solidFill>
+          </a:ln>
+        </p:spPr>
+        <p:style>
+          <a:lnRef idx="2">
+            <a:schemeClr val="accent1">
+              <a:shade val="50000"/>
+            </a:schemeClr>
+          </a:lnRef>
+          <a:fillRef idx="1">
+            <a:schemeClr val="accent1"/>
+          </a:fillRef>
+          <a:effectRef idx="0">
+            <a:schemeClr val="accent1"/>
+          </a:effectRef>
+          <a:fontRef idx="minor">
+            <a:schemeClr val="lt1"/>
+          </a:fontRef>
+        </p:style>
+        <p:txBody>
+          <a:bodyPr rtlCol="0" anchor="ctr"/>
+          <a:lstStyle/>
+          <a:p>
+            <a:pPr algn="ctr"/>
+            <a:endParaRPr lang="ru-RU"/>
+          </a:p>
+        </p:txBody>
+      </p:sp>
+      <p:sp>
+        <p:nvSpPr>
+          <p:cNvPr id="75" name="TextBox 74"/>
+          <p:cNvSpPr txBox="1"/>
+          <p:nvPr/>
+        </p:nvSpPr>
+        <p:spPr>
+          <a:xfrm>
+            <a:off x="4589248" y="6223200"/>
+            <a:ext cx="3861798" cy="369332"/>
+          </a:xfrm>
+          <a:prstGeom prst="rect">
+            <a:avLst/>
+          </a:prstGeom>
+          <a:noFill/>
+        </p:spPr>
+        <p:txBody>
+          <a:bodyPr wrap="square" rtlCol="0">
+            <a:spAutoFit/>
+          </a:bodyPr>
+          <a:lstStyle/>
+          <a:p>
+            <a:r>
+              <a:rPr lang="ru-RU" dirty="0">
+                <a:latin typeface="Bahnschrift Light Condensed" panose="020B0502040204020203" pitchFamily="34" charset="0"/>
+              </a:rPr>
+              <a:t>Рисунок </a:t>
+            </a:r>
+            <a:r>
+              <a:rPr lang="ru-RU" dirty="0" smtClean="0">
+                <a:latin typeface="Bahnschrift Light Condensed" panose="020B0502040204020203" pitchFamily="34" charset="0"/>
+              </a:rPr>
+              <a:t>9 – Процесс проверки решения</a:t>
+            </a:r>
+            <a:endParaRPr lang="ru-RU" dirty="0">
+              <a:latin typeface="Bahnschrift Light Condensed" panose="020B0502040204020203" pitchFamily="34" charset="0"/>
+            </a:endParaRPr>
+          </a:p>
+        </p:txBody>
+      </p:sp>
+    </p:spTree>
+    <p:extLst>
+      <p:ext uri="{BB962C8B-B14F-4D97-AF65-F5344CB8AC3E}">
+        <p14:creationId xmlns:p14="http://schemas.microsoft.com/office/powerpoint/2010/main" val="1930481001"/>
+      </p:ext>
+    </p:extLst>
+  </p:cSld>
+  <p:clrMapOvr>
+    <a:masterClrMapping/>
+  </p:clrMapOvr>
+  <mc:AlternateContent xmlns:mc="http://schemas.openxmlformats.org/markup-compatibility/2006">
+    <mc:Choice xmlns:p14="http://schemas.microsoft.com/office/powerpoint/2010/main" Requires="p14">
+      <p:transition p14:dur="400">
+        <p14:reveal/>
+      </p:transition>
+    </mc:Choice>
+    <mc:Fallback>
+      <p:transition>
+        <p:fade/>
+      </p:transition>
+    </mc:Fallback>
+  </mc:AlternateContent>
+  <p:timing>
+    <p:tnLst>
+      <p:par>
+        <p:cTn id="1" dur="indefinite" restart="never" nodeType="tmRoot">
+          <p:childTnLst>
+            <p:seq concurrent="1" nextAc="seek">
+              <p:cTn id="2" dur="indefinite" nodeType="mainSeq">
+                <p:childTnLst>
+                  <p:par>
+                    <p:cTn id="3" fill="hold">
+                      <p:stCondLst>
+                        <p:cond delay="indefinite"/>
+                      </p:stCondLst>
+                      <p:childTnLst>
+                        <p:par>
+                          <p:cTn id="4" fill="hold">
+                            <p:stCondLst>
+                              <p:cond delay="0"/>
+                            </p:stCondLst>
+                            <p:childTnLst>
+                              <p:par>
+                                <p:cTn id="5" presetID="1" presetClass="entr" presetSubtype="0" fill="hold" grpId="0" nodeType="clickEffect">
+                                  <p:stCondLst>
+                                    <p:cond delay="0"/>
+                                  </p:stCondLst>
+                                  <p:childTnLst>
+                                    <p:set>
+                                      <p:cBhvr>
+                                        <p:cTn id="6" dur="1" fill="hold">
+                                          <p:stCondLst>
+                                            <p:cond delay="0"/>
+                                          </p:stCondLst>
+                                        </p:cTn>
+                                        <p:tgtEl>
+                                          <p:spTgt spid="8"/>
+                                        </p:tgtEl>
+                                        <p:attrNameLst>
+                                          <p:attrName>style.visibility</p:attrName>
+                                        </p:attrNameLst>
+                                      </p:cBhvr>
+                                      <p:to>
+                                        <p:strVal val="visible"/>
+                                      </p:to>
+                                    </p:set>
+                                  </p:childTnLst>
+                                </p:cTn>
+                              </p:par>
+                              <p:par>
+                                <p:cTn id="7" presetID="1" presetClass="entr" presetSubtype="0" fill="hold" grpId="0" nodeType="withEffect">
+                                  <p:stCondLst>
+                                    <p:cond delay="0"/>
+                                  </p:stCondLst>
+                                  <p:childTnLst>
+                                    <p:set>
+                                      <p:cBhvr>
+                                        <p:cTn id="8" dur="1" fill="hold">
+                                          <p:stCondLst>
+                                            <p:cond delay="0"/>
+                                          </p:stCondLst>
+                                        </p:cTn>
+                                        <p:tgtEl>
+                                          <p:spTgt spid="13"/>
+                                        </p:tgtEl>
+                                        <p:attrNameLst>
+                                          <p:attrName>style.visibility</p:attrName>
+                                        </p:attrNameLst>
+                                      </p:cBhvr>
+                                      <p:to>
+                                        <p:strVal val="visible"/>
+                                      </p:to>
+                                    </p:set>
+                                  </p:childTnLst>
+                                </p:cTn>
+                              </p:par>
+                              <p:par>
+                                <p:cTn id="9" presetID="1" presetClass="entr" presetSubtype="0" fill="hold" nodeType="withEffect">
+                                  <p:stCondLst>
+                                    <p:cond delay="0"/>
+                                  </p:stCondLst>
+                                  <p:childTnLst>
+                                    <p:set>
+                                      <p:cBhvr>
+                                        <p:cTn id="10" dur="1" fill="hold">
+                                          <p:stCondLst>
+                                            <p:cond delay="0"/>
+                                          </p:stCondLst>
+                                        </p:cTn>
+                                        <p:tgtEl>
+                                          <p:spTgt spid="12"/>
+                                        </p:tgtEl>
+                                        <p:attrNameLst>
+                                          <p:attrName>style.visibility</p:attrName>
+                                        </p:attrNameLst>
+                                      </p:cBhvr>
+                                      <p:to>
+                                        <p:strVal val="visible"/>
+                                      </p:to>
+                                    </p:set>
+                                  </p:childTnLst>
+                                </p:cTn>
+                              </p:par>
+                            </p:childTnLst>
+                          </p:cTn>
+                        </p:par>
+                      </p:childTnLst>
+                    </p:cTn>
+                  </p:par>
+                  <p:par>
+                    <p:cTn id="11" fill="hold">
+                      <p:stCondLst>
+                        <p:cond delay="indefinite"/>
+                      </p:stCondLst>
+                      <p:childTnLst>
+                        <p:par>
+                          <p:cTn id="12" fill="hold">
+                            <p:stCondLst>
+                              <p:cond delay="0"/>
+                            </p:stCondLst>
+                            <p:childTnLst>
+                              <p:par>
+                                <p:cTn id="13" presetID="1" presetClass="entr" presetSubtype="0" fill="hold" grpId="0" nodeType="clickEffect">
+                                  <p:stCondLst>
+                                    <p:cond delay="0"/>
+                                  </p:stCondLst>
+                                  <p:childTnLst>
+                                    <p:set>
+                                      <p:cBhvr>
+                                        <p:cTn id="14" dur="1" fill="hold">
+                                          <p:stCondLst>
+                                            <p:cond delay="0"/>
+                                          </p:stCondLst>
+                                        </p:cTn>
+                                        <p:tgtEl>
+                                          <p:spTgt spid="10"/>
+                                        </p:tgtEl>
+                                        <p:attrNameLst>
+                                          <p:attrName>style.visibility</p:attrName>
+                                        </p:attrNameLst>
+                                      </p:cBhvr>
+                                      <p:to>
+                                        <p:strVal val="visible"/>
+                                      </p:to>
+                                    </p:set>
+                                  </p:childTnLst>
+                                </p:cTn>
+                              </p:par>
+                              <p:par>
+                                <p:cTn id="15" presetID="1" presetClass="entr" presetSubtype="0" fill="hold" nodeType="withEffect">
+                                  <p:stCondLst>
+                                    <p:cond delay="0"/>
+                                  </p:stCondLst>
+                                  <p:childTnLst>
+                                    <p:set>
+                                      <p:cBhvr>
+                                        <p:cTn id="16" dur="1" fill="hold">
+                                          <p:stCondLst>
+                                            <p:cond delay="0"/>
+                                          </p:stCondLst>
+                                        </p:cTn>
+                                        <p:tgtEl>
+                                          <p:spTgt spid="17"/>
+                                        </p:tgtEl>
+                                        <p:attrNameLst>
+                                          <p:attrName>style.visibility</p:attrName>
+                                        </p:attrNameLst>
+                                      </p:cBhvr>
+                                      <p:to>
+                                        <p:strVal val="visible"/>
+                                      </p:to>
+                                    </p:set>
+                                  </p:childTnLst>
+                                </p:cTn>
+                              </p:par>
+                              <p:par>
+                                <p:cTn id="17" presetID="1" presetClass="entr" presetSubtype="0" fill="hold" grpId="0" nodeType="withEffect">
+                                  <p:stCondLst>
+                                    <p:cond delay="0"/>
+                                  </p:stCondLst>
+                                  <p:childTnLst>
+                                    <p:set>
+                                      <p:cBhvr>
+                                        <p:cTn id="18" dur="1" fill="hold">
+                                          <p:stCondLst>
+                                            <p:cond delay="0"/>
+                                          </p:stCondLst>
+                                        </p:cTn>
+                                        <p:tgtEl>
+                                          <p:spTgt spid="19"/>
+                                        </p:tgtEl>
+                                        <p:attrNameLst>
+                                          <p:attrName>style.visibility</p:attrName>
+                                        </p:attrNameLst>
+                                      </p:cBhvr>
+                                      <p:to>
+                                        <p:strVal val="visible"/>
+                                      </p:to>
+                                    </p:set>
+                                  </p:childTnLst>
+                                </p:cTn>
+                              </p:par>
+                            </p:childTnLst>
+                          </p:cTn>
+                        </p:par>
+                      </p:childTnLst>
+                    </p:cTn>
+                  </p:par>
+                  <p:par>
+                    <p:cTn id="19" fill="hold">
+                      <p:stCondLst>
+                        <p:cond delay="indefinite"/>
+                      </p:stCondLst>
+                      <p:childTnLst>
+                        <p:par>
+                          <p:cTn id="20" fill="hold">
+                            <p:stCondLst>
+                              <p:cond delay="0"/>
+                            </p:stCondLst>
+                            <p:childTnLst>
+                              <p:par>
+                                <p:cTn id="21" presetID="1" presetClass="entr" presetSubtype="0" fill="hold" grpId="0" nodeType="clickEffect">
+                                  <p:stCondLst>
+                                    <p:cond delay="0"/>
+                                  </p:stCondLst>
+                                  <p:childTnLst>
+                                    <p:set>
+                                      <p:cBhvr>
+                                        <p:cTn id="22" dur="1" fill="hold">
+                                          <p:stCondLst>
+                                            <p:cond delay="0"/>
+                                          </p:stCondLst>
+                                        </p:cTn>
+                                        <p:tgtEl>
+                                          <p:spTgt spid="16"/>
+                                        </p:tgtEl>
+                                        <p:attrNameLst>
+                                          <p:attrName>style.visibility</p:attrName>
+                                        </p:attrNameLst>
+                                      </p:cBhvr>
+                                      <p:to>
+                                        <p:strVal val="visible"/>
+                                      </p:to>
+                                    </p:set>
+                                  </p:childTnLst>
+                                </p:cTn>
+                              </p:par>
+                              <p:par>
+                                <p:cTn id="23" presetID="1" presetClass="entr" presetSubtype="0" fill="hold" grpId="0" nodeType="withEffect">
+                                  <p:stCondLst>
+                                    <p:cond delay="0"/>
+                                  </p:stCondLst>
+                                  <p:childTnLst>
+                                    <p:set>
+                                      <p:cBhvr>
+                                        <p:cTn id="24" dur="1" fill="hold">
+                                          <p:stCondLst>
+                                            <p:cond delay="0"/>
+                                          </p:stCondLst>
+                                        </p:cTn>
+                                        <p:tgtEl>
+                                          <p:spTgt spid="23"/>
+                                        </p:tgtEl>
+                                        <p:attrNameLst>
+                                          <p:attrName>style.visibility</p:attrName>
+                                        </p:attrNameLst>
+                                      </p:cBhvr>
+                                      <p:to>
+                                        <p:strVal val="visible"/>
+                                      </p:to>
+                                    </p:set>
+                                  </p:childTnLst>
+                                </p:cTn>
+                              </p:par>
+                              <p:par>
+                                <p:cTn id="25" presetID="1" presetClass="entr" presetSubtype="0" fill="hold" nodeType="withEffect">
+                                  <p:stCondLst>
+                                    <p:cond delay="0"/>
+                                  </p:stCondLst>
+                                  <p:childTnLst>
+                                    <p:set>
+                                      <p:cBhvr>
+                                        <p:cTn id="26" dur="1" fill="hold">
+                                          <p:stCondLst>
+                                            <p:cond delay="0"/>
+                                          </p:stCondLst>
+                                        </p:cTn>
+                                        <p:tgtEl>
+                                          <p:spTgt spid="22"/>
+                                        </p:tgtEl>
+                                        <p:attrNameLst>
+                                          <p:attrName>style.visibility</p:attrName>
+                                        </p:attrNameLst>
+                                      </p:cBhvr>
+                                      <p:to>
+                                        <p:strVal val="visible"/>
+                                      </p:to>
+                                    </p:set>
+                                  </p:childTnLst>
+                                </p:cTn>
+                              </p:par>
+                              <p:par>
+                                <p:cTn id="27" presetID="1" presetClass="entr" presetSubtype="0" fill="hold" nodeType="withEffect">
+                                  <p:stCondLst>
+                                    <p:cond delay="0"/>
+                                  </p:stCondLst>
+                                  <p:childTnLst>
+                                    <p:set>
+                                      <p:cBhvr>
+                                        <p:cTn id="28" dur="1" fill="hold">
+                                          <p:stCondLst>
+                                            <p:cond delay="0"/>
+                                          </p:stCondLst>
+                                        </p:cTn>
+                                        <p:tgtEl>
+                                          <p:spTgt spid="28"/>
+                                        </p:tgtEl>
+                                        <p:attrNameLst>
+                                          <p:attrName>style.visibility</p:attrName>
+                                        </p:attrNameLst>
+                                      </p:cBhvr>
+                                      <p:to>
+                                        <p:strVal val="visible"/>
+                                      </p:to>
+                                    </p:set>
+                                  </p:childTnLst>
+                                </p:cTn>
+                              </p:par>
+                              <p:par>
+                                <p:cTn id="29" presetID="1" presetClass="entr" presetSubtype="0" fill="hold" grpId="0" nodeType="withEffect">
+                                  <p:stCondLst>
+                                    <p:cond delay="0"/>
+                                  </p:stCondLst>
+                                  <p:childTnLst>
+                                    <p:set>
+                                      <p:cBhvr>
+                                        <p:cTn id="30" dur="1" fill="hold">
+                                          <p:stCondLst>
+                                            <p:cond delay="0"/>
+                                          </p:stCondLst>
+                                        </p:cTn>
+                                        <p:tgtEl>
+                                          <p:spTgt spid="21"/>
+                                        </p:tgtEl>
+                                        <p:attrNameLst>
+                                          <p:attrName>style.visibility</p:attrName>
+                                        </p:attrNameLst>
+                                      </p:cBhvr>
+                                      <p:to>
+                                        <p:strVal val="visible"/>
+                                      </p:to>
+                                    </p:set>
+                                  </p:childTnLst>
+                                </p:cTn>
+                              </p:par>
+                              <p:par>
+                                <p:cTn id="31" presetID="1" presetClass="entr" presetSubtype="0" fill="hold" grpId="0" nodeType="withEffect">
+                                  <p:stCondLst>
+                                    <p:cond delay="0"/>
+                                  </p:stCondLst>
+                                  <p:childTnLst>
+                                    <p:set>
+                                      <p:cBhvr>
+                                        <p:cTn id="32" dur="1" fill="hold">
+                                          <p:stCondLst>
+                                            <p:cond delay="0"/>
+                                          </p:stCondLst>
+                                        </p:cTn>
+                                        <p:tgtEl>
+                                          <p:spTgt spid="32"/>
+                                        </p:tgtEl>
+                                        <p:attrNameLst>
+                                          <p:attrName>style.visibility</p:attrName>
+                                        </p:attrNameLst>
+                                      </p:cBhvr>
+                                      <p:to>
+                                        <p:strVal val="visible"/>
+                                      </p:to>
+                                    </p:set>
+                                  </p:childTnLst>
+                                </p:cTn>
+                              </p:par>
+                            </p:childTnLst>
+                          </p:cTn>
+                        </p:par>
+                      </p:childTnLst>
+                    </p:cTn>
+                  </p:par>
+                  <p:par>
+                    <p:cTn id="33" fill="hold">
+                      <p:stCondLst>
+                        <p:cond delay="indefinite"/>
+                      </p:stCondLst>
+                      <p:childTnLst>
+                        <p:par>
+                          <p:cTn id="34" fill="hold">
+                            <p:stCondLst>
+                              <p:cond delay="0"/>
+                            </p:stCondLst>
+                            <p:childTnLst>
+                              <p:par>
+                                <p:cTn id="35" presetID="1" presetClass="entr" presetSubtype="0" fill="hold" grpId="0" nodeType="clickEffect">
+                                  <p:stCondLst>
+                                    <p:cond delay="0"/>
+                                  </p:stCondLst>
+                                  <p:childTnLst>
+                                    <p:set>
+                                      <p:cBhvr>
+                                        <p:cTn id="36" dur="1" fill="hold">
+                                          <p:stCondLst>
+                                            <p:cond delay="0"/>
+                                          </p:stCondLst>
+                                        </p:cTn>
+                                        <p:tgtEl>
+                                          <p:spTgt spid="37"/>
+                                        </p:tgtEl>
+                                        <p:attrNameLst>
+                                          <p:attrName>style.visibility</p:attrName>
+                                        </p:attrNameLst>
+                                      </p:cBhvr>
+                                      <p:to>
+                                        <p:strVal val="visible"/>
+                                      </p:to>
+                                    </p:set>
+                                  </p:childTnLst>
+                                </p:cTn>
+                              </p:par>
+                              <p:par>
+                                <p:cTn id="37" presetID="1" presetClass="entr" presetSubtype="0" fill="hold" nodeType="withEffect">
+                                  <p:stCondLst>
+                                    <p:cond delay="0"/>
+                                  </p:stCondLst>
+                                  <p:childTnLst>
+                                    <p:set>
+                                      <p:cBhvr>
+                                        <p:cTn id="38" dur="1" fill="hold">
+                                          <p:stCondLst>
+                                            <p:cond delay="0"/>
+                                          </p:stCondLst>
+                                        </p:cTn>
+                                        <p:tgtEl>
+                                          <p:spTgt spid="36"/>
+                                        </p:tgtEl>
+                                        <p:attrNameLst>
+                                          <p:attrName>style.visibility</p:attrName>
+                                        </p:attrNameLst>
+                                      </p:cBhvr>
+                                      <p:to>
+                                        <p:strVal val="visible"/>
+                                      </p:to>
+                                    </p:set>
+                                  </p:childTnLst>
+                                </p:cTn>
+                              </p:par>
+                              <p:par>
+                                <p:cTn id="39" presetID="1" presetClass="entr" presetSubtype="0" fill="hold" grpId="0" nodeType="withEffect">
+                                  <p:stCondLst>
+                                    <p:cond delay="0"/>
+                                  </p:stCondLst>
+                                  <p:childTnLst>
+                                    <p:set>
+                                      <p:cBhvr>
+                                        <p:cTn id="40" dur="1" fill="hold">
+                                          <p:stCondLst>
+                                            <p:cond delay="0"/>
+                                          </p:stCondLst>
+                                        </p:cTn>
+                                        <p:tgtEl>
+                                          <p:spTgt spid="35"/>
+                                        </p:tgtEl>
+                                        <p:attrNameLst>
+                                          <p:attrName>style.visibility</p:attrName>
+                                        </p:attrNameLst>
+                                      </p:cBhvr>
+                                      <p:to>
+                                        <p:strVal val="visible"/>
+                                      </p:to>
+                                    </p:set>
+                                  </p:childTnLst>
+                                </p:cTn>
+                              </p:par>
+                            </p:childTnLst>
+                          </p:cTn>
+                        </p:par>
+                      </p:childTnLst>
+                    </p:cTn>
+                  </p:par>
+                  <p:par>
+                    <p:cTn id="41" fill="hold">
+                      <p:stCondLst>
+                        <p:cond delay="indefinite"/>
+                      </p:stCondLst>
+                      <p:childTnLst>
+                        <p:par>
+                          <p:cTn id="42" fill="hold">
+                            <p:stCondLst>
+                              <p:cond delay="0"/>
+                            </p:stCondLst>
+                            <p:childTnLst>
+                              <p:par>
+                                <p:cTn id="43" presetID="1" presetClass="entr" presetSubtype="0" fill="hold" grpId="0" nodeType="clickEffect">
+                                  <p:stCondLst>
+                                    <p:cond delay="0"/>
+                                  </p:stCondLst>
+                                  <p:childTnLst>
+                                    <p:set>
+                                      <p:cBhvr>
+                                        <p:cTn id="44" dur="1" fill="hold">
+                                          <p:stCondLst>
+                                            <p:cond delay="0"/>
+                                          </p:stCondLst>
+                                        </p:cTn>
+                                        <p:tgtEl>
+                                          <p:spTgt spid="42"/>
+                                        </p:tgtEl>
+                                        <p:attrNameLst>
+                                          <p:attrName>style.visibility</p:attrName>
+                                        </p:attrNameLst>
+                                      </p:cBhvr>
+                                      <p:to>
+                                        <p:strVal val="visible"/>
+                                      </p:to>
+                                    </p:set>
+                                  </p:childTnLst>
+                                </p:cTn>
+                              </p:par>
+                              <p:par>
+                                <p:cTn id="45" presetID="1" presetClass="entr" presetSubtype="0" fill="hold" nodeType="withEffect">
+                                  <p:stCondLst>
+                                    <p:cond delay="0"/>
+                                  </p:stCondLst>
+                                  <p:childTnLst>
+                                    <p:set>
+                                      <p:cBhvr>
+                                        <p:cTn id="46" dur="1" fill="hold">
+                                          <p:stCondLst>
+                                            <p:cond delay="0"/>
+                                          </p:stCondLst>
+                                        </p:cTn>
+                                        <p:tgtEl>
+                                          <p:spTgt spid="40"/>
+                                        </p:tgtEl>
+                                        <p:attrNameLst>
+                                          <p:attrName>style.visibility</p:attrName>
+                                        </p:attrNameLst>
+                                      </p:cBhvr>
+                                      <p:to>
+                                        <p:strVal val="visible"/>
+                                      </p:to>
+                                    </p:set>
+                                  </p:childTnLst>
+                                </p:cTn>
+                              </p:par>
+                            </p:childTnLst>
+                          </p:cTn>
+                        </p:par>
+                      </p:childTnLst>
+                    </p:cTn>
+                  </p:par>
+                  <p:par>
+                    <p:cTn id="47" fill="hold">
+                      <p:stCondLst>
+                        <p:cond delay="indefinite"/>
+                      </p:stCondLst>
+                      <p:childTnLst>
+                        <p:par>
+                          <p:cTn id="48" fill="hold">
+                            <p:stCondLst>
+                              <p:cond delay="0"/>
+                            </p:stCondLst>
+                            <p:childTnLst>
+                              <p:par>
+                                <p:cTn id="49" presetID="1" presetClass="entr" presetSubtype="0" fill="hold" grpId="0" nodeType="clickEffect">
+                                  <p:stCondLst>
+                                    <p:cond delay="0"/>
+                                  </p:stCondLst>
+                                  <p:childTnLst>
+                                    <p:set>
+                                      <p:cBhvr>
+                                        <p:cTn id="50" dur="1" fill="hold">
+                                          <p:stCondLst>
+                                            <p:cond delay="0"/>
+                                          </p:stCondLst>
+                                        </p:cTn>
+                                        <p:tgtEl>
+                                          <p:spTgt spid="73"/>
+                                        </p:tgtEl>
+                                        <p:attrNameLst>
+                                          <p:attrName>style.visibility</p:attrName>
+                                        </p:attrNameLst>
+                                      </p:cBhvr>
+                                      <p:to>
+                                        <p:strVal val="visible"/>
+                                      </p:to>
+                                    </p:set>
+                                  </p:childTnLst>
+                                </p:cTn>
+                              </p:par>
+                              <p:par>
+                                <p:cTn id="51" presetID="1" presetClass="entr" presetSubtype="0" fill="hold" grpId="0" nodeType="withEffect">
+                                  <p:stCondLst>
+                                    <p:cond delay="0"/>
+                                  </p:stCondLst>
+                                  <p:childTnLst>
+                                    <p:set>
+                                      <p:cBhvr>
+                                        <p:cTn id="52" dur="1" fill="hold">
+                                          <p:stCondLst>
+                                            <p:cond delay="0"/>
+                                          </p:stCondLst>
+                                        </p:cTn>
+                                        <p:tgtEl>
+                                          <p:spTgt spid="52"/>
+                                        </p:tgtEl>
+                                        <p:attrNameLst>
+                                          <p:attrName>style.visibility</p:attrName>
+                                        </p:attrNameLst>
+                                      </p:cBhvr>
+                                      <p:to>
+                                        <p:strVal val="visible"/>
+                                      </p:to>
+                                    </p:set>
+                                  </p:childTnLst>
+                                </p:cTn>
+                              </p:par>
+                              <p:par>
+                                <p:cTn id="53" presetID="1" presetClass="entr" presetSubtype="0" fill="hold" nodeType="withEffect">
+                                  <p:stCondLst>
+                                    <p:cond delay="0"/>
+                                  </p:stCondLst>
+                                  <p:childTnLst>
+                                    <p:set>
+                                      <p:cBhvr>
+                                        <p:cTn id="54" dur="1" fill="hold">
+                                          <p:stCondLst>
+                                            <p:cond delay="0"/>
+                                          </p:stCondLst>
+                                        </p:cTn>
+                                        <p:tgtEl>
+                                          <p:spTgt spid="51"/>
+                                        </p:tgtEl>
+                                        <p:attrNameLst>
+                                          <p:attrName>style.visibility</p:attrName>
+                                        </p:attrNameLst>
+                                      </p:cBhvr>
+                                      <p:to>
+                                        <p:strVal val="visible"/>
+                                      </p:to>
+                                    </p:set>
+                                  </p:childTnLst>
+                                </p:cTn>
+                              </p:par>
+                              <p:par>
+                                <p:cTn id="55" presetID="1" presetClass="entr" presetSubtype="0" fill="hold" grpId="0" nodeType="withEffect">
+                                  <p:stCondLst>
+                                    <p:cond delay="0"/>
+                                  </p:stCondLst>
+                                  <p:childTnLst>
+                                    <p:set>
+                                      <p:cBhvr>
+                                        <p:cTn id="56" dur="1" fill="hold">
+                                          <p:stCondLst>
+                                            <p:cond delay="0"/>
+                                          </p:stCondLst>
+                                        </p:cTn>
+                                        <p:tgtEl>
+                                          <p:spTgt spid="50"/>
+                                        </p:tgtEl>
+                                        <p:attrNameLst>
+                                          <p:attrName>style.visibility</p:attrName>
+                                        </p:attrNameLst>
+                                      </p:cBhvr>
+                                      <p:to>
+                                        <p:strVal val="visible"/>
+                                      </p:to>
+                                    </p:set>
+                                  </p:childTnLst>
+                                </p:cTn>
+                              </p:par>
+                              <p:par>
+                                <p:cTn id="57" presetID="1" presetClass="entr" presetSubtype="0" fill="hold" nodeType="withEffect">
+                                  <p:stCondLst>
+                                    <p:cond delay="0"/>
+                                  </p:stCondLst>
+                                  <p:childTnLst>
+                                    <p:set>
+                                      <p:cBhvr>
+                                        <p:cTn id="58" dur="1" fill="hold">
+                                          <p:stCondLst>
+                                            <p:cond delay="0"/>
+                                          </p:stCondLst>
+                                        </p:cTn>
+                                        <p:tgtEl>
+                                          <p:spTgt spid="53"/>
+                                        </p:tgtEl>
+                                        <p:attrNameLst>
+                                          <p:attrName>style.visibility</p:attrName>
+                                        </p:attrNameLst>
+                                      </p:cBhvr>
+                                      <p:to>
+                                        <p:strVal val="visible"/>
+                                      </p:to>
+                                    </p:set>
+                                  </p:childTnLst>
+                                </p:cTn>
+                              </p:par>
+                              <p:par>
+                                <p:cTn id="59" presetID="1" presetClass="entr" presetSubtype="0" fill="hold" grpId="0" nodeType="withEffect">
+                                  <p:stCondLst>
+                                    <p:cond delay="0"/>
+                                  </p:stCondLst>
+                                  <p:childTnLst>
+                                    <p:set>
+                                      <p:cBhvr>
+                                        <p:cTn id="60" dur="1" fill="hold">
+                                          <p:stCondLst>
+                                            <p:cond delay="0"/>
+                                          </p:stCondLst>
+                                        </p:cTn>
+                                        <p:tgtEl>
+                                          <p:spTgt spid="54"/>
+                                        </p:tgtEl>
+                                        <p:attrNameLst>
+                                          <p:attrName>style.visibility</p:attrName>
+                                        </p:attrNameLst>
+                                      </p:cBhvr>
+                                      <p:to>
+                                        <p:strVal val="visible"/>
+                                      </p:to>
+                                    </p:set>
+                                  </p:childTnLst>
+                                </p:cTn>
+                              </p:par>
+                            </p:childTnLst>
+                          </p:cTn>
+                        </p:par>
+                      </p:childTnLst>
+                    </p:cTn>
+                  </p:par>
+                  <p:par>
+                    <p:cTn id="61" fill="hold">
+                      <p:stCondLst>
+                        <p:cond delay="indefinite"/>
+                      </p:stCondLst>
+                      <p:childTnLst>
+                        <p:par>
+                          <p:cTn id="62" fill="hold">
+                            <p:stCondLst>
+                              <p:cond delay="0"/>
+                            </p:stCondLst>
+                            <p:childTnLst>
+                              <p:par>
+                                <p:cTn id="63" presetID="1" presetClass="entr" presetSubtype="0" fill="hold" grpId="0" nodeType="clickEffect">
+                                  <p:stCondLst>
+                                    <p:cond delay="0"/>
+                                  </p:stCondLst>
+                                  <p:childTnLst>
+                                    <p:set>
+                                      <p:cBhvr>
+                                        <p:cTn id="64" dur="1" fill="hold">
+                                          <p:stCondLst>
+                                            <p:cond delay="0"/>
+                                          </p:stCondLst>
+                                        </p:cTn>
+                                        <p:tgtEl>
+                                          <p:spTgt spid="49"/>
+                                        </p:tgtEl>
+                                        <p:attrNameLst>
+                                          <p:attrName>style.visibility</p:attrName>
+                                        </p:attrNameLst>
+                                      </p:cBhvr>
+                                      <p:to>
+                                        <p:strVal val="visible"/>
+                                      </p:to>
+                                    </p:set>
+                                  </p:childTnLst>
+                                </p:cTn>
+                              </p:par>
+                              <p:par>
+                                <p:cTn id="65" presetID="1" presetClass="entr" presetSubtype="0" fill="hold" nodeType="withEffect">
+                                  <p:stCondLst>
+                                    <p:cond delay="0"/>
+                                  </p:stCondLst>
+                                  <p:childTnLst>
+                                    <p:set>
+                                      <p:cBhvr>
+                                        <p:cTn id="66" dur="1" fill="hold">
+                                          <p:stCondLst>
+                                            <p:cond delay="0"/>
+                                          </p:stCondLst>
+                                        </p:cTn>
+                                        <p:tgtEl>
+                                          <p:spTgt spid="47"/>
+                                        </p:tgtEl>
+                                        <p:attrNameLst>
+                                          <p:attrName>style.visibility</p:attrName>
+                                        </p:attrNameLst>
+                                      </p:cBhvr>
+                                      <p:to>
+                                        <p:strVal val="visible"/>
+                                      </p:to>
+                                    </p:set>
+                                  </p:childTnLst>
+                                </p:cTn>
+                              </p:par>
+                              <p:par>
+                                <p:cTn id="67" presetID="1" presetClass="entr" presetSubtype="0" fill="hold" grpId="0" nodeType="withEffect">
+                                  <p:stCondLst>
+                                    <p:cond delay="0"/>
+                                  </p:stCondLst>
+                                  <p:childTnLst>
+                                    <p:set>
+                                      <p:cBhvr>
+                                        <p:cTn id="68" dur="1" fill="hold">
+                                          <p:stCondLst>
+                                            <p:cond delay="0"/>
+                                          </p:stCondLst>
+                                        </p:cTn>
+                                        <p:tgtEl>
+                                          <p:spTgt spid="46"/>
+                                        </p:tgtEl>
+                                        <p:attrNameLst>
+                                          <p:attrName>style.visibility</p:attrName>
+                                        </p:attrNameLst>
+                                      </p:cBhvr>
+                                      <p:to>
+                                        <p:strVal val="visible"/>
+                                      </p:to>
+                                    </p:set>
+                                  </p:childTnLst>
+                                </p:cTn>
+                              </p:par>
+                            </p:childTnLst>
+                          </p:cTn>
+                        </p:par>
+                      </p:childTnLst>
+                    </p:cTn>
+                  </p:par>
+                  <p:par>
+                    <p:cTn id="69" fill="hold">
+                      <p:stCondLst>
+                        <p:cond delay="indefinite"/>
+                      </p:stCondLst>
+                      <p:childTnLst>
+                        <p:par>
+                          <p:cTn id="70" fill="hold">
+                            <p:stCondLst>
+                              <p:cond delay="0"/>
+                            </p:stCondLst>
+                            <p:childTnLst>
+                              <p:par>
+                                <p:cTn id="71" presetID="1" presetClass="entr" presetSubtype="0" fill="hold" grpId="0" nodeType="clickEffect">
+                                  <p:stCondLst>
+                                    <p:cond delay="0"/>
+                                  </p:stCondLst>
+                                  <p:childTnLst>
+                                    <p:set>
+                                      <p:cBhvr>
+                                        <p:cTn id="72" dur="1" fill="hold">
+                                          <p:stCondLst>
+                                            <p:cond delay="0"/>
+                                          </p:stCondLst>
+                                        </p:cTn>
+                                        <p:tgtEl>
+                                          <p:spTgt spid="59"/>
+                                        </p:tgtEl>
+                                        <p:attrNameLst>
+                                          <p:attrName>style.visibility</p:attrName>
+                                        </p:attrNameLst>
+                                      </p:cBhvr>
+                                      <p:to>
+                                        <p:strVal val="visible"/>
+                                      </p:to>
+                                    </p:set>
+                                  </p:childTnLst>
+                                </p:cTn>
+                              </p:par>
+                              <p:par>
+                                <p:cTn id="73" presetID="1" presetClass="entr" presetSubtype="0" fill="hold" nodeType="withEffect">
+                                  <p:stCondLst>
+                                    <p:cond delay="0"/>
+                                  </p:stCondLst>
+                                  <p:childTnLst>
+                                    <p:set>
+                                      <p:cBhvr>
+                                        <p:cTn id="74" dur="1" fill="hold">
+                                          <p:stCondLst>
+                                            <p:cond delay="0"/>
+                                          </p:stCondLst>
+                                        </p:cTn>
+                                        <p:tgtEl>
+                                          <p:spTgt spid="58"/>
+                                        </p:tgtEl>
+                                        <p:attrNameLst>
+                                          <p:attrName>style.visibility</p:attrName>
+                                        </p:attrNameLst>
+                                      </p:cBhvr>
+                                      <p:to>
+                                        <p:strVal val="visible"/>
+                                      </p:to>
+                                    </p:set>
+                                  </p:childTnLst>
+                                </p:cTn>
+                              </p:par>
+                              <p:par>
+                                <p:cTn id="75" presetID="1" presetClass="entr" presetSubtype="0" fill="hold" grpId="0" nodeType="withEffect">
+                                  <p:stCondLst>
+                                    <p:cond delay="0"/>
+                                  </p:stCondLst>
+                                  <p:childTnLst>
+                                    <p:set>
+                                      <p:cBhvr>
+                                        <p:cTn id="76" dur="1" fill="hold">
+                                          <p:stCondLst>
+                                            <p:cond delay="0"/>
+                                          </p:stCondLst>
+                                        </p:cTn>
+                                        <p:tgtEl>
+                                          <p:spTgt spid="57"/>
+                                        </p:tgtEl>
+                                        <p:attrNameLst>
+                                          <p:attrName>style.visibility</p:attrName>
+                                        </p:attrNameLst>
+                                      </p:cBhvr>
+                                      <p:to>
+                                        <p:strVal val="visible"/>
+                                      </p:to>
+                                    </p:set>
+                                  </p:childTnLst>
+                                </p:cTn>
+                              </p:par>
+                              <p:par>
+                                <p:cTn id="77" presetID="1" presetClass="entr" presetSubtype="0" fill="hold" nodeType="withEffect">
+                                  <p:stCondLst>
+                                    <p:cond delay="0"/>
+                                  </p:stCondLst>
+                                  <p:childTnLst>
+                                    <p:set>
+                                      <p:cBhvr>
+                                        <p:cTn id="78" dur="1" fill="hold">
+                                          <p:stCondLst>
+                                            <p:cond delay="0"/>
+                                          </p:stCondLst>
+                                        </p:cTn>
+                                        <p:tgtEl>
+                                          <p:spTgt spid="60"/>
+                                        </p:tgtEl>
+                                        <p:attrNameLst>
+                                          <p:attrName>style.visibility</p:attrName>
+                                        </p:attrNameLst>
+                                      </p:cBhvr>
+                                      <p:to>
+                                        <p:strVal val="visible"/>
+                                      </p:to>
+                                    </p:set>
+                                  </p:childTnLst>
+                                </p:cTn>
+                              </p:par>
+                              <p:par>
+                                <p:cTn id="79" presetID="1" presetClass="entr" presetSubtype="0" fill="hold" grpId="0" nodeType="withEffect">
+                                  <p:stCondLst>
+                                    <p:cond delay="0"/>
+                                  </p:stCondLst>
+                                  <p:childTnLst>
+                                    <p:set>
+                                      <p:cBhvr>
+                                        <p:cTn id="80" dur="1" fill="hold">
+                                          <p:stCondLst>
+                                            <p:cond delay="0"/>
+                                          </p:stCondLst>
+                                        </p:cTn>
+                                        <p:tgtEl>
+                                          <p:spTgt spid="61"/>
+                                        </p:tgtEl>
+                                        <p:attrNameLst>
+                                          <p:attrName>style.visibility</p:attrName>
+                                        </p:attrNameLst>
+                                      </p:cBhvr>
+                                      <p:to>
+                                        <p:strVal val="visible"/>
+                                      </p:to>
+                                    </p:set>
+                                  </p:childTnLst>
+                                </p:cTn>
+                              </p:par>
+                            </p:childTnLst>
+                          </p:cTn>
+                        </p:par>
+                      </p:childTnLst>
+                    </p:cTn>
+                  </p:par>
+                  <p:par>
+                    <p:cTn id="81" fill="hold">
+                      <p:stCondLst>
+                        <p:cond delay="indefinite"/>
+                      </p:stCondLst>
+                      <p:childTnLst>
+                        <p:par>
+                          <p:cTn id="82" fill="hold">
+                            <p:stCondLst>
+                              <p:cond delay="0"/>
+                            </p:stCondLst>
+                            <p:childTnLst>
+                              <p:par>
+                                <p:cTn id="83" presetID="1" presetClass="entr" presetSubtype="0" fill="hold" grpId="0" nodeType="clickEffect">
+                                  <p:stCondLst>
+                                    <p:cond delay="0"/>
+                                  </p:stCondLst>
+                                  <p:childTnLst>
+                                    <p:set>
+                                      <p:cBhvr>
+                                        <p:cTn id="84" dur="1" fill="hold">
+                                          <p:stCondLst>
+                                            <p:cond delay="0"/>
+                                          </p:stCondLst>
+                                        </p:cTn>
+                                        <p:tgtEl>
+                                          <p:spTgt spid="64"/>
+                                        </p:tgtEl>
+                                        <p:attrNameLst>
+                                          <p:attrName>style.visibility</p:attrName>
+                                        </p:attrNameLst>
+                                      </p:cBhvr>
+                                      <p:to>
+                                        <p:strVal val="visible"/>
+                                      </p:to>
+                                    </p:set>
+                                  </p:childTnLst>
+                                </p:cTn>
+                              </p:par>
+                              <p:par>
+                                <p:cTn id="85" presetID="1" presetClass="entr" presetSubtype="0" fill="hold" nodeType="withEffect">
+                                  <p:stCondLst>
+                                    <p:cond delay="0"/>
+                                  </p:stCondLst>
+                                  <p:childTnLst>
+                                    <p:set>
+                                      <p:cBhvr>
+                                        <p:cTn id="86" dur="1" fill="hold">
+                                          <p:stCondLst>
+                                            <p:cond delay="0"/>
+                                          </p:stCondLst>
+                                        </p:cTn>
+                                        <p:tgtEl>
+                                          <p:spTgt spid="63"/>
+                                        </p:tgtEl>
+                                        <p:attrNameLst>
+                                          <p:attrName>style.visibility</p:attrName>
+                                        </p:attrNameLst>
+                                      </p:cBhvr>
+                                      <p:to>
+                                        <p:strVal val="visible"/>
+                                      </p:to>
+                                    </p:set>
+                                  </p:childTnLst>
+                                </p:cTn>
+                              </p:par>
+                            </p:childTnLst>
+                          </p:cTn>
+                        </p:par>
+                      </p:childTnLst>
+                    </p:cTn>
+                  </p:par>
+                </p:childTnLst>
+              </p:cTn>
+              <p:prevCondLst>
+                <p:cond evt="onPrev" delay="0">
+                  <p:tgtEl>
+                    <p:sldTgt/>
+                  </p:tgtEl>
+                </p:cond>
+              </p:prevCondLst>
+              <p:nextCondLst>
+                <p:cond evt="onNext" delay="0">
+                  <p:tgtEl>
+                    <p:sldTgt/>
+                  </p:tgtEl>
+                </p:cond>
+              </p:nextCondLst>
+            </p:seq>
+          </p:childTnLst>
+        </p:cTn>
+      </p:par>
+    </p:tnLst>
+    <p:bldLst>
+      <p:bldP spid="8" grpId="0" animBg="1"/>
+      <p:bldP spid="10" grpId="0" animBg="1"/>
+      <p:bldP spid="13" grpId="0"/>
+      <p:bldP spid="16" grpId="0" animBg="1"/>
+      <p:bldP spid="19" grpId="0"/>
+      <p:bldP spid="21" grpId="0" animBg="1"/>
+      <p:bldP spid="23" grpId="0"/>
+      <p:bldP spid="32" grpId="0"/>
+      <p:bldP spid="35" grpId="0" animBg="1"/>
+      <p:bldP spid="37" grpId="0"/>
+      <p:bldP spid="42" grpId="0"/>
+      <p:bldP spid="46" grpId="0" animBg="1"/>
+      <p:bldP spid="49" grpId="0"/>
+      <p:bldP spid="50" grpId="0" animBg="1"/>
+      <p:bldP spid="52" grpId="0"/>
+      <p:bldP spid="54" grpId="0"/>
+      <p:bldP spid="57" grpId="0" animBg="1"/>
+      <p:bldP spid="59" grpId="0"/>
+      <p:bldP spid="61" grpId="0"/>
+      <p:bldP spid="64" grpId="0"/>
+      <p:bldP spid="73" grpId="0" animBg="1"/>
+    </p:bldLst>
+  </p:timing>
+</p:sld>
+</file>
+
+<file path=ppt/slides/slide11.xml><?xml version="1.0" encoding="utf-8"?>
+<p:sld xmlns:a="http://schemas.openxmlformats.org/drawingml/2006/main" xmlns:r="http://schemas.openxmlformats.org/officeDocument/2006/relationships" xmlns:p="http://schemas.openxmlformats.org/presentationml/2006/main">
+  <p:cSld>
+    <p:spTree>
+      <p:nvGrpSpPr>
+        <p:cNvPr id="1" name=""/>
+        <p:cNvGrpSpPr/>
+        <p:nvPr/>
+      </p:nvGrpSpPr>
+      <p:grpSpPr>
+        <a:xfrm>
+          <a:off x="0" y="0"/>
+          <a:ext cx="0" cy="0"/>
+          <a:chOff x="0" y="0"/>
+          <a:chExt cx="0" cy="0"/>
+        </a:xfrm>
+      </p:grpSpPr>
+      <p:pic>
+        <p:nvPicPr>
+          <p:cNvPr id="2" name="Рисунок 1"/>
+          <p:cNvPicPr>
+            <a:picLocks noChangeAspect="1"/>
+          </p:cNvPicPr>
+          <p:nvPr/>
+        </p:nvPicPr>
+        <p:blipFill>
+          <a:blip r:embed="rId2"/>
+          <a:stretch>
+            <a:fillRect/>
+          </a:stretch>
+        </p:blipFill>
+        <p:spPr>
+          <a:xfrm>
+            <a:off x="1502796" y="801970"/>
+            <a:ext cx="9773612" cy="4854291"/>
+          </a:xfrm>
+          <a:prstGeom prst="rect">
+            <a:avLst/>
+          </a:prstGeom>
+        </p:spPr>
+      </p:pic>
+      <p:sp>
+        <p:nvSpPr>
+          <p:cNvPr id="3" name="Стрелка вправо 2"/>
+          <p:cNvSpPr/>
+          <p:nvPr/>
+        </p:nvSpPr>
+        <p:spPr>
+          <a:xfrm rot="19140063">
+            <a:off x="9405607" y="1386255"/>
+            <a:ext cx="1315115" cy="263378"/>
+          </a:xfrm>
+          <a:prstGeom prst="rightArrow">
+            <a:avLst/>
+          </a:prstGeom>
+          <a:solidFill>
+            <a:srgbClr val="FF0000"/>
+          </a:solidFill>
+        </p:spPr>
+        <p:style>
+          <a:lnRef idx="2">
+            <a:schemeClr val="accent1">
+              <a:shade val="50000"/>
+            </a:schemeClr>
+          </a:lnRef>
+          <a:fillRef idx="1">
+            <a:schemeClr val="accent1"/>
+          </a:fillRef>
+          <a:effectRef idx="0">
+            <a:schemeClr val="accent1"/>
+          </a:effectRef>
+          <a:fontRef idx="minor">
+            <a:schemeClr val="lt1"/>
+          </a:fontRef>
+        </p:style>
+        <p:txBody>
+          <a:bodyPr rtlCol="0" anchor="ctr"/>
+          <a:lstStyle/>
+          <a:p>
+            <a:pPr algn="ctr"/>
+            <a:endParaRPr lang="ru-RU" b="1">
+              <a:ln w="22225">
+                <a:solidFill>
+                  <a:schemeClr val="accent2"/>
+                </a:solidFill>
+                <a:prstDash val="solid"/>
+              </a:ln>
+              <a:solidFill>
+                <a:schemeClr val="accent2">
+                  <a:lumMod val="40000"/>
+                  <a:lumOff val="60000"/>
+                </a:schemeClr>
+              </a:solidFill>
+            </a:endParaRPr>
+          </a:p>
+        </p:txBody>
+      </p:sp>
+    </p:spTree>
+    <p:extLst>
+      <p:ext uri="{BB962C8B-B14F-4D97-AF65-F5344CB8AC3E}">
+        <p14:creationId xmlns:p14="http://schemas.microsoft.com/office/powerpoint/2010/main" val="3724980459"/>
+      </p:ext>
+    </p:extLst>
+  </p:cSld>
+  <p:clrMapOvr>
+    <a:masterClrMapping/>
+  </p:clrMapOvr>
+  <mc:AlternateContent xmlns:mc="http://schemas.openxmlformats.org/markup-compatibility/2006">
+    <mc:Choice xmlns:p14="http://schemas.microsoft.com/office/powerpoint/2010/main" Requires="p14">
+      <p:transition p14:dur="400">
+        <p14:reveal/>
+      </p:transition>
+    </mc:Choice>
+    <mc:Fallback>
+      <p:transition>
+        <p:fade/>
+      </p:transition>
+    </mc:Fallback>
+  </mc:AlternateContent>
+  <p:timing>
+    <p:tnLst>
+      <p:par>
+        <p:cTn id="1" dur="indefinite" restart="never" nodeType="tmRoot"/>
+      </p:par>
+    </p:tnLst>
+  </p:timing>
+</p:sld>
+</file>
+
+<file path=ppt/slides/slide12.xml><?xml version="1.0" encoding="utf-8"?>
+<p:sld xmlns:a="http://schemas.openxmlformats.org/drawingml/2006/main" xmlns:r="http://schemas.openxmlformats.org/officeDocument/2006/relationships" xmlns:p="http://schemas.openxmlformats.org/presentationml/2006/main">
+  <p:cSld>
+    <p:spTree>
+      <p:nvGrpSpPr>
+        <p:cNvPr id="1" name=""/>
+        <p:cNvGrpSpPr/>
+        <p:nvPr/>
+      </p:nvGrpSpPr>
+      <p:grpSpPr>
+        <a:xfrm>
+          <a:off x="0" y="0"/>
+          <a:ext cx="0" cy="0"/>
+          <a:chOff x="0" y="0"/>
+          <a:chExt cx="0" cy="0"/>
+        </a:xfrm>
+      </p:grpSpPr>
+      <p:pic>
+        <p:nvPicPr>
+          <p:cNvPr id="4" name="Рисунок 3"/>
+          <p:cNvPicPr>
+            <a:picLocks noChangeAspect="1"/>
+          </p:cNvPicPr>
+          <p:nvPr/>
+        </p:nvPicPr>
+        <p:blipFill>
+          <a:blip r:embed="rId2"/>
+          <a:stretch>
+            <a:fillRect/>
+          </a:stretch>
+        </p:blipFill>
+        <p:spPr>
+          <a:xfrm>
+            <a:off x="1938673" y="334772"/>
+            <a:ext cx="8409094" cy="5796457"/>
+          </a:xfrm>
+          <a:prstGeom prst="rect">
+            <a:avLst/>
+          </a:prstGeom>
+        </p:spPr>
+      </p:pic>
+      <p:sp>
+        <p:nvSpPr>
+          <p:cNvPr id="3" name="Стрелка вправо 2"/>
+          <p:cNvSpPr/>
+          <p:nvPr/>
+        </p:nvSpPr>
+        <p:spPr>
+          <a:xfrm rot="10800000">
+            <a:off x="3625849" y="334326"/>
+            <a:ext cx="1506497" cy="342401"/>
+          </a:xfrm>
+          <a:prstGeom prst="rightArrow">
+            <a:avLst/>
+          </a:prstGeom>
+          <a:solidFill>
+            <a:srgbClr val="FF0000"/>
+          </a:solidFill>
+        </p:spPr>
+        <p:style>
+          <a:lnRef idx="2">
+            <a:schemeClr val="accent1">
+              <a:shade val="50000"/>
+            </a:schemeClr>
+          </a:lnRef>
+          <a:fillRef idx="1">
+            <a:schemeClr val="accent1"/>
+          </a:fillRef>
+          <a:effectRef idx="0">
+            <a:schemeClr val="accent1"/>
+          </a:effectRef>
+          <a:fontRef idx="minor">
+            <a:schemeClr val="lt1"/>
+          </a:fontRef>
+        </p:style>
+        <p:txBody>
+          <a:bodyPr rtlCol="0" anchor="ctr"/>
+          <a:lstStyle/>
+          <a:p>
+            <a:pPr algn="ctr"/>
+            <a:endParaRPr lang="ru-RU" b="1">
+              <a:ln w="22225">
+                <a:solidFill>
+                  <a:schemeClr val="accent2"/>
+                </a:solidFill>
+                <a:prstDash val="solid"/>
+              </a:ln>
+              <a:solidFill>
+                <a:schemeClr val="accent2">
+                  <a:lumMod val="40000"/>
+                  <a:lumOff val="60000"/>
+                </a:schemeClr>
+              </a:solidFill>
+            </a:endParaRPr>
+          </a:p>
+        </p:txBody>
+      </p:sp>
+      <p:sp>
+        <p:nvSpPr>
+          <p:cNvPr id="5" name="Стрелка вправо 4"/>
+          <p:cNvSpPr/>
+          <p:nvPr/>
+        </p:nvSpPr>
+        <p:spPr>
+          <a:xfrm>
+            <a:off x="6610184" y="345901"/>
+            <a:ext cx="1506497" cy="342401"/>
+          </a:xfrm>
+          <a:prstGeom prst="rightArrow">
+            <a:avLst/>
+          </a:prstGeom>
+          <a:solidFill>
+            <a:srgbClr val="FF0000"/>
+          </a:solidFill>
+        </p:spPr>
+        <p:style>
+          <a:lnRef idx="2">
+            <a:schemeClr val="accent1">
+              <a:shade val="50000"/>
+            </a:schemeClr>
+          </a:lnRef>
+          <a:fillRef idx="1">
+            <a:schemeClr val="accent1"/>
+          </a:fillRef>
+          <a:effectRef idx="0">
+            <a:schemeClr val="accent1"/>
+          </a:effectRef>
+          <a:fontRef idx="minor">
+            <a:schemeClr val="lt1"/>
+          </a:fontRef>
+        </p:style>
+        <p:txBody>
+          <a:bodyPr rtlCol="0" anchor="ctr"/>
+          <a:lstStyle/>
+          <a:p>
+            <a:pPr algn="ctr"/>
+            <a:endParaRPr lang="ru-RU" b="1">
+              <a:ln w="22225">
+                <a:solidFill>
+                  <a:schemeClr val="accent2"/>
+                </a:solidFill>
+                <a:prstDash val="solid"/>
+              </a:ln>
+              <a:solidFill>
+                <a:schemeClr val="accent2">
+                  <a:lumMod val="40000"/>
+                  <a:lumOff val="60000"/>
+                </a:schemeClr>
+              </a:solidFill>
+            </a:endParaRPr>
+          </a:p>
+        </p:txBody>
+      </p:sp>
+    </p:spTree>
+    <p:extLst>
+      <p:ext uri="{BB962C8B-B14F-4D97-AF65-F5344CB8AC3E}">
+        <p14:creationId xmlns:p14="http://schemas.microsoft.com/office/powerpoint/2010/main" val="3769684747"/>
+      </p:ext>
+    </p:extLst>
+  </p:cSld>
+  <p:clrMapOvr>
+    <a:masterClrMapping/>
+  </p:clrMapOvr>
+  <mc:AlternateContent xmlns:mc="http://schemas.openxmlformats.org/markup-compatibility/2006">
+    <mc:Choice xmlns:p14="http://schemas.microsoft.com/office/powerpoint/2010/main" Requires="p14">
+      <p:transition p14:dur="400">
+        <p14:reveal/>
+      </p:transition>
+    </mc:Choice>
+    <mc:Fallback>
+      <p:transition>
+        <p:fade/>
+      </p:transition>
+    </mc:Fallback>
+  </mc:AlternateContent>
+  <p:timing>
+    <p:tnLst>
+      <p:par>
+        <p:cTn id="1" dur="indefinite" restart="never" nodeType="tmRoot"/>
+      </p:par>
+    </p:tnLst>
+  </p:timing>
+</p:sld>
+</file>
+
+<file path=ppt/slides/slide13.xml><?xml version="1.0" encoding="utf-8"?>
+<p:sld xmlns:a="http://schemas.openxmlformats.org/drawingml/2006/main" xmlns:r="http://schemas.openxmlformats.org/officeDocument/2006/relationships" xmlns:p="http://schemas.openxmlformats.org/presentationml/2006/main">
+  <p:cSld>
+    <p:spTree>
+      <p:nvGrpSpPr>
+        <p:cNvPr id="1" name=""/>
+        <p:cNvGrpSpPr/>
+        <p:nvPr/>
+      </p:nvGrpSpPr>
+      <p:grpSpPr>
+        <a:xfrm>
+          <a:off x="0" y="0"/>
+          <a:ext cx="0" cy="0"/>
+          <a:chOff x="0" y="0"/>
+          <a:chExt cx="0" cy="0"/>
+        </a:xfrm>
+      </p:grpSpPr>
+      <p:pic>
+        <p:nvPicPr>
+          <p:cNvPr id="2" name="Рисунок 1"/>
+          <p:cNvPicPr>
+            <a:picLocks noChangeAspect="1"/>
+          </p:cNvPicPr>
+          <p:nvPr/>
+        </p:nvPicPr>
+        <p:blipFill>
+          <a:blip r:embed="rId2"/>
+          <a:stretch>
+            <a:fillRect/>
+          </a:stretch>
+        </p:blipFill>
+        <p:spPr>
+          <a:xfrm>
+            <a:off x="1186342" y="102217"/>
+            <a:ext cx="9821182" cy="6755783"/>
+          </a:xfrm>
+          <a:prstGeom prst="rect">
+            <a:avLst/>
+          </a:prstGeom>
+        </p:spPr>
+      </p:pic>
+      <p:sp>
+        <p:nvSpPr>
+          <p:cNvPr id="3" name="Стрелка вправо 2"/>
+          <p:cNvSpPr/>
+          <p:nvPr/>
+        </p:nvSpPr>
+        <p:spPr>
+          <a:xfrm>
+            <a:off x="3291081" y="440427"/>
+            <a:ext cx="1506497" cy="342401"/>
+          </a:xfrm>
+          <a:prstGeom prst="rightArrow">
+            <a:avLst/>
+          </a:prstGeom>
+          <a:solidFill>
+            <a:srgbClr val="FF0000"/>
+          </a:solidFill>
+        </p:spPr>
+        <p:style>
+          <a:lnRef idx="2">
+            <a:schemeClr val="accent1">
+              <a:shade val="50000"/>
+            </a:schemeClr>
+          </a:lnRef>
+          <a:fillRef idx="1">
+            <a:schemeClr val="accent1"/>
+          </a:fillRef>
+          <a:effectRef idx="0">
+            <a:schemeClr val="accent1"/>
+          </a:effectRef>
+          <a:fontRef idx="minor">
+            <a:schemeClr val="lt1"/>
+          </a:fontRef>
+        </p:style>
+        <p:txBody>
+          <a:bodyPr rtlCol="0" anchor="ctr"/>
+          <a:lstStyle/>
+          <a:p>
+            <a:pPr algn="ctr"/>
+            <a:endParaRPr lang="ru-RU" b="1">
+              <a:ln w="22225">
+                <a:solidFill>
+                  <a:schemeClr val="accent2"/>
+                </a:solidFill>
+                <a:prstDash val="solid"/>
+              </a:ln>
+              <a:solidFill>
+                <a:schemeClr val="accent2">
+                  <a:lumMod val="40000"/>
+                  <a:lumOff val="60000"/>
+                </a:schemeClr>
+              </a:solidFill>
+            </a:endParaRPr>
+          </a:p>
+        </p:txBody>
+      </p:sp>
+      <p:sp>
+        <p:nvSpPr>
+          <p:cNvPr id="5" name="Стрелка вправо 4"/>
+          <p:cNvSpPr/>
+          <p:nvPr/>
+        </p:nvSpPr>
+        <p:spPr>
+          <a:xfrm rot="11872659">
+            <a:off x="7050023" y="1506682"/>
+            <a:ext cx="1506497" cy="342401"/>
+          </a:xfrm>
+          <a:prstGeom prst="rightArrow">
+            <a:avLst/>
+          </a:prstGeom>
+          <a:solidFill>
+            <a:srgbClr val="FF0000"/>
+          </a:solidFill>
+        </p:spPr>
+        <p:style>
+          <a:lnRef idx="2">
+            <a:schemeClr val="accent1">
+              <a:shade val="50000"/>
+            </a:schemeClr>
+          </a:lnRef>
+          <a:fillRef idx="1">
+            <a:schemeClr val="accent1"/>
+          </a:fillRef>
+          <a:effectRef idx="0">
+            <a:schemeClr val="accent1"/>
+          </a:effectRef>
+          <a:fontRef idx="minor">
+            <a:schemeClr val="lt1"/>
+          </a:fontRef>
+        </p:style>
+        <p:txBody>
+          <a:bodyPr rtlCol="0" anchor="ctr"/>
+          <a:lstStyle/>
+          <a:p>
+            <a:pPr algn="ctr"/>
+            <a:endParaRPr lang="ru-RU" b="1">
+              <a:ln w="22225">
+                <a:solidFill>
+                  <a:schemeClr val="accent2"/>
+                </a:solidFill>
+                <a:prstDash val="solid"/>
+              </a:ln>
+              <a:solidFill>
+                <a:schemeClr val="accent2">
+                  <a:lumMod val="40000"/>
+                  <a:lumOff val="60000"/>
+                </a:schemeClr>
+              </a:solidFill>
+            </a:endParaRPr>
+          </a:p>
+        </p:txBody>
+      </p:sp>
+      <p:sp>
+        <p:nvSpPr>
+          <p:cNvPr id="6" name="Стрелка вправо 5"/>
+          <p:cNvSpPr/>
+          <p:nvPr/>
+        </p:nvSpPr>
+        <p:spPr>
+          <a:xfrm rot="8413578">
+            <a:off x="7131000" y="5501877"/>
+            <a:ext cx="1506497" cy="342401"/>
+          </a:xfrm>
+          <a:prstGeom prst="rightArrow">
+            <a:avLst/>
+          </a:prstGeom>
+          <a:solidFill>
+            <a:srgbClr val="FF0000"/>
+          </a:solidFill>
+        </p:spPr>
+        <p:style>
+          <a:lnRef idx="2">
+            <a:schemeClr val="accent1">
+              <a:shade val="50000"/>
+            </a:schemeClr>
+          </a:lnRef>
+          <a:fillRef idx="1">
+            <a:schemeClr val="accent1"/>
+          </a:fillRef>
+          <a:effectRef idx="0">
+            <a:schemeClr val="accent1"/>
+          </a:effectRef>
+          <a:fontRef idx="minor">
+            <a:schemeClr val="lt1"/>
+          </a:fontRef>
+        </p:style>
+        <p:txBody>
+          <a:bodyPr rtlCol="0" anchor="ctr"/>
+          <a:lstStyle/>
+          <a:p>
+            <a:pPr algn="ctr"/>
+            <a:endParaRPr lang="ru-RU" b="1">
+              <a:ln w="22225">
+                <a:solidFill>
+                  <a:schemeClr val="accent2"/>
+                </a:solidFill>
+                <a:prstDash val="solid"/>
+              </a:ln>
+              <a:solidFill>
+                <a:schemeClr val="accent2">
+                  <a:lumMod val="40000"/>
+                  <a:lumOff val="60000"/>
+                </a:schemeClr>
+              </a:solidFill>
+            </a:endParaRPr>
+          </a:p>
+        </p:txBody>
+      </p:sp>
+    </p:spTree>
+    <p:extLst>
+      <p:ext uri="{BB962C8B-B14F-4D97-AF65-F5344CB8AC3E}">
+        <p14:creationId xmlns:p14="http://schemas.microsoft.com/office/powerpoint/2010/main" val="3209206671"/>
+      </p:ext>
+    </p:extLst>
+  </p:cSld>
+  <p:clrMapOvr>
+    <a:masterClrMapping/>
+  </p:clrMapOvr>
+  <mc:AlternateContent xmlns:mc="http://schemas.openxmlformats.org/markup-compatibility/2006">
+    <mc:Choice xmlns:p14="http://schemas.microsoft.com/office/powerpoint/2010/main" Requires="p14">
+      <p:transition p14:dur="400">
+        <p14:reveal/>
+      </p:transition>
+    </mc:Choice>
+    <mc:Fallback>
+      <p:transition>
+        <p:fade/>
+      </p:transition>
+    </mc:Fallback>
+  </mc:AlternateContent>
+  <p:timing>
+    <p:tnLst>
+      <p:par>
+        <p:cTn id="1" dur="indefinite" restart="never" nodeType="tmRoot">
+          <p:childTnLst>
+            <p:seq concurrent="1" nextAc="seek">
+              <p:cTn id="2" dur="indefinite" nodeType="mainSeq">
+                <p:childTnLst>
+                  <p:par>
+                    <p:cTn id="3" fill="hold">
+                      <p:stCondLst>
+                        <p:cond delay="indefinite"/>
+                      </p:stCondLst>
+                      <p:childTnLst>
+                        <p:par>
+                          <p:cTn id="4" fill="hold">
+                            <p:stCondLst>
+                              <p:cond delay="0"/>
+                            </p:stCondLst>
+                            <p:childTnLst>
+                              <p:par>
+                                <p:cTn id="5" presetID="1" presetClass="entr" presetSubtype="0" fill="hold" grpId="0" nodeType="clickEffect">
+                                  <p:stCondLst>
+                                    <p:cond delay="0"/>
+                                  </p:stCondLst>
+                                  <p:childTnLst>
+                                    <p:set>
+                                      <p:cBhvr>
+                                        <p:cTn id="6" dur="1" fill="hold">
+                                          <p:stCondLst>
+                                            <p:cond delay="0"/>
+                                          </p:stCondLst>
+                                        </p:cTn>
+                                        <p:tgtEl>
+                                          <p:spTgt spid="3"/>
+                                        </p:tgtEl>
+                                        <p:attrNameLst>
+                                          <p:attrName>style.visibility</p:attrName>
+                                        </p:attrNameLst>
+                                      </p:cBhvr>
+                                      <p:to>
+                                        <p:strVal val="visible"/>
+                                      </p:to>
+                                    </p:set>
+                                  </p:childTnLst>
+                                </p:cTn>
+                              </p:par>
+                            </p:childTnLst>
+                          </p:cTn>
+                        </p:par>
+                      </p:childTnLst>
+                    </p:cTn>
+                  </p:par>
+                  <p:par>
+                    <p:cTn id="7" fill="hold">
+                      <p:stCondLst>
+                        <p:cond delay="indefinite"/>
+                      </p:stCondLst>
+                      <p:childTnLst>
+                        <p:par>
+                          <p:cTn id="8" fill="hold">
+                            <p:stCondLst>
+                              <p:cond delay="0"/>
+                            </p:stCondLst>
+                            <p:childTnLst>
+                              <p:par>
+                                <p:cTn id="9" presetID="1" presetClass="entr" presetSubtype="0" fill="hold" grpId="0" nodeType="clickEffect">
+                                  <p:stCondLst>
+                                    <p:cond delay="0"/>
+                                  </p:stCondLst>
+                                  <p:childTnLst>
+                                    <p:set>
+                                      <p:cBhvr>
+                                        <p:cTn id="10" dur="1" fill="hold">
+                                          <p:stCondLst>
+                                            <p:cond delay="0"/>
+                                          </p:stCondLst>
+                                        </p:cTn>
+                                        <p:tgtEl>
+                                          <p:spTgt spid="5"/>
+                                        </p:tgtEl>
+                                        <p:attrNameLst>
+                                          <p:attrName>style.visibility</p:attrName>
+                                        </p:attrNameLst>
+                                      </p:cBhvr>
+                                      <p:to>
+                                        <p:strVal val="visible"/>
+                                      </p:to>
+                                    </p:set>
+                                  </p:childTnLst>
+                                </p:cTn>
+                              </p:par>
+                            </p:childTnLst>
+                          </p:cTn>
+                        </p:par>
+                      </p:childTnLst>
+                    </p:cTn>
+                  </p:par>
+                  <p:par>
+                    <p:cTn id="11" fill="hold">
+                      <p:stCondLst>
+                        <p:cond delay="indefinite"/>
+                      </p:stCondLst>
+                      <p:childTnLst>
+                        <p:par>
+                          <p:cTn id="12" fill="hold">
+                            <p:stCondLst>
+                              <p:cond delay="0"/>
+                            </p:stCondLst>
+                            <p:childTnLst>
+                              <p:par>
+                                <p:cTn id="13" presetID="1" presetClass="entr" presetSubtype="0" fill="hold" grpId="0" nodeType="clickEffect">
+                                  <p:stCondLst>
+                                    <p:cond delay="0"/>
+                                  </p:stCondLst>
+                                  <p:childTnLst>
+                                    <p:set>
+                                      <p:cBhvr>
+                                        <p:cTn id="14" dur="1" fill="hold">
+                                          <p:stCondLst>
+                                            <p:cond delay="0"/>
+                                          </p:stCondLst>
+                                        </p:cTn>
+                                        <p:tgtEl>
+                                          <p:spTgt spid="6"/>
+                                        </p:tgtEl>
+                                        <p:attrNameLst>
+                                          <p:attrName>style.visibility</p:attrName>
+                                        </p:attrNameLst>
+                                      </p:cBhvr>
+                                      <p:to>
+                                        <p:strVal val="visible"/>
+                                      </p:to>
+                                    </p:set>
+                                  </p:childTnLst>
+                                </p:cTn>
+                              </p:par>
+                            </p:childTnLst>
+                          </p:cTn>
+                        </p:par>
+                      </p:childTnLst>
+                    </p:cTn>
+                  </p:par>
+                </p:childTnLst>
+              </p:cTn>
+              <p:prevCondLst>
+                <p:cond evt="onPrev" delay="0">
+                  <p:tgtEl>
+                    <p:sldTgt/>
+                  </p:tgtEl>
+                </p:cond>
+              </p:prevCondLst>
+              <p:nextCondLst>
+                <p:cond evt="onNext" delay="0">
+                  <p:tgtEl>
+                    <p:sldTgt/>
+                  </p:tgtEl>
+                </p:cond>
+              </p:nextCondLst>
+            </p:seq>
+          </p:childTnLst>
+        </p:cTn>
+      </p:par>
+    </p:tnLst>
+    <p:bldLst>
+      <p:bldP spid="3" grpId="0" animBg="1"/>
+      <p:bldP spid="5" grpId="0" animBg="1"/>
+      <p:bldP spid="6" grpId="0" animBg="1"/>
+    </p:bldLst>
+  </p:timing>
+</p:sld>
+</file>
+
+<file path=ppt/slides/slide14.xml><?xml version="1.0" encoding="utf-8"?>
+<p:sld xmlns:a="http://schemas.openxmlformats.org/drawingml/2006/main" xmlns:r="http://schemas.openxmlformats.org/officeDocument/2006/relationships" xmlns:p="http://schemas.openxmlformats.org/presentationml/2006/main">
+  <p:cSld>
+    <p:spTree>
+      <p:nvGrpSpPr>
+        <p:cNvPr id="1" name=""/>
+        <p:cNvGrpSpPr/>
+        <p:nvPr/>
+      </p:nvGrpSpPr>
+      <p:grpSpPr>
+        <a:xfrm>
+          <a:off x="0" y="0"/>
+          <a:ext cx="0" cy="0"/>
+          <a:chOff x="0" y="0"/>
+          <a:chExt cx="0" cy="0"/>
+        </a:xfrm>
+      </p:grpSpPr>
+      <p:pic>
+        <p:nvPicPr>
+          <p:cNvPr id="2" name="Рисунок 1"/>
+          <p:cNvPicPr>
+            <a:picLocks noChangeAspect="1"/>
+          </p:cNvPicPr>
+          <p:nvPr/>
+        </p:nvPicPr>
+        <p:blipFill>
+          <a:blip r:embed="rId2"/>
+          <a:stretch>
+            <a:fillRect/>
+          </a:stretch>
+        </p:blipFill>
+        <p:spPr>
+          <a:xfrm>
+            <a:off x="885082" y="1522978"/>
+            <a:ext cx="10573854" cy="3407838"/>
+          </a:xfrm>
+          <a:prstGeom prst="rect">
+            <a:avLst/>
+          </a:prstGeom>
+        </p:spPr>
+      </p:pic>
+    </p:spTree>
+    <p:extLst>
+      <p:ext uri="{BB962C8B-B14F-4D97-AF65-F5344CB8AC3E}">
+        <p14:creationId xmlns:p14="http://schemas.microsoft.com/office/powerpoint/2010/main" val="2192037086"/>
+      </p:ext>
+    </p:extLst>
+  </p:cSld>
+  <p:clrMapOvr>
+    <a:masterClrMapping/>
+  </p:clrMapOvr>
+  <mc:AlternateContent xmlns:mc="http://schemas.openxmlformats.org/markup-compatibility/2006">
+    <mc:Choice xmlns:p14="http://schemas.microsoft.com/office/powerpoint/2010/main" Requires="p14">
+      <p:transition p14:dur="400">
+        <p14:reveal/>
+      </p:transition>
+    </mc:Choice>
+    <mc:Fallback>
+      <p:transition>
+        <p:fade/>
+      </p:transition>
+    </mc:Fallback>
+  </mc:AlternateContent>
+  <p:timing>
+    <p:tnLst>
+      <p:par>
+        <p:cTn id="1" dur="indefinite" restart="never" nodeType="tmRoot"/>
+      </p:par>
+    </p:tnLst>
+  </p:timing>
+</p:sld>
+</file>
+
+<file path=ppt/slides/slide15.xml><?xml version="1.0" encoding="utf-8"?>
+<p:sld xmlns:a="http://schemas.openxmlformats.org/drawingml/2006/main" xmlns:r="http://schemas.openxmlformats.org/officeDocument/2006/relationships" xmlns:p="http://schemas.openxmlformats.org/presentationml/2006/main">
+  <p:cSld>
+    <p:spTree>
+      <p:nvGrpSpPr>
+        <p:cNvPr id="1" name=""/>
+        <p:cNvGrpSpPr/>
+        <p:nvPr/>
+      </p:nvGrpSpPr>
+      <p:grpSpPr>
+        <a:xfrm>
+          <a:off x="0" y="0"/>
+          <a:ext cx="0" cy="0"/>
+          <a:chOff x="0" y="0"/>
+          <a:chExt cx="0" cy="0"/>
+        </a:xfrm>
+      </p:grpSpPr>
+      <p:sp>
+        <p:nvSpPr>
+          <p:cNvPr id="3" name="TextBox 2"/>
+          <p:cNvSpPr txBox="1"/>
+          <p:nvPr/>
+        </p:nvSpPr>
+        <p:spPr>
+          <a:xfrm>
+            <a:off x="953947" y="1635601"/>
+            <a:ext cx="7045960" cy="3785652"/>
+          </a:xfrm>
+          <a:prstGeom prst="rect">
+            <a:avLst/>
+          </a:prstGeom>
+          <a:noFill/>
+        </p:spPr>
+        <p:txBody>
+          <a:bodyPr wrap="square" rtlCol="0">
+            <a:spAutoFit/>
+          </a:bodyPr>
+          <a:lstStyle/>
+          <a:p>
+            <a:pPr algn="just"/>
+            <a:r>
+              <a:rPr lang="ru-RU" dirty="0" smtClean="0">
+                <a:latin typeface="Bahnschrift Light Condensed" panose="020B0502040204020203" pitchFamily="34" charset="0"/>
+              </a:rPr>
+              <a:t>	</a:t>
+            </a:r>
+            <a:r>
+              <a:rPr lang="ru-RU" sz="2400" dirty="0" smtClean="0">
+                <a:latin typeface="Bahnschrift Light Condensed" panose="020B0502040204020203" pitchFamily="34" charset="0"/>
+              </a:rPr>
+              <a:t>Был</a:t>
+            </a:r>
+            <a:r>
+              <a:rPr lang="en-US" sz="2400" dirty="0" smtClean="0">
+                <a:latin typeface="Bahnschrift Light Condensed" panose="020B0502040204020203" pitchFamily="34" charset="0"/>
+              </a:rPr>
+              <a:t> </a:t>
+            </a:r>
+            <a:r>
+              <a:rPr lang="ru-RU" sz="2400" dirty="0" smtClean="0">
+                <a:latin typeface="Bahnschrift Light Condensed" panose="020B0502040204020203" pitchFamily="34" charset="0"/>
+              </a:rPr>
+              <a:t>реализован главный функционал платформы – </a:t>
+            </a:r>
+            <a:r>
+              <a:rPr lang="ru-RU" sz="2400" dirty="0">
+                <a:latin typeface="Bahnschrift Light Condensed" panose="020B0502040204020203" pitchFamily="34" charset="0"/>
+              </a:rPr>
+              <a:t>простой сайт с редактором кода, на котором можно выбрать задачу и отправить решение на выбранном языке, а так же серверная часть, на которой проверяется решение </a:t>
+            </a:r>
+            <a:r>
+              <a:rPr lang="ru-RU" sz="2400" dirty="0" smtClean="0">
+                <a:latin typeface="Bahnschrift Light Condensed" panose="020B0502040204020203" pitchFamily="34" charset="0"/>
+              </a:rPr>
+              <a:t>пользователя</a:t>
+            </a:r>
+            <a:r>
+              <a:rPr lang="en-US" sz="2400" dirty="0" smtClean="0">
+                <a:latin typeface="Bahnschrift Light Condensed" panose="020B0502040204020203" pitchFamily="34" charset="0"/>
+              </a:rPr>
+              <a:t> </a:t>
+            </a:r>
+            <a:r>
+              <a:rPr lang="ru-RU" sz="2400" dirty="0" smtClean="0">
+                <a:latin typeface="Bahnschrift Light Condensed" panose="020B0502040204020203" pitchFamily="34" charset="0"/>
+              </a:rPr>
+              <a:t>и выполняется код.</a:t>
+            </a:r>
+            <a:r>
+              <a:rPr lang="ru-RU" sz="2400" dirty="0">
+                <a:latin typeface="Bahnschrift Light Condensed" panose="020B0502040204020203" pitchFamily="34" charset="0"/>
+              </a:rPr>
+              <a:t> </a:t>
+            </a:r>
+            <a:r>
+              <a:rPr lang="ru-RU" sz="2400" dirty="0" smtClean="0">
+                <a:latin typeface="Bahnschrift Light Condensed" panose="020B0502040204020203" pitchFamily="34" charset="0"/>
+              </a:rPr>
+              <a:t>Однако, проверка не нацелена на оценку эффективности решения, а лишь на правильность.</a:t>
+            </a:r>
+          </a:p>
+          <a:p>
+            <a:pPr algn="just"/>
+            <a:r>
+              <a:rPr lang="ru-RU" sz="2400" dirty="0">
+                <a:latin typeface="Bahnschrift Light Condensed" panose="020B0502040204020203" pitchFamily="34" charset="0"/>
+              </a:rPr>
+              <a:t>	Полученный результат позволит сделать платформу с сколь угодно разнообразным функционалом, построенным на основе решения алгоритмических </a:t>
+            </a:r>
+            <a:r>
+              <a:rPr lang="ru-RU" sz="2400" dirty="0" smtClean="0">
+                <a:latin typeface="Bahnschrift Light Condensed" panose="020B0502040204020203" pitchFamily="34" charset="0"/>
+              </a:rPr>
+              <a:t>задач или выполнении кода, введенного через браузер. </a:t>
+            </a:r>
+            <a:r>
+              <a:rPr lang="ru-RU" sz="2400" dirty="0">
+                <a:latin typeface="Bahnschrift Light Condensed" panose="020B0502040204020203" pitchFamily="34" charset="0"/>
+              </a:rPr>
+              <a:t>Например, курсы или </a:t>
+            </a:r>
+            <a:r>
+              <a:rPr lang="ru-RU" sz="2400" dirty="0" err="1">
+                <a:latin typeface="Bahnschrift Light Condensed" panose="020B0502040204020203" pitchFamily="34" charset="0"/>
+              </a:rPr>
+              <a:t>контесты</a:t>
+            </a:r>
+            <a:r>
+              <a:rPr lang="ru-RU" sz="2400" dirty="0">
+                <a:latin typeface="Bahnschrift Light Condensed" panose="020B0502040204020203" pitchFamily="34" charset="0"/>
+              </a:rPr>
+              <a:t>. </a:t>
+            </a:r>
+            <a:endParaRPr lang="ru-RU" dirty="0"/>
+          </a:p>
+        </p:txBody>
+      </p:sp>
+      <p:sp>
+        <p:nvSpPr>
+          <p:cNvPr id="4" name="Заголовок 1"/>
+          <p:cNvSpPr>
+            <a:spLocks noGrp="1"/>
+          </p:cNvSpPr>
+          <p:nvPr>
+            <p:ph type="title"/>
+          </p:nvPr>
+        </p:nvSpPr>
+        <p:spPr>
+          <a:xfrm>
+            <a:off x="1155135" y="295928"/>
+            <a:ext cx="10515600" cy="755337"/>
+          </a:xfrm>
+        </p:spPr>
+        <p:txBody>
+          <a:bodyPr>
+            <a:normAutofit/>
+          </a:bodyPr>
+          <a:lstStyle/>
+          <a:p>
+            <a:r>
+              <a:rPr lang="ru-RU" sz="4000" dirty="0" smtClean="0">
+                <a:latin typeface="Bahnschrift Light Condensed" panose="020B0502040204020203" pitchFamily="34" charset="0"/>
+              </a:rPr>
+              <a:t>Заключение</a:t>
+            </a:r>
+            <a:endParaRPr lang="ru-RU" sz="4000" dirty="0">
+              <a:latin typeface="Bahnschrift Light Condensed" panose="020B0502040204020203" pitchFamily="34" charset="0"/>
+            </a:endParaRPr>
+          </a:p>
+        </p:txBody>
+      </p:sp>
+      <p:pic>
+        <p:nvPicPr>
+          <p:cNvPr id="5" name="Рисунок 4"/>
+          <p:cNvPicPr>
+            <a:picLocks noChangeAspect="1"/>
+          </p:cNvPicPr>
+          <p:nvPr/>
+        </p:nvPicPr>
+        <p:blipFill>
+          <a:blip r:embed="rId2">
+            <a:extLst>
+              <a:ext uri="{28A0092B-C50C-407E-A947-70E740481C1C}">
+                <a14:useLocalDpi xmlns:a14="http://schemas.microsoft.com/office/drawing/2010/main" val="0"/>
+              </a:ext>
+            </a:extLst>
+          </a:blip>
+          <a:stretch>
+            <a:fillRect/>
+          </a:stretch>
+        </p:blipFill>
+        <p:spPr>
+          <a:xfrm>
+            <a:off x="8392160" y="1976120"/>
+            <a:ext cx="3352800" cy="3352800"/>
+          </a:xfrm>
+          <a:prstGeom prst="rect">
+            <a:avLst/>
+          </a:prstGeom>
+        </p:spPr>
+      </p:pic>
+    </p:spTree>
+    <p:extLst>
+      <p:ext uri="{BB962C8B-B14F-4D97-AF65-F5344CB8AC3E}">
+        <p14:creationId xmlns:p14="http://schemas.microsoft.com/office/powerpoint/2010/main" val="3861866201"/>
+      </p:ext>
+    </p:extLst>
+  </p:cSld>
+  <p:clrMapOvr>
+    <a:masterClrMapping/>
+  </p:clrMapOvr>
+  <mc:AlternateContent xmlns:mc="http://schemas.openxmlformats.org/markup-compatibility/2006">
+    <mc:Choice xmlns:p14="http://schemas.microsoft.com/office/powerpoint/2010/main" Requires="p14">
+      <p:transition p14:dur="400">
+        <p14:reveal/>
+      </p:transition>
+    </mc:Choice>
+    <mc:Fallback>
+      <p:transition>
+        <p:fade/>
+      </p:transition>
+    </mc:Fallback>
+  </mc:AlternateContent>
+  <p:timing>
+    <p:tnLst>
+      <p:par>
+        <p:cTn id="1" dur="indefinite" restart="never" nodeType="tmRoot"/>
+      </p:par>
+    </p:tnLst>
+  </p:timing>
+</p:sld>
+</file>
+
+<file path=ppt/slides/slide16.xml><?xml version="1.0" encoding="utf-8"?>
+<p:sld xmlns:a="http://schemas.openxmlformats.org/drawingml/2006/main" xmlns:r="http://schemas.openxmlformats.org/officeDocument/2006/relationships" xmlns:p="http://schemas.openxmlformats.org/presentationml/2006/main">
+  <p:cSld>
+    <p:spTree>
+      <p:nvGrpSpPr>
+        <p:cNvPr id="1" name=""/>
+        <p:cNvGrpSpPr/>
+        <p:nvPr/>
+      </p:nvGrpSpPr>
+      <p:grpSpPr>
+        <a:xfrm>
+          <a:off x="0" y="0"/>
+          <a:ext cx="0" cy="0"/>
+          <a:chOff x="0" y="0"/>
+          <a:chExt cx="0" cy="0"/>
+        </a:xfrm>
+      </p:grpSpPr>
+      <p:sp>
+        <p:nvSpPr>
+          <p:cNvPr id="3" name="Заголовок 1"/>
+          <p:cNvSpPr>
+            <a:spLocks noGrp="1"/>
+          </p:cNvSpPr>
+          <p:nvPr>
+            <p:ph type="title"/>
+          </p:nvPr>
+        </p:nvSpPr>
+        <p:spPr>
+          <a:xfrm>
+            <a:off x="3581574" y="952599"/>
+            <a:ext cx="4821645" cy="755337"/>
+          </a:xfrm>
+        </p:spPr>
+        <p:txBody>
+          <a:bodyPr>
+            <a:noAutofit/>
+          </a:bodyPr>
+          <a:lstStyle/>
+          <a:p>
+            <a:r>
+              <a:rPr lang="ru-RU" sz="4800" dirty="0" smtClean="0">
+                <a:latin typeface="Bahnschrift Light Condensed" panose="020B0502040204020203" pitchFamily="34" charset="0"/>
+              </a:rPr>
+              <a:t>Спасибо за внимание</a:t>
+            </a:r>
+            <a:endParaRPr lang="ru-RU" sz="4800" dirty="0">
+              <a:latin typeface="Bahnschrift Light Condensed" panose="020B0502040204020203" pitchFamily="34" charset="0"/>
+            </a:endParaRPr>
+          </a:p>
+        </p:txBody>
+      </p:sp>
+      <p:pic>
+        <p:nvPicPr>
+          <p:cNvPr id="4" name="Рисунок 3"/>
+          <p:cNvPicPr>
+            <a:picLocks noChangeAspect="1"/>
+          </p:cNvPicPr>
+          <p:nvPr/>
+        </p:nvPicPr>
+        <p:blipFill>
+          <a:blip r:embed="rId2"/>
+          <a:stretch>
+            <a:fillRect/>
+          </a:stretch>
+        </p:blipFill>
+        <p:spPr>
+          <a:xfrm>
+            <a:off x="4407298" y="1874385"/>
+            <a:ext cx="3170195" cy="3109229"/>
+          </a:xfrm>
+          <a:prstGeom prst="rect">
+            <a:avLst/>
+          </a:prstGeom>
+        </p:spPr>
+      </p:pic>
+      <p:sp>
+        <p:nvSpPr>
+          <p:cNvPr id="5" name="Заголовок 1"/>
+          <p:cNvSpPr txBox="1">
+            <a:spLocks/>
+          </p:cNvSpPr>
+          <p:nvPr/>
+        </p:nvSpPr>
+        <p:spPr>
+          <a:xfrm>
+            <a:off x="3155239" y="5335258"/>
+            <a:ext cx="6961034" cy="755337"/>
+          </a:xfrm>
+          <a:prstGeom prst="rect">
+            <a:avLst/>
+          </a:prstGeom>
+        </p:spPr>
+        <p:txBody>
+          <a:bodyPr vert="horz" lIns="91440" tIns="45720" rIns="91440" bIns="45720" rtlCol="0" anchor="ctr">
+            <a:noAutofit/>
+          </a:bodyPr>
+          <a:lstStyle>
+            <a:lvl1pPr algn="l" defTabSz="914400" rtl="0" eaLnBrk="1" latinLnBrk="0" hangingPunct="1">
+              <a:lnSpc>
+                <a:spcPct val="90000"/>
+              </a:lnSpc>
+              <a:spcBef>
+                <a:spcPct val="0"/>
+              </a:spcBef>
+              <a:buNone/>
+              <a:defRPr sz="4400" kern="1200">
+                <a:solidFill>
+                  <a:schemeClr val="tx1"/>
+                </a:solidFill>
+                <a:latin typeface="+mj-lt"/>
+                <a:ea typeface="+mj-ea"/>
+                <a:cs typeface="+mj-cs"/>
+              </a:defRPr>
+            </a:lvl1pPr>
+          </a:lstStyle>
+          <a:p>
+            <a:r>
+              <a:rPr lang="en-US" sz="4000" dirty="0">
+                <a:latin typeface="Bahnschrift Light Condensed" panose="020B0502040204020203" pitchFamily="34" charset="0"/>
+              </a:rPr>
+              <a:t>https://codestopen.r3nny.ru/task</a:t>
+            </a:r>
+            <a:endParaRPr lang="ru-RU" sz="4000" dirty="0">
+              <a:latin typeface="Bahnschrift Light Condensed" panose="020B0502040204020203" pitchFamily="34" charset="0"/>
+            </a:endParaRPr>
+          </a:p>
+        </p:txBody>
+      </p:sp>
+    </p:spTree>
+    <p:extLst>
+      <p:ext uri="{BB962C8B-B14F-4D97-AF65-F5344CB8AC3E}">
+        <p14:creationId xmlns:p14="http://schemas.microsoft.com/office/powerpoint/2010/main" val="1296217487"/>
+      </p:ext>
+    </p:extLst>
+  </p:cSld>
+  <p:clrMapOvr>
+    <a:masterClrMapping/>
+  </p:clrMapOvr>
+  <mc:AlternateContent xmlns:mc="http://schemas.openxmlformats.org/markup-compatibility/2006">
+    <mc:Choice xmlns:p14="http://schemas.microsoft.com/office/powerpoint/2010/main" Requires="p14">
+      <p:transition p14:dur="400">
+        <p14:reveal/>
+      </p:transition>
+    </mc:Choice>
+    <mc:Fallback>
+      <p:transition>
+        <p:fade/>
+      </p:transition>
+    </mc:Fallback>
+  </mc:AlternateContent>
+  <p:timing>
+    <p:tnLst>
+      <p:par>
+        <p:cTn id="1" dur="indefinite" restart="never" nodeType="tmRoot"/>
+      </p:par>
+    </p:tnLst>
+  </p:timing>
 </p:sld>
 </file>
 
@@ -3961,7 +8290,7 @@
         </p:nvSpPr>
         <p:spPr>
           <a:xfrm>
-            <a:off x="838200" y="365125"/>
+            <a:off x="967740" y="372745"/>
             <a:ext cx="10515600" cy="980123"/>
           </a:xfrm>
         </p:spPr>
@@ -3986,8 +8315,8 @@
         </p:nvSpPr>
         <p:spPr>
           <a:xfrm>
-            <a:off x="949960" y="1223328"/>
-            <a:ext cx="6548120" cy="5262979"/>
+            <a:off x="838200" y="2413000"/>
+            <a:ext cx="7052133" cy="1815882"/>
           </a:xfrm>
           <a:prstGeom prst="rect">
             <a:avLst/>
@@ -4008,41 +8337,20 @@
               <a:t>	</a:t>
             </a:r>
             <a:r>
-              <a:rPr lang="ru-RU" sz="2400" dirty="0">
-                <a:latin typeface="Bahnschrift Light Condensed" panose="020B0502040204020203" pitchFamily="34" charset="0"/>
-              </a:rPr>
-              <a:t>Целью НИР было спроектировать и разработать основу для платформы, при помощи которой можно развивать навык решения алгоритмических задач с любого устройства и в любое время.</a:t>
-            </a:r>
-          </a:p>
-          <a:p>
-            <a:pPr algn="just"/>
-            <a:r>
-              <a:rPr lang="ru-RU" sz="2400" dirty="0">
-                <a:latin typeface="Bahnschrift Light Condensed" panose="020B0502040204020203" pitchFamily="34" charset="0"/>
-              </a:rPr>
-              <a:t>	Была реализована главная часть платформы – простой сайт с редактором кода, на котором можно выбрать задачу и отправить решение на выбранном языке, а так же серверная часть, на которой проверяется решение пользователя.</a:t>
-            </a:r>
-          </a:p>
-          <a:p>
-            <a:pPr algn="just"/>
-            <a:r>
-              <a:rPr lang="ru-RU" sz="2400" dirty="0">
-                <a:latin typeface="Bahnschrift Light Condensed" panose="020B0502040204020203" pitchFamily="34" charset="0"/>
-              </a:rPr>
-              <a:t>	Полученный результат позволит сделать платформу с сколь угодно разнообразным функционалом, построенным на основе решения алгоритмических задач. Например, курсы или </a:t>
-            </a:r>
-            <a:r>
-              <a:rPr lang="ru-RU" sz="2400" dirty="0" err="1">
-                <a:latin typeface="Bahnschrift Light Condensed" panose="020B0502040204020203" pitchFamily="34" charset="0"/>
-              </a:rPr>
-              <a:t>контесты</a:t>
-            </a:r>
-            <a:r>
-              <a:rPr lang="ru-RU" sz="2400" dirty="0">
-                <a:latin typeface="Bahnschrift Light Condensed" panose="020B0502040204020203" pitchFamily="34" charset="0"/>
-              </a:rPr>
-              <a:t>. Однако, полученный результат не нацелен на анализ эффективности решения, лишь на правильность.</a:t>
-            </a:r>
+              <a:rPr lang="ru-RU" sz="2800" dirty="0">
+                <a:latin typeface="Bahnschrift Light Condensed" panose="020B0502040204020203" pitchFamily="34" charset="0"/>
+              </a:rPr>
+              <a:t>Целью НИР было спроектировать и разработать основу для платформы, при помощи которой можно развивать навык решения алгоритмических задач с любого устройства и в любое время</a:t>
+            </a:r>
+            <a:r>
+              <a:rPr lang="ru-RU" sz="2800" dirty="0" smtClean="0">
+                <a:latin typeface="Bahnschrift Light Condensed" panose="020B0502040204020203" pitchFamily="34" charset="0"/>
+              </a:rPr>
+              <a:t>.</a:t>
+            </a:r>
+            <a:endParaRPr lang="ru-RU" sz="2800" dirty="0">
+              <a:latin typeface="Bahnschrift Light Condensed" panose="020B0502040204020203" pitchFamily="34" charset="0"/>
+            </a:endParaRPr>
           </a:p>
         </p:txBody>
       </p:sp>
@@ -4068,7 +8376,7 @@
         </p:blipFill>
         <p:spPr>
           <a:xfrm>
-            <a:off x="8544560" y="2413000"/>
+            <a:off x="8498261" y="1959501"/>
             <a:ext cx="2722880" cy="2722880"/>
           </a:xfrm>
           <a:prstGeom prst="rect">
@@ -4086,6 +8394,25 @@
   <p:clrMapOvr>
     <a:masterClrMapping/>
   </p:clrMapOvr>
+  <mc:AlternateContent xmlns:mc="http://schemas.openxmlformats.org/markup-compatibility/2006">
+    <mc:Choice xmlns:p14="http://schemas.microsoft.com/office/powerpoint/2010/main" Requires="p14">
+      <p:transition p14:dur="400">
+        <p14:reveal/>
+      </p:transition>
+    </mc:Choice>
+    <mc:Fallback>
+      <p:transition>
+        <p:fade/>
+      </p:transition>
+    </mc:Fallback>
+  </mc:AlternateContent>
+  <p:timing>
+    <p:tnLst>
+      <p:par>
+        <p:cTn id="1" dur="indefinite" restart="never" nodeType="tmRoot"/>
+      </p:par>
+    </p:tnLst>
+  </p:timing>
 </p:sld>
 </file>
 
@@ -4135,6 +8462,104 @@
           </a:p>
         </p:txBody>
       </p:sp>
+      <p:sp>
+        <p:nvSpPr>
+          <p:cNvPr id="4" name="TextBox 3"/>
+          <p:cNvSpPr txBox="1"/>
+          <p:nvPr/>
+        </p:nvSpPr>
+        <p:spPr>
+          <a:xfrm>
+            <a:off x="960120" y="1798320"/>
+            <a:ext cx="7840980" cy="3046988"/>
+          </a:xfrm>
+          <a:prstGeom prst="rect">
+            <a:avLst/>
+          </a:prstGeom>
+          <a:noFill/>
+        </p:spPr>
+        <p:txBody>
+          <a:bodyPr wrap="square" rtlCol="0">
+            <a:spAutoFit/>
+          </a:bodyPr>
+          <a:lstStyle/>
+          <a:p>
+            <a:pPr algn="just"/>
+            <a:r>
+              <a:rPr lang="ru-RU" dirty="0">
+                <a:latin typeface="Bahnschrift Light Condensed" panose="020B0502040204020203" pitchFamily="34" charset="0"/>
+              </a:rPr>
+              <a:t>	</a:t>
+            </a:r>
+            <a:r>
+              <a:rPr lang="ru-RU" sz="2400" dirty="0" smtClean="0">
+                <a:latin typeface="Bahnschrift Light SemiCondensed" panose="020B0502040204020203" pitchFamily="34" charset="0"/>
+              </a:rPr>
+              <a:t>Сейчас почти на всех собеседованиях в крупные компании для начинающих разработчиков обязательно присутствует решение каких-либо алгоритмических задач. </a:t>
+            </a:r>
+          </a:p>
+          <a:p>
+            <a:pPr algn="just"/>
+            <a:r>
+              <a:rPr lang="ru-RU" sz="2400" dirty="0">
+                <a:latin typeface="Bahnschrift Light SemiCondensed" panose="020B0502040204020203" pitchFamily="34" charset="0"/>
+              </a:rPr>
+              <a:t>	</a:t>
+            </a:r>
+            <a:r>
+              <a:rPr lang="ru-RU" sz="2400" dirty="0" smtClean="0">
+                <a:latin typeface="Bahnschrift Light SemiCondensed" panose="020B0502040204020203" pitchFamily="34" charset="0"/>
+              </a:rPr>
+              <a:t>Постоянная </a:t>
+            </a:r>
+            <a:r>
+              <a:rPr lang="ru-RU" sz="2400" dirty="0">
+                <a:latin typeface="Bahnschrift Light SemiCondensed" panose="020B0502040204020203" pitchFamily="34" charset="0"/>
+              </a:rPr>
+              <a:t>практика в решении алгоритмических задач не только развивает умение быстро и эффективно находить оптимальные решения, но также формирует аналитическое мышление и готовность к промышленной разработке</a:t>
+            </a:r>
+            <a:r>
+              <a:rPr lang="ru-RU" sz="2400" dirty="0" smtClean="0">
+                <a:latin typeface="Bahnschrift Light SemiCondensed" panose="020B0502040204020203" pitchFamily="34" charset="0"/>
+              </a:rPr>
+              <a:t>.</a:t>
+            </a:r>
+            <a:endParaRPr lang="ru-RU" sz="2400" dirty="0">
+              <a:latin typeface="Bahnschrift Light SemiCondensed" panose="020B0502040204020203" pitchFamily="34" charset="0"/>
+            </a:endParaRPr>
+          </a:p>
+        </p:txBody>
+      </p:sp>
+      <p:pic>
+        <p:nvPicPr>
+          <p:cNvPr id="5" name="Рисунок 4"/>
+          <p:cNvPicPr>
+            <a:picLocks noChangeAspect="1"/>
+          </p:cNvPicPr>
+          <p:nvPr/>
+        </p:nvPicPr>
+        <p:blipFill>
+          <a:blip r:embed="rId2" cstate="print">
+            <a:extLst>
+              <a:ext uri="{28A0092B-C50C-407E-A947-70E740481C1C}">
+                <a14:useLocalDpi xmlns:a14="http://schemas.microsoft.com/office/drawing/2010/main" val="0"/>
+              </a:ext>
+            </a:extLst>
+          </a:blip>
+          <a:stretch>
+            <a:fillRect/>
+          </a:stretch>
+        </p:blipFill>
+        <p:spPr>
+          <a:xfrm>
+            <a:off x="9090660" y="2164080"/>
+            <a:ext cx="2430780" cy="2430780"/>
+          </a:xfrm>
+          <a:prstGeom prst="rect">
+            <a:avLst/>
+          </a:prstGeom>
+        </p:spPr>
+      </p:pic>
     </p:spTree>
     <p:extLst>
       <p:ext uri="{BB962C8B-B14F-4D97-AF65-F5344CB8AC3E}">
@@ -4145,6 +8570,25 @@
   <p:clrMapOvr>
     <a:masterClrMapping/>
   </p:clrMapOvr>
+  <mc:AlternateContent xmlns:mc="http://schemas.openxmlformats.org/markup-compatibility/2006">
+    <mc:Choice xmlns:p14="http://schemas.microsoft.com/office/powerpoint/2010/main" Requires="p14">
+      <p:transition p14:dur="400">
+        <p14:reveal/>
+      </p:transition>
+    </mc:Choice>
+    <mc:Fallback>
+      <p:transition>
+        <p:fade/>
+      </p:transition>
+    </mc:Fallback>
+  </mc:AlternateContent>
+  <p:timing>
+    <p:tnLst>
+      <p:par>
+        <p:cTn id="1" dur="indefinite" restart="never" nodeType="tmRoot"/>
+      </p:par>
+    </p:tnLst>
+  </p:timing>
 </p:sld>
 </file>
 
@@ -4167,278 +8611,6 @@
       </p:grpSpPr>
       <p:sp>
         <p:nvSpPr>
-          <p:cNvPr id="2" name="Заголовок 1"/>
-          <p:cNvSpPr>
-            <a:spLocks noGrp="1"/>
-          </p:cNvSpPr>
-          <p:nvPr>
-            <p:ph type="title"/>
-          </p:nvPr>
-        </p:nvSpPr>
-        <p:spPr>
-          <a:xfrm>
-            <a:off x="1143000" y="365125"/>
-            <a:ext cx="7767320" cy="569595"/>
-          </a:xfrm>
-        </p:spPr>
-        <p:txBody>
-          <a:bodyPr>
-            <a:normAutofit fontScale="90000"/>
-          </a:bodyPr>
-          <a:lstStyle/>
-          <a:p>
-            <a:r>
-              <a:rPr lang="ru-RU" dirty="0">
-                <a:latin typeface="Bahnschrift Light Condensed" panose="020B0502040204020203" pitchFamily="34" charset="0"/>
-              </a:rPr>
-              <a:t>Компиляция и выполнение кода на сервере</a:t>
-            </a:r>
-          </a:p>
-        </p:txBody>
-      </p:sp>
-      <p:sp>
-        <p:nvSpPr>
-          <p:cNvPr id="3" name="TextBox 2"/>
-          <p:cNvSpPr txBox="1"/>
-          <p:nvPr/>
-        </p:nvSpPr>
-        <p:spPr>
-          <a:xfrm>
-            <a:off x="226845" y="915879"/>
-            <a:ext cx="10636578" cy="430887"/>
-          </a:xfrm>
-          <a:prstGeom prst="rect">
-            <a:avLst/>
-          </a:prstGeom>
-          <a:noFill/>
-        </p:spPr>
-        <p:txBody>
-          <a:bodyPr wrap="square" rtlCol="0">
-            <a:spAutoFit/>
-          </a:bodyPr>
-          <a:lstStyle/>
-          <a:p>
-            <a:pPr algn="just"/>
-            <a:r>
-              <a:rPr lang="ru-RU" sz="2200" dirty="0">
-                <a:latin typeface="Bahnschrift Light Condensed" panose="020B0502040204020203" pitchFamily="34" charset="0"/>
-              </a:rPr>
-              <a:t>	Для автоматизации этих процессов используется отдельное приложение</a:t>
-            </a:r>
-            <a:r>
-              <a:rPr lang="en-US" sz="2200" dirty="0">
-                <a:latin typeface="Bahnschrift Light Condensed" panose="020B0502040204020203" pitchFamily="34" charset="0"/>
-              </a:rPr>
-              <a:t> </a:t>
-            </a:r>
-            <a:r>
-              <a:rPr lang="ru-RU" sz="2200" dirty="0">
-                <a:latin typeface="Bahnschrift Light Condensed" panose="020B0502040204020203" pitchFamily="34" charset="0"/>
-              </a:rPr>
-              <a:t>и </a:t>
-            </a:r>
-            <a:r>
-              <a:rPr lang="en-US" sz="2200" dirty="0">
-                <a:latin typeface="Bahnschrift Light Condensed" panose="020B0502040204020203" pitchFamily="34" charset="0"/>
-              </a:rPr>
-              <a:t>Docker</a:t>
-            </a:r>
-            <a:endParaRPr lang="ru-RU" sz="2200" dirty="0">
-              <a:latin typeface="Bahnschrift Light Condensed" panose="020B0502040204020203" pitchFamily="34" charset="0"/>
-            </a:endParaRPr>
-          </a:p>
-        </p:txBody>
-      </p:sp>
-      <p:pic>
-        <p:nvPicPr>
-          <p:cNvPr id="4" name="Рисунок 3"/>
-          <p:cNvPicPr>
-            <a:picLocks noChangeAspect="1"/>
-          </p:cNvPicPr>
-          <p:nvPr/>
-        </p:nvPicPr>
-        <p:blipFill>
-          <a:blip r:embed="rId2">
-            <a:extLst>
-              <a:ext uri="{28A0092B-C50C-407E-A947-70E740481C1C}">
-                <a14:useLocalDpi xmlns:a14="http://schemas.microsoft.com/office/drawing/2010/main" val="0"/>
-              </a:ext>
-            </a:extLst>
-          </a:blip>
-          <a:stretch>
-            <a:fillRect/>
-          </a:stretch>
-        </p:blipFill>
-        <p:spPr>
-          <a:xfrm>
-            <a:off x="989816" y="1640207"/>
-            <a:ext cx="5578734" cy="4467665"/>
-          </a:xfrm>
-          <a:prstGeom prst="rect">
-            <a:avLst/>
-          </a:prstGeom>
-        </p:spPr>
-      </p:pic>
-      <p:pic>
-        <p:nvPicPr>
-          <p:cNvPr id="6" name="Рисунок 5"/>
-          <p:cNvPicPr>
-            <a:picLocks noChangeAspect="1"/>
-          </p:cNvPicPr>
-          <p:nvPr/>
-        </p:nvPicPr>
-        <p:blipFill>
-          <a:blip r:embed="rId3"/>
-          <a:stretch>
-            <a:fillRect/>
-          </a:stretch>
-        </p:blipFill>
-        <p:spPr>
-          <a:xfrm>
-            <a:off x="7373481" y="5048600"/>
-            <a:ext cx="3779848" cy="1059272"/>
-          </a:xfrm>
-          <a:prstGeom prst="rect">
-            <a:avLst/>
-          </a:prstGeom>
-        </p:spPr>
-      </p:pic>
-      <p:pic>
-        <p:nvPicPr>
-          <p:cNvPr id="7" name="Рисунок 6"/>
-          <p:cNvPicPr>
-            <a:picLocks noChangeAspect="1"/>
-          </p:cNvPicPr>
-          <p:nvPr/>
-        </p:nvPicPr>
-        <p:blipFill>
-          <a:blip r:embed="rId4">
-            <a:extLst>
-              <a:ext uri="{28A0092B-C50C-407E-A947-70E740481C1C}">
-                <a14:useLocalDpi xmlns:a14="http://schemas.microsoft.com/office/drawing/2010/main" val="0"/>
-              </a:ext>
-            </a:extLst>
-          </a:blip>
-          <a:stretch>
-            <a:fillRect/>
-          </a:stretch>
-        </p:blipFill>
-        <p:spPr>
-          <a:xfrm>
-            <a:off x="8910320" y="2189699"/>
-            <a:ext cx="1819374" cy="1819374"/>
-          </a:xfrm>
-          <a:prstGeom prst="rect">
-            <a:avLst/>
-          </a:prstGeom>
-        </p:spPr>
-      </p:pic>
-      <p:sp>
-        <p:nvSpPr>
-          <p:cNvPr id="8" name="TextBox 7"/>
-          <p:cNvSpPr txBox="1"/>
-          <p:nvPr/>
-        </p:nvSpPr>
-        <p:spPr>
-          <a:xfrm>
-            <a:off x="1901375" y="6096354"/>
-            <a:ext cx="4811418" cy="369332"/>
-          </a:xfrm>
-          <a:prstGeom prst="rect">
-            <a:avLst/>
-          </a:prstGeom>
-          <a:noFill/>
-        </p:spPr>
-        <p:txBody>
-          <a:bodyPr wrap="square" rtlCol="0">
-            <a:spAutoFit/>
-          </a:bodyPr>
-          <a:lstStyle/>
-          <a:p>
-            <a:r>
-              <a:rPr lang="ru-RU" dirty="0">
-                <a:latin typeface="Bahnschrift Light Condensed" panose="020B0502040204020203" pitchFamily="34" charset="0"/>
-              </a:rPr>
-              <a:t>Рисунок 1 – Архитектура сервиса выполнения</a:t>
-            </a:r>
-          </a:p>
-        </p:txBody>
-      </p:sp>
-      <p:sp>
-        <p:nvSpPr>
-          <p:cNvPr id="9" name="TextBox 8"/>
-          <p:cNvSpPr txBox="1"/>
-          <p:nvPr/>
-        </p:nvSpPr>
-        <p:spPr>
-          <a:xfrm>
-            <a:off x="7593231" y="6107175"/>
-            <a:ext cx="4811418" cy="369332"/>
-          </a:xfrm>
-          <a:prstGeom prst="rect">
-            <a:avLst/>
-          </a:prstGeom>
-          <a:noFill/>
-        </p:spPr>
-        <p:txBody>
-          <a:bodyPr wrap="square" rtlCol="0">
-            <a:spAutoFit/>
-          </a:bodyPr>
-          <a:lstStyle/>
-          <a:p>
-            <a:r>
-              <a:rPr lang="ru-RU" dirty="0">
-                <a:latin typeface="Bahnschrift Light Condensed" panose="020B0502040204020203" pitchFamily="34" charset="0"/>
-              </a:rPr>
-              <a:t>Рисунок 2 – Часть </a:t>
-            </a:r>
-            <a:r>
-              <a:rPr lang="en-US" dirty="0" err="1">
-                <a:latin typeface="Bahnschrift Light Condensed" panose="020B0502040204020203" pitchFamily="34" charset="0"/>
-              </a:rPr>
-              <a:t>Dockerfile</a:t>
-            </a:r>
-            <a:r>
-              <a:rPr lang="ru-RU" dirty="0">
-                <a:latin typeface="Bahnschrift Light Condensed" panose="020B0502040204020203" pitchFamily="34" charset="0"/>
-              </a:rPr>
-              <a:t> для образа</a:t>
-            </a:r>
-          </a:p>
-        </p:txBody>
-      </p:sp>
-    </p:spTree>
-    <p:extLst>
-      <p:ext uri="{BB962C8B-B14F-4D97-AF65-F5344CB8AC3E}">
-        <p14:creationId xmlns:p14="http://schemas.microsoft.com/office/powerpoint/2010/main" val="964564857"/>
-      </p:ext>
-    </p:extLst>
-  </p:cSld>
-  <p:clrMapOvr>
-    <a:masterClrMapping/>
-  </p:clrMapOvr>
-</p:sld>
-</file>
-
-<file path=ppt/slides/slide5.xml><?xml version="1.0" encoding="utf-8"?>
-<p:sld xmlns:a="http://schemas.openxmlformats.org/drawingml/2006/main" xmlns:r="http://schemas.openxmlformats.org/officeDocument/2006/relationships" xmlns:p="http://schemas.openxmlformats.org/presentationml/2006/main">
-  <p:cSld>
-    <p:spTree>
-      <p:nvGrpSpPr>
-        <p:cNvPr id="1" name=""/>
-        <p:cNvGrpSpPr/>
-        <p:nvPr/>
-      </p:nvGrpSpPr>
-      <p:grpSpPr>
-        <a:xfrm>
-          <a:off x="0" y="0"/>
-          <a:ext cx="0" cy="0"/>
-          <a:chOff x="0" y="0"/>
-          <a:chExt cx="0" cy="0"/>
-        </a:xfrm>
-      </p:grpSpPr>
-      <p:sp>
-        <p:nvSpPr>
           <p:cNvPr id="3" name="Заголовок 1"/>
           <p:cNvSpPr>
             <a:spLocks noGrp="1"/>
@@ -4490,7 +8662,7 @@
           </a:bodyPr>
           <a:lstStyle/>
           <a:p>
-            <a:pPr marL="285750" indent="-285750">
+            <a:pPr marL="285750" indent="-285750" algn="just">
               <a:buFont typeface="Arial" panose="020B0604020202020204" pitchFamily="34" charset="0"/>
               <a:buChar char="•"/>
             </a:pPr>
@@ -4502,7 +8674,7 @@
             </a:r>
           </a:p>
           <a:p>
-            <a:pPr marL="285750" indent="-285750">
+            <a:pPr marL="285750" indent="-285750" algn="just">
               <a:buFont typeface="Arial" panose="020B0604020202020204" pitchFamily="34" charset="0"/>
               <a:buChar char="•"/>
             </a:pPr>
@@ -4514,7 +8686,7 @@
             </a:r>
           </a:p>
           <a:p>
-            <a:pPr marL="285750" indent="-285750">
+            <a:pPr marL="285750" indent="-285750" algn="just">
               <a:buFont typeface="Arial" panose="020B0604020202020204" pitchFamily="34" charset="0"/>
               <a:buChar char="•"/>
             </a:pPr>
@@ -4522,7 +8694,31 @@
               <a:rPr lang="ru-RU" sz="2800" dirty="0">
                 <a:latin typeface="Bahnschrift Light Condensed" panose="020B0502040204020203" pitchFamily="34" charset="0"/>
               </a:rPr>
-              <a:t>Шаблон решения (рисунок 3 - 4) для каждого возможного языка</a:t>
+              <a:t>Шаблон решения (рисунок </a:t>
+            </a:r>
+            <a:r>
+              <a:rPr lang="ru-RU" sz="2800" dirty="0" smtClean="0">
+                <a:latin typeface="Bahnschrift Light Condensed" panose="020B0502040204020203" pitchFamily="34" charset="0"/>
+              </a:rPr>
+              <a:t>1 </a:t>
+            </a:r>
+            <a:r>
+              <a:rPr lang="ru-RU" sz="2800" dirty="0">
+                <a:latin typeface="Bahnschrift Light Condensed" panose="020B0502040204020203" pitchFamily="34" charset="0"/>
+              </a:rPr>
+              <a:t>- </a:t>
+            </a:r>
+            <a:r>
+              <a:rPr lang="ru-RU" sz="2800" dirty="0" smtClean="0">
+                <a:latin typeface="Bahnschrift Light Condensed" panose="020B0502040204020203" pitchFamily="34" charset="0"/>
+              </a:rPr>
+              <a:t>2) </a:t>
+            </a:r>
+            <a:r>
+              <a:rPr lang="ru-RU" sz="2800" dirty="0">
+                <a:latin typeface="Bahnschrift Light Condensed" panose="020B0502040204020203" pitchFamily="34" charset="0"/>
+              </a:rPr>
+              <a:t>для каждого возможного языка</a:t>
             </a:r>
           </a:p>
         </p:txBody>
@@ -4630,7 +8826,19 @@
               <a:rPr lang="ru-RU" sz="2000" dirty="0">
                 <a:latin typeface="Bahnschrift Light Condensed" panose="020B0502040204020203" pitchFamily="34" charset="0"/>
               </a:rPr>
-              <a:t>Рисунок 3 - Пример шаблона</a:t>
+              <a:t>Рисунок </a:t>
+            </a:r>
+            <a:r>
+              <a:rPr lang="ru-RU" sz="2000" dirty="0" smtClean="0">
+                <a:latin typeface="Bahnschrift Light Condensed" panose="020B0502040204020203" pitchFamily="34" charset="0"/>
+              </a:rPr>
+              <a:t>1 </a:t>
+            </a:r>
+            <a:r>
+              <a:rPr lang="ru-RU" sz="2000" dirty="0">
+                <a:latin typeface="Bahnschrift Light Condensed" panose="020B0502040204020203" pitchFamily="34" charset="0"/>
+              </a:rPr>
+              <a:t>- Пример шаблона</a:t>
             </a:r>
           </a:p>
         </p:txBody>
@@ -4661,7 +8869,19 @@
               <a:rPr lang="ru-RU" sz="2000" dirty="0">
                 <a:latin typeface="Bahnschrift Light Condensed" panose="020B0502040204020203" pitchFamily="34" charset="0"/>
               </a:rPr>
-              <a:t>Рисунок 4 - Пример шаблона</a:t>
+              <a:t>Рисунок </a:t>
+            </a:r>
+            <a:r>
+              <a:rPr lang="ru-RU" sz="2000" dirty="0" smtClean="0">
+                <a:latin typeface="Bahnschrift Light Condensed" panose="020B0502040204020203" pitchFamily="34" charset="0"/>
+              </a:rPr>
+              <a:t>2 </a:t>
+            </a:r>
+            <a:r>
+              <a:rPr lang="ru-RU" sz="2000" dirty="0">
+                <a:latin typeface="Bahnschrift Light Condensed" panose="020B0502040204020203" pitchFamily="34" charset="0"/>
+              </a:rPr>
+              <a:t>- Пример шаблона</a:t>
             </a:r>
           </a:p>
         </p:txBody>
@@ -4676,6 +8896,616 @@
   <p:clrMapOvr>
     <a:masterClrMapping/>
   </p:clrMapOvr>
+  <mc:AlternateContent xmlns:mc="http://schemas.openxmlformats.org/markup-compatibility/2006">
+    <mc:Choice xmlns:p14="http://schemas.microsoft.com/office/powerpoint/2010/main" Requires="p14">
+      <p:transition p14:dur="400">
+        <p14:reveal/>
+      </p:transition>
+    </mc:Choice>
+    <mc:Fallback>
+      <p:transition>
+        <p:fade/>
+      </p:transition>
+    </mc:Fallback>
+  </mc:AlternateContent>
+  <p:timing>
+    <p:tnLst>
+      <p:par>
+        <p:cTn id="1" dur="indefinite" restart="never" nodeType="tmRoot"/>
+      </p:par>
+    </p:tnLst>
+  </p:timing>
+</p:sld>
+</file>
+
+<file path=ppt/slides/slide5.xml><?xml version="1.0" encoding="utf-8"?>
+<p:sld xmlns:a="http://schemas.openxmlformats.org/drawingml/2006/main" xmlns:r="http://schemas.openxmlformats.org/officeDocument/2006/relationships" xmlns:p="http://schemas.openxmlformats.org/presentationml/2006/main">
+  <p:cSld>
+    <p:spTree>
+      <p:nvGrpSpPr>
+        <p:cNvPr id="1" name=""/>
+        <p:cNvGrpSpPr/>
+        <p:nvPr/>
+      </p:nvGrpSpPr>
+      <p:grpSpPr>
+        <a:xfrm>
+          <a:off x="0" y="0"/>
+          <a:ext cx="0" cy="0"/>
+          <a:chOff x="0" y="0"/>
+          <a:chExt cx="0" cy="0"/>
+        </a:xfrm>
+      </p:grpSpPr>
+      <p:sp>
+        <p:nvSpPr>
+          <p:cNvPr id="2" name="Заголовок 1">
+            <a:extLst>
+              <a:ext uri="{FF2B5EF4-FFF2-40B4-BE49-F238E27FC236}">
+                <a16:creationId xmlns:a16="http://schemas.microsoft.com/office/drawing/2014/main" id="{75E89737-4059-4527-AEA2-A3E8757ED3E5}"/>
+              </a:ext>
+            </a:extLst>
+          </p:cNvPr>
+          <p:cNvSpPr>
+            <a:spLocks noGrp="1"/>
+          </p:cNvSpPr>
+          <p:nvPr>
+            <p:ph type="title"/>
+          </p:nvPr>
+        </p:nvSpPr>
+        <p:spPr>
+          <a:xfrm>
+            <a:off x="838200" y="316999"/>
+            <a:ext cx="10515600" cy="982412"/>
+          </a:xfrm>
+        </p:spPr>
+        <p:txBody>
+          <a:bodyPr/>
+          <a:lstStyle/>
+          <a:p>
+            <a:r>
+              <a:rPr lang="ru-RU" dirty="0">
+                <a:latin typeface="Bahnschrift Light Condensed" panose="020B0502040204020203" pitchFamily="34" charset="0"/>
+              </a:rPr>
+              <a:t>Подготовка решения пользователя</a:t>
+            </a:r>
+          </a:p>
+        </p:txBody>
+      </p:sp>
+      <p:sp>
+        <p:nvSpPr>
+          <p:cNvPr id="5" name="TextBox 4">
+            <a:extLst>
+              <a:ext uri="{FF2B5EF4-FFF2-40B4-BE49-F238E27FC236}">
+                <a16:creationId xmlns:a16="http://schemas.microsoft.com/office/drawing/2014/main" id="{3B64129C-7F91-47B6-969E-5807F625627D}"/>
+              </a:ext>
+            </a:extLst>
+          </p:cNvPr>
+          <p:cNvSpPr txBox="1"/>
+          <p:nvPr/>
+        </p:nvSpPr>
+        <p:spPr>
+          <a:xfrm>
+            <a:off x="914398" y="1299411"/>
+            <a:ext cx="6144127" cy="4524315"/>
+          </a:xfrm>
+          <a:prstGeom prst="rect">
+            <a:avLst/>
+          </a:prstGeom>
+          <a:noFill/>
+        </p:spPr>
+        <p:txBody>
+          <a:bodyPr wrap="square" rtlCol="0">
+            <a:spAutoFit/>
+          </a:bodyPr>
+          <a:lstStyle/>
+          <a:p>
+            <a:pPr marL="285750" indent="-285750" algn="just">
+              <a:buFont typeface="Arial" panose="020B0604020202020204" pitchFamily="34" charset="0"/>
+              <a:buChar char="•"/>
+            </a:pPr>
+            <a:r>
+              <a:rPr lang="ru-RU" sz="2400" dirty="0">
+                <a:latin typeface="Bahnschrift Light Condensed" panose="020B0502040204020203" pitchFamily="34" charset="0"/>
+              </a:rPr>
+              <a:t>Платформа берет на себя ввод и вывод данных -  мы не можем просто запустить код пользователя и отправить тестовые данные.</a:t>
+            </a:r>
+          </a:p>
+          <a:p>
+            <a:pPr marL="285750" indent="-285750" algn="just">
+              <a:buFont typeface="Arial" panose="020B0604020202020204" pitchFamily="34" charset="0"/>
+              <a:buChar char="•"/>
+            </a:pPr>
+            <a:r>
+              <a:rPr lang="ru-RU" sz="2400" dirty="0">
+                <a:latin typeface="Bahnschrift Light Condensed" panose="020B0502040204020203" pitchFamily="34" charset="0"/>
+              </a:rPr>
+              <a:t>Для чтения, измерения времени, преобразования типов входных данных и вывода результатов решения в консоль используется специальный заготовленный код – </a:t>
+            </a:r>
+            <a:r>
+              <a:rPr lang="ru-RU" sz="2400" dirty="0" smtClean="0">
+                <a:latin typeface="Bahnschrift Light Condensed" panose="020B0502040204020203" pitchFamily="34" charset="0"/>
+              </a:rPr>
+              <a:t>драйвер.</a:t>
+            </a:r>
+            <a:endParaRPr lang="ru-RU" sz="2400" dirty="0">
+              <a:latin typeface="Bahnschrift Light Condensed" panose="020B0502040204020203" pitchFamily="34" charset="0"/>
+            </a:endParaRPr>
+          </a:p>
+          <a:p>
+            <a:pPr marL="285750" indent="-285750" algn="just">
+              <a:buFont typeface="Arial" panose="020B0604020202020204" pitchFamily="34" charset="0"/>
+              <a:buChar char="•"/>
+            </a:pPr>
+            <a:r>
+              <a:rPr lang="ru-RU" sz="2400" dirty="0">
+                <a:latin typeface="Bahnschrift Light Condensed" panose="020B0502040204020203" pitchFamily="34" charset="0"/>
+              </a:rPr>
+              <a:t>Все эти усложнения нужны для того, чтобы стандартизировать формат входных и выходных данных, благодаря чему процесс тестирования не будет отличаться от ЯП к ЯП, а так же относительно просто добавить не стандартный </a:t>
+            </a:r>
+            <a:r>
+              <a:rPr lang="ru-RU" sz="2400" dirty="0" smtClean="0">
+                <a:latin typeface="Bahnschrift Light Condensed" panose="020B0502040204020203" pitchFamily="34" charset="0"/>
+              </a:rPr>
+              <a:t>тип.</a:t>
+            </a:r>
+            <a:endParaRPr lang="ru-RU" sz="2400" dirty="0">
+              <a:latin typeface="Bahnschrift Light Condensed" panose="020B0502040204020203" pitchFamily="34" charset="0"/>
+            </a:endParaRPr>
+          </a:p>
+        </p:txBody>
+      </p:sp>
+      <p:sp>
+        <p:nvSpPr>
+          <p:cNvPr id="6" name="Прямоугольник 5">
+            <a:extLst>
+              <a:ext uri="{FF2B5EF4-FFF2-40B4-BE49-F238E27FC236}">
+                <a16:creationId xmlns:a16="http://schemas.microsoft.com/office/drawing/2014/main" id="{9C27D868-9BC8-4D4E-AFD8-FDDD64F94E3C}"/>
+              </a:ext>
+            </a:extLst>
+          </p:cNvPr>
+          <p:cNvSpPr/>
+          <p:nvPr/>
+        </p:nvSpPr>
+        <p:spPr>
+          <a:xfrm>
+            <a:off x="7762313" y="3212816"/>
+            <a:ext cx="2957804" cy="746449"/>
+          </a:xfrm>
+          <a:prstGeom prst="rect">
+            <a:avLst/>
+          </a:prstGeom>
+          <a:solidFill>
+            <a:schemeClr val="bg1"/>
+          </a:solidFill>
+        </p:spPr>
+        <p:style>
+          <a:lnRef idx="2">
+            <a:schemeClr val="accent1">
+              <a:shade val="50000"/>
+            </a:schemeClr>
+          </a:lnRef>
+          <a:fillRef idx="1">
+            <a:schemeClr val="accent1"/>
+          </a:fillRef>
+          <a:effectRef idx="0">
+            <a:schemeClr val="accent1"/>
+          </a:effectRef>
+          <a:fontRef idx="minor">
+            <a:schemeClr val="lt1"/>
+          </a:fontRef>
+        </p:style>
+        <p:txBody>
+          <a:bodyPr rtlCol="0" anchor="ctr"/>
+          <a:lstStyle/>
+          <a:p>
+            <a:pPr algn="ctr"/>
+            <a:r>
+              <a:rPr lang="en-US" dirty="0" err="1">
+                <a:solidFill>
+                  <a:schemeClr val="tx1"/>
+                </a:solidFill>
+                <a:latin typeface="Bahnschrift Light Condensed" panose="020B0502040204020203" pitchFamily="34" charset="0"/>
+              </a:rPr>
+              <a:t>CodePreparer</a:t>
+            </a:r>
+            <a:endParaRPr lang="ru-RU" dirty="0">
+              <a:solidFill>
+                <a:schemeClr val="tx1"/>
+              </a:solidFill>
+              <a:latin typeface="Bahnschrift Light Condensed" panose="020B0502040204020203" pitchFamily="34" charset="0"/>
+            </a:endParaRPr>
+          </a:p>
+        </p:txBody>
+      </p:sp>
+      <p:cxnSp>
+        <p:nvCxnSpPr>
+          <p:cNvPr id="8" name="Прямая со стрелкой 7">
+            <a:extLst>
+              <a:ext uri="{FF2B5EF4-FFF2-40B4-BE49-F238E27FC236}">
+                <a16:creationId xmlns:a16="http://schemas.microsoft.com/office/drawing/2014/main" id="{5E5FCF1D-3CC8-469E-98EA-C963D2348C39}"/>
+              </a:ext>
+            </a:extLst>
+          </p:cNvPr>
+          <p:cNvCxnSpPr/>
+          <p:nvPr/>
+        </p:nvCxnSpPr>
+        <p:spPr>
+          <a:xfrm>
+            <a:off x="8332237" y="1576873"/>
+            <a:ext cx="0" cy="1611471"/>
+          </a:xfrm>
+          <a:prstGeom prst="straightConnector1">
+            <a:avLst/>
+          </a:prstGeom>
+          <a:ln>
+            <a:tailEnd type="triangle"/>
+          </a:ln>
+        </p:spPr>
+        <p:style>
+          <a:lnRef idx="1">
+            <a:schemeClr val="dk1"/>
+          </a:lnRef>
+          <a:fillRef idx="0">
+            <a:schemeClr val="dk1"/>
+          </a:fillRef>
+          <a:effectRef idx="0">
+            <a:schemeClr val="dk1"/>
+          </a:effectRef>
+          <a:fontRef idx="minor">
+            <a:schemeClr val="tx1"/>
+          </a:fontRef>
+        </p:style>
+      </p:cxnSp>
+      <p:sp>
+        <p:nvSpPr>
+          <p:cNvPr id="9" name="TextBox 8">
+            <a:extLst>
+              <a:ext uri="{FF2B5EF4-FFF2-40B4-BE49-F238E27FC236}">
+                <a16:creationId xmlns:a16="http://schemas.microsoft.com/office/drawing/2014/main" id="{AA50B9C1-9222-4E5E-A150-30C23038B514}"/>
+              </a:ext>
+            </a:extLst>
+          </p:cNvPr>
+          <p:cNvSpPr txBox="1"/>
+          <p:nvPr/>
+        </p:nvSpPr>
+        <p:spPr>
+          <a:xfrm>
+            <a:off x="7423259" y="1114745"/>
+            <a:ext cx="1817956" cy="369332"/>
+          </a:xfrm>
+          <a:prstGeom prst="rect">
+            <a:avLst/>
+          </a:prstGeom>
+          <a:noFill/>
+        </p:spPr>
+        <p:txBody>
+          <a:bodyPr wrap="square" rtlCol="0">
+            <a:spAutoFit/>
+          </a:bodyPr>
+          <a:lstStyle/>
+          <a:p>
+            <a:r>
+              <a:rPr lang="ru-RU" dirty="0">
+                <a:latin typeface="Bahnschrift Light Condensed" panose="020B0502040204020203" pitchFamily="34" charset="0"/>
+              </a:rPr>
+              <a:t>Решение (код, язык)</a:t>
+            </a:r>
+          </a:p>
+        </p:txBody>
+      </p:sp>
+      <p:cxnSp>
+        <p:nvCxnSpPr>
+          <p:cNvPr id="11" name="Прямая со стрелкой 10">
+            <a:extLst>
+              <a:ext uri="{FF2B5EF4-FFF2-40B4-BE49-F238E27FC236}">
+                <a16:creationId xmlns:a16="http://schemas.microsoft.com/office/drawing/2014/main" id="{49968D7E-B999-42AE-B8E7-C92C1BA51B16}"/>
+              </a:ext>
+            </a:extLst>
+          </p:cNvPr>
+          <p:cNvCxnSpPr>
+            <a:cxnSpLocks/>
+            <a:endCxn id="6" idx="0"/>
+          </p:cNvCxnSpPr>
+          <p:nvPr/>
+        </p:nvCxnSpPr>
+        <p:spPr>
+          <a:xfrm>
+            <a:off x="9241215" y="2121629"/>
+            <a:ext cx="0" cy="1091187"/>
+          </a:xfrm>
+          <a:prstGeom prst="straightConnector1">
+            <a:avLst/>
+          </a:prstGeom>
+          <a:ln>
+            <a:tailEnd type="triangle"/>
+          </a:ln>
+        </p:spPr>
+        <p:style>
+          <a:lnRef idx="1">
+            <a:schemeClr val="dk1"/>
+          </a:lnRef>
+          <a:fillRef idx="0">
+            <a:schemeClr val="dk1"/>
+          </a:fillRef>
+          <a:effectRef idx="0">
+            <a:schemeClr val="dk1"/>
+          </a:effectRef>
+          <a:fontRef idx="minor">
+            <a:schemeClr val="tx1"/>
+          </a:fontRef>
+        </p:style>
+      </p:cxnSp>
+      <p:sp>
+        <p:nvSpPr>
+          <p:cNvPr id="14" name="TextBox 13">
+            <a:extLst>
+              <a:ext uri="{FF2B5EF4-FFF2-40B4-BE49-F238E27FC236}">
+                <a16:creationId xmlns:a16="http://schemas.microsoft.com/office/drawing/2014/main" id="{29075BD1-B103-476E-9F6A-0C376934E89D}"/>
+              </a:ext>
+            </a:extLst>
+          </p:cNvPr>
+          <p:cNvSpPr txBox="1"/>
+          <p:nvPr/>
+        </p:nvSpPr>
+        <p:spPr>
+          <a:xfrm>
+            <a:off x="8768759" y="1694346"/>
+            <a:ext cx="874805" cy="369332"/>
+          </a:xfrm>
+          <a:prstGeom prst="rect">
+            <a:avLst/>
+          </a:prstGeom>
+          <a:noFill/>
+        </p:spPr>
+        <p:txBody>
+          <a:bodyPr wrap="square" rtlCol="0">
+            <a:spAutoFit/>
+          </a:bodyPr>
+          <a:lstStyle/>
+          <a:p>
+            <a:r>
+              <a:rPr lang="ru-RU" dirty="0">
+                <a:latin typeface="Bahnschrift Light Condensed" panose="020B0502040204020203" pitchFamily="34" charset="0"/>
+              </a:rPr>
+              <a:t>Драйвер</a:t>
+            </a:r>
+          </a:p>
+        </p:txBody>
+      </p:sp>
+      <p:cxnSp>
+        <p:nvCxnSpPr>
+          <p:cNvPr id="16" name="Прямая со стрелкой 15">
+            <a:extLst>
+              <a:ext uri="{FF2B5EF4-FFF2-40B4-BE49-F238E27FC236}">
+                <a16:creationId xmlns:a16="http://schemas.microsoft.com/office/drawing/2014/main" id="{0E2E4712-ECD4-46A5-8813-177D5F7E3E4F}"/>
+              </a:ext>
+            </a:extLst>
+          </p:cNvPr>
+          <p:cNvCxnSpPr>
+            <a:cxnSpLocks/>
+          </p:cNvCxnSpPr>
+          <p:nvPr/>
+        </p:nvCxnSpPr>
+        <p:spPr>
+          <a:xfrm>
+            <a:off x="10235682" y="1484077"/>
+            <a:ext cx="0" cy="1704267"/>
+          </a:xfrm>
+          <a:prstGeom prst="straightConnector1">
+            <a:avLst/>
+          </a:prstGeom>
+          <a:ln>
+            <a:tailEnd type="triangle"/>
+          </a:ln>
+        </p:spPr>
+        <p:style>
+          <a:lnRef idx="1">
+            <a:schemeClr val="dk1"/>
+          </a:lnRef>
+          <a:fillRef idx="0">
+            <a:schemeClr val="dk1"/>
+          </a:fillRef>
+          <a:effectRef idx="0">
+            <a:schemeClr val="dk1"/>
+          </a:effectRef>
+          <a:fontRef idx="minor">
+            <a:schemeClr val="tx1"/>
+          </a:fontRef>
+        </p:style>
+      </p:cxnSp>
+      <p:sp>
+        <p:nvSpPr>
+          <p:cNvPr id="19" name="TextBox 18">
+            <a:extLst>
+              <a:ext uri="{FF2B5EF4-FFF2-40B4-BE49-F238E27FC236}">
+                <a16:creationId xmlns:a16="http://schemas.microsoft.com/office/drawing/2014/main" id="{F257F73C-F8CC-41CE-B3CF-ABE434C98140}"/>
+              </a:ext>
+            </a:extLst>
+          </p:cNvPr>
+          <p:cNvSpPr txBox="1"/>
+          <p:nvPr/>
+        </p:nvSpPr>
+        <p:spPr>
+          <a:xfrm>
+            <a:off x="9371755" y="1081266"/>
+            <a:ext cx="1825692" cy="369332"/>
+          </a:xfrm>
+          <a:prstGeom prst="rect">
+            <a:avLst/>
+          </a:prstGeom>
+          <a:noFill/>
+        </p:spPr>
+        <p:txBody>
+          <a:bodyPr wrap="square" rtlCol="0">
+            <a:spAutoFit/>
+          </a:bodyPr>
+          <a:lstStyle/>
+          <a:p>
+            <a:pPr algn="ctr"/>
+            <a:r>
+              <a:rPr lang="ru-RU" dirty="0">
+                <a:latin typeface="Bahnschrift Light Condensed" panose="020B0502040204020203" pitchFamily="34" charset="0"/>
+              </a:rPr>
+              <a:t>Структура задачи</a:t>
+            </a:r>
+          </a:p>
+        </p:txBody>
+      </p:sp>
+      <p:cxnSp>
+        <p:nvCxnSpPr>
+          <p:cNvPr id="21" name="Прямая со стрелкой 20">
+            <a:extLst>
+              <a:ext uri="{FF2B5EF4-FFF2-40B4-BE49-F238E27FC236}">
+                <a16:creationId xmlns:a16="http://schemas.microsoft.com/office/drawing/2014/main" id="{9DD28269-435A-4F7E-8652-B996D3296353}"/>
+              </a:ext>
+            </a:extLst>
+          </p:cNvPr>
+          <p:cNvCxnSpPr>
+            <a:stCxn id="6" idx="2"/>
+          </p:cNvCxnSpPr>
+          <p:nvPr/>
+        </p:nvCxnSpPr>
+        <p:spPr>
+          <a:xfrm flipH="1">
+            <a:off x="9241214" y="3959265"/>
+            <a:ext cx="1" cy="1057085"/>
+          </a:xfrm>
+          <a:prstGeom prst="straightConnector1">
+            <a:avLst/>
+          </a:prstGeom>
+          <a:ln>
+            <a:tailEnd type="triangle"/>
+          </a:ln>
+        </p:spPr>
+        <p:style>
+          <a:lnRef idx="1">
+            <a:schemeClr val="dk1"/>
+          </a:lnRef>
+          <a:fillRef idx="0">
+            <a:schemeClr val="dk1"/>
+          </a:fillRef>
+          <a:effectRef idx="0">
+            <a:schemeClr val="dk1"/>
+          </a:effectRef>
+          <a:fontRef idx="minor">
+            <a:schemeClr val="tx1"/>
+          </a:fontRef>
+        </p:style>
+      </p:cxnSp>
+      <p:sp>
+        <p:nvSpPr>
+          <p:cNvPr id="22" name="TextBox 21">
+            <a:extLst>
+              <a:ext uri="{FF2B5EF4-FFF2-40B4-BE49-F238E27FC236}">
+                <a16:creationId xmlns:a16="http://schemas.microsoft.com/office/drawing/2014/main" id="{4D503E26-7640-4EE9-B732-98F745BCB369}"/>
+              </a:ext>
+            </a:extLst>
+          </p:cNvPr>
+          <p:cNvSpPr txBox="1"/>
+          <p:nvPr/>
+        </p:nvSpPr>
+        <p:spPr>
+          <a:xfrm>
+            <a:off x="8131207" y="5004591"/>
+            <a:ext cx="2435289" cy="369332"/>
+          </a:xfrm>
+          <a:prstGeom prst="rect">
+            <a:avLst/>
+          </a:prstGeom>
+          <a:noFill/>
+        </p:spPr>
+        <p:txBody>
+          <a:bodyPr wrap="square" rtlCol="0">
+            <a:spAutoFit/>
+          </a:bodyPr>
+          <a:lstStyle/>
+          <a:p>
+            <a:r>
+              <a:rPr lang="ru-RU" dirty="0">
+                <a:latin typeface="Bahnschrift Light Condensed" panose="020B0502040204020203" pitchFamily="34" charset="0"/>
+              </a:rPr>
+              <a:t>Готовый к исполнению код</a:t>
+            </a:r>
+          </a:p>
+        </p:txBody>
+      </p:sp>
+      <p:sp>
+        <p:nvSpPr>
+          <p:cNvPr id="23" name="TextBox 22">
+            <a:extLst>
+              <a:ext uri="{FF2B5EF4-FFF2-40B4-BE49-F238E27FC236}">
+                <a16:creationId xmlns:a16="http://schemas.microsoft.com/office/drawing/2014/main" id="{F2CFDEC0-8F57-48F8-9314-DAFF256B8407}"/>
+              </a:ext>
+            </a:extLst>
+          </p:cNvPr>
+          <p:cNvSpPr txBox="1"/>
+          <p:nvPr/>
+        </p:nvSpPr>
+        <p:spPr>
+          <a:xfrm>
+            <a:off x="8003158" y="5562744"/>
+            <a:ext cx="2691385" cy="400110"/>
+          </a:xfrm>
+          <a:prstGeom prst="rect">
+            <a:avLst/>
+          </a:prstGeom>
+          <a:noFill/>
+        </p:spPr>
+        <p:txBody>
+          <a:bodyPr wrap="square" rtlCol="0">
+            <a:spAutoFit/>
+          </a:bodyPr>
+          <a:lstStyle/>
+          <a:p>
+            <a:r>
+              <a:rPr lang="ru-RU" sz="2000" dirty="0">
+                <a:latin typeface="Bahnschrift Light Condensed" panose="020B0502040204020203" pitchFamily="34" charset="0"/>
+              </a:rPr>
+              <a:t>Рисунок </a:t>
+            </a:r>
+            <a:r>
+              <a:rPr lang="ru-RU" sz="2000" dirty="0" smtClean="0">
+                <a:latin typeface="Bahnschrift Light Condensed" panose="020B0502040204020203" pitchFamily="34" charset="0"/>
+              </a:rPr>
+              <a:t>3 </a:t>
+            </a:r>
+            <a:r>
+              <a:rPr lang="ru-RU" sz="2000" dirty="0">
+                <a:latin typeface="Bahnschrift Light Condensed" panose="020B0502040204020203" pitchFamily="34" charset="0"/>
+              </a:rPr>
+              <a:t>– Подготовка кода</a:t>
+            </a:r>
+          </a:p>
+        </p:txBody>
+      </p:sp>
+    </p:spTree>
+    <p:extLst>
+      <p:ext uri="{BB962C8B-B14F-4D97-AF65-F5344CB8AC3E}">
+        <p14:creationId xmlns:p14="http://schemas.microsoft.com/office/powerpoint/2010/main" val="1579156004"/>
+      </p:ext>
+    </p:extLst>
+  </p:cSld>
+  <p:clrMapOvr>
+    <a:masterClrMapping/>
+  </p:clrMapOvr>
+  <mc:AlternateContent xmlns:mc="http://schemas.openxmlformats.org/markup-compatibility/2006">
+    <mc:Choice xmlns:p14="http://schemas.microsoft.com/office/powerpoint/2010/main" Requires="p14">
+      <p:transition p14:dur="400">
+        <p14:reveal/>
+      </p:transition>
+    </mc:Choice>
+    <mc:Fallback>
+      <p:transition>
+        <p:fade/>
+      </p:transition>
+    </mc:Fallback>
+  </mc:AlternateContent>
+  <p:timing>
+    <p:tnLst>
+      <p:par>
+        <p:cTn id="1" dur="indefinite" restart="never" nodeType="tmRoot"/>
+      </p:par>
+    </p:tnLst>
+  </p:timing>
 </p:sld>
 </file>
 
@@ -4698,7 +9528,7 @@
       </p:grpSpPr>
       <p:sp>
         <p:nvSpPr>
-          <p:cNvPr id="2" name="Заголовок 1">
+          <p:cNvPr id="3" name="Заголовок 1">
             <a:extLst>
               <a:ext uri="{FF2B5EF4-FFF2-40B4-BE49-F238E27FC236}">
                 <a16:creationId xmlns:a16="http://schemas.microsoft.com/office/drawing/2014/main" id="{75E89737-4059-4527-AEA2-A3E8757ED3E5}"/>
@@ -4715,7 +9545,7 @@
         <p:spPr>
           <a:xfrm>
             <a:off x="838200" y="316999"/>
-            <a:ext cx="10515600" cy="982412"/>
+            <a:ext cx="10515600" cy="784145"/>
           </a:xfrm>
         </p:spPr>
         <p:txBody>
@@ -4723,30 +9553,27 @@
           <a:lstStyle/>
           <a:p>
             <a:r>
-              <a:rPr lang="ru-RU" dirty="0">
-                <a:latin typeface="Bahnschrift Light Condensed" panose="020B0502040204020203" pitchFamily="34" charset="0"/>
-              </a:rPr>
-              <a:t>Подготовка решения пользователя</a:t>
-            </a:r>
-          </a:p>
-        </p:txBody>
-      </p:sp>
-      <p:sp>
-        <p:nvSpPr>
-          <p:cNvPr id="5" name="TextBox 4">
-            <a:extLst>
-              <a:ext uri="{FF2B5EF4-FFF2-40B4-BE49-F238E27FC236}">
-                <a16:creationId xmlns:a16="http://schemas.microsoft.com/office/drawing/2014/main" id="{3B64129C-7F91-47B6-969E-5807F625627D}"/>
-              </a:ext>
-            </a:extLst>
-          </p:cNvPr>
+              <a:rPr lang="ru-RU" dirty="0" smtClean="0">
+                <a:latin typeface="Bahnschrift Light Condensed" panose="020B0502040204020203" pitchFamily="34" charset="0"/>
+              </a:rPr>
+              <a:t>Структура драйвера</a:t>
+            </a:r>
+            <a:endParaRPr lang="ru-RU" dirty="0">
+              <a:latin typeface="Bahnschrift Light Condensed" panose="020B0502040204020203" pitchFamily="34" charset="0"/>
+            </a:endParaRPr>
+          </a:p>
+        </p:txBody>
+      </p:sp>
+      <p:sp>
+        <p:nvSpPr>
+          <p:cNvPr id="4" name="TextBox 3"/>
           <p:cNvSpPr txBox="1"/>
           <p:nvPr/>
         </p:nvSpPr>
         <p:spPr>
           <a:xfrm>
-            <a:off x="914398" y="1299411"/>
-            <a:ext cx="6144127" cy="4524315"/>
+            <a:off x="355241" y="1564784"/>
+            <a:ext cx="4963733" cy="3754874"/>
           </a:xfrm>
           <a:prstGeom prst="rect">
             <a:avLst/>
@@ -4759,161 +9586,145 @@
           </a:bodyPr>
           <a:lstStyle/>
           <a:p>
-            <a:pPr marL="285750" indent="-285750">
-              <a:buFont typeface="Arial" panose="020B0604020202020204" pitchFamily="34" charset="0"/>
-              <a:buChar char="•"/>
+            <a:pPr marL="457200" indent="-457200" algn="just">
+              <a:buFont typeface="+mj-lt"/>
+              <a:buAutoNum type="arabicPeriod"/>
             </a:pPr>
             <a:r>
-              <a:rPr lang="ru-RU" sz="2400" dirty="0">
-                <a:latin typeface="Bahnschrift Light Condensed" panose="020B0502040204020203" pitchFamily="34" charset="0"/>
-              </a:rPr>
-              <a:t>Платформа берет на себя ввод и вывод данных -  мы не можем просто запустить код пользователя и отправить тестовые данные.</a:t>
-            </a:r>
-          </a:p>
-          <a:p>
-            <a:pPr marL="285750" indent="-285750">
-              <a:buFont typeface="Arial" panose="020B0604020202020204" pitchFamily="34" charset="0"/>
-              <a:buChar char="•"/>
+              <a:rPr lang="ru-RU" sz="2000" dirty="0" smtClean="0">
+                <a:latin typeface="Bahnschrift Light Condensed" panose="020B0502040204020203" pitchFamily="34" charset="0"/>
+              </a:rPr>
+              <a:t>Место куда вставляется код пользователя.</a:t>
+            </a:r>
+          </a:p>
+          <a:p>
+            <a:pPr marL="457200" indent="-457200" algn="just">
+              <a:buFont typeface="+mj-lt"/>
+              <a:buAutoNum type="arabicPeriod"/>
             </a:pPr>
             <a:r>
-              <a:rPr lang="ru-RU" sz="2400" dirty="0">
-                <a:latin typeface="Bahnschrift Light Condensed" panose="020B0502040204020203" pitchFamily="34" charset="0"/>
-              </a:rPr>
-              <a:t>Для чтения, измерения времени, преобразования типов входных данных и вывода результатов решения в консоль используется специальный заготовленный код – драйвер задачи.</a:t>
-            </a:r>
-          </a:p>
-          <a:p>
-            <a:pPr marL="285750" indent="-285750">
-              <a:buFont typeface="Arial" panose="020B0604020202020204" pitchFamily="34" charset="0"/>
-              <a:buChar char="•"/>
+              <a:rPr lang="ru-RU" sz="2000" dirty="0" smtClean="0">
+                <a:latin typeface="Bahnschrift Light Condensed" panose="020B0502040204020203" pitchFamily="34" charset="0"/>
+              </a:rPr>
+              <a:t>Функции </a:t>
+            </a:r>
+            <a:r>
+              <a:rPr lang="ru-RU" sz="2000" dirty="0">
+                <a:latin typeface="Bahnschrift Light Condensed" panose="020B0502040204020203" pitchFamily="34" charset="0"/>
+              </a:rPr>
+              <a:t>чтения данных определенных типов из </a:t>
+            </a:r>
+            <a:r>
+              <a:rPr lang="ru-RU" sz="2000" dirty="0" smtClean="0">
+                <a:latin typeface="Bahnschrift Light Condensed" panose="020B0502040204020203" pitchFamily="34" charset="0"/>
+              </a:rPr>
+              <a:t>консоли.</a:t>
+            </a:r>
+          </a:p>
+          <a:p>
+            <a:pPr marL="457200" indent="-457200" algn="just">
+              <a:buFont typeface="+mj-lt"/>
+              <a:buAutoNum type="arabicPeriod"/>
             </a:pPr>
             <a:r>
-              <a:rPr lang="ru-RU" sz="2400" dirty="0">
-                <a:latin typeface="Bahnschrift Light Condensed" panose="020B0502040204020203" pitchFamily="34" charset="0"/>
-              </a:rPr>
-              <a:t>Все эти усложнения нужны для того, чтобы стандартизировать формат входных и выходных данных, благодаря чему процесс тестирования не будет отличаться от ЯП к ЯП, а так же относительно просто добавить не стандартный тип</a:t>
-            </a:r>
-          </a:p>
-        </p:txBody>
-      </p:sp>
-      <p:sp>
-        <p:nvSpPr>
-          <p:cNvPr id="6" name="Прямоугольник 5">
-            <a:extLst>
-              <a:ext uri="{FF2B5EF4-FFF2-40B4-BE49-F238E27FC236}">
-                <a16:creationId xmlns:a16="http://schemas.microsoft.com/office/drawing/2014/main" id="{9C27D868-9BC8-4D4E-AFD8-FDDD64F94E3C}"/>
-              </a:ext>
-            </a:extLst>
-          </p:cNvPr>
-          <p:cNvSpPr/>
-          <p:nvPr/>
-        </p:nvSpPr>
-        <p:spPr>
-          <a:xfrm>
-            <a:off x="7762313" y="3212816"/>
-            <a:ext cx="2957804" cy="746449"/>
-          </a:xfrm>
-          <a:prstGeom prst="rect">
-            <a:avLst/>
-          </a:prstGeom>
-          <a:solidFill>
-            <a:schemeClr val="bg1"/>
-          </a:solidFill>
-        </p:spPr>
-        <p:style>
-          <a:lnRef idx="2">
-            <a:schemeClr val="accent1">
-              <a:shade val="50000"/>
-            </a:schemeClr>
-          </a:lnRef>
-          <a:fillRef idx="1">
-            <a:schemeClr val="accent1"/>
-          </a:fillRef>
-          <a:effectRef idx="0">
-            <a:schemeClr val="accent1"/>
-          </a:effectRef>
-          <a:fontRef idx="minor">
-            <a:schemeClr val="lt1"/>
-          </a:fontRef>
-        </p:style>
-        <p:txBody>
-          <a:bodyPr rtlCol="0" anchor="ctr"/>
-          <a:lstStyle/>
-          <a:p>
-            <a:pPr algn="ctr"/>
-            <a:r>
-              <a:rPr lang="en-US" dirty="0" err="1">
-                <a:solidFill>
-                  <a:schemeClr val="tx1"/>
-                </a:solidFill>
-                <a:latin typeface="Bahnschrift Light Condensed" panose="020B0502040204020203" pitchFamily="34" charset="0"/>
-              </a:rPr>
-              <a:t>CodePreparer</a:t>
-            </a:r>
-            <a:endParaRPr lang="ru-RU" dirty="0">
-              <a:solidFill>
-                <a:schemeClr val="tx1"/>
-              </a:solidFill>
-              <a:latin typeface="Bahnschrift Light Condensed" panose="020B0502040204020203" pitchFamily="34" charset="0"/>
-            </a:endParaRPr>
-          </a:p>
-        </p:txBody>
-      </p:sp>
-      <p:cxnSp>
-        <p:nvCxnSpPr>
-          <p:cNvPr id="8" name="Прямая со стрелкой 7">
-            <a:extLst>
-              <a:ext uri="{FF2B5EF4-FFF2-40B4-BE49-F238E27FC236}">
-                <a16:creationId xmlns:a16="http://schemas.microsoft.com/office/drawing/2014/main" id="{5E5FCF1D-3CC8-469E-98EA-C963D2348C39}"/>
-              </a:ext>
-            </a:extLst>
-          </p:cNvPr>
-          <p:cNvCxnSpPr/>
-          <p:nvPr/>
-        </p:nvCxnSpPr>
-        <p:spPr>
-          <a:xfrm>
-            <a:off x="8332237" y="1576873"/>
-            <a:ext cx="0" cy="1611471"/>
-          </a:xfrm>
-          <a:prstGeom prst="straightConnector1">
-            <a:avLst/>
-          </a:prstGeom>
-          <a:ln>
-            <a:tailEnd type="triangle"/>
-          </a:ln>
-        </p:spPr>
-        <p:style>
-          <a:lnRef idx="1">
-            <a:schemeClr val="dk1"/>
-          </a:lnRef>
-          <a:fillRef idx="0">
-            <a:schemeClr val="dk1"/>
-          </a:fillRef>
-          <a:effectRef idx="0">
-            <a:schemeClr val="dk1"/>
-          </a:effectRef>
-          <a:fontRef idx="minor">
-            <a:schemeClr val="tx1"/>
-          </a:fontRef>
-        </p:style>
-      </p:cxnSp>
-      <p:sp>
-        <p:nvSpPr>
-          <p:cNvPr id="9" name="TextBox 8">
-            <a:extLst>
-              <a:ext uri="{FF2B5EF4-FFF2-40B4-BE49-F238E27FC236}">
-                <a16:creationId xmlns:a16="http://schemas.microsoft.com/office/drawing/2014/main" id="{AA50B9C1-9222-4E5E-A150-30C23038B514}"/>
-              </a:ext>
-            </a:extLst>
-          </p:cNvPr>
+              <a:rPr lang="ru-RU" sz="2000" dirty="0" smtClean="0">
+                <a:latin typeface="Bahnschrift Light Condensed" panose="020B0502040204020203" pitchFamily="34" charset="0"/>
+              </a:rPr>
+              <a:t>Секция для чтения входных параметров (вызов функций их п. 2)</a:t>
+            </a:r>
+          </a:p>
+          <a:p>
+            <a:pPr marL="457200" indent="-457200" algn="just">
+              <a:buFont typeface="+mj-lt"/>
+              <a:buAutoNum type="arabicPeriod"/>
+            </a:pPr>
+            <a:r>
+              <a:rPr lang="ru-RU" sz="2000" dirty="0" smtClean="0">
+                <a:latin typeface="Bahnschrift Light Condensed" panose="020B0502040204020203" pitchFamily="34" charset="0"/>
+              </a:rPr>
+              <a:t>Начало отсчета времени</a:t>
+            </a:r>
+          </a:p>
+          <a:p>
+            <a:pPr marL="457200" indent="-457200" algn="just">
+              <a:buFont typeface="+mj-lt"/>
+              <a:buAutoNum type="arabicPeriod"/>
+            </a:pPr>
+            <a:r>
+              <a:rPr lang="ru-RU" sz="2000" dirty="0" smtClean="0">
+                <a:latin typeface="Bahnschrift Light Condensed" panose="020B0502040204020203" pitchFamily="34" charset="0"/>
+              </a:rPr>
+              <a:t>Вызов кода, отправленного пользователем, с передачей параметров</a:t>
+            </a:r>
+          </a:p>
+          <a:p>
+            <a:pPr marL="457200" indent="-457200" algn="just">
+              <a:buFont typeface="+mj-lt"/>
+              <a:buAutoNum type="arabicPeriod"/>
+            </a:pPr>
+            <a:r>
+              <a:rPr lang="ru-RU" sz="2000" dirty="0" smtClean="0">
+                <a:latin typeface="Bahnschrift Light Condensed" panose="020B0502040204020203" pitchFamily="34" charset="0"/>
+              </a:rPr>
+              <a:t>Конец </a:t>
+            </a:r>
+            <a:r>
+              <a:rPr lang="ru-RU" sz="2000" dirty="0">
+                <a:latin typeface="Bahnschrift Light Condensed" panose="020B0502040204020203" pitchFamily="34" charset="0"/>
+              </a:rPr>
+              <a:t>отсчета </a:t>
+            </a:r>
+            <a:r>
+              <a:rPr lang="ru-RU" sz="2000" dirty="0" smtClean="0">
+                <a:latin typeface="Bahnschrift Light Condensed" panose="020B0502040204020203" pitchFamily="34" charset="0"/>
+              </a:rPr>
+              <a:t>времени</a:t>
+            </a:r>
+          </a:p>
+          <a:p>
+            <a:pPr marL="457200" indent="-457200" algn="just">
+              <a:buFont typeface="+mj-lt"/>
+              <a:buAutoNum type="arabicPeriod"/>
+            </a:pPr>
+            <a:r>
+              <a:rPr lang="ru-RU" sz="2000" dirty="0" smtClean="0">
+                <a:latin typeface="Bahnschrift Light Condensed" panose="020B0502040204020203" pitchFamily="34" charset="0"/>
+              </a:rPr>
+              <a:t>Подсчет памяти</a:t>
+            </a:r>
+          </a:p>
+          <a:p>
+            <a:pPr marL="457200" indent="-457200" algn="just">
+              <a:buFont typeface="+mj-lt"/>
+              <a:buAutoNum type="arabicPeriod"/>
+            </a:pPr>
+            <a:r>
+              <a:rPr lang="ru-RU" sz="2000" dirty="0" smtClean="0">
+                <a:latin typeface="Bahnschrift Light Condensed" panose="020B0502040204020203" pitchFamily="34" charset="0"/>
+              </a:rPr>
+              <a:t>Вывод результатов в консоль</a:t>
+            </a:r>
+          </a:p>
+          <a:p>
+            <a:pPr algn="just"/>
+            <a:r>
+              <a:rPr lang="ru-RU" dirty="0" smtClean="0"/>
+              <a:t> </a:t>
+            </a:r>
+            <a:endParaRPr lang="ru-RU" dirty="0"/>
+          </a:p>
+        </p:txBody>
+      </p:sp>
+      <p:sp>
+        <p:nvSpPr>
+          <p:cNvPr id="10" name="TextBox 9"/>
           <p:cNvSpPr txBox="1"/>
           <p:nvPr/>
         </p:nvSpPr>
         <p:spPr>
           <a:xfrm>
-            <a:off x="7423259" y="1114745"/>
-            <a:ext cx="1817956" cy="369332"/>
+            <a:off x="5982237" y="457200"/>
+            <a:ext cx="5505718" cy="6340197"/>
           </a:xfrm>
           <a:prstGeom prst="rect">
             <a:avLst/>
@@ -4927,309 +9738,1069 @@
           <a:lstStyle/>
           <a:p>
             <a:r>
-              <a:rPr lang="ru-RU" dirty="0">
-                <a:latin typeface="Bahnschrift Light Condensed" panose="020B0502040204020203" pitchFamily="34" charset="0"/>
-              </a:rPr>
-              <a:t>Решение (код, язык)</a:t>
-            </a:r>
-          </a:p>
-        </p:txBody>
-      </p:sp>
-      <p:cxnSp>
-        <p:nvCxnSpPr>
-          <p:cNvPr id="11" name="Прямая со стрелкой 10">
-            <a:extLst>
-              <a:ext uri="{FF2B5EF4-FFF2-40B4-BE49-F238E27FC236}">
-                <a16:creationId xmlns:a16="http://schemas.microsoft.com/office/drawing/2014/main" id="{49968D7E-B999-42AE-B8E7-C92C1BA51B16}"/>
-              </a:ext>
-            </a:extLst>
-          </p:cNvPr>
-          <p:cNvCxnSpPr>
-            <a:cxnSpLocks/>
-            <a:endCxn id="6" idx="0"/>
-          </p:cNvCxnSpPr>
-          <p:nvPr/>
-        </p:nvCxnSpPr>
-        <p:spPr>
-          <a:xfrm>
-            <a:off x="9241215" y="2121629"/>
-            <a:ext cx="0" cy="1091187"/>
-          </a:xfrm>
-          <a:prstGeom prst="straightConnector1">
-            <a:avLst/>
-          </a:prstGeom>
-          <a:ln>
-            <a:tailEnd type="triangle"/>
-          </a:ln>
-        </p:spPr>
-        <p:style>
-          <a:lnRef idx="1">
-            <a:schemeClr val="dk1"/>
-          </a:lnRef>
-          <a:fillRef idx="0">
-            <a:schemeClr val="dk1"/>
-          </a:fillRef>
-          <a:effectRef idx="0">
-            <a:schemeClr val="dk1"/>
-          </a:effectRef>
-          <a:fontRef idx="minor">
-            <a:schemeClr val="tx1"/>
-          </a:fontRef>
-        </p:style>
-      </p:cxnSp>
-      <p:sp>
-        <p:nvSpPr>
-          <p:cNvPr id="14" name="TextBox 13">
-            <a:extLst>
-              <a:ext uri="{FF2B5EF4-FFF2-40B4-BE49-F238E27FC236}">
-                <a16:creationId xmlns:a16="http://schemas.microsoft.com/office/drawing/2014/main" id="{29075BD1-B103-476E-9F6A-0C376934E89D}"/>
-              </a:ext>
-            </a:extLst>
-          </p:cNvPr>
-          <p:cNvSpPr txBox="1"/>
-          <p:nvPr/>
-        </p:nvSpPr>
-        <p:spPr>
-          <a:xfrm>
-            <a:off x="8768759" y="1694346"/>
-            <a:ext cx="874805" cy="369332"/>
-          </a:xfrm>
-          <a:prstGeom prst="rect">
-            <a:avLst/>
-          </a:prstGeom>
-          <a:noFill/>
-        </p:spPr>
-        <p:txBody>
-          <a:bodyPr wrap="square" rtlCol="0">
-            <a:spAutoFit/>
-          </a:bodyPr>
-          <a:lstStyle/>
-          <a:p>
-            <a:r>
-              <a:rPr lang="ru-RU" dirty="0">
-                <a:latin typeface="Bahnschrift Light Condensed" panose="020B0502040204020203" pitchFamily="34" charset="0"/>
-              </a:rPr>
-              <a:t>Драйвер</a:t>
-            </a:r>
-          </a:p>
-        </p:txBody>
-      </p:sp>
-      <p:cxnSp>
-        <p:nvCxnSpPr>
-          <p:cNvPr id="16" name="Прямая со стрелкой 15">
-            <a:extLst>
-              <a:ext uri="{FF2B5EF4-FFF2-40B4-BE49-F238E27FC236}">
-                <a16:creationId xmlns:a16="http://schemas.microsoft.com/office/drawing/2014/main" id="{0E2E4712-ECD4-46A5-8813-177D5F7E3E4F}"/>
-              </a:ext>
-            </a:extLst>
-          </p:cNvPr>
-          <p:cNvCxnSpPr>
-            <a:cxnSpLocks/>
-          </p:cNvCxnSpPr>
-          <p:nvPr/>
-        </p:nvCxnSpPr>
-        <p:spPr>
-          <a:xfrm>
-            <a:off x="10235682" y="1484077"/>
-            <a:ext cx="0" cy="1704267"/>
-          </a:xfrm>
-          <a:prstGeom prst="straightConnector1">
-            <a:avLst/>
-          </a:prstGeom>
-          <a:ln>
-            <a:tailEnd type="triangle"/>
-          </a:ln>
-        </p:spPr>
-        <p:style>
-          <a:lnRef idx="1">
-            <a:schemeClr val="dk1"/>
-          </a:lnRef>
-          <a:fillRef idx="0">
-            <a:schemeClr val="dk1"/>
-          </a:fillRef>
-          <a:effectRef idx="0">
-            <a:schemeClr val="dk1"/>
-          </a:effectRef>
-          <a:fontRef idx="minor">
-            <a:schemeClr val="tx1"/>
-          </a:fontRef>
-        </p:style>
-      </p:cxnSp>
-      <p:sp>
-        <p:nvSpPr>
-          <p:cNvPr id="19" name="TextBox 18">
-            <a:extLst>
-              <a:ext uri="{FF2B5EF4-FFF2-40B4-BE49-F238E27FC236}">
-                <a16:creationId xmlns:a16="http://schemas.microsoft.com/office/drawing/2014/main" id="{F257F73C-F8CC-41CE-B3CF-ABE434C98140}"/>
-              </a:ext>
-            </a:extLst>
-          </p:cNvPr>
-          <p:cNvSpPr txBox="1"/>
-          <p:nvPr/>
-        </p:nvSpPr>
-        <p:spPr>
-          <a:xfrm>
-            <a:off x="9371755" y="1081266"/>
-            <a:ext cx="1825692" cy="369332"/>
-          </a:xfrm>
-          <a:prstGeom prst="rect">
-            <a:avLst/>
-          </a:prstGeom>
-          <a:noFill/>
-        </p:spPr>
-        <p:txBody>
-          <a:bodyPr wrap="square" rtlCol="0">
-            <a:spAutoFit/>
-          </a:bodyPr>
-          <a:lstStyle/>
-          <a:p>
-            <a:pPr algn="ctr"/>
-            <a:r>
-              <a:rPr lang="ru-RU" dirty="0">
-                <a:latin typeface="Bahnschrift Light Condensed" panose="020B0502040204020203" pitchFamily="34" charset="0"/>
-              </a:rPr>
-              <a:t>Структура задачи</a:t>
-            </a:r>
-          </a:p>
-        </p:txBody>
-      </p:sp>
-      <p:cxnSp>
-        <p:nvCxnSpPr>
-          <p:cNvPr id="21" name="Прямая со стрелкой 20">
-            <a:extLst>
-              <a:ext uri="{FF2B5EF4-FFF2-40B4-BE49-F238E27FC236}">
-                <a16:creationId xmlns:a16="http://schemas.microsoft.com/office/drawing/2014/main" id="{9DD28269-435A-4F7E-8652-B996D3296353}"/>
-              </a:ext>
-            </a:extLst>
-          </p:cNvPr>
-          <p:cNvCxnSpPr>
-            <a:stCxn id="6" idx="2"/>
-          </p:cNvCxnSpPr>
-          <p:nvPr/>
-        </p:nvCxnSpPr>
-        <p:spPr>
-          <a:xfrm flipH="1">
-            <a:off x="9241214" y="3959265"/>
-            <a:ext cx="1" cy="1057085"/>
-          </a:xfrm>
-          <a:prstGeom prst="straightConnector1">
-            <a:avLst/>
-          </a:prstGeom>
-          <a:ln>
-            <a:tailEnd type="triangle"/>
-          </a:ln>
-        </p:spPr>
-        <p:style>
-          <a:lnRef idx="1">
-            <a:schemeClr val="dk1"/>
-          </a:lnRef>
-          <a:fillRef idx="0">
-            <a:schemeClr val="dk1"/>
-          </a:fillRef>
-          <a:effectRef idx="0">
-            <a:schemeClr val="dk1"/>
-          </a:effectRef>
-          <a:fontRef idx="minor">
-            <a:schemeClr val="tx1"/>
-          </a:fontRef>
-        </p:style>
-      </p:cxnSp>
-      <p:sp>
-        <p:nvSpPr>
-          <p:cNvPr id="22" name="TextBox 21">
-            <a:extLst>
-              <a:ext uri="{FF2B5EF4-FFF2-40B4-BE49-F238E27FC236}">
-                <a16:creationId xmlns:a16="http://schemas.microsoft.com/office/drawing/2014/main" id="{4D503E26-7640-4EE9-B732-98F745BCB369}"/>
-              </a:ext>
-            </a:extLst>
-          </p:cNvPr>
-          <p:cNvSpPr txBox="1"/>
-          <p:nvPr/>
-        </p:nvSpPr>
-        <p:spPr>
-          <a:xfrm>
-            <a:off x="8131207" y="5004591"/>
-            <a:ext cx="2435289" cy="369332"/>
-          </a:xfrm>
-          <a:prstGeom prst="rect">
-            <a:avLst/>
-          </a:prstGeom>
-          <a:noFill/>
-        </p:spPr>
-        <p:txBody>
-          <a:bodyPr wrap="square" rtlCol="0">
-            <a:spAutoFit/>
-          </a:bodyPr>
-          <a:lstStyle/>
-          <a:p>
-            <a:r>
-              <a:rPr lang="ru-RU" dirty="0">
-                <a:latin typeface="Bahnschrift Light Condensed" panose="020B0502040204020203" pitchFamily="34" charset="0"/>
-              </a:rPr>
-              <a:t>Готовый к исполнению код</a:t>
-            </a:r>
-          </a:p>
-        </p:txBody>
-      </p:sp>
-      <p:sp>
-        <p:nvSpPr>
-          <p:cNvPr id="23" name="TextBox 22">
-            <a:extLst>
-              <a:ext uri="{FF2B5EF4-FFF2-40B4-BE49-F238E27FC236}">
-                <a16:creationId xmlns:a16="http://schemas.microsoft.com/office/drawing/2014/main" id="{F2CFDEC0-8F57-48F8-9314-DAFF256B8407}"/>
-              </a:ext>
-            </a:extLst>
-          </p:cNvPr>
-          <p:cNvSpPr txBox="1"/>
-          <p:nvPr/>
-        </p:nvSpPr>
-        <p:spPr>
-          <a:xfrm>
-            <a:off x="8003158" y="5562744"/>
-            <a:ext cx="2691385" cy="400110"/>
-          </a:xfrm>
-          <a:prstGeom prst="rect">
-            <a:avLst/>
-          </a:prstGeom>
-          <a:noFill/>
-        </p:spPr>
-        <p:txBody>
-          <a:bodyPr wrap="square" rtlCol="0">
-            <a:spAutoFit/>
-          </a:bodyPr>
-          <a:lstStyle/>
-          <a:p>
-            <a:r>
-              <a:rPr lang="ru-RU" sz="2000" dirty="0">
-                <a:latin typeface="Bahnschrift Light Condensed" panose="020B0502040204020203" pitchFamily="34" charset="0"/>
-              </a:rPr>
-              <a:t>Рисунок </a:t>
-            </a:r>
-            <a:r>
-              <a:rPr lang="en-US" sz="2000" dirty="0">
-                <a:latin typeface="Bahnschrift Light Condensed" panose="020B0502040204020203" pitchFamily="34" charset="0"/>
-              </a:rPr>
-              <a:t>5</a:t>
-            </a:r>
-            <a:r>
-              <a:rPr lang="ru-RU" sz="2000" dirty="0">
-                <a:latin typeface="Bahnschrift Light Condensed" panose="020B0502040204020203" pitchFamily="34" charset="0"/>
-              </a:rPr>
-              <a:t> – Подготовка кода</a:t>
-            </a:r>
+              <a:rPr lang="en-US" sz="1400" dirty="0" smtClean="0">
+                <a:latin typeface="Bahnschrift Light SemiCondensed" panose="020B0502040204020203" pitchFamily="34" charset="0"/>
+              </a:rPr>
+              <a:t>${</a:t>
+            </a:r>
+            <a:r>
+              <a:rPr lang="en-US" sz="1400" dirty="0">
+                <a:latin typeface="Bahnschrift Light SemiCondensed" panose="020B0502040204020203" pitchFamily="34" charset="0"/>
+              </a:rPr>
+              <a:t>solution</a:t>
+            </a:r>
+            <a:r>
+              <a:rPr lang="en-US" sz="1400" dirty="0" smtClean="0">
+                <a:latin typeface="Bahnschrift Light SemiCondensed" panose="020B0502040204020203" pitchFamily="34" charset="0"/>
+              </a:rPr>
+              <a:t>}</a:t>
+            </a:r>
+            <a:r>
+              <a:rPr lang="ru-RU" sz="1400" dirty="0" smtClean="0">
+                <a:latin typeface="Bahnschrift Light SemiCondensed" panose="020B0502040204020203" pitchFamily="34" charset="0"/>
+              </a:rPr>
+              <a:t>   </a:t>
+            </a:r>
+            <a:r>
+              <a:rPr lang="ru-RU" sz="1400" b="1" dirty="0" smtClean="0">
+                <a:latin typeface="Bahnschrift Light SemiCondensed" panose="020B0502040204020203" pitchFamily="34" charset="0"/>
+              </a:rPr>
+              <a:t>1)</a:t>
+            </a:r>
+            <a:endParaRPr lang="en-US" sz="1400" b="1" dirty="0">
+              <a:latin typeface="Bahnschrift Light SemiCondensed" panose="020B0502040204020203" pitchFamily="34" charset="0"/>
+            </a:endParaRPr>
+          </a:p>
+          <a:p>
+            <a:r>
+              <a:rPr lang="en-US" sz="1400" dirty="0" smtClean="0">
+                <a:latin typeface="Bahnschrift Light SemiCondensed" panose="020B0502040204020203" pitchFamily="34" charset="0"/>
+              </a:rPr>
+              <a:t/>
+            </a:r>
+            <a:br>
+              <a:rPr lang="en-US" sz="1400" dirty="0" smtClean="0">
+                <a:latin typeface="Bahnschrift Light SemiCondensed" panose="020B0502040204020203" pitchFamily="34" charset="0"/>
+              </a:rPr>
+            </a:br>
+            <a:r>
+              <a:rPr lang="en-US" sz="1400" b="1" dirty="0" err="1" smtClean="0">
+                <a:latin typeface="Bahnschrift Light SemiCondensed" panose="020B0502040204020203" pitchFamily="34" charset="0"/>
+              </a:rPr>
+              <a:t>def</a:t>
+            </a:r>
+            <a:r>
+              <a:rPr lang="en-US" sz="1400" dirty="0" smtClean="0">
+                <a:latin typeface="Bahnschrift Light SemiCondensed" panose="020B0502040204020203" pitchFamily="34" charset="0"/>
+              </a:rPr>
+              <a:t> READ_STRING():</a:t>
+            </a:r>
+            <a:r>
+              <a:rPr lang="ru-RU" sz="1400" dirty="0" smtClean="0">
+                <a:latin typeface="Bahnschrift Light SemiCondensed" panose="020B0502040204020203" pitchFamily="34" charset="0"/>
+              </a:rPr>
+              <a:t> </a:t>
+            </a:r>
+            <a:r>
+              <a:rPr lang="ru-RU" sz="1400" b="1" dirty="0" smtClean="0">
+                <a:latin typeface="Bahnschrift Light SemiCondensed" panose="020B0502040204020203" pitchFamily="34" charset="0"/>
+              </a:rPr>
+              <a:t>2)</a:t>
+            </a:r>
+            <a:endParaRPr lang="en-US" sz="1400" dirty="0" smtClean="0">
+              <a:latin typeface="Bahnschrift Light SemiCondensed" panose="020B0502040204020203" pitchFamily="34" charset="0"/>
+            </a:endParaRPr>
+          </a:p>
+          <a:p>
+            <a:r>
+              <a:rPr lang="en-US" sz="1400" dirty="0">
+                <a:latin typeface="Bahnschrift Light SemiCondensed" panose="020B0502040204020203" pitchFamily="34" charset="0"/>
+              </a:rPr>
+              <a:t>    </a:t>
+            </a:r>
+            <a:r>
+              <a:rPr lang="en-US" sz="1400" b="1" dirty="0">
+                <a:latin typeface="Bahnschrift Light SemiCondensed" panose="020B0502040204020203" pitchFamily="34" charset="0"/>
+              </a:rPr>
+              <a:t>return</a:t>
+            </a:r>
+            <a:r>
+              <a:rPr lang="en-US" sz="1400" dirty="0">
+                <a:latin typeface="Bahnschrift Light SemiCondensed" panose="020B0502040204020203" pitchFamily="34" charset="0"/>
+              </a:rPr>
+              <a:t> input()</a:t>
+            </a:r>
+          </a:p>
+          <a:p>
+            <a:r>
+              <a:rPr lang="en-US" sz="1400" dirty="0">
+                <a:latin typeface="Bahnschrift Light SemiCondensed" panose="020B0502040204020203" pitchFamily="34" charset="0"/>
+              </a:rPr>
+              <a:t/>
+            </a:r>
+            <a:br>
+              <a:rPr lang="en-US" sz="1400" dirty="0">
+                <a:latin typeface="Bahnschrift Light SemiCondensed" panose="020B0502040204020203" pitchFamily="34" charset="0"/>
+              </a:rPr>
+            </a:br>
+            <a:r>
+              <a:rPr lang="en-US" sz="1400" b="1" dirty="0" err="1">
+                <a:latin typeface="Bahnschrift Light SemiCondensed" panose="020B0502040204020203" pitchFamily="34" charset="0"/>
+              </a:rPr>
+              <a:t>def</a:t>
+            </a:r>
+            <a:r>
+              <a:rPr lang="en-US" sz="1400" dirty="0">
+                <a:latin typeface="Bahnschrift Light SemiCondensed" panose="020B0502040204020203" pitchFamily="34" charset="0"/>
+              </a:rPr>
+              <a:t> READ_INTEGER_ARR</a:t>
+            </a:r>
+            <a:r>
+              <a:rPr lang="en-US" sz="1400" dirty="0" smtClean="0">
+                <a:latin typeface="Bahnschrift Light SemiCondensed" panose="020B0502040204020203" pitchFamily="34" charset="0"/>
+              </a:rPr>
+              <a:t>():</a:t>
+            </a:r>
+            <a:r>
+              <a:rPr lang="ru-RU" sz="1400" dirty="0" smtClean="0">
+                <a:latin typeface="Bahnschrift Light SemiCondensed" panose="020B0502040204020203" pitchFamily="34" charset="0"/>
+              </a:rPr>
+              <a:t> </a:t>
+            </a:r>
+            <a:r>
+              <a:rPr lang="ru-RU" sz="1400" b="1" dirty="0">
+                <a:latin typeface="Bahnschrift Light SemiCondensed" panose="020B0502040204020203" pitchFamily="34" charset="0"/>
+              </a:rPr>
+              <a:t>2</a:t>
+            </a:r>
+            <a:r>
+              <a:rPr lang="ru-RU" sz="1400" b="1" dirty="0" smtClean="0">
+                <a:latin typeface="Bahnschrift Light SemiCondensed" panose="020B0502040204020203" pitchFamily="34" charset="0"/>
+              </a:rPr>
+              <a:t>)</a:t>
+            </a:r>
+            <a:endParaRPr lang="en-US" sz="1400" dirty="0">
+              <a:latin typeface="Bahnschrift Light SemiCondensed" panose="020B0502040204020203" pitchFamily="34" charset="0"/>
+            </a:endParaRPr>
+          </a:p>
+          <a:p>
+            <a:r>
+              <a:rPr lang="en-US" sz="1400" dirty="0">
+                <a:latin typeface="Bahnschrift Light SemiCondensed" panose="020B0502040204020203" pitchFamily="34" charset="0"/>
+              </a:rPr>
+              <a:t>    </a:t>
+            </a:r>
+            <a:r>
+              <a:rPr lang="en-US" sz="1400" dirty="0" err="1">
+                <a:latin typeface="Bahnschrift Light SemiCondensed" panose="020B0502040204020203" pitchFamily="34" charset="0"/>
+              </a:rPr>
+              <a:t>input_str</a:t>
+            </a:r>
+            <a:r>
+              <a:rPr lang="en-US" sz="1400" dirty="0">
+                <a:latin typeface="Bahnschrift Light SemiCondensed" panose="020B0502040204020203" pitchFamily="34" charset="0"/>
+              </a:rPr>
+              <a:t> </a:t>
+            </a:r>
+            <a:r>
+              <a:rPr lang="en-US" sz="1400" b="1" dirty="0">
+                <a:latin typeface="Bahnschrift Light SemiCondensed" panose="020B0502040204020203" pitchFamily="34" charset="0"/>
+              </a:rPr>
+              <a:t>=</a:t>
+            </a:r>
+            <a:r>
+              <a:rPr lang="en-US" sz="1400" dirty="0">
+                <a:latin typeface="Bahnschrift Light SemiCondensed" panose="020B0502040204020203" pitchFamily="34" charset="0"/>
+              </a:rPr>
+              <a:t> input()</a:t>
+            </a:r>
+          </a:p>
+          <a:p>
+            <a:r>
+              <a:rPr lang="en-US" sz="1400" dirty="0">
+                <a:latin typeface="Bahnschrift Light SemiCondensed" panose="020B0502040204020203" pitchFamily="34" charset="0"/>
+              </a:rPr>
+              <a:t>    </a:t>
+            </a:r>
+            <a:r>
+              <a:rPr lang="en-US" sz="1400" b="1" dirty="0">
+                <a:latin typeface="Bahnschrift Light SemiCondensed" panose="020B0502040204020203" pitchFamily="34" charset="0"/>
+              </a:rPr>
+              <a:t>if</a:t>
+            </a:r>
+            <a:r>
+              <a:rPr lang="en-US" sz="1400" dirty="0">
+                <a:latin typeface="Bahnschrift Light SemiCondensed" panose="020B0502040204020203" pitchFamily="34" charset="0"/>
+              </a:rPr>
+              <a:t> </a:t>
+            </a:r>
+            <a:r>
+              <a:rPr lang="en-US" sz="1400" dirty="0" err="1">
+                <a:latin typeface="Bahnschrift Light SemiCondensed" panose="020B0502040204020203" pitchFamily="34" charset="0"/>
+              </a:rPr>
+              <a:t>input_str</a:t>
+            </a:r>
+            <a:r>
+              <a:rPr lang="en-US" sz="1400" dirty="0">
+                <a:latin typeface="Bahnschrift Light SemiCondensed" panose="020B0502040204020203" pitchFamily="34" charset="0"/>
+              </a:rPr>
+              <a:t> </a:t>
+            </a:r>
+            <a:r>
+              <a:rPr lang="en-US" sz="1400" b="1" dirty="0">
+                <a:latin typeface="Bahnschrift Light SemiCondensed" panose="020B0502040204020203" pitchFamily="34" charset="0"/>
+              </a:rPr>
+              <a:t>==</a:t>
+            </a:r>
+            <a:r>
+              <a:rPr lang="en-US" sz="1400" dirty="0">
+                <a:latin typeface="Bahnschrift Light SemiCondensed" panose="020B0502040204020203" pitchFamily="34" charset="0"/>
+              </a:rPr>
+              <a:t> "[]":</a:t>
+            </a:r>
+          </a:p>
+          <a:p>
+            <a:r>
+              <a:rPr lang="en-US" sz="1400" dirty="0">
+                <a:latin typeface="Bahnschrift Light SemiCondensed" panose="020B0502040204020203" pitchFamily="34" charset="0"/>
+              </a:rPr>
+              <a:t>        </a:t>
+            </a:r>
+            <a:r>
+              <a:rPr lang="en-US" sz="1400" b="1" dirty="0">
+                <a:latin typeface="Bahnschrift Light SemiCondensed" panose="020B0502040204020203" pitchFamily="34" charset="0"/>
+              </a:rPr>
+              <a:t>return</a:t>
+            </a:r>
+            <a:r>
+              <a:rPr lang="en-US" sz="1400" dirty="0">
+                <a:latin typeface="Bahnschrift Light SemiCondensed" panose="020B0502040204020203" pitchFamily="34" charset="0"/>
+              </a:rPr>
+              <a:t> </a:t>
+            </a:r>
+            <a:r>
+              <a:rPr lang="en-US" sz="1400" dirty="0" smtClean="0">
+                <a:latin typeface="Bahnschrift Light SemiCondensed" panose="020B0502040204020203" pitchFamily="34" charset="0"/>
+              </a:rPr>
+              <a:t>[]</a:t>
+            </a:r>
+            <a:r>
+              <a:rPr lang="en-US" sz="1400" dirty="0">
+                <a:latin typeface="Bahnschrift Light SemiCondensed" panose="020B0502040204020203" pitchFamily="34" charset="0"/>
+              </a:rPr>
+              <a:t/>
+            </a:r>
+            <a:br>
+              <a:rPr lang="en-US" sz="1400" dirty="0">
+                <a:latin typeface="Bahnschrift Light SemiCondensed" panose="020B0502040204020203" pitchFamily="34" charset="0"/>
+              </a:rPr>
+            </a:br>
+            <a:r>
+              <a:rPr lang="en-US" sz="1400" dirty="0">
+                <a:latin typeface="Bahnschrift Light SemiCondensed" panose="020B0502040204020203" pitchFamily="34" charset="0"/>
+              </a:rPr>
+              <a:t>    </a:t>
+            </a:r>
+            <a:r>
+              <a:rPr lang="en-US" sz="1400" dirty="0" err="1">
+                <a:latin typeface="Bahnschrift Light SemiCondensed" panose="020B0502040204020203" pitchFamily="34" charset="0"/>
+              </a:rPr>
+              <a:t>input_str</a:t>
+            </a:r>
+            <a:r>
+              <a:rPr lang="en-US" sz="1400" dirty="0">
+                <a:latin typeface="Bahnschrift Light SemiCondensed" panose="020B0502040204020203" pitchFamily="34" charset="0"/>
+              </a:rPr>
+              <a:t> </a:t>
+            </a:r>
+            <a:r>
+              <a:rPr lang="en-US" sz="1400" b="1" dirty="0">
+                <a:latin typeface="Bahnschrift Light SemiCondensed" panose="020B0502040204020203" pitchFamily="34" charset="0"/>
+              </a:rPr>
+              <a:t>=</a:t>
+            </a:r>
+            <a:r>
+              <a:rPr lang="en-US" sz="1400" dirty="0">
+                <a:latin typeface="Bahnschrift Light SemiCondensed" panose="020B0502040204020203" pitchFamily="34" charset="0"/>
+              </a:rPr>
+              <a:t> </a:t>
+            </a:r>
+            <a:r>
+              <a:rPr lang="en-US" sz="1400" dirty="0" err="1">
+                <a:latin typeface="Bahnschrift Light SemiCondensed" panose="020B0502040204020203" pitchFamily="34" charset="0"/>
+              </a:rPr>
+              <a:t>input_str.replace</a:t>
+            </a:r>
+            <a:r>
+              <a:rPr lang="en-US" sz="1400" dirty="0">
+                <a:latin typeface="Bahnschrift Light SemiCondensed" panose="020B0502040204020203" pitchFamily="34" charset="0"/>
+              </a:rPr>
+              <a:t>("[", "").replace("]", "").replace(" ", </a:t>
+            </a:r>
+            <a:r>
+              <a:rPr lang="en-US" sz="1400" dirty="0" smtClean="0">
+                <a:latin typeface="Bahnschrift Light SemiCondensed" panose="020B0502040204020203" pitchFamily="34" charset="0"/>
+              </a:rPr>
+              <a:t>"")</a:t>
+            </a:r>
+            <a:r>
+              <a:rPr lang="en-US" sz="1400" dirty="0">
+                <a:latin typeface="Bahnschrift Light SemiCondensed" panose="020B0502040204020203" pitchFamily="34" charset="0"/>
+              </a:rPr>
+              <a:t/>
+            </a:r>
+            <a:br>
+              <a:rPr lang="en-US" sz="1400" dirty="0">
+                <a:latin typeface="Bahnschrift Light SemiCondensed" panose="020B0502040204020203" pitchFamily="34" charset="0"/>
+              </a:rPr>
+            </a:br>
+            <a:r>
+              <a:rPr lang="en-US" sz="1400" dirty="0">
+                <a:latin typeface="Bahnschrift Light SemiCondensed" panose="020B0502040204020203" pitchFamily="34" charset="0"/>
+              </a:rPr>
+              <a:t>    </a:t>
+            </a:r>
+            <a:r>
+              <a:rPr lang="en-US" sz="1400" dirty="0" smtClean="0">
+                <a:latin typeface="Bahnschrift Light SemiCondensed" panose="020B0502040204020203" pitchFamily="34" charset="0"/>
+              </a:rPr>
+              <a:t>elements </a:t>
+            </a:r>
+            <a:r>
+              <a:rPr lang="en-US" sz="1400" b="1" dirty="0">
+                <a:latin typeface="Bahnschrift Light SemiCondensed" panose="020B0502040204020203" pitchFamily="34" charset="0"/>
+              </a:rPr>
+              <a:t>=</a:t>
+            </a:r>
+            <a:r>
+              <a:rPr lang="en-US" sz="1400" dirty="0">
+                <a:latin typeface="Bahnschrift Light SemiCondensed" panose="020B0502040204020203" pitchFamily="34" charset="0"/>
+              </a:rPr>
+              <a:t> </a:t>
+            </a:r>
+            <a:r>
+              <a:rPr lang="en-US" sz="1400" dirty="0" err="1">
+                <a:latin typeface="Bahnschrift Light SemiCondensed" panose="020B0502040204020203" pitchFamily="34" charset="0"/>
+              </a:rPr>
+              <a:t>input_str.split</a:t>
+            </a:r>
+            <a:r>
+              <a:rPr lang="en-US" sz="1400" dirty="0" smtClean="0">
+                <a:latin typeface="Bahnschrift Light SemiCondensed" panose="020B0502040204020203" pitchFamily="34" charset="0"/>
+              </a:rPr>
+              <a:t>(",")</a:t>
+            </a:r>
+            <a:r>
+              <a:rPr lang="en-US" sz="1400" dirty="0">
+                <a:latin typeface="Bahnschrift Light SemiCondensed" panose="020B0502040204020203" pitchFamily="34" charset="0"/>
+              </a:rPr>
+              <a:t/>
+            </a:r>
+            <a:br>
+              <a:rPr lang="en-US" sz="1400" dirty="0">
+                <a:latin typeface="Bahnschrift Light SemiCondensed" panose="020B0502040204020203" pitchFamily="34" charset="0"/>
+              </a:rPr>
+            </a:br>
+            <a:r>
+              <a:rPr lang="en-US" sz="1400" dirty="0">
+                <a:latin typeface="Bahnschrift Light SemiCondensed" panose="020B0502040204020203" pitchFamily="34" charset="0"/>
+              </a:rPr>
+              <a:t>    </a:t>
+            </a:r>
+            <a:r>
+              <a:rPr lang="en-US" sz="1400" dirty="0" err="1">
+                <a:latin typeface="Bahnschrift Light SemiCondensed" panose="020B0502040204020203" pitchFamily="34" charset="0"/>
+              </a:rPr>
+              <a:t>arr</a:t>
+            </a:r>
+            <a:r>
+              <a:rPr lang="en-US" sz="1400" dirty="0">
+                <a:latin typeface="Bahnschrift Light SemiCondensed" panose="020B0502040204020203" pitchFamily="34" charset="0"/>
+              </a:rPr>
+              <a:t> </a:t>
+            </a:r>
+            <a:r>
+              <a:rPr lang="en-US" sz="1400" b="1" dirty="0">
+                <a:latin typeface="Bahnschrift Light SemiCondensed" panose="020B0502040204020203" pitchFamily="34" charset="0"/>
+              </a:rPr>
+              <a:t>=</a:t>
+            </a:r>
+            <a:r>
+              <a:rPr lang="en-US" sz="1400" dirty="0">
+                <a:latin typeface="Bahnschrift Light SemiCondensed" panose="020B0502040204020203" pitchFamily="34" charset="0"/>
+              </a:rPr>
+              <a:t> [</a:t>
+            </a:r>
+            <a:r>
+              <a:rPr lang="en-US" sz="1400" dirty="0" err="1">
+                <a:latin typeface="Bahnschrift Light SemiCondensed" panose="020B0502040204020203" pitchFamily="34" charset="0"/>
+              </a:rPr>
+              <a:t>int</a:t>
+            </a:r>
+            <a:r>
+              <a:rPr lang="en-US" sz="1400" dirty="0">
+                <a:latin typeface="Bahnschrift Light SemiCondensed" panose="020B0502040204020203" pitchFamily="34" charset="0"/>
+              </a:rPr>
+              <a:t>(element) </a:t>
+            </a:r>
+            <a:r>
+              <a:rPr lang="en-US" sz="1400" b="1" dirty="0">
+                <a:latin typeface="Bahnschrift Light SemiCondensed" panose="020B0502040204020203" pitchFamily="34" charset="0"/>
+              </a:rPr>
+              <a:t>for</a:t>
+            </a:r>
+            <a:r>
+              <a:rPr lang="en-US" sz="1400" dirty="0">
+                <a:latin typeface="Bahnschrift Light SemiCondensed" panose="020B0502040204020203" pitchFamily="34" charset="0"/>
+              </a:rPr>
+              <a:t> element </a:t>
+            </a:r>
+            <a:r>
+              <a:rPr lang="en-US" sz="1400" b="1" dirty="0">
+                <a:latin typeface="Bahnschrift Light SemiCondensed" panose="020B0502040204020203" pitchFamily="34" charset="0"/>
+              </a:rPr>
+              <a:t>in</a:t>
+            </a:r>
+            <a:r>
+              <a:rPr lang="en-US" sz="1400" dirty="0">
+                <a:latin typeface="Bahnschrift Light SemiCondensed" panose="020B0502040204020203" pitchFamily="34" charset="0"/>
+              </a:rPr>
+              <a:t> elements]</a:t>
+            </a:r>
+          </a:p>
+          <a:p>
+            <a:r>
+              <a:rPr lang="en-US" sz="1400" dirty="0">
+                <a:latin typeface="Bahnschrift Light SemiCondensed" panose="020B0502040204020203" pitchFamily="34" charset="0"/>
+              </a:rPr>
+              <a:t>    </a:t>
+            </a:r>
+            <a:r>
+              <a:rPr lang="en-US" sz="1400" b="1" dirty="0">
+                <a:latin typeface="Bahnschrift Light SemiCondensed" panose="020B0502040204020203" pitchFamily="34" charset="0"/>
+              </a:rPr>
+              <a:t>return</a:t>
+            </a:r>
+            <a:r>
+              <a:rPr lang="en-US" sz="1400" dirty="0">
+                <a:latin typeface="Bahnschrift Light SemiCondensed" panose="020B0502040204020203" pitchFamily="34" charset="0"/>
+              </a:rPr>
+              <a:t> </a:t>
+            </a:r>
+            <a:r>
+              <a:rPr lang="en-US" sz="1400" dirty="0" err="1">
+                <a:latin typeface="Bahnschrift Light SemiCondensed" panose="020B0502040204020203" pitchFamily="34" charset="0"/>
+              </a:rPr>
+              <a:t>arr</a:t>
+            </a:r>
+            <a:endParaRPr lang="en-US" sz="1400" dirty="0">
+              <a:latin typeface="Bahnschrift Light SemiCondensed" panose="020B0502040204020203" pitchFamily="34" charset="0"/>
+            </a:endParaRPr>
+          </a:p>
+          <a:p>
+            <a:r>
+              <a:rPr lang="en-US" sz="1400" dirty="0">
+                <a:latin typeface="Bahnschrift Light SemiCondensed" panose="020B0502040204020203" pitchFamily="34" charset="0"/>
+              </a:rPr>
+              <a:t/>
+            </a:r>
+            <a:br>
+              <a:rPr lang="en-US" sz="1400" dirty="0">
+                <a:latin typeface="Bahnschrift Light SemiCondensed" panose="020B0502040204020203" pitchFamily="34" charset="0"/>
+              </a:rPr>
+            </a:br>
+            <a:r>
+              <a:rPr lang="en-US" sz="1400" b="1" dirty="0">
+                <a:latin typeface="Bahnschrift Light SemiCondensed" panose="020B0502040204020203" pitchFamily="34" charset="0"/>
+              </a:rPr>
+              <a:t>if</a:t>
+            </a:r>
+            <a:r>
+              <a:rPr lang="en-US" sz="1400" dirty="0">
+                <a:latin typeface="Bahnschrift Light SemiCondensed" panose="020B0502040204020203" pitchFamily="34" charset="0"/>
+              </a:rPr>
+              <a:t> __name__ </a:t>
+            </a:r>
+            <a:r>
+              <a:rPr lang="en-US" sz="1400" b="1" dirty="0">
+                <a:latin typeface="Bahnschrift Light SemiCondensed" panose="020B0502040204020203" pitchFamily="34" charset="0"/>
+              </a:rPr>
+              <a:t>==</a:t>
+            </a:r>
+            <a:r>
+              <a:rPr lang="en-US" sz="1400" dirty="0">
+                <a:latin typeface="Bahnschrift Light SemiCondensed" panose="020B0502040204020203" pitchFamily="34" charset="0"/>
+              </a:rPr>
+              <a:t> '__main__':</a:t>
+            </a:r>
+          </a:p>
+          <a:p>
+            <a:r>
+              <a:rPr lang="en-US" sz="1400" dirty="0">
+                <a:latin typeface="Bahnschrift Light SemiCondensed" panose="020B0502040204020203" pitchFamily="34" charset="0"/>
+              </a:rPr>
+              <a:t>${</a:t>
+            </a:r>
+            <a:r>
+              <a:rPr lang="en-US" sz="1400" dirty="0" err="1">
+                <a:latin typeface="Bahnschrift Light SemiCondensed" panose="020B0502040204020203" pitchFamily="34" charset="0"/>
+              </a:rPr>
+              <a:t>paramsInputSection</a:t>
+            </a:r>
+            <a:r>
+              <a:rPr lang="en-US" sz="1400" dirty="0" smtClean="0">
+                <a:latin typeface="Bahnschrift Light SemiCondensed" panose="020B0502040204020203" pitchFamily="34" charset="0"/>
+              </a:rPr>
+              <a:t>}</a:t>
+            </a:r>
+            <a:r>
+              <a:rPr lang="ru-RU" sz="1400" dirty="0" smtClean="0">
+                <a:latin typeface="Bahnschrift Light SemiCondensed" panose="020B0502040204020203" pitchFamily="34" charset="0"/>
+              </a:rPr>
+              <a:t> </a:t>
+            </a:r>
+            <a:r>
+              <a:rPr lang="ru-RU" sz="1400" b="1" dirty="0" smtClean="0">
+                <a:latin typeface="Bahnschrift Light SemiCondensed" panose="020B0502040204020203" pitchFamily="34" charset="0"/>
+              </a:rPr>
+              <a:t>3)</a:t>
+            </a:r>
+            <a:endParaRPr lang="en-US" sz="1400" dirty="0">
+              <a:latin typeface="Bahnschrift Light SemiCondensed" panose="020B0502040204020203" pitchFamily="34" charset="0"/>
+            </a:endParaRPr>
+          </a:p>
+          <a:p>
+            <a:r>
+              <a:rPr lang="en-US" sz="1400" dirty="0">
+                <a:latin typeface="Bahnschrift Light SemiCondensed" panose="020B0502040204020203" pitchFamily="34" charset="0"/>
+              </a:rPr>
+              <a:t/>
+            </a:r>
+            <a:br>
+              <a:rPr lang="en-US" sz="1400" dirty="0">
+                <a:latin typeface="Bahnschrift Light SemiCondensed" panose="020B0502040204020203" pitchFamily="34" charset="0"/>
+              </a:rPr>
+            </a:br>
+            <a:r>
+              <a:rPr lang="en-US" sz="1400" dirty="0">
+                <a:latin typeface="Bahnschrift Light SemiCondensed" panose="020B0502040204020203" pitchFamily="34" charset="0"/>
+              </a:rPr>
+              <a:t>    s </a:t>
+            </a:r>
+            <a:r>
+              <a:rPr lang="en-US" sz="1400" b="1" dirty="0">
+                <a:latin typeface="Bahnschrift Light SemiCondensed" panose="020B0502040204020203" pitchFamily="34" charset="0"/>
+              </a:rPr>
+              <a:t>=</a:t>
+            </a:r>
+            <a:r>
+              <a:rPr lang="en-US" sz="1400" dirty="0">
+                <a:latin typeface="Bahnschrift Light SemiCondensed" panose="020B0502040204020203" pitchFamily="34" charset="0"/>
+              </a:rPr>
+              <a:t> Solution()</a:t>
+            </a:r>
+          </a:p>
+          <a:p>
+            <a:r>
+              <a:rPr lang="en-US" sz="1400" dirty="0">
+                <a:latin typeface="Bahnschrift Light SemiCondensed" panose="020B0502040204020203" pitchFamily="34" charset="0"/>
+              </a:rPr>
+              <a:t>    </a:t>
+            </a:r>
+            <a:r>
+              <a:rPr lang="en-US" sz="1400" dirty="0" err="1">
+                <a:latin typeface="Bahnschrift Light SemiCondensed" panose="020B0502040204020203" pitchFamily="34" charset="0"/>
+              </a:rPr>
+              <a:t>start_time</a:t>
+            </a:r>
+            <a:r>
+              <a:rPr lang="en-US" sz="1400" dirty="0">
+                <a:latin typeface="Bahnschrift Light SemiCondensed" panose="020B0502040204020203" pitchFamily="34" charset="0"/>
+              </a:rPr>
+              <a:t> </a:t>
+            </a:r>
+            <a:r>
+              <a:rPr lang="en-US" sz="1400" b="1" dirty="0">
+                <a:latin typeface="Bahnschrift Light SemiCondensed" panose="020B0502040204020203" pitchFamily="34" charset="0"/>
+              </a:rPr>
+              <a:t>=</a:t>
+            </a:r>
+            <a:r>
+              <a:rPr lang="en-US" sz="1400" dirty="0">
+                <a:latin typeface="Bahnschrift Light SemiCondensed" panose="020B0502040204020203" pitchFamily="34" charset="0"/>
+              </a:rPr>
+              <a:t> </a:t>
+            </a:r>
+            <a:r>
+              <a:rPr lang="en-US" sz="1400" dirty="0" err="1">
+                <a:latin typeface="Bahnschrift Light SemiCondensed" panose="020B0502040204020203" pitchFamily="34" charset="0"/>
+              </a:rPr>
+              <a:t>time.time</a:t>
+            </a:r>
+            <a:r>
+              <a:rPr lang="en-US" sz="1400" dirty="0" smtClean="0">
+                <a:latin typeface="Bahnschrift Light SemiCondensed" panose="020B0502040204020203" pitchFamily="34" charset="0"/>
+              </a:rPr>
+              <a:t>()</a:t>
+            </a:r>
+            <a:r>
+              <a:rPr lang="ru-RU" sz="1400" dirty="0" smtClean="0">
+                <a:latin typeface="Bahnschrift Light SemiCondensed" panose="020B0502040204020203" pitchFamily="34" charset="0"/>
+              </a:rPr>
+              <a:t> </a:t>
+            </a:r>
+            <a:r>
+              <a:rPr lang="ru-RU" sz="1400" b="1" dirty="0">
+                <a:latin typeface="Bahnschrift Light SemiCondensed" panose="020B0502040204020203" pitchFamily="34" charset="0"/>
+              </a:rPr>
+              <a:t>4</a:t>
+            </a:r>
+            <a:r>
+              <a:rPr lang="ru-RU" sz="1400" b="1" dirty="0" smtClean="0">
+                <a:latin typeface="Bahnschrift Light SemiCondensed" panose="020B0502040204020203" pitchFamily="34" charset="0"/>
+              </a:rPr>
+              <a:t>)</a:t>
+            </a:r>
+            <a:endParaRPr lang="en-US" sz="1400" b="1" dirty="0">
+              <a:latin typeface="Bahnschrift Light SemiCondensed" panose="020B0502040204020203" pitchFamily="34" charset="0"/>
+            </a:endParaRPr>
+          </a:p>
+          <a:p>
+            <a:r>
+              <a:rPr lang="en-US" sz="1400" dirty="0">
+                <a:latin typeface="Bahnschrift Light SemiCondensed" panose="020B0502040204020203" pitchFamily="34" charset="0"/>
+              </a:rPr>
+              <a:t>    ret </a:t>
+            </a:r>
+            <a:r>
+              <a:rPr lang="en-US" sz="1400" b="1" dirty="0">
+                <a:latin typeface="Bahnschrift Light SemiCondensed" panose="020B0502040204020203" pitchFamily="34" charset="0"/>
+              </a:rPr>
+              <a:t>=</a:t>
+            </a:r>
+            <a:r>
+              <a:rPr lang="en-US" sz="1400" dirty="0">
+                <a:latin typeface="Bahnschrift Light SemiCondensed" panose="020B0502040204020203" pitchFamily="34" charset="0"/>
+              </a:rPr>
+              <a:t> Solution.${</a:t>
+            </a:r>
+            <a:r>
+              <a:rPr lang="en-US" sz="1400" dirty="0" err="1">
+                <a:latin typeface="Bahnschrift Light SemiCondensed" panose="020B0502040204020203" pitchFamily="34" charset="0"/>
+              </a:rPr>
+              <a:t>methodName</a:t>
+            </a:r>
+            <a:r>
+              <a:rPr lang="en-US" sz="1400" dirty="0">
+                <a:latin typeface="Bahnschrift Light SemiCondensed" panose="020B0502040204020203" pitchFamily="34" charset="0"/>
+              </a:rPr>
+              <a:t>}(s, ${</a:t>
+            </a:r>
+            <a:r>
+              <a:rPr lang="en-US" sz="1400" dirty="0" err="1">
+                <a:latin typeface="Bahnschrift Light SemiCondensed" panose="020B0502040204020203" pitchFamily="34" charset="0"/>
+              </a:rPr>
+              <a:t>paramList</a:t>
+            </a:r>
+            <a:r>
+              <a:rPr lang="en-US" sz="1400" dirty="0" smtClean="0">
+                <a:latin typeface="Bahnschrift Light SemiCondensed" panose="020B0502040204020203" pitchFamily="34" charset="0"/>
+              </a:rPr>
+              <a:t>})</a:t>
+            </a:r>
+            <a:r>
+              <a:rPr lang="ru-RU" sz="1400" dirty="0" smtClean="0">
+                <a:latin typeface="Bahnschrift Light SemiCondensed" panose="020B0502040204020203" pitchFamily="34" charset="0"/>
+              </a:rPr>
+              <a:t> </a:t>
+            </a:r>
+            <a:r>
+              <a:rPr lang="ru-RU" sz="1400" b="1" dirty="0" smtClean="0">
+                <a:latin typeface="Bahnschrift Light SemiCondensed" panose="020B0502040204020203" pitchFamily="34" charset="0"/>
+              </a:rPr>
+              <a:t>5)</a:t>
+            </a:r>
+            <a:endParaRPr lang="en-US" sz="1400" dirty="0">
+              <a:latin typeface="Bahnschrift Light SemiCondensed" panose="020B0502040204020203" pitchFamily="34" charset="0"/>
+            </a:endParaRPr>
+          </a:p>
+          <a:p>
+            <a:r>
+              <a:rPr lang="en-US" sz="1400" dirty="0">
+                <a:latin typeface="Bahnschrift Light SemiCondensed" panose="020B0502040204020203" pitchFamily="34" charset="0"/>
+              </a:rPr>
+              <a:t>    </a:t>
+            </a:r>
+            <a:r>
+              <a:rPr lang="en-US" sz="1400" dirty="0" err="1">
+                <a:latin typeface="Bahnschrift Light SemiCondensed" panose="020B0502040204020203" pitchFamily="34" charset="0"/>
+              </a:rPr>
+              <a:t>end_time</a:t>
+            </a:r>
+            <a:r>
+              <a:rPr lang="en-US" sz="1400" dirty="0">
+                <a:latin typeface="Bahnschrift Light SemiCondensed" panose="020B0502040204020203" pitchFamily="34" charset="0"/>
+              </a:rPr>
+              <a:t> </a:t>
+            </a:r>
+            <a:r>
+              <a:rPr lang="en-US" sz="1400" b="1" dirty="0">
+                <a:latin typeface="Bahnschrift Light SemiCondensed" panose="020B0502040204020203" pitchFamily="34" charset="0"/>
+              </a:rPr>
+              <a:t>=</a:t>
+            </a:r>
+            <a:r>
+              <a:rPr lang="en-US" sz="1400" dirty="0">
+                <a:latin typeface="Bahnschrift Light SemiCondensed" panose="020B0502040204020203" pitchFamily="34" charset="0"/>
+              </a:rPr>
+              <a:t> </a:t>
+            </a:r>
+            <a:r>
+              <a:rPr lang="en-US" sz="1400" dirty="0" err="1">
+                <a:latin typeface="Bahnschrift Light SemiCondensed" panose="020B0502040204020203" pitchFamily="34" charset="0"/>
+              </a:rPr>
+              <a:t>time.time</a:t>
+            </a:r>
+            <a:r>
+              <a:rPr lang="en-US" sz="1400" dirty="0" smtClean="0">
+                <a:latin typeface="Bahnschrift Light SemiCondensed" panose="020B0502040204020203" pitchFamily="34" charset="0"/>
+              </a:rPr>
+              <a:t>()</a:t>
+            </a:r>
+            <a:r>
+              <a:rPr lang="ru-RU" sz="1400" dirty="0" smtClean="0">
+                <a:latin typeface="Bahnschrift Light SemiCondensed" panose="020B0502040204020203" pitchFamily="34" charset="0"/>
+              </a:rPr>
+              <a:t> </a:t>
+            </a:r>
+            <a:r>
+              <a:rPr lang="ru-RU" sz="1400" b="1" dirty="0" smtClean="0">
+                <a:latin typeface="Bahnschrift Light SemiCondensed" panose="020B0502040204020203" pitchFamily="34" charset="0"/>
+              </a:rPr>
+              <a:t>6)</a:t>
+            </a:r>
+            <a:endParaRPr lang="en-US" sz="1400" b="1" dirty="0">
+              <a:latin typeface="Bahnschrift Light SemiCondensed" panose="020B0502040204020203" pitchFamily="34" charset="0"/>
+            </a:endParaRPr>
+          </a:p>
+          <a:p>
+            <a:r>
+              <a:rPr lang="en-US" sz="1400" dirty="0">
+                <a:latin typeface="Bahnschrift Light SemiCondensed" panose="020B0502040204020203" pitchFamily="34" charset="0"/>
+              </a:rPr>
+              <a:t>    process </a:t>
+            </a:r>
+            <a:r>
+              <a:rPr lang="en-US" sz="1400" b="1" dirty="0">
+                <a:latin typeface="Bahnschrift Light SemiCondensed" panose="020B0502040204020203" pitchFamily="34" charset="0"/>
+              </a:rPr>
+              <a:t>=</a:t>
+            </a:r>
+            <a:r>
+              <a:rPr lang="en-US" sz="1400" dirty="0">
+                <a:latin typeface="Bahnschrift Light SemiCondensed" panose="020B0502040204020203" pitchFamily="34" charset="0"/>
+              </a:rPr>
+              <a:t> </a:t>
+            </a:r>
+            <a:r>
+              <a:rPr lang="en-US" sz="1400" dirty="0" err="1">
+                <a:latin typeface="Bahnschrift Light SemiCondensed" panose="020B0502040204020203" pitchFamily="34" charset="0"/>
+              </a:rPr>
+              <a:t>psutil.Process</a:t>
+            </a:r>
+            <a:r>
+              <a:rPr lang="en-US" sz="1400" dirty="0">
+                <a:latin typeface="Bahnschrift Light SemiCondensed" panose="020B0502040204020203" pitchFamily="34" charset="0"/>
+              </a:rPr>
+              <a:t>()</a:t>
+            </a:r>
+          </a:p>
+          <a:p>
+            <a:r>
+              <a:rPr lang="en-US" sz="1400" dirty="0">
+                <a:latin typeface="Bahnschrift Light SemiCondensed" panose="020B0502040204020203" pitchFamily="34" charset="0"/>
+              </a:rPr>
+              <a:t>    </a:t>
+            </a:r>
+            <a:r>
+              <a:rPr lang="en-US" sz="1400" dirty="0" err="1">
+                <a:latin typeface="Bahnschrift Light SemiCondensed" panose="020B0502040204020203" pitchFamily="34" charset="0"/>
+              </a:rPr>
+              <a:t>memory_info</a:t>
+            </a:r>
+            <a:r>
+              <a:rPr lang="en-US" sz="1400" dirty="0">
+                <a:latin typeface="Bahnschrift Light SemiCondensed" panose="020B0502040204020203" pitchFamily="34" charset="0"/>
+              </a:rPr>
+              <a:t> </a:t>
+            </a:r>
+            <a:r>
+              <a:rPr lang="en-US" sz="1400" b="1" dirty="0">
+                <a:latin typeface="Bahnschrift Light SemiCondensed" panose="020B0502040204020203" pitchFamily="34" charset="0"/>
+              </a:rPr>
+              <a:t>=</a:t>
+            </a:r>
+            <a:r>
+              <a:rPr lang="en-US" sz="1400" dirty="0">
+                <a:latin typeface="Bahnschrift Light SemiCondensed" panose="020B0502040204020203" pitchFamily="34" charset="0"/>
+              </a:rPr>
+              <a:t> </a:t>
+            </a:r>
+            <a:r>
+              <a:rPr lang="en-US" sz="1400" dirty="0" err="1">
+                <a:latin typeface="Bahnschrift Light SemiCondensed" panose="020B0502040204020203" pitchFamily="34" charset="0"/>
+              </a:rPr>
+              <a:t>memory_info</a:t>
+            </a:r>
+            <a:r>
+              <a:rPr lang="en-US" sz="1400" dirty="0">
+                <a:latin typeface="Bahnschrift Light SemiCondensed" panose="020B0502040204020203" pitchFamily="34" charset="0"/>
+              </a:rPr>
+              <a:t> </a:t>
+            </a:r>
+            <a:r>
+              <a:rPr lang="en-US" sz="1400" b="1" dirty="0">
+                <a:latin typeface="Bahnschrift Light SemiCondensed" panose="020B0502040204020203" pitchFamily="34" charset="0"/>
+              </a:rPr>
+              <a:t>=</a:t>
+            </a:r>
+            <a:r>
+              <a:rPr lang="en-US" sz="1400" dirty="0">
+                <a:latin typeface="Bahnschrift Light SemiCondensed" panose="020B0502040204020203" pitchFamily="34" charset="0"/>
+              </a:rPr>
+              <a:t> </a:t>
+            </a:r>
+            <a:r>
+              <a:rPr lang="en-US" sz="1400" dirty="0" err="1">
+                <a:latin typeface="Bahnschrift Light SemiCondensed" panose="020B0502040204020203" pitchFamily="34" charset="0"/>
+              </a:rPr>
+              <a:t>process.memory_info</a:t>
+            </a:r>
+            <a:r>
+              <a:rPr lang="en-US" sz="1400" dirty="0" smtClean="0">
+                <a:latin typeface="Bahnschrift Light SemiCondensed" panose="020B0502040204020203" pitchFamily="34" charset="0"/>
+              </a:rPr>
+              <a:t>()</a:t>
+            </a:r>
+            <a:r>
+              <a:rPr lang="ru-RU" sz="1400" dirty="0" smtClean="0">
+                <a:latin typeface="Bahnschrift Light SemiCondensed" panose="020B0502040204020203" pitchFamily="34" charset="0"/>
+              </a:rPr>
+              <a:t> </a:t>
+            </a:r>
+            <a:r>
+              <a:rPr lang="ru-RU" sz="1400" b="1" dirty="0" smtClean="0">
+                <a:latin typeface="Bahnschrift Light SemiCondensed" panose="020B0502040204020203" pitchFamily="34" charset="0"/>
+              </a:rPr>
+              <a:t>7)</a:t>
+            </a:r>
+            <a:endParaRPr lang="en-US" sz="1400" dirty="0">
+              <a:latin typeface="Bahnschrift Light SemiCondensed" panose="020B0502040204020203" pitchFamily="34" charset="0"/>
+            </a:endParaRPr>
+          </a:p>
+          <a:p>
+            <a:r>
+              <a:rPr lang="en-US" sz="1400" dirty="0">
+                <a:latin typeface="Bahnschrift Light SemiCondensed" panose="020B0502040204020203" pitchFamily="34" charset="0"/>
+              </a:rPr>
+              <a:t>    </a:t>
+            </a:r>
+            <a:r>
+              <a:rPr lang="en-US" sz="1400" dirty="0" err="1">
+                <a:latin typeface="Bahnschrift Light SemiCondensed" panose="020B0502040204020203" pitchFamily="34" charset="0"/>
+              </a:rPr>
+              <a:t>used_memory_kb</a:t>
+            </a:r>
+            <a:r>
+              <a:rPr lang="en-US" sz="1400" dirty="0">
+                <a:latin typeface="Bahnschrift Light SemiCondensed" panose="020B0502040204020203" pitchFamily="34" charset="0"/>
+              </a:rPr>
+              <a:t> </a:t>
+            </a:r>
+            <a:r>
+              <a:rPr lang="en-US" sz="1400" b="1" dirty="0">
+                <a:latin typeface="Bahnschrift Light SemiCondensed" panose="020B0502040204020203" pitchFamily="34" charset="0"/>
+              </a:rPr>
+              <a:t>=</a:t>
+            </a:r>
+            <a:r>
+              <a:rPr lang="en-US" sz="1400" dirty="0">
+                <a:latin typeface="Bahnschrift Light SemiCondensed" panose="020B0502040204020203" pitchFamily="34" charset="0"/>
+              </a:rPr>
+              <a:t> </a:t>
+            </a:r>
+            <a:r>
+              <a:rPr lang="en-US" sz="1400" dirty="0" err="1">
+                <a:latin typeface="Bahnschrift Light SemiCondensed" panose="020B0502040204020203" pitchFamily="34" charset="0"/>
+              </a:rPr>
+              <a:t>memory_info.rss</a:t>
+            </a:r>
+            <a:r>
+              <a:rPr lang="en-US" sz="1400" dirty="0">
+                <a:latin typeface="Bahnschrift Light SemiCondensed" panose="020B0502040204020203" pitchFamily="34" charset="0"/>
+              </a:rPr>
+              <a:t> / (1024*1024)</a:t>
+            </a:r>
+          </a:p>
+          <a:p>
+            <a:r>
+              <a:rPr lang="en-US" sz="1400" dirty="0">
+                <a:latin typeface="Bahnschrift Light SemiCondensed" panose="020B0502040204020203" pitchFamily="34" charset="0"/>
+              </a:rPr>
+              <a:t>    </a:t>
+            </a:r>
+            <a:r>
+              <a:rPr lang="en-US" sz="1400" dirty="0" err="1">
+                <a:latin typeface="Bahnschrift Light SemiCondensed" panose="020B0502040204020203" pitchFamily="34" charset="0"/>
+              </a:rPr>
+              <a:t>execution_time</a:t>
+            </a:r>
+            <a:r>
+              <a:rPr lang="en-US" sz="1400" dirty="0">
+                <a:latin typeface="Bahnschrift Light SemiCondensed" panose="020B0502040204020203" pitchFamily="34" charset="0"/>
+              </a:rPr>
+              <a:t> </a:t>
+            </a:r>
+            <a:r>
+              <a:rPr lang="en-US" sz="1400" b="1" dirty="0">
+                <a:latin typeface="Bahnschrift Light SemiCondensed" panose="020B0502040204020203" pitchFamily="34" charset="0"/>
+              </a:rPr>
+              <a:t>=</a:t>
+            </a:r>
+            <a:r>
+              <a:rPr lang="en-US" sz="1400" dirty="0">
+                <a:latin typeface="Bahnschrift Light SemiCondensed" panose="020B0502040204020203" pitchFamily="34" charset="0"/>
+              </a:rPr>
+              <a:t> (</a:t>
+            </a:r>
+            <a:r>
+              <a:rPr lang="en-US" sz="1400" dirty="0" err="1">
+                <a:latin typeface="Bahnschrift Light SemiCondensed" panose="020B0502040204020203" pitchFamily="34" charset="0"/>
+              </a:rPr>
+              <a:t>end_time</a:t>
+            </a:r>
+            <a:r>
+              <a:rPr lang="en-US" sz="1400" dirty="0">
+                <a:latin typeface="Bahnschrift Light SemiCondensed" panose="020B0502040204020203" pitchFamily="34" charset="0"/>
+              </a:rPr>
+              <a:t> - </a:t>
+            </a:r>
+            <a:r>
+              <a:rPr lang="en-US" sz="1400" dirty="0" err="1">
+                <a:latin typeface="Bahnschrift Light SemiCondensed" panose="020B0502040204020203" pitchFamily="34" charset="0"/>
+              </a:rPr>
+              <a:t>start_time</a:t>
+            </a:r>
+            <a:r>
+              <a:rPr lang="en-US" sz="1400" dirty="0">
+                <a:latin typeface="Bahnschrift Light SemiCondensed" panose="020B0502040204020203" pitchFamily="34" charset="0"/>
+              </a:rPr>
+              <a:t>) * 1e9</a:t>
+            </a:r>
+          </a:p>
+          <a:p>
+            <a:r>
+              <a:rPr lang="en-US" sz="1400" dirty="0">
+                <a:latin typeface="Bahnschrift Light SemiCondensed" panose="020B0502040204020203" pitchFamily="34" charset="0"/>
+              </a:rPr>
+              <a:t>    print(ret</a:t>
+            </a:r>
+            <a:r>
+              <a:rPr lang="en-US" sz="1400" dirty="0" smtClean="0">
+                <a:latin typeface="Bahnschrift Light SemiCondensed" panose="020B0502040204020203" pitchFamily="34" charset="0"/>
+              </a:rPr>
+              <a:t>)</a:t>
+            </a:r>
+            <a:r>
+              <a:rPr lang="ru-RU" sz="1400" dirty="0" smtClean="0">
+                <a:latin typeface="Bahnschrift Light SemiCondensed" panose="020B0502040204020203" pitchFamily="34" charset="0"/>
+              </a:rPr>
+              <a:t> </a:t>
+            </a:r>
+            <a:r>
+              <a:rPr lang="ru-RU" sz="1400" b="1" dirty="0" smtClean="0">
+                <a:latin typeface="Bahnschrift Light SemiCondensed" panose="020B0502040204020203" pitchFamily="34" charset="0"/>
+              </a:rPr>
+              <a:t>8)</a:t>
+            </a:r>
+            <a:endParaRPr lang="en-US" sz="1400" b="1" dirty="0">
+              <a:latin typeface="Bahnschrift Light SemiCondensed" panose="020B0502040204020203" pitchFamily="34" charset="0"/>
+            </a:endParaRPr>
+          </a:p>
+          <a:p>
+            <a:r>
+              <a:rPr lang="en-US" sz="1400" dirty="0">
+                <a:latin typeface="Bahnschrift Light SemiCondensed" panose="020B0502040204020203" pitchFamily="34" charset="0"/>
+              </a:rPr>
+              <a:t>    print(</a:t>
+            </a:r>
+            <a:r>
+              <a:rPr lang="en-US" sz="1400" dirty="0" err="1">
+                <a:latin typeface="Bahnschrift Light SemiCondensed" panose="020B0502040204020203" pitchFamily="34" charset="0"/>
+              </a:rPr>
+              <a:t>execution_time</a:t>
+            </a:r>
+            <a:r>
+              <a:rPr lang="en-US" sz="1400" dirty="0">
+                <a:latin typeface="Bahnschrift Light SemiCondensed" panose="020B0502040204020203" pitchFamily="34" charset="0"/>
+              </a:rPr>
+              <a:t>)</a:t>
+            </a:r>
+          </a:p>
+          <a:p>
+            <a:r>
+              <a:rPr lang="en-US" sz="1400" dirty="0">
+                <a:latin typeface="Bahnschrift Light SemiCondensed" panose="020B0502040204020203" pitchFamily="34" charset="0"/>
+              </a:rPr>
+              <a:t>    print(</a:t>
+            </a:r>
+            <a:r>
+              <a:rPr lang="en-US" sz="1400" dirty="0" err="1">
+                <a:latin typeface="Bahnschrift Light SemiCondensed" panose="020B0502040204020203" pitchFamily="34" charset="0"/>
+              </a:rPr>
+              <a:t>used_memory_kb</a:t>
+            </a:r>
+            <a:r>
+              <a:rPr lang="en-US" sz="1400" dirty="0" smtClean="0">
+                <a:latin typeface="Bahnschrift Light SemiCondensed" panose="020B0502040204020203" pitchFamily="34" charset="0"/>
+              </a:rPr>
+              <a:t>)</a:t>
+            </a:r>
+            <a:endParaRPr lang="en-US" sz="1400" dirty="0">
+              <a:latin typeface="Bahnschrift Light SemiCondensed" panose="020B0502040204020203" pitchFamily="34" charset="0"/>
+            </a:endParaRPr>
           </a:p>
         </p:txBody>
       </p:sp>
     </p:spTree>
     <p:extLst>
       <p:ext uri="{BB962C8B-B14F-4D97-AF65-F5344CB8AC3E}">
-        <p14:creationId xmlns:p14="http://schemas.microsoft.com/office/powerpoint/2010/main" val="1579156004"/>
+        <p14:creationId xmlns:p14="http://schemas.microsoft.com/office/powerpoint/2010/main" val="2242570066"/>
       </p:ext>
     </p:extLst>
   </p:cSld>
   <p:clrMapOvr>
     <a:masterClrMapping/>
   </p:clrMapOvr>
+  <mc:AlternateContent xmlns:mc="http://schemas.openxmlformats.org/markup-compatibility/2006">
+    <mc:Choice xmlns:p14="http://schemas.microsoft.com/office/powerpoint/2010/main" Requires="p14">
+      <p:transition p14:dur="400">
+        <p14:reveal/>
+      </p:transition>
+    </mc:Choice>
+    <mc:Fallback>
+      <p:transition>
+        <p:fade/>
+      </p:transition>
+    </mc:Fallback>
+  </mc:AlternateContent>
+  <p:timing>
+    <p:tnLst>
+      <p:par>
+        <p:cTn id="1" dur="indefinite" restart="never" nodeType="tmRoot"/>
+      </p:par>
+    </p:tnLst>
+  </p:timing>
 </p:sld>
 </file>
 
@@ -5252,6 +10823,321 @@
       </p:grpSpPr>
       <p:sp>
         <p:nvSpPr>
+          <p:cNvPr id="2" name="Заголовок 1"/>
+          <p:cNvSpPr>
+            <a:spLocks noGrp="1"/>
+          </p:cNvSpPr>
+          <p:nvPr>
+            <p:ph type="title"/>
+          </p:nvPr>
+        </p:nvSpPr>
+        <p:spPr>
+          <a:xfrm>
+            <a:off x="1143000" y="365125"/>
+            <a:ext cx="7767320" cy="569595"/>
+          </a:xfrm>
+        </p:spPr>
+        <p:txBody>
+          <a:bodyPr>
+            <a:normAutofit fontScale="90000"/>
+          </a:bodyPr>
+          <a:lstStyle/>
+          <a:p>
+            <a:r>
+              <a:rPr lang="ru-RU" dirty="0">
+                <a:latin typeface="Bahnschrift Light Condensed" panose="020B0502040204020203" pitchFamily="34" charset="0"/>
+              </a:rPr>
+              <a:t>Компиляция и выполнение кода на сервере</a:t>
+            </a:r>
+          </a:p>
+        </p:txBody>
+      </p:sp>
+      <p:sp>
+        <p:nvSpPr>
+          <p:cNvPr id="3" name="TextBox 2"/>
+          <p:cNvSpPr txBox="1"/>
+          <p:nvPr/>
+        </p:nvSpPr>
+        <p:spPr>
+          <a:xfrm>
+            <a:off x="226845" y="915879"/>
+            <a:ext cx="10636578" cy="430887"/>
+          </a:xfrm>
+          <a:prstGeom prst="rect">
+            <a:avLst/>
+          </a:prstGeom>
+          <a:noFill/>
+        </p:spPr>
+        <p:txBody>
+          <a:bodyPr wrap="square" rtlCol="0">
+            <a:spAutoFit/>
+          </a:bodyPr>
+          <a:lstStyle/>
+          <a:p>
+            <a:pPr algn="just"/>
+            <a:r>
+              <a:rPr lang="ru-RU" sz="2200" dirty="0">
+                <a:latin typeface="Bahnschrift Light Condensed" panose="020B0502040204020203" pitchFamily="34" charset="0"/>
+              </a:rPr>
+              <a:t>	Для автоматизации этих процессов используется отдельное приложение</a:t>
+            </a:r>
+            <a:r>
+              <a:rPr lang="en-US" sz="2200" dirty="0">
+                <a:latin typeface="Bahnschrift Light Condensed" panose="020B0502040204020203" pitchFamily="34" charset="0"/>
+              </a:rPr>
+              <a:t> </a:t>
+            </a:r>
+            <a:r>
+              <a:rPr lang="ru-RU" sz="2200" dirty="0">
+                <a:latin typeface="Bahnschrift Light Condensed" panose="020B0502040204020203" pitchFamily="34" charset="0"/>
+              </a:rPr>
+              <a:t>и </a:t>
+            </a:r>
+            <a:r>
+              <a:rPr lang="en-US" sz="2200" dirty="0">
+                <a:latin typeface="Bahnschrift Light Condensed" panose="020B0502040204020203" pitchFamily="34" charset="0"/>
+              </a:rPr>
+              <a:t>Docker</a:t>
+            </a:r>
+            <a:endParaRPr lang="ru-RU" sz="2200" dirty="0">
+              <a:latin typeface="Bahnschrift Light Condensed" panose="020B0502040204020203" pitchFamily="34" charset="0"/>
+            </a:endParaRPr>
+          </a:p>
+        </p:txBody>
+      </p:sp>
+      <p:pic>
+        <p:nvPicPr>
+          <p:cNvPr id="4" name="Рисунок 3"/>
+          <p:cNvPicPr>
+            <a:picLocks noChangeAspect="1"/>
+          </p:cNvPicPr>
+          <p:nvPr/>
+        </p:nvPicPr>
+        <p:blipFill>
+          <a:blip r:embed="rId3">
+            <a:extLst>
+              <a:ext uri="{28A0092B-C50C-407E-A947-70E740481C1C}">
+                <a14:useLocalDpi xmlns:a14="http://schemas.microsoft.com/office/drawing/2010/main" val="0"/>
+              </a:ext>
+            </a:extLst>
+          </a:blip>
+          <a:stretch>
+            <a:fillRect/>
+          </a:stretch>
+        </p:blipFill>
+        <p:spPr>
+          <a:xfrm>
+            <a:off x="989816" y="1640207"/>
+            <a:ext cx="5578734" cy="4467665"/>
+          </a:xfrm>
+          <a:prstGeom prst="rect">
+            <a:avLst/>
+          </a:prstGeom>
+        </p:spPr>
+      </p:pic>
+      <p:pic>
+        <p:nvPicPr>
+          <p:cNvPr id="6" name="Рисунок 5"/>
+          <p:cNvPicPr>
+            <a:picLocks noChangeAspect="1"/>
+          </p:cNvPicPr>
+          <p:nvPr/>
+        </p:nvPicPr>
+        <p:blipFill>
+          <a:blip r:embed="rId4"/>
+          <a:stretch>
+            <a:fillRect/>
+          </a:stretch>
+        </p:blipFill>
+        <p:spPr>
+          <a:xfrm>
+            <a:off x="7373481" y="5048600"/>
+            <a:ext cx="3779848" cy="1059272"/>
+          </a:xfrm>
+          <a:prstGeom prst="rect">
+            <a:avLst/>
+          </a:prstGeom>
+        </p:spPr>
+      </p:pic>
+      <p:pic>
+        <p:nvPicPr>
+          <p:cNvPr id="7" name="Рисунок 6"/>
+          <p:cNvPicPr>
+            <a:picLocks noChangeAspect="1"/>
+          </p:cNvPicPr>
+          <p:nvPr/>
+        </p:nvPicPr>
+        <p:blipFill>
+          <a:blip r:embed="rId5">
+            <a:extLst>
+              <a:ext uri="{28A0092B-C50C-407E-A947-70E740481C1C}">
+                <a14:useLocalDpi xmlns:a14="http://schemas.microsoft.com/office/drawing/2010/main" val="0"/>
+              </a:ext>
+            </a:extLst>
+          </a:blip>
+          <a:stretch>
+            <a:fillRect/>
+          </a:stretch>
+        </p:blipFill>
+        <p:spPr>
+          <a:xfrm>
+            <a:off x="8910320" y="2189699"/>
+            <a:ext cx="1819374" cy="1819374"/>
+          </a:xfrm>
+          <a:prstGeom prst="rect">
+            <a:avLst/>
+          </a:prstGeom>
+        </p:spPr>
+      </p:pic>
+      <p:sp>
+        <p:nvSpPr>
+          <p:cNvPr id="8" name="TextBox 7"/>
+          <p:cNvSpPr txBox="1"/>
+          <p:nvPr/>
+        </p:nvSpPr>
+        <p:spPr>
+          <a:xfrm>
+            <a:off x="1901375" y="6096354"/>
+            <a:ext cx="4811418" cy="369332"/>
+          </a:xfrm>
+          <a:prstGeom prst="rect">
+            <a:avLst/>
+          </a:prstGeom>
+          <a:noFill/>
+        </p:spPr>
+        <p:txBody>
+          <a:bodyPr wrap="square" rtlCol="0">
+            <a:spAutoFit/>
+          </a:bodyPr>
+          <a:lstStyle/>
+          <a:p>
+            <a:r>
+              <a:rPr lang="ru-RU" dirty="0">
+                <a:latin typeface="Bahnschrift Light Condensed" panose="020B0502040204020203" pitchFamily="34" charset="0"/>
+              </a:rPr>
+              <a:t>Рисунок </a:t>
+            </a:r>
+            <a:r>
+              <a:rPr lang="ru-RU" dirty="0" smtClean="0">
+                <a:latin typeface="Bahnschrift Light Condensed" panose="020B0502040204020203" pitchFamily="34" charset="0"/>
+              </a:rPr>
+              <a:t>4 </a:t>
+            </a:r>
+            <a:r>
+              <a:rPr lang="ru-RU" dirty="0">
+                <a:latin typeface="Bahnschrift Light Condensed" panose="020B0502040204020203" pitchFamily="34" charset="0"/>
+              </a:rPr>
+              <a:t>– Архитектура сервиса выполнения</a:t>
+            </a:r>
+          </a:p>
+        </p:txBody>
+      </p:sp>
+      <p:sp>
+        <p:nvSpPr>
+          <p:cNvPr id="9" name="TextBox 8"/>
+          <p:cNvSpPr txBox="1"/>
+          <p:nvPr/>
+        </p:nvSpPr>
+        <p:spPr>
+          <a:xfrm>
+            <a:off x="7593231" y="6107175"/>
+            <a:ext cx="4811418" cy="369332"/>
+          </a:xfrm>
+          <a:prstGeom prst="rect">
+            <a:avLst/>
+          </a:prstGeom>
+          <a:noFill/>
+        </p:spPr>
+        <p:txBody>
+          <a:bodyPr wrap="square" rtlCol="0">
+            <a:spAutoFit/>
+          </a:bodyPr>
+          <a:lstStyle/>
+          <a:p>
+            <a:r>
+              <a:rPr lang="ru-RU" dirty="0">
+                <a:latin typeface="Bahnschrift Light Condensed" panose="020B0502040204020203" pitchFamily="34" charset="0"/>
+              </a:rPr>
+              <a:t>Рисунок </a:t>
+            </a:r>
+            <a:r>
+              <a:rPr lang="ru-RU" dirty="0" smtClean="0">
+                <a:latin typeface="Bahnschrift Light Condensed" panose="020B0502040204020203" pitchFamily="34" charset="0"/>
+              </a:rPr>
+              <a:t>5 </a:t>
+            </a:r>
+            <a:r>
+              <a:rPr lang="ru-RU" dirty="0">
+                <a:latin typeface="Bahnschrift Light Condensed" panose="020B0502040204020203" pitchFamily="34" charset="0"/>
+              </a:rPr>
+              <a:t>– Часть </a:t>
+            </a:r>
+            <a:r>
+              <a:rPr lang="en-US" dirty="0" err="1">
+                <a:latin typeface="Bahnschrift Light Condensed" panose="020B0502040204020203" pitchFamily="34" charset="0"/>
+              </a:rPr>
+              <a:t>Dockerfile</a:t>
+            </a:r>
+            <a:r>
+              <a:rPr lang="ru-RU" dirty="0">
+                <a:latin typeface="Bahnschrift Light Condensed" panose="020B0502040204020203" pitchFamily="34" charset="0"/>
+              </a:rPr>
+              <a:t> для образа</a:t>
+            </a:r>
+          </a:p>
+        </p:txBody>
+      </p:sp>
+    </p:spTree>
+    <p:extLst>
+      <p:ext uri="{BB962C8B-B14F-4D97-AF65-F5344CB8AC3E}">
+        <p14:creationId xmlns:p14="http://schemas.microsoft.com/office/powerpoint/2010/main" val="964564857"/>
+      </p:ext>
+    </p:extLst>
+  </p:cSld>
+  <p:clrMapOvr>
+    <a:masterClrMapping/>
+  </p:clrMapOvr>
+  <mc:AlternateContent xmlns:mc="http://schemas.openxmlformats.org/markup-compatibility/2006">
+    <mc:Choice xmlns:p14="http://schemas.microsoft.com/office/powerpoint/2010/main" Requires="p14">
+      <p:transition p14:dur="400">
+        <p14:reveal/>
+      </p:transition>
+    </mc:Choice>
+    <mc:Fallback>
+      <p:transition>
+        <p:fade/>
+      </p:transition>
+    </mc:Fallback>
+  </mc:AlternateContent>
+  <p:timing>
+    <p:tnLst>
+      <p:par>
+        <p:cTn id="1" dur="indefinite" restart="never" nodeType="tmRoot"/>
+      </p:par>
+    </p:tnLst>
+  </p:timing>
+</p:sld>
+</file>
+
+<file path=ppt/slides/slide8.xml><?xml version="1.0" encoding="utf-8"?>
+<p:sld xmlns:a="http://schemas.openxmlformats.org/drawingml/2006/main" xmlns:r="http://schemas.openxmlformats.org/officeDocument/2006/relationships" xmlns:p="http://schemas.openxmlformats.org/presentationml/2006/main">
+  <p:cSld>
+    <p:spTree>
+      <p:nvGrpSpPr>
+        <p:cNvPr id="1" name=""/>
+        <p:cNvGrpSpPr/>
+        <p:nvPr/>
+      </p:nvGrpSpPr>
+      <p:grpSpPr>
+        <a:xfrm>
+          <a:off x="0" y="0"/>
+          <a:ext cx="0" cy="0"/>
+          <a:chOff x="0" y="0"/>
+          <a:chExt cx="0" cy="0"/>
+        </a:xfrm>
+      </p:grpSpPr>
+      <p:sp>
+        <p:nvSpPr>
           <p:cNvPr id="3" name="Заголовок 1">
             <a:extLst>
               <a:ext uri="{FF2B5EF4-FFF2-40B4-BE49-F238E27FC236}">
@@ -5285,6 +11171,785 @@
           </a:p>
         </p:txBody>
       </p:sp>
+      <p:sp>
+        <p:nvSpPr>
+          <p:cNvPr id="2" name="TextBox 1"/>
+          <p:cNvSpPr txBox="1"/>
+          <p:nvPr/>
+        </p:nvSpPr>
+        <p:spPr>
+          <a:xfrm>
+            <a:off x="585083" y="1797106"/>
+            <a:ext cx="6504737" cy="2246769"/>
+          </a:xfrm>
+          <a:prstGeom prst="rect">
+            <a:avLst/>
+          </a:prstGeom>
+          <a:noFill/>
+        </p:spPr>
+        <p:txBody>
+          <a:bodyPr wrap="square" rtlCol="0">
+            <a:spAutoFit/>
+          </a:bodyPr>
+          <a:lstStyle/>
+          <a:p>
+            <a:pPr marL="285750" indent="-285750" algn="just">
+              <a:buFont typeface="Arial" panose="020B0604020202020204" pitchFamily="34" charset="0"/>
+              <a:buChar char="•"/>
+            </a:pPr>
+            <a:r>
+              <a:rPr lang="ru-RU" sz="2000" dirty="0" smtClean="0">
+                <a:latin typeface="Bahnschrift Light Condensed" panose="020B0502040204020203" pitchFamily="34" charset="0"/>
+              </a:rPr>
+              <a:t>Каждая задача содержит набор тестовых данных, который проверяет правильность решений, отправляемых пользователем.</a:t>
+            </a:r>
+          </a:p>
+          <a:p>
+            <a:pPr marL="285750" indent="-285750" algn="just">
+              <a:buFont typeface="Arial" panose="020B0604020202020204" pitchFamily="34" charset="0"/>
+              <a:buChar char="•"/>
+            </a:pPr>
+            <a:r>
+              <a:rPr lang="ru-RU" sz="2000" dirty="0" smtClean="0">
+                <a:latin typeface="Bahnschrift Light Condensed" panose="020B0502040204020203" pitchFamily="34" charset="0"/>
+              </a:rPr>
+              <a:t>Тест состоит из массива входных данных и соответствующего ответа.</a:t>
+            </a:r>
+          </a:p>
+          <a:p>
+            <a:pPr marL="285750" indent="-285750" algn="just">
+              <a:buFont typeface="Arial" panose="020B0604020202020204" pitchFamily="34" charset="0"/>
+              <a:buChar char="•"/>
+            </a:pPr>
+            <a:r>
+              <a:rPr lang="ru-RU" sz="2000" dirty="0" smtClean="0">
+                <a:latin typeface="Bahnschrift Light Condensed" panose="020B0502040204020203" pitchFamily="34" charset="0"/>
+              </a:rPr>
+              <a:t>Может быть несколько вариантов ответов для одних входных данных.</a:t>
+            </a:r>
+          </a:p>
+          <a:p>
+            <a:pPr marL="285750" indent="-285750" algn="just">
+              <a:buFont typeface="Arial" panose="020B0604020202020204" pitchFamily="34" charset="0"/>
+              <a:buChar char="•"/>
+            </a:pPr>
+            <a:r>
+              <a:rPr lang="ru-RU" sz="2000" dirty="0" smtClean="0">
+                <a:latin typeface="Bahnschrift Light Condensed" panose="020B0502040204020203" pitchFamily="34" charset="0"/>
+              </a:rPr>
+              <a:t>Входные и выходные данные это просто строки, что упрощает тестирование.</a:t>
+            </a:r>
+            <a:endParaRPr lang="ru-RU" sz="2000" dirty="0">
+              <a:latin typeface="Bahnschrift Light Condensed" panose="020B0502040204020203" pitchFamily="34" charset="0"/>
+            </a:endParaRPr>
+          </a:p>
+        </p:txBody>
+      </p:sp>
+      <p:pic>
+        <p:nvPicPr>
+          <p:cNvPr id="4" name="Рисунок 3"/>
+          <p:cNvPicPr>
+            <a:picLocks noChangeAspect="1"/>
+          </p:cNvPicPr>
+          <p:nvPr/>
+        </p:nvPicPr>
+        <p:blipFill>
+          <a:blip r:embed="rId2">
+            <a:extLst>
+              <a:ext uri="{28A0092B-C50C-407E-A947-70E740481C1C}">
+                <a14:useLocalDpi xmlns:a14="http://schemas.microsoft.com/office/drawing/2010/main" val="0"/>
+              </a:ext>
+            </a:extLst>
+          </a:blip>
+          <a:stretch>
+            <a:fillRect/>
+          </a:stretch>
+        </p:blipFill>
+        <p:spPr>
+          <a:xfrm>
+            <a:off x="3174642" y="4699715"/>
+            <a:ext cx="1435995" cy="1435995"/>
+          </a:xfrm>
+          <a:prstGeom prst="rect">
+            <a:avLst/>
+          </a:prstGeom>
+        </p:spPr>
+      </p:pic>
+      <p:sp>
+        <p:nvSpPr>
+          <p:cNvPr id="5" name="Прямоугольник 4"/>
+          <p:cNvSpPr/>
+          <p:nvPr/>
+        </p:nvSpPr>
+        <p:spPr>
+          <a:xfrm>
+            <a:off x="7959143" y="5557234"/>
+            <a:ext cx="2884868" cy="673856"/>
+          </a:xfrm>
+          <a:prstGeom prst="rect">
+            <a:avLst/>
+          </a:prstGeom>
+          <a:solidFill>
+            <a:schemeClr val="bg1"/>
+          </a:solidFill>
+          <a:ln>
+            <a:solidFill>
+              <a:schemeClr val="tx1"/>
+            </a:solidFill>
+          </a:ln>
+        </p:spPr>
+        <p:style>
+          <a:lnRef idx="2">
+            <a:schemeClr val="accent1">
+              <a:shade val="50000"/>
+            </a:schemeClr>
+          </a:lnRef>
+          <a:fillRef idx="1">
+            <a:schemeClr val="accent1"/>
+          </a:fillRef>
+          <a:effectRef idx="0">
+            <a:schemeClr val="accent1"/>
+          </a:effectRef>
+          <a:fontRef idx="minor">
+            <a:schemeClr val="lt1"/>
+          </a:fontRef>
+        </p:style>
+        <p:txBody>
+          <a:bodyPr rtlCol="0" anchor="ctr"/>
+          <a:lstStyle/>
+          <a:p>
+            <a:pPr algn="ctr"/>
+            <a:r>
+              <a:rPr lang="en-US" dirty="0" smtClean="0">
+                <a:solidFill>
+                  <a:schemeClr val="tx1"/>
+                </a:solidFill>
+              </a:rPr>
+              <a:t>Executor</a:t>
+            </a:r>
+            <a:endParaRPr lang="ru-RU" dirty="0">
+              <a:solidFill>
+                <a:schemeClr val="tx1"/>
+              </a:solidFill>
+            </a:endParaRPr>
+          </a:p>
+        </p:txBody>
+      </p:sp>
+      <p:sp>
+        <p:nvSpPr>
+          <p:cNvPr id="6" name="Прямоугольник 5"/>
+          <p:cNvSpPr/>
+          <p:nvPr/>
+        </p:nvSpPr>
+        <p:spPr>
+          <a:xfrm>
+            <a:off x="7959143" y="2624466"/>
+            <a:ext cx="2884868" cy="592051"/>
+          </a:xfrm>
+          <a:prstGeom prst="rect">
+            <a:avLst/>
+          </a:prstGeom>
+          <a:solidFill>
+            <a:schemeClr val="bg1"/>
+          </a:solidFill>
+          <a:ln>
+            <a:solidFill>
+              <a:schemeClr val="tx1"/>
+            </a:solidFill>
+          </a:ln>
+        </p:spPr>
+        <p:style>
+          <a:lnRef idx="2">
+            <a:schemeClr val="accent1">
+              <a:shade val="50000"/>
+            </a:schemeClr>
+          </a:lnRef>
+          <a:fillRef idx="1">
+            <a:schemeClr val="accent1"/>
+          </a:fillRef>
+          <a:effectRef idx="0">
+            <a:schemeClr val="accent1"/>
+          </a:effectRef>
+          <a:fontRef idx="minor">
+            <a:schemeClr val="lt1"/>
+          </a:fontRef>
+        </p:style>
+        <p:txBody>
+          <a:bodyPr rtlCol="0" anchor="ctr"/>
+          <a:lstStyle/>
+          <a:p>
+            <a:pPr algn="ctr"/>
+            <a:r>
+              <a:rPr lang="en-US" dirty="0" smtClean="0">
+                <a:solidFill>
+                  <a:schemeClr val="tx1"/>
+                </a:solidFill>
+              </a:rPr>
+              <a:t>Tester</a:t>
+            </a:r>
+          </a:p>
+        </p:txBody>
+      </p:sp>
+      <p:cxnSp>
+        <p:nvCxnSpPr>
+          <p:cNvPr id="8" name="Прямая со стрелкой 7"/>
+          <p:cNvCxnSpPr/>
+          <p:nvPr/>
+        </p:nvCxnSpPr>
+        <p:spPr>
+          <a:xfrm>
+            <a:off x="9002332" y="3216517"/>
+            <a:ext cx="25758" cy="2340716"/>
+          </a:xfrm>
+          <a:prstGeom prst="straightConnector1">
+            <a:avLst/>
+          </a:prstGeom>
+          <a:ln>
+            <a:tailEnd type="triangle"/>
+          </a:ln>
+        </p:spPr>
+        <p:style>
+          <a:lnRef idx="1">
+            <a:schemeClr val="dk1"/>
+          </a:lnRef>
+          <a:fillRef idx="0">
+            <a:schemeClr val="dk1"/>
+          </a:fillRef>
+          <a:effectRef idx="0">
+            <a:schemeClr val="dk1"/>
+          </a:effectRef>
+          <a:fontRef idx="minor">
+            <a:schemeClr val="tx1"/>
+          </a:fontRef>
+        </p:style>
+      </p:cxnSp>
+      <p:sp>
+        <p:nvSpPr>
+          <p:cNvPr id="10" name="TextBox 9"/>
+          <p:cNvSpPr txBox="1"/>
+          <p:nvPr/>
+        </p:nvSpPr>
+        <p:spPr>
+          <a:xfrm>
+            <a:off x="7740203" y="3661169"/>
+            <a:ext cx="1255691" cy="1600438"/>
+          </a:xfrm>
+          <a:prstGeom prst="rect">
+            <a:avLst/>
+          </a:prstGeom>
+          <a:noFill/>
+        </p:spPr>
+        <p:txBody>
+          <a:bodyPr wrap="square" rtlCol="0">
+            <a:spAutoFit/>
+          </a:bodyPr>
+          <a:lstStyle/>
+          <a:p>
+            <a:r>
+              <a:rPr lang="en-US" sz="1400" dirty="0" smtClean="0">
+                <a:latin typeface="Bahnschrift Light Condensed" panose="020B0502040204020203" pitchFamily="34" charset="0"/>
+              </a:rPr>
+              <a:t>{</a:t>
+            </a:r>
+          </a:p>
+          <a:p>
+            <a:r>
+              <a:rPr lang="en-US" sz="1400" dirty="0" smtClean="0">
+                <a:latin typeface="Bahnschrift Light Condensed" panose="020B0502040204020203" pitchFamily="34" charset="0"/>
+              </a:rPr>
+              <a:t>  </a:t>
+            </a:r>
+            <a:r>
+              <a:rPr lang="en-US" sz="1400" dirty="0" err="1" smtClean="0">
+                <a:latin typeface="Bahnschrift Light Condensed" panose="020B0502040204020203" pitchFamily="34" charset="0"/>
+              </a:rPr>
+              <a:t>language:”JAVA</a:t>
+            </a:r>
+            <a:r>
+              <a:rPr lang="en-US" sz="1400" dirty="0" smtClean="0">
+                <a:latin typeface="Bahnschrift Light Condensed" panose="020B0502040204020203" pitchFamily="34" charset="0"/>
+              </a:rPr>
+              <a:t>”</a:t>
+            </a:r>
+            <a:endParaRPr lang="ru-RU" sz="1400" dirty="0" smtClean="0">
+              <a:latin typeface="Bahnschrift Light Condensed" panose="020B0502040204020203" pitchFamily="34" charset="0"/>
+            </a:endParaRPr>
+          </a:p>
+          <a:p>
+            <a:r>
+              <a:rPr lang="ru-RU" sz="1400" dirty="0" smtClean="0">
+                <a:latin typeface="Bahnschrift Light Condensed" panose="020B0502040204020203" pitchFamily="34" charset="0"/>
+              </a:rPr>
+              <a:t>  </a:t>
+            </a:r>
+            <a:r>
+              <a:rPr lang="en-US" sz="1400" dirty="0" err="1" smtClean="0">
+                <a:latin typeface="Bahnschrift Light Condensed" panose="020B0502040204020203" pitchFamily="34" charset="0"/>
+              </a:rPr>
+              <a:t>code:”code</a:t>
+            </a:r>
+            <a:r>
+              <a:rPr lang="en-US" sz="1400" dirty="0" smtClean="0">
+                <a:latin typeface="Bahnschrift Light Condensed" panose="020B0502040204020203" pitchFamily="34" charset="0"/>
+              </a:rPr>
+              <a:t>”,</a:t>
+            </a:r>
+          </a:p>
+          <a:p>
+            <a:r>
+              <a:rPr lang="en-US" sz="1400" dirty="0" smtClean="0">
+                <a:latin typeface="Bahnschrift Light Condensed" panose="020B0502040204020203" pitchFamily="34" charset="0"/>
+              </a:rPr>
+              <a:t>  input: [</a:t>
+            </a:r>
+          </a:p>
+          <a:p>
+            <a:r>
+              <a:rPr lang="en-US" sz="1400" dirty="0" smtClean="0">
+                <a:latin typeface="Bahnschrift Light Condensed" panose="020B0502040204020203" pitchFamily="34" charset="0"/>
+              </a:rPr>
+              <a:t>    [“</a:t>
+            </a:r>
+            <a:r>
+              <a:rPr lang="en-US" sz="1400" dirty="0">
+                <a:latin typeface="Bahnschrift Light Condensed" panose="020B0502040204020203" pitchFamily="34" charset="0"/>
+              </a:rPr>
+              <a:t>2</a:t>
+            </a:r>
+            <a:r>
+              <a:rPr lang="en-US" sz="1400" dirty="0" smtClean="0">
+                <a:latin typeface="Bahnschrift Light Condensed" panose="020B0502040204020203" pitchFamily="34" charset="0"/>
+              </a:rPr>
+              <a:t>”,”</a:t>
+            </a:r>
+            <a:r>
+              <a:rPr lang="en-US" sz="1400" dirty="0">
+                <a:latin typeface="Bahnschrift Light Condensed" panose="020B0502040204020203" pitchFamily="34" charset="0"/>
+              </a:rPr>
+              <a:t>2</a:t>
+            </a:r>
+            <a:r>
+              <a:rPr lang="en-US" sz="1400" dirty="0" smtClean="0">
+                <a:latin typeface="Bahnschrift Light Condensed" panose="020B0502040204020203" pitchFamily="34" charset="0"/>
+              </a:rPr>
+              <a:t>”]</a:t>
+            </a:r>
+          </a:p>
+          <a:p>
+            <a:r>
+              <a:rPr lang="en-US" sz="1400" dirty="0" smtClean="0">
+                <a:latin typeface="Bahnschrift Light Condensed" panose="020B0502040204020203" pitchFamily="34" charset="0"/>
+              </a:rPr>
+              <a:t>  ]</a:t>
+            </a:r>
+          </a:p>
+          <a:p>
+            <a:r>
+              <a:rPr lang="en-US" sz="1400" dirty="0" smtClean="0">
+                <a:latin typeface="Bahnschrift Light Condensed" panose="020B0502040204020203" pitchFamily="34" charset="0"/>
+              </a:rPr>
+              <a:t>}  </a:t>
+            </a:r>
+            <a:endParaRPr lang="ru-RU" sz="1400" dirty="0">
+              <a:latin typeface="Bahnschrift Light Condensed" panose="020B0502040204020203" pitchFamily="34" charset="0"/>
+            </a:endParaRPr>
+          </a:p>
+        </p:txBody>
+      </p:sp>
+      <p:cxnSp>
+        <p:nvCxnSpPr>
+          <p:cNvPr id="12" name="Прямая со стрелкой 11"/>
+          <p:cNvCxnSpPr/>
+          <p:nvPr/>
+        </p:nvCxnSpPr>
+        <p:spPr>
+          <a:xfrm flipH="1" flipV="1">
+            <a:off x="9897413" y="3188921"/>
+            <a:ext cx="1" cy="2368314"/>
+          </a:xfrm>
+          <a:prstGeom prst="straightConnector1">
+            <a:avLst/>
+          </a:prstGeom>
+          <a:ln>
+            <a:tailEnd type="triangle"/>
+          </a:ln>
+        </p:spPr>
+        <p:style>
+          <a:lnRef idx="1">
+            <a:schemeClr val="dk1"/>
+          </a:lnRef>
+          <a:fillRef idx="0">
+            <a:schemeClr val="dk1"/>
+          </a:fillRef>
+          <a:effectRef idx="0">
+            <a:schemeClr val="dk1"/>
+          </a:effectRef>
+          <a:fontRef idx="minor">
+            <a:schemeClr val="tx1"/>
+          </a:fontRef>
+        </p:style>
+      </p:cxnSp>
+      <p:sp>
+        <p:nvSpPr>
+          <p:cNvPr id="15" name="TextBox 14"/>
+          <p:cNvSpPr txBox="1"/>
+          <p:nvPr/>
+        </p:nvSpPr>
+        <p:spPr>
+          <a:xfrm>
+            <a:off x="9897414" y="3862848"/>
+            <a:ext cx="1152658" cy="954107"/>
+          </a:xfrm>
+          <a:prstGeom prst="rect">
+            <a:avLst/>
+          </a:prstGeom>
+          <a:noFill/>
+        </p:spPr>
+        <p:txBody>
+          <a:bodyPr wrap="square" rtlCol="0">
+            <a:spAutoFit/>
+          </a:bodyPr>
+          <a:lstStyle/>
+          <a:p>
+            <a:r>
+              <a:rPr lang="en-US" sz="1400" dirty="0" smtClean="0">
+                <a:latin typeface="Bahnschrift Light Condensed" panose="020B0502040204020203" pitchFamily="34" charset="0"/>
+              </a:rPr>
+              <a:t>{</a:t>
+            </a:r>
+          </a:p>
+          <a:p>
+            <a:r>
+              <a:rPr lang="en-US" sz="1400" dirty="0" smtClean="0">
+                <a:latin typeface="Bahnschrift Light Condensed" panose="020B0502040204020203" pitchFamily="34" charset="0"/>
+              </a:rPr>
+              <a:t>  error: false,</a:t>
+            </a:r>
+          </a:p>
+          <a:p>
+            <a:r>
+              <a:rPr lang="en-US" sz="1400" dirty="0" smtClean="0">
+                <a:latin typeface="Bahnschrift Light Condensed" panose="020B0502040204020203" pitchFamily="34" charset="0"/>
+              </a:rPr>
+              <a:t>  output: [“4”]</a:t>
+            </a:r>
+          </a:p>
+          <a:p>
+            <a:r>
+              <a:rPr lang="en-US" sz="1400" dirty="0" smtClean="0">
+                <a:latin typeface="Bahnschrift Light Condensed" panose="020B0502040204020203" pitchFamily="34" charset="0"/>
+              </a:rPr>
+              <a:t>}  </a:t>
+            </a:r>
+            <a:endParaRPr lang="ru-RU" sz="1400" dirty="0">
+              <a:latin typeface="Bahnschrift Light Condensed" panose="020B0502040204020203" pitchFamily="34" charset="0"/>
+            </a:endParaRPr>
+          </a:p>
+        </p:txBody>
+      </p:sp>
+      <p:cxnSp>
+        <p:nvCxnSpPr>
+          <p:cNvPr id="26" name="Прямая со стрелкой 25"/>
+          <p:cNvCxnSpPr/>
+          <p:nvPr/>
+        </p:nvCxnSpPr>
+        <p:spPr>
+          <a:xfrm>
+            <a:off x="8570890" y="785602"/>
+            <a:ext cx="6441" cy="1809481"/>
+          </a:xfrm>
+          <a:prstGeom prst="straightConnector1">
+            <a:avLst/>
+          </a:prstGeom>
+          <a:ln>
+            <a:tailEnd type="triangle"/>
+          </a:ln>
+        </p:spPr>
+        <p:style>
+          <a:lnRef idx="1">
+            <a:schemeClr val="dk1"/>
+          </a:lnRef>
+          <a:fillRef idx="0">
+            <a:schemeClr val="dk1"/>
+          </a:fillRef>
+          <a:effectRef idx="0">
+            <a:schemeClr val="dk1"/>
+          </a:effectRef>
+          <a:fontRef idx="minor">
+            <a:schemeClr val="tx1"/>
+          </a:fontRef>
+        </p:style>
+      </p:cxnSp>
+      <p:cxnSp>
+        <p:nvCxnSpPr>
+          <p:cNvPr id="28" name="Прямая со стрелкой 27"/>
+          <p:cNvCxnSpPr/>
+          <p:nvPr/>
+        </p:nvCxnSpPr>
+        <p:spPr>
+          <a:xfrm flipH="1" flipV="1">
+            <a:off x="10109915" y="785602"/>
+            <a:ext cx="12879" cy="1809482"/>
+          </a:xfrm>
+          <a:prstGeom prst="straightConnector1">
+            <a:avLst/>
+          </a:prstGeom>
+          <a:ln>
+            <a:tailEnd type="triangle"/>
+          </a:ln>
+        </p:spPr>
+        <p:style>
+          <a:lnRef idx="1">
+            <a:schemeClr val="dk1"/>
+          </a:lnRef>
+          <a:fillRef idx="0">
+            <a:schemeClr val="dk1"/>
+          </a:fillRef>
+          <a:effectRef idx="0">
+            <a:schemeClr val="dk1"/>
+          </a:effectRef>
+          <a:fontRef idx="minor">
+            <a:schemeClr val="tx1"/>
+          </a:fontRef>
+        </p:style>
+      </p:cxnSp>
+      <p:sp>
+        <p:nvSpPr>
+          <p:cNvPr id="34" name="TextBox 33"/>
+          <p:cNvSpPr txBox="1"/>
+          <p:nvPr/>
+        </p:nvSpPr>
+        <p:spPr>
+          <a:xfrm>
+            <a:off x="7372758" y="1348634"/>
+            <a:ext cx="1577663" cy="1169551"/>
+          </a:xfrm>
+          <a:prstGeom prst="rect">
+            <a:avLst/>
+          </a:prstGeom>
+          <a:noFill/>
+        </p:spPr>
+        <p:txBody>
+          <a:bodyPr wrap="square" rtlCol="0">
+            <a:spAutoFit/>
+          </a:bodyPr>
+          <a:lstStyle/>
+          <a:p>
+            <a:r>
+              <a:rPr lang="en-US" sz="1400" dirty="0" smtClean="0">
+                <a:latin typeface="Bahnschrift Light Condensed" panose="020B0502040204020203" pitchFamily="34" charset="0"/>
+              </a:rPr>
+              <a:t>tests: [{ </a:t>
+            </a:r>
+          </a:p>
+          <a:p>
+            <a:r>
+              <a:rPr lang="en-US" sz="1400" dirty="0" smtClean="0">
+                <a:latin typeface="Bahnschrift Light Condensed" panose="020B0502040204020203" pitchFamily="34" charset="0"/>
+              </a:rPr>
+              <a:t>    input: [“2”,”2”]</a:t>
+            </a:r>
+          </a:p>
+          <a:p>
+            <a:r>
+              <a:rPr lang="en-US" sz="1400" dirty="0" smtClean="0">
+                <a:latin typeface="Bahnschrift Light Condensed" panose="020B0502040204020203" pitchFamily="34" charset="0"/>
+              </a:rPr>
+              <a:t>    output: “4”	</a:t>
+            </a:r>
+            <a:endParaRPr lang="en-US" sz="1400" dirty="0">
+              <a:latin typeface="Bahnschrift Light Condensed" panose="020B0502040204020203" pitchFamily="34" charset="0"/>
+            </a:endParaRPr>
+          </a:p>
+          <a:p>
+            <a:r>
+              <a:rPr lang="en-US" sz="1400" dirty="0" smtClean="0">
+                <a:latin typeface="Bahnschrift Light Condensed" panose="020B0502040204020203" pitchFamily="34" charset="0"/>
+              </a:rPr>
+              <a:t>}]</a:t>
+            </a:r>
+            <a:endParaRPr lang="en-US" sz="1400" dirty="0">
+              <a:latin typeface="Bahnschrift Light Condensed" panose="020B0502040204020203" pitchFamily="34" charset="0"/>
+            </a:endParaRPr>
+          </a:p>
+          <a:p>
+            <a:endParaRPr lang="en-US" sz="1400" dirty="0" smtClean="0">
+              <a:latin typeface="Bahnschrift Light Condensed" panose="020B0502040204020203" pitchFamily="34" charset="0"/>
+            </a:endParaRPr>
+          </a:p>
+        </p:txBody>
+      </p:sp>
+      <p:cxnSp>
+        <p:nvCxnSpPr>
+          <p:cNvPr id="35" name="Прямая со стрелкой 34"/>
+          <p:cNvCxnSpPr/>
+          <p:nvPr/>
+        </p:nvCxnSpPr>
+        <p:spPr>
+          <a:xfrm>
+            <a:off x="8947200" y="785601"/>
+            <a:ext cx="6441" cy="1809481"/>
+          </a:xfrm>
+          <a:prstGeom prst="straightConnector1">
+            <a:avLst/>
+          </a:prstGeom>
+          <a:ln>
+            <a:tailEnd type="triangle"/>
+          </a:ln>
+        </p:spPr>
+        <p:style>
+          <a:lnRef idx="1">
+            <a:schemeClr val="dk1"/>
+          </a:lnRef>
+          <a:fillRef idx="0">
+            <a:schemeClr val="dk1"/>
+          </a:fillRef>
+          <a:effectRef idx="0">
+            <a:schemeClr val="dk1"/>
+          </a:effectRef>
+          <a:fontRef idx="minor">
+            <a:schemeClr val="tx1"/>
+          </a:fontRef>
+        </p:style>
+      </p:cxnSp>
+      <p:sp>
+        <p:nvSpPr>
+          <p:cNvPr id="38" name="TextBox 37"/>
+          <p:cNvSpPr txBox="1"/>
+          <p:nvPr/>
+        </p:nvSpPr>
+        <p:spPr>
+          <a:xfrm>
+            <a:off x="8921951" y="1564077"/>
+            <a:ext cx="1280433" cy="738664"/>
+          </a:xfrm>
+          <a:prstGeom prst="rect">
+            <a:avLst/>
+          </a:prstGeom>
+          <a:noFill/>
+        </p:spPr>
+        <p:txBody>
+          <a:bodyPr wrap="square" rtlCol="0">
+            <a:spAutoFit/>
+          </a:bodyPr>
+          <a:lstStyle/>
+          <a:p>
+            <a:r>
+              <a:rPr lang="ru-RU" sz="1400" dirty="0" smtClean="0">
+                <a:latin typeface="Bahnschrift Light Condensed" panose="020B0502040204020203" pitchFamily="34" charset="0"/>
+              </a:rPr>
+              <a:t>Подготовленный</a:t>
+            </a:r>
+          </a:p>
+          <a:p>
+            <a:r>
+              <a:rPr lang="ru-RU" sz="1400" dirty="0" smtClean="0">
+                <a:latin typeface="Bahnschrift Light Condensed" panose="020B0502040204020203" pitchFamily="34" charset="0"/>
+              </a:rPr>
+              <a:t>код</a:t>
+            </a:r>
+            <a:endParaRPr lang="en-US" sz="1400" dirty="0">
+              <a:latin typeface="Bahnschrift Light Condensed" panose="020B0502040204020203" pitchFamily="34" charset="0"/>
+            </a:endParaRPr>
+          </a:p>
+          <a:p>
+            <a:endParaRPr lang="en-US" sz="1400" dirty="0" smtClean="0">
+              <a:latin typeface="Bahnschrift Light Condensed" panose="020B0502040204020203" pitchFamily="34" charset="0"/>
+            </a:endParaRPr>
+          </a:p>
+        </p:txBody>
+      </p:sp>
+      <p:sp>
+        <p:nvSpPr>
+          <p:cNvPr id="40" name="TextBox 39"/>
+          <p:cNvSpPr txBox="1"/>
+          <p:nvPr/>
+        </p:nvSpPr>
+        <p:spPr>
+          <a:xfrm>
+            <a:off x="10227633" y="1690341"/>
+            <a:ext cx="1280433" cy="738664"/>
+          </a:xfrm>
+          <a:prstGeom prst="rect">
+            <a:avLst/>
+          </a:prstGeom>
+          <a:noFill/>
+        </p:spPr>
+        <p:txBody>
+          <a:bodyPr wrap="square" rtlCol="0">
+            <a:spAutoFit/>
+          </a:bodyPr>
+          <a:lstStyle/>
+          <a:p>
+            <a:r>
+              <a:rPr lang="ru-RU" sz="1400" dirty="0" smtClean="0">
+                <a:latin typeface="Bahnschrift Light Condensed" panose="020B0502040204020203" pitchFamily="34" charset="0"/>
+              </a:rPr>
+              <a:t>Результат проверки</a:t>
+            </a:r>
+            <a:endParaRPr lang="en-US" sz="1400" dirty="0">
+              <a:latin typeface="Bahnschrift Light Condensed" panose="020B0502040204020203" pitchFamily="34" charset="0"/>
+            </a:endParaRPr>
+          </a:p>
+          <a:p>
+            <a:endParaRPr lang="en-US" sz="1400" dirty="0" smtClean="0">
+              <a:latin typeface="Bahnschrift Light Condensed" panose="020B0502040204020203" pitchFamily="34" charset="0"/>
+            </a:endParaRPr>
+          </a:p>
+        </p:txBody>
+      </p:sp>
+      <p:sp>
+        <p:nvSpPr>
+          <p:cNvPr id="41" name="TextBox 40"/>
+          <p:cNvSpPr txBox="1"/>
+          <p:nvPr/>
+        </p:nvSpPr>
+        <p:spPr>
+          <a:xfrm>
+            <a:off x="8206827" y="6231090"/>
+            <a:ext cx="2710680" cy="369332"/>
+          </a:xfrm>
+          <a:prstGeom prst="rect">
+            <a:avLst/>
+          </a:prstGeom>
+          <a:noFill/>
+        </p:spPr>
+        <p:txBody>
+          <a:bodyPr wrap="square" rtlCol="0">
+            <a:spAutoFit/>
+          </a:bodyPr>
+          <a:lstStyle/>
+          <a:p>
+            <a:r>
+              <a:rPr lang="ru-RU" dirty="0">
+                <a:latin typeface="Bahnschrift Light Condensed" panose="020B0502040204020203" pitchFamily="34" charset="0"/>
+              </a:rPr>
+              <a:t>Рисунок </a:t>
+            </a:r>
+            <a:r>
+              <a:rPr lang="ru-RU" dirty="0" smtClean="0">
+                <a:latin typeface="Bahnschrift Light Condensed" panose="020B0502040204020203" pitchFamily="34" charset="0"/>
+              </a:rPr>
+              <a:t>7 </a:t>
+            </a:r>
+            <a:r>
+              <a:rPr lang="ru-RU" dirty="0">
+                <a:latin typeface="Bahnschrift Light Condensed" panose="020B0502040204020203" pitchFamily="34" charset="0"/>
+              </a:rPr>
+              <a:t>– </a:t>
+            </a:r>
+            <a:r>
+              <a:rPr lang="ru-RU" dirty="0" smtClean="0">
+                <a:latin typeface="Bahnschrift Light Condensed" panose="020B0502040204020203" pitchFamily="34" charset="0"/>
+              </a:rPr>
+              <a:t>Проверка решения</a:t>
+            </a:r>
+            <a:endParaRPr lang="ru-RU" dirty="0">
+              <a:latin typeface="Bahnschrift Light Condensed" panose="020B0502040204020203" pitchFamily="34" charset="0"/>
+            </a:endParaRPr>
+          </a:p>
+        </p:txBody>
+      </p:sp>
     </p:spTree>
     <p:extLst>
       <p:ext uri="{BB962C8B-B14F-4D97-AF65-F5344CB8AC3E}">
@@ -5295,6 +11960,200 @@
   <p:clrMapOvr>
     <a:masterClrMapping/>
   </p:clrMapOvr>
+  <mc:AlternateContent xmlns:mc="http://schemas.openxmlformats.org/markup-compatibility/2006">
+    <mc:Choice xmlns:p14="http://schemas.microsoft.com/office/powerpoint/2010/main" Requires="p14">
+      <p:transition p14:dur="400">
+        <p14:reveal/>
+      </p:transition>
+    </mc:Choice>
+    <mc:Fallback>
+      <p:transition>
+        <p:fade/>
+      </p:transition>
+    </mc:Fallback>
+  </mc:AlternateContent>
+  <p:timing>
+    <p:tnLst>
+      <p:par>
+        <p:cTn id="1" dur="indefinite" restart="never" nodeType="tmRoot"/>
+      </p:par>
+    </p:tnLst>
+  </p:timing>
+</p:sld>
+</file>
+
+<file path=ppt/slides/slide9.xml><?xml version="1.0" encoding="utf-8"?>
+<p:sld xmlns:a="http://schemas.openxmlformats.org/drawingml/2006/main" xmlns:r="http://schemas.openxmlformats.org/officeDocument/2006/relationships" xmlns:p="http://schemas.openxmlformats.org/presentationml/2006/main">
+  <p:cSld>
+    <p:spTree>
+      <p:nvGrpSpPr>
+        <p:cNvPr id="1" name=""/>
+        <p:cNvGrpSpPr/>
+        <p:nvPr/>
+      </p:nvGrpSpPr>
+      <p:grpSpPr>
+        <a:xfrm>
+          <a:off x="0" y="0"/>
+          <a:ext cx="0" cy="0"/>
+          <a:chOff x="0" y="0"/>
+          <a:chExt cx="0" cy="0"/>
+        </a:xfrm>
+      </p:grpSpPr>
+      <p:sp>
+        <p:nvSpPr>
+          <p:cNvPr id="3" name="Заголовок 1">
+            <a:extLst>
+              <a:ext uri="{FF2B5EF4-FFF2-40B4-BE49-F238E27FC236}">
+                <a16:creationId xmlns:a16="http://schemas.microsoft.com/office/drawing/2014/main" id="{A0ACA5B3-A45B-4106-A5F4-99EEF503605D}"/>
+              </a:ext>
+            </a:extLst>
+          </p:cNvPr>
+          <p:cNvSpPr>
+            <a:spLocks noGrp="1"/>
+          </p:cNvSpPr>
+          <p:nvPr>
+            <p:ph type="title"/>
+          </p:nvPr>
+        </p:nvSpPr>
+        <p:spPr>
+          <a:xfrm>
+            <a:off x="934791" y="323438"/>
+            <a:ext cx="6579637" cy="719751"/>
+          </a:xfrm>
+        </p:spPr>
+        <p:txBody>
+          <a:bodyPr/>
+          <a:lstStyle/>
+          <a:p>
+            <a:r>
+              <a:rPr lang="ru-RU" dirty="0" smtClean="0">
+                <a:latin typeface="Bahnschrift Light Condensed" panose="020B0502040204020203" pitchFamily="34" charset="0"/>
+              </a:rPr>
+              <a:t>Архитектура платформы</a:t>
+            </a:r>
+            <a:endParaRPr lang="ru-RU" dirty="0">
+              <a:latin typeface="Bahnschrift Light Condensed" panose="020B0502040204020203" pitchFamily="34" charset="0"/>
+            </a:endParaRPr>
+          </a:p>
+        </p:txBody>
+      </p:sp>
+      <p:pic>
+        <p:nvPicPr>
+          <p:cNvPr id="5" name="Рисунок 4"/>
+          <p:cNvPicPr>
+            <a:picLocks noChangeAspect="1"/>
+          </p:cNvPicPr>
+          <p:nvPr/>
+        </p:nvPicPr>
+        <p:blipFill>
+          <a:blip r:embed="rId2">
+            <a:extLst>
+              <a:ext uri="{28A0092B-C50C-407E-A947-70E740481C1C}">
+                <a14:useLocalDpi xmlns:a14="http://schemas.microsoft.com/office/drawing/2010/main" val="0"/>
+              </a:ext>
+            </a:extLst>
+          </a:blip>
+          <a:stretch>
+            <a:fillRect/>
+          </a:stretch>
+        </p:blipFill>
+        <p:spPr>
+          <a:xfrm>
+            <a:off x="1423116" y="1147686"/>
+            <a:ext cx="9272789" cy="4741985"/>
+          </a:xfrm>
+          <a:prstGeom prst="rect">
+            <a:avLst/>
+          </a:prstGeom>
+        </p:spPr>
+      </p:pic>
+      <p:sp>
+        <p:nvSpPr>
+          <p:cNvPr id="6" name="TextBox 5"/>
+          <p:cNvSpPr txBox="1"/>
+          <p:nvPr/>
+        </p:nvSpPr>
+        <p:spPr>
+          <a:xfrm>
+            <a:off x="4869053" y="5880818"/>
+            <a:ext cx="2710680" cy="369332"/>
+          </a:xfrm>
+          <a:prstGeom prst="rect">
+            <a:avLst/>
+          </a:prstGeom>
+          <a:noFill/>
+        </p:spPr>
+        <p:txBody>
+          <a:bodyPr wrap="square" rtlCol="0">
+            <a:spAutoFit/>
+          </a:bodyPr>
+          <a:lstStyle/>
+          <a:p>
+            <a:r>
+              <a:rPr lang="ru-RU" dirty="0">
+                <a:latin typeface="Bahnschrift Light Condensed" panose="020B0502040204020203" pitchFamily="34" charset="0"/>
+              </a:rPr>
+              <a:t>Рисунок </a:t>
+            </a:r>
+            <a:r>
+              <a:rPr lang="en-US" dirty="0">
+                <a:latin typeface="Bahnschrift Light Condensed" panose="020B0502040204020203" pitchFamily="34" charset="0"/>
+              </a:rPr>
+              <a:t>8</a:t>
+            </a:r>
+            <a:r>
+              <a:rPr lang="ru-RU" dirty="0" smtClean="0">
+                <a:latin typeface="Bahnschrift Light Condensed" panose="020B0502040204020203" pitchFamily="34" charset="0"/>
+              </a:rPr>
+              <a:t> </a:t>
+            </a:r>
+            <a:r>
+              <a:rPr lang="ru-RU" dirty="0">
+                <a:latin typeface="Bahnschrift Light Condensed" panose="020B0502040204020203" pitchFamily="34" charset="0"/>
+              </a:rPr>
+              <a:t>– </a:t>
+            </a:r>
+            <a:r>
+              <a:rPr lang="ru-RU" dirty="0" smtClean="0">
+                <a:latin typeface="Bahnschrift Light Condensed" panose="020B0502040204020203" pitchFamily="34" charset="0"/>
+              </a:rPr>
+              <a:t>Архитектура</a:t>
+            </a:r>
+            <a:endParaRPr lang="ru-RU" dirty="0">
+              <a:latin typeface="Bahnschrift Light Condensed" panose="020B0502040204020203" pitchFamily="34" charset="0"/>
+            </a:endParaRPr>
+          </a:p>
+        </p:txBody>
+      </p:sp>
+    </p:spTree>
+    <p:extLst>
+      <p:ext uri="{BB962C8B-B14F-4D97-AF65-F5344CB8AC3E}">
+        <p14:creationId xmlns:p14="http://schemas.microsoft.com/office/powerpoint/2010/main" val="4197788654"/>
+      </p:ext>
+    </p:extLst>
+  </p:cSld>
+  <p:clrMapOvr>
+    <a:masterClrMapping/>
+  </p:clrMapOvr>
+  <mc:AlternateContent xmlns:mc="http://schemas.openxmlformats.org/markup-compatibility/2006">
+    <mc:Choice xmlns:p14="http://schemas.microsoft.com/office/powerpoint/2010/main" Requires="p14">
+      <p:transition p14:dur="400">
+        <p14:reveal/>
+      </p:transition>
+    </mc:Choice>
+    <mc:Fallback>
+      <p:transition>
+        <p:fade/>
+      </p:transition>
+    </mc:Fallback>
+  </mc:AlternateContent>
+  <p:timing>
+    <p:tnLst>
+      <p:par>
+        <p:cTn id="1" dur="indefinite" restart="never" nodeType="tmRoot"/>
+      </p:par>
+    </p:tnLst>
+  </p:timing>
 </p:sld>
 </file>
 

--- a/Презентация Microsoft PowerPoint.pptx
+++ b/Презентация Microsoft PowerPoint.pptx
@@ -212,7 +212,7 @@
           <a:p>
             <a:fld id="{06EA2F6A-6C6A-4F9A-A657-6DE485336090}" type="datetimeFigureOut">
               <a:rPr lang="ru-RU" smtClean="0"/>
-              <a:t>18.12.2023</a:t>
+              <a:t>19.12.2023</a:t>
             </a:fld>
             <a:endParaRPr lang="ru-RU"/>
           </a:p>
@@ -830,7 +830,7 @@
           <a:p>
             <a:fld id="{6D08A19F-D333-4595-8414-ABF2D3176DF2}" type="datetimeFigureOut">
               <a:rPr lang="ru-RU" smtClean="0"/>
-              <a:t>18.12.2023</a:t>
+              <a:t>19.12.2023</a:t>
             </a:fld>
             <a:endParaRPr lang="ru-RU"/>
           </a:p>
@@ -1028,7 +1028,7 @@
           <a:p>
             <a:fld id="{6D08A19F-D333-4595-8414-ABF2D3176DF2}" type="datetimeFigureOut">
               <a:rPr lang="ru-RU" smtClean="0"/>
-              <a:t>18.12.2023</a:t>
+              <a:t>19.12.2023</a:t>
             </a:fld>
             <a:endParaRPr lang="ru-RU"/>
           </a:p>
@@ -1236,7 +1236,7 @@
           <a:p>
             <a:fld id="{6D08A19F-D333-4595-8414-ABF2D3176DF2}" type="datetimeFigureOut">
               <a:rPr lang="ru-RU" smtClean="0"/>
-              <a:t>18.12.2023</a:t>
+              <a:t>19.12.2023</a:t>
             </a:fld>
             <a:endParaRPr lang="ru-RU"/>
           </a:p>
@@ -1434,7 +1434,7 @@
           <a:p>
             <a:fld id="{6D08A19F-D333-4595-8414-ABF2D3176DF2}" type="datetimeFigureOut">
               <a:rPr lang="ru-RU" smtClean="0"/>
-              <a:t>18.12.2023</a:t>
+              <a:t>19.12.2023</a:t>
             </a:fld>
             <a:endParaRPr lang="ru-RU"/>
           </a:p>
@@ -1709,7 +1709,7 @@
           <a:p>
             <a:fld id="{6D08A19F-D333-4595-8414-ABF2D3176DF2}" type="datetimeFigureOut">
               <a:rPr lang="ru-RU" smtClean="0"/>
-              <a:t>18.12.2023</a:t>
+              <a:t>19.12.2023</a:t>
             </a:fld>
             <a:endParaRPr lang="ru-RU"/>
           </a:p>
@@ -1974,7 +1974,7 @@
           <a:p>
             <a:fld id="{6D08A19F-D333-4595-8414-ABF2D3176DF2}" type="datetimeFigureOut">
               <a:rPr lang="ru-RU" smtClean="0"/>
-              <a:t>18.12.2023</a:t>
+              <a:t>19.12.2023</a:t>
             </a:fld>
             <a:endParaRPr lang="ru-RU"/>
           </a:p>
@@ -2386,7 +2386,7 @@
           <a:p>
             <a:fld id="{6D08A19F-D333-4595-8414-ABF2D3176DF2}" type="datetimeFigureOut">
               <a:rPr lang="ru-RU" smtClean="0"/>
-              <a:t>18.12.2023</a:t>
+              <a:t>19.12.2023</a:t>
             </a:fld>
             <a:endParaRPr lang="ru-RU"/>
           </a:p>
@@ -2527,7 +2527,7 @@
           <a:p>
             <a:fld id="{6D08A19F-D333-4595-8414-ABF2D3176DF2}" type="datetimeFigureOut">
               <a:rPr lang="ru-RU" smtClean="0"/>
-              <a:t>18.12.2023</a:t>
+              <a:t>19.12.2023</a:t>
             </a:fld>
             <a:endParaRPr lang="ru-RU"/>
           </a:p>
@@ -2640,7 +2640,7 @@
           <a:p>
             <a:fld id="{6D08A19F-D333-4595-8414-ABF2D3176DF2}" type="datetimeFigureOut">
               <a:rPr lang="ru-RU" smtClean="0"/>
-              <a:t>18.12.2023</a:t>
+              <a:t>19.12.2023</a:t>
             </a:fld>
             <a:endParaRPr lang="ru-RU"/>
           </a:p>
@@ -2951,7 +2951,7 @@
           <a:p>
             <a:fld id="{6D08A19F-D333-4595-8414-ABF2D3176DF2}" type="datetimeFigureOut">
               <a:rPr lang="ru-RU" smtClean="0"/>
-              <a:t>18.12.2023</a:t>
+              <a:t>19.12.2023</a:t>
             </a:fld>
             <a:endParaRPr lang="ru-RU"/>
           </a:p>
@@ -3242,7 +3242,7 @@
           <a:p>
             <a:fld id="{6D08A19F-D333-4595-8414-ABF2D3176DF2}" type="datetimeFigureOut">
               <a:rPr lang="ru-RU" smtClean="0"/>
-              <a:t>18.12.2023</a:t>
+              <a:t>19.12.2023</a:t>
             </a:fld>
             <a:endParaRPr lang="ru-RU"/>
           </a:p>
@@ -3519,7 +3519,7 @@
           <a:p>
             <a:fld id="{6D08A19F-D333-4595-8414-ABF2D3176DF2}" type="datetimeFigureOut">
               <a:rPr lang="ru-RU" smtClean="0"/>
-              <a:t>18.12.2023</a:t>
+              <a:t>19.12.2023</a:t>
             </a:fld>
             <a:endParaRPr lang="ru-RU"/>
           </a:p>
@@ -4026,13 +4026,13 @@
   <p:clrMapOvr>
     <a:masterClrMapping/>
   </p:clrMapOvr>
-  <mc:AlternateContent xmlns:mc="http://schemas.openxmlformats.org/markup-compatibility/2006">
-    <mc:Choice xmlns:p14="http://schemas.microsoft.com/office/powerpoint/2010/main" Requires="p14">
+  <mc:AlternateContent xmlns:mc="http://schemas.openxmlformats.org/markup-compatibility/2006" xmlns:p14="http://schemas.microsoft.com/office/powerpoint/2010/main">
+    <mc:Choice Requires="p14">
       <p:transition p14:dur="400">
         <p14:reveal/>
       </p:transition>
     </mc:Choice>
-    <mc:Fallback>
+    <mc:Fallback xmlns="">
       <p:transition>
         <p:fade/>
       </p:transition>
@@ -5956,13 +5956,13 @@
   <p:clrMapOvr>
     <a:masterClrMapping/>
   </p:clrMapOvr>
-  <mc:AlternateContent xmlns:mc="http://schemas.openxmlformats.org/markup-compatibility/2006">
-    <mc:Choice xmlns:p14="http://schemas.microsoft.com/office/powerpoint/2010/main" Requires="p14">
+  <mc:AlternateContent xmlns:mc="http://schemas.openxmlformats.org/markup-compatibility/2006" xmlns:p14="http://schemas.microsoft.com/office/powerpoint/2010/main">
+    <mc:Choice Requires="p14">
       <p:transition p14:dur="400">
         <p14:reveal/>
       </p:transition>
     </mc:Choice>
-    <mc:Fallback>
+    <mc:Fallback xmlns="">
       <p:transition>
         <p:fade/>
       </p:transition>
@@ -7184,13 +7184,13 @@
   <p:clrMapOvr>
     <a:masterClrMapping/>
   </p:clrMapOvr>
-  <mc:AlternateContent xmlns:mc="http://schemas.openxmlformats.org/markup-compatibility/2006">
-    <mc:Choice xmlns:p14="http://schemas.microsoft.com/office/powerpoint/2010/main" Requires="p14">
+  <mc:AlternateContent xmlns:mc="http://schemas.openxmlformats.org/markup-compatibility/2006" xmlns:p14="http://schemas.microsoft.com/office/powerpoint/2010/main">
+    <mc:Choice Requires="p14">
       <p:transition p14:dur="400">
         <p14:reveal/>
       </p:transition>
     </mc:Choice>
-    <mc:Fallback>
+    <mc:Fallback xmlns="">
       <p:transition>
         <p:fade/>
       </p:transition>
@@ -7369,13 +7369,13 @@
   <p:clrMapOvr>
     <a:masterClrMapping/>
   </p:clrMapOvr>
-  <mc:AlternateContent xmlns:mc="http://schemas.openxmlformats.org/markup-compatibility/2006">
-    <mc:Choice xmlns:p14="http://schemas.microsoft.com/office/powerpoint/2010/main" Requires="p14">
+  <mc:AlternateContent xmlns:mc="http://schemas.openxmlformats.org/markup-compatibility/2006" xmlns:p14="http://schemas.microsoft.com/office/powerpoint/2010/main">
+    <mc:Choice Requires="p14">
       <p:transition p14:dur="400">
         <p14:reveal/>
       </p:transition>
     </mc:Choice>
-    <mc:Fallback>
+    <mc:Fallback xmlns="">
       <p:transition>
         <p:fade/>
       </p:transition>
@@ -7610,13 +7610,13 @@
   <p:clrMapOvr>
     <a:masterClrMapping/>
   </p:clrMapOvr>
-  <mc:AlternateContent xmlns:mc="http://schemas.openxmlformats.org/markup-compatibility/2006">
-    <mc:Choice xmlns:p14="http://schemas.microsoft.com/office/powerpoint/2010/main" Requires="p14">
+  <mc:AlternateContent xmlns:mc="http://schemas.openxmlformats.org/markup-compatibility/2006" xmlns:p14="http://schemas.microsoft.com/office/powerpoint/2010/main">
+    <mc:Choice Requires="p14">
       <p:transition p14:dur="400">
         <p14:reveal/>
       </p:transition>
     </mc:Choice>
-    <mc:Fallback>
+    <mc:Fallback xmlns="">
       <p:transition>
         <p:fade/>
       </p:transition>
@@ -7846,13 +7846,13 @@
   <p:clrMapOvr>
     <a:masterClrMapping/>
   </p:clrMapOvr>
-  <mc:AlternateContent xmlns:mc="http://schemas.openxmlformats.org/markup-compatibility/2006">
-    <mc:Choice xmlns:p14="http://schemas.microsoft.com/office/powerpoint/2010/main" Requires="p14">
+  <mc:AlternateContent xmlns:mc="http://schemas.openxmlformats.org/markup-compatibility/2006" xmlns:p14="http://schemas.microsoft.com/office/powerpoint/2010/main">
+    <mc:Choice Requires="p14">
       <p:transition p14:dur="400">
         <p14:reveal/>
       </p:transition>
     </mc:Choice>
-    <mc:Fallback>
+    <mc:Fallback xmlns="">
       <p:transition>
         <p:fade/>
       </p:transition>
@@ -8079,13 +8079,13 @@
   <p:clrMapOvr>
     <a:masterClrMapping/>
   </p:clrMapOvr>
-  <mc:AlternateContent xmlns:mc="http://schemas.openxmlformats.org/markup-compatibility/2006">
-    <mc:Choice xmlns:p14="http://schemas.microsoft.com/office/powerpoint/2010/main" Requires="p14">
+  <mc:AlternateContent xmlns:mc="http://schemas.openxmlformats.org/markup-compatibility/2006" xmlns:p14="http://schemas.microsoft.com/office/powerpoint/2010/main">
+    <mc:Choice Requires="p14">
       <p:transition p14:dur="400">
         <p14:reveal/>
       </p:transition>
     </mc:Choice>
-    <mc:Fallback>
+    <mc:Fallback xmlns="">
       <p:transition>
         <p:fade/>
       </p:transition>
@@ -8239,13 +8239,13 @@
   <p:clrMapOvr>
     <a:masterClrMapping/>
   </p:clrMapOvr>
-  <mc:AlternateContent xmlns:mc="http://schemas.openxmlformats.org/markup-compatibility/2006">
-    <mc:Choice xmlns:p14="http://schemas.microsoft.com/office/powerpoint/2010/main" Requires="p14">
+  <mc:AlternateContent xmlns:mc="http://schemas.openxmlformats.org/markup-compatibility/2006" xmlns:p14="http://schemas.microsoft.com/office/powerpoint/2010/main">
+    <mc:Choice Requires="p14">
       <p:transition p14:dur="400">
         <p14:reveal/>
       </p:transition>
     </mc:Choice>
-    <mc:Fallback>
+    <mc:Fallback xmlns="">
       <p:transition>
         <p:fade/>
       </p:transition>
@@ -8394,13 +8394,13 @@
   <p:clrMapOvr>
     <a:masterClrMapping/>
   </p:clrMapOvr>
-  <mc:AlternateContent xmlns:mc="http://schemas.openxmlformats.org/markup-compatibility/2006">
-    <mc:Choice xmlns:p14="http://schemas.microsoft.com/office/powerpoint/2010/main" Requires="p14">
+  <mc:AlternateContent xmlns:mc="http://schemas.openxmlformats.org/markup-compatibility/2006" xmlns:p14="http://schemas.microsoft.com/office/powerpoint/2010/main">
+    <mc:Choice Requires="p14">
       <p:transition p14:dur="400">
         <p14:reveal/>
       </p:transition>
     </mc:Choice>
-    <mc:Fallback>
+    <mc:Fallback xmlns="">
       <p:transition>
         <p:fade/>
       </p:transition>
@@ -8570,13 +8570,13 @@
   <p:clrMapOvr>
     <a:masterClrMapping/>
   </p:clrMapOvr>
-  <mc:AlternateContent xmlns:mc="http://schemas.openxmlformats.org/markup-compatibility/2006">
-    <mc:Choice xmlns:p14="http://schemas.microsoft.com/office/powerpoint/2010/main" Requires="p14">
+  <mc:AlternateContent xmlns:mc="http://schemas.openxmlformats.org/markup-compatibility/2006" xmlns:p14="http://schemas.microsoft.com/office/powerpoint/2010/main">
+    <mc:Choice Requires="p14">
       <p:transition p14:dur="400">
         <p14:reveal/>
       </p:transition>
     </mc:Choice>
-    <mc:Fallback>
+    <mc:Fallback xmlns="">
       <p:transition>
         <p:fade/>
       </p:transition>
@@ -8896,13 +8896,13 @@
   <p:clrMapOvr>
     <a:masterClrMapping/>
   </p:clrMapOvr>
-  <mc:AlternateContent xmlns:mc="http://schemas.openxmlformats.org/markup-compatibility/2006">
-    <mc:Choice xmlns:p14="http://schemas.microsoft.com/office/powerpoint/2010/main" Requires="p14">
+  <mc:AlternateContent xmlns:mc="http://schemas.openxmlformats.org/markup-compatibility/2006" xmlns:p14="http://schemas.microsoft.com/office/powerpoint/2010/main">
+    <mc:Choice Requires="p14">
       <p:transition p14:dur="400">
         <p14:reveal/>
       </p:transition>
     </mc:Choice>
-    <mc:Fallback>
+    <mc:Fallback xmlns="">
       <p:transition>
         <p:fade/>
       </p:transition>
@@ -9487,13 +9487,13 @@
   <p:clrMapOvr>
     <a:masterClrMapping/>
   </p:clrMapOvr>
-  <mc:AlternateContent xmlns:mc="http://schemas.openxmlformats.org/markup-compatibility/2006">
-    <mc:Choice xmlns:p14="http://schemas.microsoft.com/office/powerpoint/2010/main" Requires="p14">
+  <mc:AlternateContent xmlns:mc="http://schemas.openxmlformats.org/markup-compatibility/2006" xmlns:p14="http://schemas.microsoft.com/office/powerpoint/2010/main">
+    <mc:Choice Requires="p14">
       <p:transition p14:dur="400">
         <p14:reveal/>
       </p:transition>
     </mc:Choice>
-    <mc:Fallback>
+    <mc:Fallback xmlns="">
       <p:transition>
         <p:fade/>
       </p:transition>
@@ -10782,13 +10782,13 @@
   <p:clrMapOvr>
     <a:masterClrMapping/>
   </p:clrMapOvr>
-  <mc:AlternateContent xmlns:mc="http://schemas.openxmlformats.org/markup-compatibility/2006">
-    <mc:Choice xmlns:p14="http://schemas.microsoft.com/office/powerpoint/2010/main" Requires="p14">
+  <mc:AlternateContent xmlns:mc="http://schemas.openxmlformats.org/markup-compatibility/2006" xmlns:p14="http://schemas.microsoft.com/office/powerpoint/2010/main">
+    <mc:Choice Requires="p14">
       <p:transition p14:dur="400">
         <p14:reveal/>
       </p:transition>
     </mc:Choice>
-    <mc:Fallback>
+    <mc:Fallback xmlns="">
       <p:transition>
         <p:fade/>
       </p:transition>
@@ -11097,13 +11097,13 @@
   <p:clrMapOvr>
     <a:masterClrMapping/>
   </p:clrMapOvr>
-  <mc:AlternateContent xmlns:mc="http://schemas.openxmlformats.org/markup-compatibility/2006">
-    <mc:Choice xmlns:p14="http://schemas.microsoft.com/office/powerpoint/2010/main" Requires="p14">
+  <mc:AlternateContent xmlns:mc="http://schemas.openxmlformats.org/markup-compatibility/2006" xmlns:p14="http://schemas.microsoft.com/office/powerpoint/2010/main">
+    <mc:Choice Requires="p14">
       <p:transition p14:dur="400">
         <p14:reveal/>
       </p:transition>
     </mc:Choice>
-    <mc:Fallback>
+    <mc:Fallback xmlns="">
       <p:transition>
         <p:fade/>
       </p:transition>
@@ -11960,13 +11960,13 @@
   <p:clrMapOvr>
     <a:masterClrMapping/>
   </p:clrMapOvr>
-  <mc:AlternateContent xmlns:mc="http://schemas.openxmlformats.org/markup-compatibility/2006">
-    <mc:Choice xmlns:p14="http://schemas.microsoft.com/office/powerpoint/2010/main" Requires="p14">
+  <mc:AlternateContent xmlns:mc="http://schemas.openxmlformats.org/markup-compatibility/2006" xmlns:p14="http://schemas.microsoft.com/office/powerpoint/2010/main">
+    <mc:Choice Requires="p14">
       <p:transition p14:dur="400">
         <p14:reveal/>
       </p:transition>
     </mc:Choice>
-    <mc:Fallback>
+    <mc:Fallback xmlns="">
       <p:transition>
         <p:fade/>
       </p:transition>
@@ -12037,9 +12037,67 @@
           </a:p>
         </p:txBody>
       </p:sp>
+      <p:sp>
+        <p:nvSpPr>
+          <p:cNvPr id="6" name="TextBox 5"/>
+          <p:cNvSpPr txBox="1"/>
+          <p:nvPr/>
+        </p:nvSpPr>
+        <p:spPr>
+          <a:xfrm>
+            <a:off x="4869053" y="5880818"/>
+            <a:ext cx="2710680" cy="369332"/>
+          </a:xfrm>
+          <a:prstGeom prst="rect">
+            <a:avLst/>
+          </a:prstGeom>
+          <a:noFill/>
+        </p:spPr>
+        <p:txBody>
+          <a:bodyPr wrap="square" rtlCol="0">
+            <a:spAutoFit/>
+          </a:bodyPr>
+          <a:lstStyle/>
+          <a:p>
+            <a:r>
+              <a:rPr lang="ru-RU" dirty="0">
+                <a:latin typeface="Bahnschrift Light Condensed" panose="020B0502040204020203" pitchFamily="34" charset="0"/>
+              </a:rPr>
+              <a:t>Рисунок </a:t>
+            </a:r>
+            <a:r>
+              <a:rPr lang="en-US" dirty="0">
+                <a:latin typeface="Bahnschrift Light Condensed" panose="020B0502040204020203" pitchFamily="34" charset="0"/>
+              </a:rPr>
+              <a:t>8</a:t>
+            </a:r>
+            <a:r>
+              <a:rPr lang="ru-RU" dirty="0" smtClean="0">
+                <a:latin typeface="Bahnschrift Light Condensed" panose="020B0502040204020203" pitchFamily="34" charset="0"/>
+              </a:rPr>
+              <a:t> </a:t>
+            </a:r>
+            <a:r>
+              <a:rPr lang="ru-RU" dirty="0">
+                <a:latin typeface="Bahnschrift Light Condensed" panose="020B0502040204020203" pitchFamily="34" charset="0"/>
+              </a:rPr>
+              <a:t>– </a:t>
+            </a:r>
+            <a:r>
+              <a:rPr lang="ru-RU" dirty="0" smtClean="0">
+                <a:latin typeface="Bahnschrift Light Condensed" panose="020B0502040204020203" pitchFamily="34" charset="0"/>
+              </a:rPr>
+              <a:t>Архитектура</a:t>
+            </a:r>
+            <a:endParaRPr lang="ru-RU" dirty="0">
+              <a:latin typeface="Bahnschrift Light Condensed" panose="020B0502040204020203" pitchFamily="34" charset="0"/>
+            </a:endParaRPr>
+          </a:p>
+        </p:txBody>
+      </p:sp>
       <p:pic>
         <p:nvPicPr>
-          <p:cNvPr id="5" name="Рисунок 4"/>
+          <p:cNvPr id="4" name="Рисунок 3"/>
           <p:cNvPicPr>
             <a:picLocks noChangeAspect="1"/>
           </p:cNvPicPr>
@@ -12059,72 +12117,14 @@
         </p:blipFill>
         <p:spPr>
           <a:xfrm>
-            <a:off x="1423116" y="1147686"/>
-            <a:ext cx="9272789" cy="4741985"/>
+            <a:off x="727166" y="1136540"/>
+            <a:ext cx="10551775" cy="4744278"/>
           </a:xfrm>
           <a:prstGeom prst="rect">
             <a:avLst/>
           </a:prstGeom>
         </p:spPr>
       </p:pic>
-      <p:sp>
-        <p:nvSpPr>
-          <p:cNvPr id="6" name="TextBox 5"/>
-          <p:cNvSpPr txBox="1"/>
-          <p:nvPr/>
-        </p:nvSpPr>
-        <p:spPr>
-          <a:xfrm>
-            <a:off x="4869053" y="5880818"/>
-            <a:ext cx="2710680" cy="369332"/>
-          </a:xfrm>
-          <a:prstGeom prst="rect">
-            <a:avLst/>
-          </a:prstGeom>
-          <a:noFill/>
-        </p:spPr>
-        <p:txBody>
-          <a:bodyPr wrap="square" rtlCol="0">
-            <a:spAutoFit/>
-          </a:bodyPr>
-          <a:lstStyle/>
-          <a:p>
-            <a:r>
-              <a:rPr lang="ru-RU" dirty="0">
-                <a:latin typeface="Bahnschrift Light Condensed" panose="020B0502040204020203" pitchFamily="34" charset="0"/>
-              </a:rPr>
-              <a:t>Рисунок </a:t>
-            </a:r>
-            <a:r>
-              <a:rPr lang="en-US" dirty="0">
-                <a:latin typeface="Bahnschrift Light Condensed" panose="020B0502040204020203" pitchFamily="34" charset="0"/>
-              </a:rPr>
-              <a:t>8</a:t>
-            </a:r>
-            <a:r>
-              <a:rPr lang="ru-RU" dirty="0" smtClean="0">
-                <a:latin typeface="Bahnschrift Light Condensed" panose="020B0502040204020203" pitchFamily="34" charset="0"/>
-              </a:rPr>
-              <a:t> </a:t>
-            </a:r>
-            <a:r>
-              <a:rPr lang="ru-RU" dirty="0">
-                <a:latin typeface="Bahnschrift Light Condensed" panose="020B0502040204020203" pitchFamily="34" charset="0"/>
-              </a:rPr>
-              <a:t>– </a:t>
-            </a:r>
-            <a:r>
-              <a:rPr lang="ru-RU" dirty="0" smtClean="0">
-                <a:latin typeface="Bahnschrift Light Condensed" panose="020B0502040204020203" pitchFamily="34" charset="0"/>
-              </a:rPr>
-              <a:t>Архитектура</a:t>
-            </a:r>
-            <a:endParaRPr lang="ru-RU" dirty="0">
-              <a:latin typeface="Bahnschrift Light Condensed" panose="020B0502040204020203" pitchFamily="34" charset="0"/>
-            </a:endParaRPr>
-          </a:p>
-        </p:txBody>
-      </p:sp>
     </p:spTree>
     <p:extLst>
       <p:ext uri="{BB962C8B-B14F-4D97-AF65-F5344CB8AC3E}">
@@ -12135,13 +12135,13 @@
   <p:clrMapOvr>
     <a:masterClrMapping/>
   </p:clrMapOvr>
-  <mc:AlternateContent xmlns:mc="http://schemas.openxmlformats.org/markup-compatibility/2006">
-    <mc:Choice xmlns:p14="http://schemas.microsoft.com/office/powerpoint/2010/main" Requires="p14">
+  <mc:AlternateContent xmlns:mc="http://schemas.openxmlformats.org/markup-compatibility/2006" xmlns:p14="http://schemas.microsoft.com/office/powerpoint/2010/main">
+    <mc:Choice Requires="p14">
       <p:transition p14:dur="400">
         <p14:reveal/>
       </p:transition>
     </mc:Choice>
-    <mc:Fallback>
+    <mc:Fallback xmlns="">
       <p:transition>
         <p:fade/>
       </p:transition>
